--- a/asset/Learn/ITA-offline-install.pptx
+++ b/asset/Learn/ITA-offline-install.pptx
@@ -340,7 +340,7 @@
               <a:rPr kumimoji="1" lang="ja-JP" altLang="en-US" smtClean="0">
                 <a:ea typeface="メイリオ" panose="020B0604030504040204" pitchFamily="50" charset="-128"/>
               </a:rPr>
-              <a:t>2020/9/3</a:t>
+              <a:t>2020/10/2</a:t>
             </a:fld>
             <a:endParaRPr kumimoji="1" lang="ja-JP" altLang="en-US" dirty="0">
               <a:ea typeface="メイリオ" panose="020B0604030504040204" pitchFamily="50" charset="-128"/>
@@ -486,7 +486,7 @@
             <a:fld id="{4B26993D-C081-44EB-B0F5-A9F467792B62}" type="datetimeFigureOut">
               <a:rPr lang="ja-JP" altLang="en-US" smtClean="0"/>
               <a:pPr/>
-              <a:t>2020/9/3</a:t>
+              <a:t>2020/10/2</a:t>
             </a:fld>
             <a:endParaRPr lang="ja-JP" altLang="en-US" dirty="0"/>
           </a:p>
@@ -1109,7 +1109,7 @@
           <a:p>
             <a:fld id="{56F9016B-CCA6-43BE-8BEE-59565A35F4F7}" type="datetimeFigureOut">
               <a:rPr kumimoji="1" lang="ja-JP" altLang="en-US" smtClean="0"/>
-              <a:t>2020/9/3</a:t>
+              <a:t>2020/10/2</a:t>
             </a:fld>
             <a:endParaRPr kumimoji="1" lang="ja-JP" altLang="en-US"/>
           </a:p>
@@ -1311,7 +1311,7 @@
           <a:p>
             <a:fld id="{56F9016B-CCA6-43BE-8BEE-59565A35F4F7}" type="datetimeFigureOut">
               <a:rPr kumimoji="1" lang="ja-JP" altLang="en-US" smtClean="0"/>
-              <a:t>2020/9/3</a:t>
+              <a:t>2020/10/2</a:t>
             </a:fld>
             <a:endParaRPr kumimoji="1" lang="ja-JP" altLang="en-US"/>
           </a:p>
@@ -1557,7 +1557,7 @@
           <a:p>
             <a:fld id="{56F9016B-CCA6-43BE-8BEE-59565A35F4F7}" type="datetimeFigureOut">
               <a:rPr kumimoji="1" lang="ja-JP" altLang="en-US" smtClean="0"/>
-              <a:t>2020/9/3</a:t>
+              <a:t>2020/10/2</a:t>
             </a:fld>
             <a:endParaRPr kumimoji="1" lang="ja-JP" altLang="en-US"/>
           </a:p>
@@ -1853,7 +1853,7 @@
           <a:p>
             <a:fld id="{56F9016B-CCA6-43BE-8BEE-59565A35F4F7}" type="datetimeFigureOut">
               <a:rPr kumimoji="1" lang="ja-JP" altLang="en-US" smtClean="0"/>
-              <a:t>2020/9/3</a:t>
+              <a:t>2020/10/2</a:t>
             </a:fld>
             <a:endParaRPr kumimoji="1" lang="ja-JP" altLang="en-US"/>
           </a:p>
@@ -2284,7 +2284,7 @@
           <a:p>
             <a:fld id="{56F9016B-CCA6-43BE-8BEE-59565A35F4F7}" type="datetimeFigureOut">
               <a:rPr kumimoji="1" lang="ja-JP" altLang="en-US" smtClean="0"/>
-              <a:t>2020/9/3</a:t>
+              <a:t>2020/10/2</a:t>
             </a:fld>
             <a:endParaRPr kumimoji="1" lang="ja-JP" altLang="en-US"/>
           </a:p>
@@ -2402,7 +2402,7 @@
           <a:p>
             <a:fld id="{56F9016B-CCA6-43BE-8BEE-59565A35F4F7}" type="datetimeFigureOut">
               <a:rPr kumimoji="1" lang="ja-JP" altLang="en-US" smtClean="0"/>
-              <a:t>2020/9/3</a:t>
+              <a:t>2020/10/2</a:t>
             </a:fld>
             <a:endParaRPr kumimoji="1" lang="ja-JP" altLang="en-US"/>
           </a:p>
@@ -2497,7 +2497,7 @@
           <a:p>
             <a:fld id="{56F9016B-CCA6-43BE-8BEE-59565A35F4F7}" type="datetimeFigureOut">
               <a:rPr kumimoji="1" lang="ja-JP" altLang="en-US" smtClean="0"/>
-              <a:t>2020/9/3</a:t>
+              <a:t>2020/10/2</a:t>
             </a:fld>
             <a:endParaRPr kumimoji="1" lang="ja-JP" altLang="en-US"/>
           </a:p>
@@ -2806,7 +2806,7 @@
           <a:p>
             <a:fld id="{56F9016B-CCA6-43BE-8BEE-59565A35F4F7}" type="datetimeFigureOut">
               <a:rPr kumimoji="1" lang="ja-JP" altLang="en-US" smtClean="0"/>
-              <a:t>2020/9/3</a:t>
+              <a:t>2020/10/2</a:t>
             </a:fld>
             <a:endParaRPr kumimoji="1" lang="ja-JP" altLang="en-US"/>
           </a:p>
@@ -3059,7 +3059,7 @@
           <a:p>
             <a:fld id="{56F9016B-CCA6-43BE-8BEE-59565A35F4F7}" type="datetimeFigureOut">
               <a:rPr kumimoji="1" lang="ja-JP" altLang="en-US" smtClean="0"/>
-              <a:t>2020/9/3</a:t>
+              <a:t>2020/10/2</a:t>
             </a:fld>
             <a:endParaRPr kumimoji="1" lang="ja-JP" altLang="en-US"/>
           </a:p>
@@ -3336,7 +3336,7 @@
           <a:p>
             <a:fld id="{56F9016B-CCA6-43BE-8BEE-59565A35F4F7}" type="datetimeFigureOut">
               <a:rPr kumimoji="1" lang="ja-JP" altLang="en-US" smtClean="0"/>
-              <a:t>2020/9/3</a:t>
+              <a:t>2020/10/2</a:t>
             </a:fld>
             <a:endParaRPr kumimoji="1" lang="ja-JP" altLang="en-US"/>
           </a:p>
@@ -3548,7 +3548,7 @@
           <a:p>
             <a:fld id="{56F9016B-CCA6-43BE-8BEE-59565A35F4F7}" type="datetimeFigureOut">
               <a:rPr kumimoji="1" lang="ja-JP" altLang="en-US" smtClean="0"/>
-              <a:t>2020/9/3</a:t>
+              <a:t>2020/10/2</a:t>
             </a:fld>
             <a:endParaRPr kumimoji="1" lang="ja-JP" altLang="en-US"/>
           </a:p>
@@ -6607,7 +6607,7 @@
           <a:p>
             <a:fld id="{56F9016B-CCA6-43BE-8BEE-59565A35F4F7}" type="datetimeFigureOut">
               <a:rPr kumimoji="1" lang="ja-JP" altLang="en-US" smtClean="0"/>
-              <a:t>2020/9/3</a:t>
+              <a:t>2020/10/2</a:t>
             </a:fld>
             <a:endParaRPr kumimoji="1" lang="ja-JP" altLang="en-US"/>
           </a:p>
@@ -7041,13 +7041,8 @@
           <a:p>
             <a:r>
               <a:rPr lang="en-US" altLang="ja-JP" dirty="0" smtClean="0"/>
-              <a:t>Version </a:t>
-            </a:r>
-            <a:r>
-              <a:rPr lang="en-US" altLang="ja-JP" dirty="0" smtClean="0"/>
-              <a:t>1.5</a:t>
-            </a:r>
-            <a:endParaRPr lang="en-US" altLang="ja-JP" dirty="0" smtClean="0"/>
+              <a:t>Version 1.5</a:t>
+            </a:r>
           </a:p>
           <a:p>
             <a:r>
@@ -7697,7 +7692,6 @@
               <a:rPr lang="en-US" altLang="ja-JP" dirty="0" smtClean="0"/>
               <a:t>Installation procedure</a:t>
             </a:r>
-            <a:endParaRPr lang="en-US" altLang="ja-JP" dirty="0" smtClean="0"/>
           </a:p>
           <a:p>
             <a:pPr marL="180000" lvl="1" indent="0">
@@ -7733,11 +7727,7 @@
             <a:pPr lvl="1"/>
             <a:r>
               <a:rPr lang="en-US" altLang="ja-JP" sz="1400" dirty="0" smtClean="0"/>
-              <a:t>Create local repository from installation package (for offline), install required library then execute ITA installer</a:t>
-            </a:r>
-            <a:r>
-              <a:rPr lang="en-US" altLang="ja-JP" sz="1400" dirty="0" smtClean="0"/>
-              <a:t>.</a:t>
+              <a:t>Create local repository from installation package (for offline), install required library then execute ITA installer.</a:t>
             </a:r>
             <a:endParaRPr lang="ja-JP" altLang="en-US" sz="1400" dirty="0"/>
           </a:p>
@@ -11900,23 +11890,7 @@
                   <a:latin typeface="+mn-ea"/>
                   <a:cs typeface="Times New Roman" panose="02020603050405020304" pitchFamily="18" charset="0"/>
                 </a:rPr>
-                <a:t>1. </a:t>
-              </a:r>
-              <a:r>
-                <a:rPr kumimoji="0" lang="en-US" altLang="ja-JP" sz="1200" b="0" i="0" u="none" strike="noStrike" kern="100" cap="none" spc="0" normalizeH="0" baseline="0" noProof="0" dirty="0" smtClean="0">
-                  <a:ln>
-                    <a:noFill/>
-                  </a:ln>
-                  <a:solidFill>
-                    <a:srgbClr val="000000"/>
-                  </a:solidFill>
-                  <a:effectLst/>
-                  <a:uLnTx/>
-                  <a:uFillTx/>
-                  <a:latin typeface="+mn-ea"/>
-                  <a:cs typeface="Times New Roman" panose="02020603050405020304" pitchFamily="18" charset="0"/>
-                </a:rPr>
-                <a:t>Configure </a:t>
+                <a:t>1. Configure </a:t>
               </a:r>
               <a:r>
                 <a:rPr kumimoji="0" lang="en-US" sz="1200" b="0" i="0" u="none" strike="noStrike" kern="100" cap="none" spc="0" normalizeH="0" baseline="0" noProof="0" dirty="0" smtClean="0">
@@ -11980,23 +11954,7 @@
                   <a:latin typeface="+mn-ea"/>
                   <a:cs typeface="Times New Roman" panose="02020603050405020304" pitchFamily="18" charset="0"/>
                 </a:rPr>
-                <a:t>2. </a:t>
-              </a:r>
-              <a:r>
-                <a:rPr kumimoji="0" lang="en-US" altLang="ja-JP" sz="1200" b="0" i="0" u="none" strike="noStrike" kern="100" cap="none" spc="0" normalizeH="0" baseline="0" noProof="0" dirty="0" smtClean="0">
-                  <a:ln>
-                    <a:noFill/>
-                  </a:ln>
-                  <a:solidFill>
-                    <a:srgbClr val="000000"/>
-                  </a:solidFill>
-                  <a:effectLst/>
-                  <a:uLnTx/>
-                  <a:uFillTx/>
-                  <a:latin typeface="+mn-ea"/>
-                  <a:cs typeface="Times New Roman" panose="02020603050405020304" pitchFamily="18" charset="0"/>
-                </a:rPr>
-                <a:t>Configure </a:t>
+                <a:t>2. Configure </a:t>
               </a:r>
               <a:r>
                 <a:rPr kumimoji="0" lang="en-US" sz="1200" b="0" i="0" u="none" strike="noStrike" kern="100" cap="none" spc="0" normalizeH="0" baseline="0" noProof="0" dirty="0" smtClean="0">
@@ -12081,23 +12039,7 @@
                   <a:latin typeface="+mn-ea"/>
                   <a:cs typeface="Times New Roman" panose="02020603050405020304" pitchFamily="18" charset="0"/>
                 </a:rPr>
-                <a:t>3. </a:t>
-              </a:r>
-              <a:r>
-                <a:rPr kumimoji="0" lang="en-US" sz="1200" b="0" i="0" u="none" strike="noStrike" kern="100" cap="none" spc="0" normalizeH="0" baseline="0" noProof="0" dirty="0" smtClean="0">
-                  <a:ln>
-                    <a:noFill/>
-                  </a:ln>
-                  <a:solidFill>
-                    <a:srgbClr val="000000"/>
-                  </a:solidFill>
-                  <a:effectLst/>
-                  <a:uLnTx/>
-                  <a:uFillTx/>
-                  <a:latin typeface="+mn-ea"/>
-                  <a:cs typeface="Times New Roman" panose="02020603050405020304" pitchFamily="18" charset="0"/>
-                </a:rPr>
-                <a:t>Install </a:t>
+                <a:t>3. Install </a:t>
               </a:r>
               <a:r>
                 <a:rPr kumimoji="0" lang="en-US" sz="1200" kern="100" dirty="0" err="1" smtClean="0">
@@ -12155,23 +12097,7 @@
                   <a:latin typeface="+mn-ea"/>
                   <a:cs typeface="Times New Roman" panose="02020603050405020304" pitchFamily="18" charset="0"/>
                 </a:rPr>
-                <a:t>4. </a:t>
-              </a:r>
-              <a:r>
-                <a:rPr kumimoji="0" lang="en-US" sz="1200" b="0" i="0" u="none" strike="noStrike" kern="100" cap="none" spc="0" normalizeH="0" baseline="0" noProof="0" dirty="0" smtClean="0">
-                  <a:ln>
-                    <a:noFill/>
-                  </a:ln>
-                  <a:solidFill>
-                    <a:srgbClr val="000000"/>
-                  </a:solidFill>
-                  <a:effectLst/>
-                  <a:uLnTx/>
-                  <a:uFillTx/>
-                  <a:latin typeface="+mn-ea"/>
-                  <a:cs typeface="Times New Roman" panose="02020603050405020304" pitchFamily="18" charset="0"/>
-                </a:rPr>
-                <a:t>Install Apache</a:t>
+                <a:t>4. Install Apache</a:t>
               </a:r>
               <a:endParaRPr kumimoji="0" lang="ja-JP" altLang="en-US" sz="1200" b="0" i="0" u="none" strike="noStrike" kern="100" cap="none" spc="0" normalizeH="0" baseline="0" noProof="0" dirty="0">
                 <a:ln>
@@ -12219,23 +12145,7 @@
                   <a:latin typeface="+mn-ea"/>
                   <a:cs typeface="Times New Roman" panose="02020603050405020304" pitchFamily="18" charset="0"/>
                 </a:rPr>
-                <a:t>5. </a:t>
-              </a:r>
-              <a:r>
-                <a:rPr kumimoji="0" lang="en-US" sz="1200" b="0" i="0" u="none" strike="noStrike" kern="100" cap="none" spc="0" normalizeH="0" baseline="0" noProof="0" dirty="0" smtClean="0">
-                  <a:ln>
-                    <a:noFill/>
-                  </a:ln>
-                  <a:solidFill>
-                    <a:srgbClr val="000000"/>
-                  </a:solidFill>
-                  <a:effectLst/>
-                  <a:uLnTx/>
-                  <a:uFillTx/>
-                  <a:latin typeface="+mn-ea"/>
-                  <a:cs typeface="Times New Roman" panose="02020603050405020304" pitchFamily="18" charset="0"/>
-                </a:rPr>
-                <a:t>Install PHP related file</a:t>
+                <a:t>5. Install PHP related file</a:t>
               </a:r>
               <a:endParaRPr kumimoji="0" lang="ja-JP" altLang="en-US" sz="1200" b="0" i="0" u="none" strike="noStrike" kern="100" cap="none" spc="0" normalizeH="0" baseline="0" noProof="0" dirty="0">
                 <a:ln>
@@ -12283,23 +12193,7 @@
                   <a:latin typeface="+mn-ea"/>
                   <a:cs typeface="Times New Roman" panose="02020603050405020304" pitchFamily="18" charset="0"/>
                 </a:rPr>
-                <a:t>6. </a:t>
-              </a:r>
-              <a:r>
-                <a:rPr kumimoji="0" lang="en-US" sz="1200" b="0" i="0" u="none" strike="noStrike" kern="100" cap="none" spc="0" normalizeH="0" baseline="0" noProof="0" dirty="0" smtClean="0">
-                  <a:ln>
-                    <a:noFill/>
-                  </a:ln>
-                  <a:solidFill>
-                    <a:srgbClr val="000000"/>
-                  </a:solidFill>
-                  <a:effectLst/>
-                  <a:uLnTx/>
-                  <a:uFillTx/>
-                  <a:latin typeface="+mn-ea"/>
-                  <a:cs typeface="Times New Roman" panose="02020603050405020304" pitchFamily="18" charset="0"/>
-                </a:rPr>
-                <a:t>(Install</a:t>
+                <a:t>6. (Install</a:t>
               </a:r>
               <a:r>
                 <a:rPr kumimoji="0" lang="en-US" sz="1200" b="0" i="0" u="none" strike="noStrike" kern="100" cap="none" spc="0" normalizeH="0" noProof="0" dirty="0" smtClean="0">
@@ -12400,23 +12294,7 @@
                   <a:latin typeface="+mn-ea"/>
                   <a:cs typeface="Times New Roman" panose="02020603050405020304" pitchFamily="18" charset="0"/>
                 </a:rPr>
-                <a:t>. </a:t>
-              </a:r>
-              <a:r>
-                <a:rPr kumimoji="0" lang="en-US" sz="1200" b="0" i="0" u="none" strike="noStrike" kern="100" cap="none" spc="0" normalizeH="0" baseline="0" noProof="0" dirty="0" smtClean="0">
-                  <a:ln>
-                    <a:noFill/>
-                  </a:ln>
-                  <a:solidFill>
-                    <a:srgbClr val="000000"/>
-                  </a:solidFill>
-                  <a:effectLst/>
-                  <a:uLnTx/>
-                  <a:uFillTx/>
-                  <a:latin typeface="+mn-ea"/>
-                  <a:cs typeface="Times New Roman" panose="02020603050405020304" pitchFamily="18" charset="0"/>
-                </a:rPr>
-                <a:t>Execute</a:t>
+                <a:t>. Execute</a:t>
               </a:r>
               <a:r>
                 <a:rPr kumimoji="0" lang="en-US" sz="1200" b="0" i="0" u="none" strike="noStrike" kern="100" cap="none" spc="0" normalizeH="0" noProof="0" dirty="0" smtClean="0">
@@ -13225,23 +13103,7 @@
                   <a:latin typeface="+mn-ea"/>
                   <a:cs typeface="Times New Roman" panose="02020603050405020304" pitchFamily="18" charset="0"/>
                 </a:rPr>
-                <a:t> 1. </a:t>
-              </a:r>
-              <a:r>
-                <a:rPr kumimoji="0" lang="en-US" sz="1200" b="0" i="0" u="none" strike="noStrike" kern="100" cap="none" spc="0" normalizeH="0" baseline="0" noProof="0" dirty="0" smtClean="0">
-                  <a:ln>
-                    <a:noFill/>
-                  </a:ln>
-                  <a:solidFill>
-                    <a:srgbClr val="000000"/>
-                  </a:solidFill>
-                  <a:effectLst/>
-                  <a:uLnTx/>
-                  <a:uFillTx/>
-                  <a:latin typeface="+mn-ea"/>
-                  <a:cs typeface="Times New Roman" panose="02020603050405020304" pitchFamily="18" charset="0"/>
-                </a:rPr>
-                <a:t>Configure yum</a:t>
+                <a:t> 1. Configure yum</a:t>
               </a:r>
               <a:r>
                 <a:rPr kumimoji="0" lang="ja-JP" altLang="en-US" sz="1200" b="0" i="0" u="none" strike="noStrike" kern="100" cap="none" spc="0" normalizeH="0" baseline="0" noProof="0" dirty="0" smtClean="0">
@@ -13319,23 +13181,7 @@
                   <a:latin typeface="+mn-ea"/>
                   <a:cs typeface="Times New Roman" panose="02020603050405020304" pitchFamily="18" charset="0"/>
                 </a:rPr>
-                <a:t> 2. </a:t>
-              </a:r>
-              <a:r>
-                <a:rPr kumimoji="0" lang="en-US" altLang="ja-JP" sz="1200" b="0" i="0" u="none" strike="noStrike" kern="100" cap="none" spc="0" normalizeH="0" baseline="0" noProof="0" dirty="0" smtClean="0">
-                  <a:ln>
-                    <a:noFill/>
-                  </a:ln>
-                  <a:solidFill>
-                    <a:srgbClr val="000000"/>
-                  </a:solidFill>
-                  <a:effectLst/>
-                  <a:uLnTx/>
-                  <a:uFillTx/>
-                  <a:latin typeface="+mn-ea"/>
-                  <a:cs typeface="Times New Roman" panose="02020603050405020304" pitchFamily="18" charset="0"/>
-                </a:rPr>
-                <a:t>Collect library</a:t>
+                <a:t> 2. Collect library</a:t>
               </a:r>
               <a:endParaRPr kumimoji="0" lang="ja-JP" altLang="en-US" sz="1200" b="0" i="0" u="none" strike="noStrike" kern="100" cap="none" spc="0" normalizeH="0" baseline="0" noProof="0" dirty="0">
                 <a:ln>
@@ -13381,23 +13227,7 @@
                   <a:latin typeface="+mn-ea"/>
                   <a:cs typeface="Times New Roman" panose="02020603050405020304" pitchFamily="18" charset="0"/>
                 </a:rPr>
-                <a:t> 3. </a:t>
-              </a:r>
-              <a:r>
-                <a:rPr kumimoji="0" lang="en-US" altLang="ja-JP" sz="1200" b="0" i="0" u="none" strike="noStrike" kern="100" cap="none" spc="0" normalizeH="0" baseline="0" noProof="0" dirty="0" smtClean="0">
-                  <a:ln>
-                    <a:noFill/>
-                  </a:ln>
-                  <a:solidFill>
-                    <a:srgbClr val="000000"/>
-                  </a:solidFill>
-                  <a:effectLst/>
-                  <a:uLnTx/>
-                  <a:uFillTx/>
-                  <a:latin typeface="+mn-ea"/>
-                  <a:cs typeface="Times New Roman" panose="02020603050405020304" pitchFamily="18" charset="0"/>
-                </a:rPr>
-                <a:t>Create compressed file </a:t>
+                <a:t> 3. Create compressed file </a:t>
               </a:r>
             </a:p>
             <a:p>
@@ -13583,7 +13413,7 @@
         </p:spPr>
         <p:txBody>
           <a:bodyPr>
-            <a:normAutofit lnSpcReduction="10000"/>
+            <a:normAutofit fontScale="92500" lnSpcReduction="10000"/>
           </a:bodyPr>
           <a:lstStyle/>
           <a:p>
@@ -13611,7 +13441,6 @@
               <a:rPr lang="en-US" altLang="ja-JP" dirty="0" smtClean="0"/>
               <a:t>※Execute as root user</a:t>
             </a:r>
-            <a:endParaRPr lang="en-US" altLang="ja-JP" dirty="0" smtClean="0"/>
           </a:p>
           <a:p>
             <a:pPr marL="0" indent="0">
@@ -13656,11 +13485,19 @@
             </a:r>
             <a:r>
               <a:rPr lang="en-US" altLang="ja-JP" sz="1400" dirty="0" smtClean="0"/>
-              <a:t> wget </a:t>
+              <a:t> </a:t>
+            </a:r>
+            <a:r>
+              <a:rPr lang="en-US" altLang="ja-JP" sz="1400" dirty="0" err="1"/>
+              <a:t>wget</a:t>
             </a:r>
             <a:r>
               <a:rPr lang="en-US" altLang="ja-JP" sz="1400" dirty="0"/>
-              <a:t>https://github.com/exastro-suite/it-automation/archive/v</a:t>
+              <a:t> https://</a:t>
+            </a:r>
+            <a:r>
+              <a:rPr lang="en-US" altLang="ja-JP" sz="1400" dirty="0" smtClean="0"/>
+              <a:t>github.com/exastro-suite/it-automation/releases/download/v</a:t>
             </a:r>
             <a:r>
               <a:rPr lang="en-US" altLang="ja-JP" sz="1400" dirty="0" smtClean="0">
@@ -13672,6 +13509,18 @@
             </a:r>
             <a:r>
               <a:rPr lang="en-US" altLang="ja-JP" sz="1400" dirty="0" smtClean="0"/>
+              <a:t>/exastro-it-automation-</a:t>
+            </a:r>
+            <a:r>
+              <a:rPr lang="en-US" altLang="ja-JP" sz="1400" dirty="0" smtClean="0">
+                <a:solidFill>
+                  <a:srgbClr val="FF0000"/>
+                </a:solidFill>
+              </a:rPr>
+              <a:t>x.x.x</a:t>
+            </a:r>
+            <a:r>
+              <a:rPr lang="en-US" altLang="ja-JP" sz="1400" dirty="0" smtClean="0"/>
               <a:t>.tar.gz</a:t>
             </a:r>
             <a:r>
@@ -13769,17 +13618,12 @@
               <a:rPr lang="en-US" altLang="ja-JP" dirty="0" smtClean="0"/>
               <a:t>Extract file</a:t>
             </a:r>
-            <a:endParaRPr lang="en-US" altLang="ja-JP" dirty="0" smtClean="0"/>
           </a:p>
           <a:p>
             <a:pPr lvl="1"/>
             <a:r>
               <a:rPr lang="en-US" altLang="ja-JP" dirty="0" smtClean="0"/>
               <a:t>Extract .tar.gz file</a:t>
-            </a:r>
-            <a:r>
-              <a:rPr lang="en-US" altLang="ja-JP" dirty="0" smtClean="0"/>
-              <a:t/>
             </a:r>
             <a:br>
               <a:rPr lang="en-US" altLang="ja-JP" dirty="0" smtClean="0"/>
@@ -13793,22 +13637,26 @@
             </a:br>
             <a:r>
               <a:rPr lang="en-US" altLang="ja-JP" sz="1400" dirty="0" smtClean="0"/>
-              <a:t># tar </a:t>
-            </a:r>
-            <a:r>
-              <a:rPr lang="en-US" altLang="ja-JP" sz="1400" dirty="0" err="1" smtClean="0"/>
+              <a:t># </a:t>
+            </a:r>
+            <a:r>
+              <a:rPr lang="en-US" altLang="ja-JP" sz="1400" dirty="0"/>
+              <a:t>tar </a:t>
+            </a:r>
+            <a:r>
+              <a:rPr lang="en-US" altLang="ja-JP" sz="1400" dirty="0" err="1"/>
               <a:t>zxf</a:t>
             </a:r>
             <a:r>
-              <a:rPr lang="ja-JP" altLang="en-US" sz="1400" dirty="0" smtClean="0"/>
+              <a:rPr lang="ja-JP" altLang="en-US" sz="1400" dirty="0"/>
               <a:t> </a:t>
             </a:r>
             <a:r>
-              <a:rPr lang="en-US" altLang="ja-JP" sz="1400" dirty="0" smtClean="0"/>
-              <a:t>v</a:t>
-            </a:r>
-            <a:r>
-              <a:rPr lang="en-US" altLang="ja-JP" sz="1400" dirty="0" smtClean="0">
+              <a:rPr lang="en-US" altLang="ja-JP" sz="1400" dirty="0"/>
+              <a:t>exastro-it-automation-</a:t>
+            </a:r>
+            <a:r>
+              <a:rPr lang="en-US" altLang="ja-JP" sz="1400" dirty="0">
                 <a:solidFill>
                   <a:srgbClr val="FF0000"/>
                 </a:solidFill>
@@ -13816,11 +13664,11 @@
               <a:t>x.x.x</a:t>
             </a:r>
             <a:r>
-              <a:rPr lang="en-US" altLang="ja-JP" sz="1400" dirty="0" smtClean="0"/>
+              <a:rPr lang="en-US" altLang="ja-JP" sz="1400" dirty="0"/>
               <a:t>.tar.gz</a:t>
             </a:r>
             <a:br>
-              <a:rPr lang="en-US" altLang="ja-JP" sz="1400" dirty="0" smtClean="0"/>
+              <a:rPr lang="en-US" altLang="ja-JP" sz="1400" dirty="0"/>
             </a:br>
             <a:endParaRPr lang="en-US" altLang="ja-JP" dirty="0" smtClean="0"/>
           </a:p>
@@ -14453,13 +14301,7 @@
                         <a:rPr lang="en-US" altLang="ja-JP" sz="900" kern="100" dirty="0" smtClean="0">
                           <a:effectLst/>
                         </a:rPr>
-                        <a:t>*)RHEL7_AWS : </a:t>
-                      </a:r>
-                      <a:r>
-                        <a:rPr lang="en-US" altLang="ja-JP" sz="900" kern="100" dirty="0" smtClean="0">
-                          <a:effectLst/>
-                        </a:rPr>
-                        <a:t>RHEL7 on AWS</a:t>
+                        <a:t>*)RHEL7_AWS : RHEL7 on AWS</a:t>
                       </a:r>
                     </a:p>
                     <a:p>
@@ -14484,23 +14326,8 @@
                         <a:rPr lang="en-US" altLang="ja-JP" sz="900" kern="100" dirty="0" smtClean="0">
                           <a:effectLst/>
                         </a:rPr>
-                        <a:t>   </a:t>
-                      </a:r>
-                      <a:r>
-                        <a:rPr lang="en-US" altLang="ja-JP" sz="900" kern="100" dirty="0" smtClean="0">
-                          <a:effectLst/>
-                        </a:rPr>
-                        <a:t>RHEL8_AWS : </a:t>
-                      </a:r>
-                      <a:r>
-                        <a:rPr lang="en-US" altLang="ja-JP" sz="900" kern="100" dirty="0" smtClean="0">
-                          <a:effectLst/>
-                        </a:rPr>
-                        <a:t>RHEL8 on AWS</a:t>
-                      </a:r>
-                      <a:endParaRPr lang="en-US" altLang="ja-JP" sz="900" kern="100" dirty="0" smtClean="0">
-                        <a:effectLst/>
-                      </a:endParaRPr>
+                        <a:t>   RHEL8_AWS : RHEL8 on AWS</a:t>
+                      </a:r>
                     </a:p>
                   </a:txBody>
                   <a:tcPr marL="55979" marR="55979" marT="0" marB="0" anchor="ctr">
@@ -15129,10 +14956,6 @@
             <a:r>
               <a:rPr lang="en-US" altLang="ja-JP" dirty="0" smtClean="0"/>
               <a:t>_builder_setting.txt) is as follows.</a:t>
-            </a:r>
-            <a:r>
-              <a:rPr lang="en-US" altLang="ja-JP" dirty="0" smtClean="0"/>
-              <a:t/>
             </a:r>
             <a:br>
               <a:rPr lang="en-US" altLang="ja-JP" dirty="0" smtClean="0"/>
@@ -17237,7 +17060,6 @@
               <a:rPr lang="en-US" altLang="ja-JP" dirty="0" smtClean="0"/>
               <a:t>Execute library collection script</a:t>
             </a:r>
-            <a:endParaRPr lang="en-US" altLang="ja-JP" dirty="0" smtClean="0"/>
           </a:p>
           <a:p>
             <a:pPr lvl="1"/>
@@ -17245,7 +17067,6 @@
               <a:rPr lang="en-US" altLang="ja-JP" dirty="0" smtClean="0"/>
               <a:t>Execute the following script to execute library collection script.</a:t>
             </a:r>
-            <a:endParaRPr lang="en-US" altLang="ja-JP" dirty="0" smtClean="0"/>
           </a:p>
           <a:p>
             <a:pPr marL="360000" lvl="2" indent="0">
@@ -17284,11 +17105,7 @@
             <a:pPr lvl="1"/>
             <a:r>
               <a:rPr lang="en-US" altLang="ja-JP" dirty="0" smtClean="0"/>
-              <a:t>After executing library collection script, the content of </a:t>
-            </a:r>
-            <a:r>
-              <a:rPr lang="en-US" altLang="ja-JP" dirty="0" smtClean="0"/>
-              <a:t>operation will be output to ita_gather.log</a:t>
+              <a:t>After executing library collection script, the content of operation will be output to ita_gather.log</a:t>
             </a:r>
             <a:endParaRPr lang="ja-JP" altLang="en-US" dirty="0"/>
           </a:p>
@@ -17310,11 +17127,7 @@
             </a:r>
             <a:r>
               <a:rPr lang="en-US" altLang="ja-JP" dirty="0" smtClean="0"/>
-              <a:t>/(installation file extract path)/</a:t>
-            </a:r>
-            <a:r>
-              <a:rPr lang="en-US" altLang="ja-JP" dirty="0" smtClean="0"/>
-              <a:t>ita_install_package/</a:t>
+              <a:t>/(installation file extract path)/ita_install_package/</a:t>
             </a:r>
             <a:r>
               <a:rPr lang="en-US" altLang="ja-JP" dirty="0" err="1" smtClean="0"/>
@@ -17375,11 +17188,6 @@
               </a:rPr>
               <a:t>The following command are executed in ITA server (Offline environment)</a:t>
             </a:r>
-            <a:endParaRPr lang="en-US" altLang="ja-JP" sz="1900" dirty="0" smtClean="0">
-              <a:solidFill>
-                <a:srgbClr val="FF0000"/>
-              </a:solidFill>
-            </a:endParaRPr>
           </a:p>
           <a:p>
             <a:pPr marL="0" indent="0">
@@ -17392,7 +17200,6 @@
               <a:rPr lang="en-US" altLang="ja-JP" dirty="0" smtClean="0"/>
               <a:t>Extract installation package(for offline)</a:t>
             </a:r>
-            <a:endParaRPr lang="en-US" altLang="ja-JP" dirty="0" smtClean="0"/>
           </a:p>
           <a:p>
             <a:pPr lvl="1"/>
@@ -17400,7 +17207,6 @@
               <a:rPr lang="en-US" altLang="ja-JP" dirty="0" smtClean="0"/>
               <a:t>Extract installation package(for offline) on ITA server</a:t>
             </a:r>
-            <a:endParaRPr lang="en-US" altLang="ja-JP" dirty="0" smtClean="0"/>
           </a:p>
           <a:p>
             <a:pPr marL="180000" lvl="1" indent="0">
@@ -17579,13 +17385,8 @@
             </a:r>
             <a:r>
               <a:rPr lang="en-US" altLang="ja-JP" dirty="0" smtClean="0"/>
-              <a:t>_answers.txt</a:t>
-            </a:r>
-            <a:r>
-              <a:rPr lang="en-US" altLang="ja-JP" dirty="0" smtClean="0"/>
-              <a:t>)</a:t>
-            </a:r>
-            <a:endParaRPr lang="en-US" altLang="ja-JP" dirty="0" smtClean="0"/>
+              <a:t>_answers.txt)</a:t>
+            </a:r>
           </a:p>
           <a:p>
             <a:pPr lvl="1"/>
@@ -20748,15 +20549,7 @@
             </a:r>
             <a:r>
               <a:rPr lang="en-US" altLang="ja-JP" dirty="0" smtClean="0"/>
-              <a:t>(</a:t>
-            </a:r>
-            <a:r>
-              <a:rPr lang="en-US" altLang="ja-JP" dirty="0" smtClean="0"/>
-              <a:t>ita_answers.txt</a:t>
-            </a:r>
-            <a:r>
-              <a:rPr lang="en-US" altLang="ja-JP" dirty="0" smtClean="0"/>
-              <a:t>)</a:t>
+              <a:t>(ita_answers.txt)</a:t>
             </a:r>
           </a:p>
           <a:p>
@@ -22268,12 +22061,6 @@
               </a:rPr>
               <a:t> is defined in answer file.</a:t>
             </a:r>
-            <a:endParaRPr lang="en-US" altLang="ja-JP" sz="1200" b="1" dirty="0" smtClean="0">
-              <a:solidFill>
-                <a:srgbClr val="FF0000"/>
-              </a:solidFill>
-              <a:latin typeface="+mn-ea"/>
-            </a:endParaRPr>
           </a:p>
           <a:p>
             <a:pPr algn="ctr"/>
@@ -23030,9 +22817,6 @@
               </a:rPr>
               <a:t>About this guide</a:t>
             </a:r>
-            <a:endParaRPr lang="en-US" altLang="ja-JP" sz="1400" dirty="0" smtClean="0">
-              <a:latin typeface="+mn-ea"/>
-            </a:endParaRPr>
           </a:p>
           <a:p>
             <a:endParaRPr lang="en-US" altLang="ja-JP" sz="1400" dirty="0">
@@ -23562,13 +23346,7 @@
               <a:rPr lang="en-US" altLang="ja-JP" sz="1400" dirty="0" smtClean="0">
                 <a:latin typeface="+mn-ea"/>
               </a:rPr>
-              <a:t>   </a:t>
-            </a:r>
-            <a:r>
-              <a:rPr lang="en-US" altLang="ja-JP" sz="1400" dirty="0" smtClean="0">
-                <a:latin typeface="+mn-ea"/>
-              </a:rPr>
-              <a:t>Construction </a:t>
+              <a:t>   Construction </a:t>
             </a:r>
             <a:r>
               <a:rPr lang="ja-JP" altLang="en-US" sz="1400" dirty="0" smtClean="0">
@@ -23653,13 +23431,7 @@
               <a:rPr lang="en-US" altLang="ja-JP" sz="1400" dirty="0" smtClean="0">
                 <a:latin typeface="+mn-ea"/>
               </a:rPr>
-              <a:t> </a:t>
-            </a:r>
-            <a:r>
-              <a:rPr lang="en-US" altLang="ja-JP" sz="1400" dirty="0" smtClean="0">
-                <a:latin typeface="+mn-ea"/>
-              </a:rPr>
-              <a:t>Construction </a:t>
+              <a:t> Construction </a:t>
             </a:r>
             <a:r>
               <a:rPr lang="ja-JP" altLang="en-US" sz="1400" dirty="0" smtClean="0">
@@ -24017,9 +23789,6 @@
               </a:rPr>
               <a:t>Reference</a:t>
             </a:r>
-            <a:endParaRPr lang="en-US" altLang="ja-JP" sz="1400" dirty="0" smtClean="0">
-              <a:latin typeface="+mn-ea"/>
-            </a:endParaRPr>
           </a:p>
         </p:txBody>
       </p:sp>
@@ -24129,7 +23898,6 @@
               <a:rPr lang="en-US" altLang="ja-JP" dirty="0" smtClean="0"/>
               <a:t>Execute construction tool (for offline)</a:t>
             </a:r>
-            <a:endParaRPr lang="en-US" altLang="ja-JP" dirty="0" smtClean="0"/>
           </a:p>
           <a:p>
             <a:pPr lvl="1"/>
@@ -24137,7 +23905,6 @@
               <a:rPr lang="en-US" altLang="ja-JP" dirty="0" smtClean="0"/>
               <a:t>Execute the construction tool with the following command.</a:t>
             </a:r>
-            <a:endParaRPr lang="en-US" altLang="ja-JP" dirty="0" smtClean="0"/>
           </a:p>
           <a:p>
             <a:pPr marL="360000" lvl="2" indent="0">
@@ -24379,7 +24146,6 @@
               <a:rPr lang="en-US" altLang="ja-JP" dirty="0" smtClean="0"/>
               <a:t>List of libraries installed during construction.</a:t>
             </a:r>
-            <a:endParaRPr lang="en-US" altLang="ja-JP" dirty="0" smtClean="0"/>
           </a:p>
           <a:p>
             <a:pPr lvl="1"/>
@@ -26296,7 +26062,6 @@
               <a:rPr lang="en-US" altLang="ja-JP" dirty="0" smtClean="0"/>
               <a:t>Access URL</a:t>
             </a:r>
-            <a:endParaRPr lang="en-US" altLang="ja-JP" dirty="0" smtClean="0"/>
           </a:p>
           <a:p>
             <a:pPr lvl="1"/>
@@ -26304,7 +26069,6 @@
               <a:rPr lang="en-US" altLang="ja-JP" dirty="0" smtClean="0"/>
               <a:t>Please access the login screen via the following URL.</a:t>
             </a:r>
-            <a:endParaRPr lang="en-US" altLang="ja-JP" dirty="0" smtClean="0"/>
           </a:p>
           <a:p>
             <a:pPr lvl="1"/>
@@ -26417,7 +26181,6 @@
               <a:rPr lang="en-US" altLang="ja-JP" dirty="0" smtClean="0"/>
               <a:t>Login</a:t>
             </a:r>
-            <a:endParaRPr lang="en-US" altLang="ja-JP" dirty="0" smtClean="0"/>
           </a:p>
           <a:p>
             <a:pPr lvl="1"/>
@@ -26674,7 +26437,6 @@
               <a:rPr kumimoji="1" lang="en-US" altLang="ja-JP" dirty="0" smtClean="0"/>
               <a:t> login screen</a:t>
             </a:r>
-            <a:endParaRPr kumimoji="1" lang="en-US" altLang="ja-JP" dirty="0" smtClean="0"/>
           </a:p>
           <a:p>
             <a:pPr lvl="1"/>
@@ -33319,11 +33081,7 @@
             </a:r>
             <a:r>
               <a:rPr lang="en-US" altLang="zh-TW" dirty="0" smtClean="0"/>
-              <a:t>System requirem</a:t>
-            </a:r>
-            <a:r>
-              <a:rPr lang="en-US" altLang="zh-TW" dirty="0" smtClean="0"/>
-              <a:t>ents</a:t>
+              <a:t>System requirements</a:t>
             </a:r>
             <a:r>
               <a:rPr lang="ja-JP" altLang="en-US" dirty="0" smtClean="0"/>
@@ -33386,7 +33144,6 @@
               <a:rPr lang="en-US" altLang="ja-JP" sz="1800" dirty="0" smtClean="0"/>
               <a:t>).</a:t>
             </a:r>
-            <a:endParaRPr lang="en-US" altLang="ja-JP" sz="1800" dirty="0" smtClean="0"/>
           </a:p>
           <a:p>
             <a:pPr lvl="1"/>
@@ -33411,7 +33168,6 @@
               <a:rPr lang="en-US" altLang="ja-JP" sz="1800" dirty="0" smtClean="0"/>
               <a:t>)</a:t>
             </a:r>
-            <a:endParaRPr lang="en-US" altLang="ja-JP" sz="1800" dirty="0" smtClean="0"/>
           </a:p>
         </p:txBody>
       </p:sp>
@@ -33519,7 +33275,6 @@
               <a:rPr lang="en-US" altLang="ja-JP" dirty="0" smtClean="0"/>
               <a:t>Repository that need to be referred</a:t>
             </a:r>
-            <a:endParaRPr lang="en-US" altLang="ja-JP" dirty="0" smtClean="0"/>
           </a:p>
         </p:txBody>
       </p:sp>
@@ -34959,7 +34714,6 @@
               <a:rPr lang="en-US" altLang="ja-JP" sz="1100" kern="100" dirty="0" smtClean="0"/>
               <a:t>RHEL7 on AWS</a:t>
             </a:r>
-            <a:endParaRPr lang="en-US" altLang="ja-JP" sz="1100" kern="100" dirty="0" smtClean="0"/>
           </a:p>
           <a:p>
             <a:r>

--- a/asset/Learn/ITA-offline-install.pptx
+++ b/asset/Learn/ITA-offline-install.pptx
@@ -348,7 +348,7 @@
               <a:rPr kumimoji="1" lang="ja-JP" altLang="en-US" smtClean="0">
                 <a:ea typeface="メイリオ" panose="020B0604030504040204" pitchFamily="50" charset="-128"/>
               </a:rPr>
-              <a:t>2021/10/12</a:t>
+              <a:t>2021/10/29</a:t>
             </a:fld>
             <a:endParaRPr kumimoji="1" lang="ja-JP" altLang="en-US" dirty="0">
               <a:ea typeface="メイリオ" panose="020B0604030504040204" pitchFamily="50" charset="-128"/>
@@ -494,7 +494,7 @@
             <a:fld id="{4B26993D-C081-44EB-B0F5-A9F467792B62}" type="datetimeFigureOut">
               <a:rPr lang="ja-JP" altLang="en-US" smtClean="0"/>
               <a:pPr/>
-              <a:t>2021/10/12</a:t>
+              <a:t>2021/10/29</a:t>
             </a:fld>
             <a:endParaRPr lang="ja-JP" altLang="en-US" dirty="0"/>
           </a:p>
@@ -1117,7 +1117,7 @@
           <a:p>
             <a:fld id="{56F9016B-CCA6-43BE-8BEE-59565A35F4F7}" type="datetimeFigureOut">
               <a:rPr kumimoji="1" lang="ja-JP" altLang="en-US" smtClean="0"/>
-              <a:t>2021/10/12</a:t>
+              <a:t>2021/10/29</a:t>
             </a:fld>
             <a:endParaRPr kumimoji="1" lang="ja-JP" altLang="en-US"/>
           </a:p>
@@ -1319,7 +1319,7 @@
           <a:p>
             <a:fld id="{56F9016B-CCA6-43BE-8BEE-59565A35F4F7}" type="datetimeFigureOut">
               <a:rPr kumimoji="1" lang="ja-JP" altLang="en-US" smtClean="0"/>
-              <a:t>2021/10/12</a:t>
+              <a:t>2021/10/29</a:t>
             </a:fld>
             <a:endParaRPr kumimoji="1" lang="ja-JP" altLang="en-US"/>
           </a:p>
@@ -1565,7 +1565,7 @@
           <a:p>
             <a:fld id="{56F9016B-CCA6-43BE-8BEE-59565A35F4F7}" type="datetimeFigureOut">
               <a:rPr kumimoji="1" lang="ja-JP" altLang="en-US" smtClean="0"/>
-              <a:t>2021/10/12</a:t>
+              <a:t>2021/10/29</a:t>
             </a:fld>
             <a:endParaRPr kumimoji="1" lang="ja-JP" altLang="en-US"/>
           </a:p>
@@ -1861,7 +1861,7 @@
           <a:p>
             <a:fld id="{56F9016B-CCA6-43BE-8BEE-59565A35F4F7}" type="datetimeFigureOut">
               <a:rPr kumimoji="1" lang="ja-JP" altLang="en-US" smtClean="0"/>
-              <a:t>2021/10/12</a:t>
+              <a:t>2021/10/29</a:t>
             </a:fld>
             <a:endParaRPr kumimoji="1" lang="ja-JP" altLang="en-US"/>
           </a:p>
@@ -2292,7 +2292,7 @@
           <a:p>
             <a:fld id="{56F9016B-CCA6-43BE-8BEE-59565A35F4F7}" type="datetimeFigureOut">
               <a:rPr kumimoji="1" lang="ja-JP" altLang="en-US" smtClean="0"/>
-              <a:t>2021/10/12</a:t>
+              <a:t>2021/10/29</a:t>
             </a:fld>
             <a:endParaRPr kumimoji="1" lang="ja-JP" altLang="en-US"/>
           </a:p>
@@ -2410,7 +2410,7 @@
           <a:p>
             <a:fld id="{56F9016B-CCA6-43BE-8BEE-59565A35F4F7}" type="datetimeFigureOut">
               <a:rPr kumimoji="1" lang="ja-JP" altLang="en-US" smtClean="0"/>
-              <a:t>2021/10/12</a:t>
+              <a:t>2021/10/29</a:t>
             </a:fld>
             <a:endParaRPr kumimoji="1" lang="ja-JP" altLang="en-US"/>
           </a:p>
@@ -2505,7 +2505,7 @@
           <a:p>
             <a:fld id="{56F9016B-CCA6-43BE-8BEE-59565A35F4F7}" type="datetimeFigureOut">
               <a:rPr kumimoji="1" lang="ja-JP" altLang="en-US" smtClean="0"/>
-              <a:t>2021/10/12</a:t>
+              <a:t>2021/10/29</a:t>
             </a:fld>
             <a:endParaRPr kumimoji="1" lang="ja-JP" altLang="en-US"/>
           </a:p>
@@ -2814,7 +2814,7 @@
           <a:p>
             <a:fld id="{56F9016B-CCA6-43BE-8BEE-59565A35F4F7}" type="datetimeFigureOut">
               <a:rPr kumimoji="1" lang="ja-JP" altLang="en-US" smtClean="0"/>
-              <a:t>2021/10/12</a:t>
+              <a:t>2021/10/29</a:t>
             </a:fld>
             <a:endParaRPr kumimoji="1" lang="ja-JP" altLang="en-US"/>
           </a:p>
@@ -3067,7 +3067,7 @@
           <a:p>
             <a:fld id="{56F9016B-CCA6-43BE-8BEE-59565A35F4F7}" type="datetimeFigureOut">
               <a:rPr kumimoji="1" lang="ja-JP" altLang="en-US" smtClean="0"/>
-              <a:t>2021/10/12</a:t>
+              <a:t>2021/10/29</a:t>
             </a:fld>
             <a:endParaRPr kumimoji="1" lang="ja-JP" altLang="en-US"/>
           </a:p>
@@ -3344,7 +3344,7 @@
           <a:p>
             <a:fld id="{56F9016B-CCA6-43BE-8BEE-59565A35F4F7}" type="datetimeFigureOut">
               <a:rPr kumimoji="1" lang="ja-JP" altLang="en-US" smtClean="0"/>
-              <a:t>2021/10/12</a:t>
+              <a:t>2021/10/29</a:t>
             </a:fld>
             <a:endParaRPr kumimoji="1" lang="ja-JP" altLang="en-US"/>
           </a:p>
@@ -3556,7 +3556,7 @@
           <a:p>
             <a:fld id="{56F9016B-CCA6-43BE-8BEE-59565A35F4F7}" type="datetimeFigureOut">
               <a:rPr kumimoji="1" lang="ja-JP" altLang="en-US" smtClean="0"/>
-              <a:t>2021/10/12</a:t>
+              <a:t>2021/10/29</a:t>
             </a:fld>
             <a:endParaRPr kumimoji="1" lang="ja-JP" altLang="en-US"/>
           </a:p>
@@ -6615,7 +6615,7 @@
           <a:p>
             <a:fld id="{56F9016B-CCA6-43BE-8BEE-59565A35F4F7}" type="datetimeFigureOut">
               <a:rPr kumimoji="1" lang="ja-JP" altLang="en-US" smtClean="0"/>
-              <a:t>2021/10/12</a:t>
+              <a:t>2021/10/29</a:t>
             </a:fld>
             <a:endParaRPr kumimoji="1" lang="ja-JP" altLang="en-US"/>
           </a:p>
@@ -7049,8 +7049,17 @@
           <a:p>
             <a:r>
               <a:rPr lang="en-US" altLang="ja-JP" dirty="0"/>
-              <a:t>Exastro IT Automation Version 1.8.0 </a:t>
-            </a:r>
+              <a:t>Exastro IT Automation </a:t>
+            </a:r>
+            <a:r>
+              <a:rPr lang="en-US" altLang="ja-JP"/>
+              <a:t>Version </a:t>
+            </a:r>
+            <a:r>
+              <a:rPr lang="en-US" altLang="ja-JP" smtClean="0"/>
+              <a:t>1.8 </a:t>
+            </a:r>
+            <a:endParaRPr lang="en-US" altLang="ja-JP" dirty="0"/>
           </a:p>
           <a:p>
             <a:r>
@@ -7588,15 +7597,7 @@
           <a:p>
             <a:r>
               <a:rPr lang="en-US" altLang="ja-JP" dirty="0" smtClean="0"/>
-              <a:t>2.5</a:t>
-            </a:r>
-            <a:r>
-              <a:rPr lang="en-US" altLang="ja-JP" dirty="0" smtClean="0"/>
-              <a:t>	</a:t>
-            </a:r>
-            <a:r>
-              <a:rPr lang="en-US" altLang="ja-JP" dirty="0" smtClean="0"/>
-              <a:t>System r</a:t>
+              <a:t>2.5	System r</a:t>
             </a:r>
             <a:r>
               <a:rPr lang="en-US" altLang="zh-TW" dirty="0" smtClean="0"/>
@@ -7642,21 +7643,8 @@
             </a:r>
             <a:r>
               <a:rPr lang="en-US" altLang="ja-JP" dirty="0" smtClean="0"/>
-              <a:t>referred </a:t>
-            </a:r>
-            <a:r>
-              <a:rPr lang="en-US" altLang="ja-JP" dirty="0" smtClean="0"/>
-              <a:t> (for </a:t>
-            </a:r>
-            <a:r>
-              <a:rPr lang="en-US" altLang="ja-JP" dirty="0" smtClean="0"/>
-              <a:t>cloud </a:t>
-            </a:r>
-            <a:r>
-              <a:rPr lang="en-US" altLang="ja-JP" dirty="0" smtClean="0"/>
-              <a:t>environments) </a:t>
-            </a:r>
-            <a:endParaRPr lang="en-US" altLang="ja-JP" dirty="0" smtClean="0"/>
+              <a:t>referred  (for cloud environments) </a:t>
+            </a:r>
           </a:p>
         </p:txBody>
       </p:sp>
@@ -9134,23 +9122,7 @@
                   <a:srgbClr val="000000"/>
                 </a:solidFill>
               </a:rPr>
-              <a:t>AWS/RHUI2) : </a:t>
-            </a:r>
-            <a:r>
-              <a:rPr lang="en-US" altLang="ja-JP" sz="1100" kern="100" dirty="0" smtClean="0">
-                <a:solidFill>
-                  <a:srgbClr val="000000"/>
-                </a:solidFill>
-              </a:rPr>
-              <a:t>RHEL7 on </a:t>
-            </a:r>
-            <a:r>
-              <a:rPr lang="en-US" altLang="ja-JP" sz="1100" kern="100" dirty="0" smtClean="0">
-                <a:solidFill>
-                  <a:srgbClr val="000000"/>
-                </a:solidFill>
-              </a:rPr>
-              <a:t>AWS</a:t>
+              <a:t>AWS/RHUI2) : RHEL7 on AWS</a:t>
             </a:r>
             <a:r>
               <a:rPr lang="ja-JP" altLang="en-US" sz="1100" kern="100" dirty="0" smtClean="0">
@@ -9209,23 +9181,7 @@
                   <a:srgbClr val="000000"/>
                 </a:solidFill>
               </a:rPr>
-              <a:t>AWS/RHUI3) : </a:t>
-            </a:r>
-            <a:r>
-              <a:rPr lang="en-US" altLang="ja-JP" sz="1100" kern="100" dirty="0" smtClean="0">
-                <a:solidFill>
-                  <a:srgbClr val="000000"/>
-                </a:solidFill>
-              </a:rPr>
-              <a:t>RHEL7 on </a:t>
-            </a:r>
-            <a:r>
-              <a:rPr lang="en-US" altLang="ja-JP" sz="1100" kern="100" dirty="0" smtClean="0">
-                <a:solidFill>
-                  <a:srgbClr val="000000"/>
-                </a:solidFill>
-              </a:rPr>
-              <a:t>AWS</a:t>
+              <a:t>AWS/RHUI3) : RHEL7 on AWS</a:t>
             </a:r>
             <a:r>
               <a:rPr lang="ja-JP" altLang="en-US" sz="1100" kern="100" dirty="0" smtClean="0">
@@ -9454,51 +9410,23 @@
             <a:pPr lvl="1"/>
             <a:r>
               <a:rPr lang="en-US" altLang="ja-JP" sz="1400" dirty="0" smtClean="0"/>
-              <a:t>Collect required library from server for library collection </a:t>
-            </a:r>
+              <a:t>Collect required library from server for library collection  (online)  via internet, then compress installation package and libraries in to one installation package (for offline) .</a:t>
+            </a:r>
+            <a:endParaRPr lang="ja-JP" altLang="en-US" sz="1400" dirty="0"/>
+          </a:p>
+          <a:p>
+            <a:pPr lvl="1"/>
             <a:r>
               <a:rPr lang="en-US" altLang="ja-JP" sz="1400" dirty="0" smtClean="0"/>
-              <a:t> (online)  </a:t>
-            </a:r>
+              <a:t>Move installation package  (for offline)  to ITA server via storage media.</a:t>
+            </a:r>
+            <a:endParaRPr lang="ja-JP" altLang="en-US" sz="1400" dirty="0"/>
+          </a:p>
+          <a:p>
+            <a:pPr lvl="1"/>
             <a:r>
               <a:rPr lang="en-US" altLang="ja-JP" sz="1400" dirty="0" smtClean="0"/>
-              <a:t>via internet, then compress installation package and libraries in to one installation </a:t>
-            </a:r>
-            <a:r>
-              <a:rPr lang="en-US" altLang="ja-JP" sz="1400" dirty="0" smtClean="0"/>
-              <a:t>package (for offline) .</a:t>
-            </a:r>
-            <a:endParaRPr lang="ja-JP" altLang="en-US" sz="1400" dirty="0"/>
-          </a:p>
-          <a:p>
-            <a:pPr lvl="1"/>
-            <a:r>
-              <a:rPr lang="en-US" altLang="ja-JP" sz="1400" dirty="0" smtClean="0"/>
-              <a:t>Move installation package </a:t>
-            </a:r>
-            <a:r>
-              <a:rPr lang="en-US" altLang="ja-JP" sz="1400" dirty="0" smtClean="0"/>
-              <a:t> (for offline)  </a:t>
-            </a:r>
-            <a:r>
-              <a:rPr lang="en-US" altLang="ja-JP" sz="1400" dirty="0" smtClean="0"/>
-              <a:t>to ITA server via storage media.</a:t>
-            </a:r>
-            <a:endParaRPr lang="ja-JP" altLang="en-US" sz="1400" dirty="0"/>
-          </a:p>
-          <a:p>
-            <a:pPr lvl="1"/>
-            <a:r>
-              <a:rPr lang="en-US" altLang="ja-JP" sz="1400" dirty="0" smtClean="0"/>
-              <a:t>Create local repository from installation package </a:t>
-            </a:r>
-            <a:r>
-              <a:rPr lang="en-US" altLang="ja-JP" sz="1400" dirty="0" smtClean="0"/>
-              <a:t> (for offline) , </a:t>
-            </a:r>
-            <a:r>
-              <a:rPr lang="en-US" altLang="ja-JP" sz="1400" dirty="0" smtClean="0"/>
-              <a:t>install required library then execute ITA installer.</a:t>
+              <a:t>Create local repository from installation package  (for offline) , install required library then execute ITA installer.</a:t>
             </a:r>
             <a:endParaRPr lang="ja-JP" altLang="en-US" sz="1400" dirty="0"/>
           </a:p>
@@ -11955,25 +11883,13 @@
                         <a:rPr lang="en-US" altLang="ja-JP" sz="900" kern="100" baseline="0" dirty="0" smtClean="0">
                           <a:effectLst/>
                         </a:rPr>
-                        <a:t> </a:t>
-                      </a:r>
-                      <a:r>
-                        <a:rPr lang="en-US" altLang="ja-JP" sz="900" kern="100" baseline="0" dirty="0" smtClean="0">
-                          <a:effectLst/>
-                        </a:rPr>
-                        <a:t>file e</a:t>
+                        <a:t> file e</a:t>
                       </a:r>
                       <a:r>
                         <a:rPr lang="en-US" altLang="ja-JP" sz="900" kern="100" dirty="0" smtClean="0">
                           <a:effectLst/>
                         </a:rPr>
-                        <a:t>xtract </a:t>
-                      </a:r>
-                      <a:r>
-                        <a:rPr lang="en-US" altLang="ja-JP" sz="900" kern="100" dirty="0" smtClean="0">
-                          <a:effectLst/>
-                        </a:rPr>
-                        <a:t>path</a:t>
+                        <a:t>xtract path</a:t>
                       </a:r>
                       <a:r>
                         <a:rPr lang="en-US" sz="900" kern="100" dirty="0" smtClean="0">
@@ -12124,25 +12040,13 @@
                         <a:rPr lang="en-US" altLang="ja-JP" sz="900" kern="100" baseline="0" dirty="0" smtClean="0">
                           <a:effectLst/>
                         </a:rPr>
-                        <a:t> </a:t>
-                      </a:r>
-                      <a:r>
-                        <a:rPr lang="en-US" altLang="ja-JP" sz="900" kern="100" baseline="0" dirty="0" smtClean="0">
-                          <a:effectLst/>
-                        </a:rPr>
-                        <a:t>file e</a:t>
+                        <a:t> file e</a:t>
                       </a:r>
                       <a:r>
                         <a:rPr lang="en-US" altLang="ja-JP" sz="900" kern="100" dirty="0" smtClean="0">
                           <a:effectLst/>
                         </a:rPr>
-                        <a:t>xtract </a:t>
-                      </a:r>
-                      <a:r>
-                        <a:rPr lang="en-US" altLang="ja-JP" sz="900" kern="100" dirty="0" smtClean="0">
-                          <a:effectLst/>
-                        </a:rPr>
-                        <a:t>path</a:t>
+                        <a:t>xtract path</a:t>
                       </a:r>
                       <a:r>
                         <a:rPr lang="en-US" sz="900" kern="100" dirty="0" smtClean="0">
@@ -12296,11 +12200,7 @@
           <a:p>
             <a:r>
               <a:rPr lang="en-US" altLang="ja-JP" dirty="0" smtClean="0"/>
-              <a:t>Construction flow </a:t>
-            </a:r>
-            <a:r>
-              <a:rPr lang="en-US" altLang="ja-JP" dirty="0" smtClean="0"/>
-              <a:t> (offline) </a:t>
+              <a:t>Construction flow  (offline) </a:t>
             </a:r>
             <a:endParaRPr lang="en-US" altLang="ja-JP" dirty="0"/>
           </a:p>
@@ -12668,21 +12568,7 @@
                   <a:latin typeface="+mn-ea"/>
                   <a:cs typeface="Times New Roman" panose="02020603050405020304" pitchFamily="18" charset="0"/>
                 </a:rPr>
-                <a:t>Server for library </a:t>
-              </a:r>
-              <a:r>
-                <a:rPr lang="en-US" altLang="ja-JP" sz="1200" kern="100" dirty="0" smtClean="0">
-                  <a:ln>
-                    <a:noFill/>
-                  </a:ln>
-                  <a:solidFill>
-                    <a:srgbClr val="000000"/>
-                  </a:solidFill>
-                  <a:effectLst/>
-                  <a:latin typeface="+mn-ea"/>
-                  <a:cs typeface="Times New Roman" panose="02020603050405020304" pitchFamily="18" charset="0"/>
-                </a:rPr>
-                <a:t>collection</a:t>
+                <a:t>Server for library collection</a:t>
               </a:r>
               <a:r>
                 <a:rPr lang="en-US" sz="1200" kern="100" dirty="0" smtClean="0">
@@ -12885,17 +12771,7 @@
                   <a:latin typeface="+mn-ea"/>
                   <a:cs typeface="Times New Roman" panose="02020603050405020304" pitchFamily="18" charset="0"/>
                 </a:rPr>
-                <a:t>ITA server operation </a:t>
-              </a:r>
-              <a:r>
-                <a:rPr lang="en-US" sz="1200" kern="100" dirty="0" smtClean="0">
-                  <a:solidFill>
-                    <a:srgbClr val="000000"/>
-                  </a:solidFill>
-                  <a:latin typeface="+mn-ea"/>
-                  <a:cs typeface="Times New Roman" panose="02020603050405020304" pitchFamily="18" charset="0"/>
-                </a:rPr>
-                <a:t> (offline) </a:t>
+                <a:t>ITA server operation  (offline) </a:t>
               </a:r>
               <a:endParaRPr lang="ja-JP" sz="1200" kern="100" dirty="0">
                 <a:effectLst/>
@@ -13471,23 +13347,7 @@
                   <a:latin typeface="+mn-ea"/>
                   <a:cs typeface="Times New Roman" panose="02020603050405020304" pitchFamily="18" charset="0"/>
                 </a:rPr>
-                <a:t>6. </a:t>
-              </a:r>
-              <a:r>
-                <a:rPr kumimoji="0" lang="en-US" sz="1200" b="0" i="0" u="none" strike="noStrike" kern="100" cap="none" spc="0" normalizeH="0" baseline="0" noProof="0" dirty="0" smtClean="0">
-                  <a:ln>
-                    <a:noFill/>
-                  </a:ln>
-                  <a:solidFill>
-                    <a:srgbClr val="000000"/>
-                  </a:solidFill>
-                  <a:effectLst/>
-                  <a:uLnTx/>
-                  <a:uFillTx/>
-                  <a:latin typeface="+mn-ea"/>
-                  <a:cs typeface="Times New Roman" panose="02020603050405020304" pitchFamily="18" charset="0"/>
-                </a:rPr>
-                <a:t> (Install</a:t>
+                <a:t>6.  (Install</a:t>
               </a:r>
               <a:r>
                 <a:rPr kumimoji="0" lang="en-US" sz="1200" b="0" i="0" u="none" strike="noStrike" kern="100" cap="none" spc="0" normalizeH="0" noProof="0" dirty="0" smtClean="0">
@@ -13999,23 +13859,7 @@
                   <a:latin typeface="+mn-ea"/>
                   <a:cs typeface="Times New Roman" panose="02020603050405020304" pitchFamily="18" charset="0"/>
                 </a:rPr>
-                <a:t> (for offline)  </a:t>
-              </a:r>
-              <a:r>
-                <a:rPr kumimoji="0" lang="en-US" altLang="ja-JP" sz="1200" b="0" i="0" u="none" strike="noStrike" kern="100" cap="none" spc="0" normalizeH="0" baseline="0" noProof="0" dirty="0" smtClean="0">
-                  <a:ln>
-                    <a:noFill/>
-                  </a:ln>
-                  <a:solidFill>
-                    <a:srgbClr val="000000"/>
-                  </a:solidFill>
-                  <a:effectLst/>
-                  <a:uLnTx/>
-                  <a:uFillTx/>
-                  <a:latin typeface="+mn-ea"/>
-                  <a:cs typeface="Times New Roman" panose="02020603050405020304" pitchFamily="18" charset="0"/>
-                </a:rPr>
-                <a:t>to ITA server via storage</a:t>
+                <a:t> (for offline)  to ITA server via storage</a:t>
               </a:r>
               <a:r>
                 <a:rPr kumimoji="0" lang="en-US" altLang="ja-JP" sz="1200" b="0" i="0" u="none" strike="noStrike" kern="100" cap="none" spc="0" normalizeH="0" noProof="0" dirty="0" smtClean="0">
@@ -15098,11 +14942,7 @@
           <a:p>
             <a:r>
               <a:rPr lang="en-US" altLang="ja-JP" dirty="0" smtClean="0"/>
-              <a:t>Edit answer file </a:t>
-            </a:r>
-            <a:r>
-              <a:rPr lang="en-US" altLang="ja-JP" dirty="0" smtClean="0"/>
-              <a:t> (</a:t>
+              <a:t>Edit answer file  (</a:t>
             </a:r>
             <a:r>
               <a:rPr lang="en-US" altLang="ja-JP" kern="100" dirty="0" smtClean="0"/>
@@ -15112,7 +14952,6 @@
               <a:rPr lang="en-US" altLang="ja-JP" dirty="0" smtClean="0"/>
               <a:t>_answers.txt) .</a:t>
             </a:r>
-            <a:endParaRPr lang="en-US" altLang="ja-JP" dirty="0" smtClean="0"/>
           </a:p>
           <a:p>
             <a:pPr lvl="1"/>
@@ -15702,41 +15541,20 @@
                         <a:rPr lang="en-US" altLang="ja-JP" sz="900" kern="100" dirty="0" smtClean="0">
                           <a:effectLst/>
                         </a:rPr>
-                        <a:t>Update </a:t>
+                        <a:t>Update ITA</a:t>
+                      </a:r>
+                      <a:r>
+                        <a:rPr lang="ja-JP" altLang="en-US" sz="900" kern="100" dirty="0" smtClean="0">
+                          <a:effectLst/>
+                        </a:rPr>
+                        <a:t> </a:t>
                       </a:r>
                       <a:r>
                         <a:rPr lang="en-US" altLang="ja-JP" sz="900" kern="100" dirty="0" smtClean="0">
                           <a:effectLst/>
                         </a:rPr>
-                        <a:t>ITA</a:t>
-                      </a:r>
-                      <a:r>
-                        <a:rPr lang="ja-JP" altLang="en-US" sz="900" kern="100" dirty="0" smtClean="0">
-                          <a:effectLst/>
-                        </a:rPr>
-                        <a:t> </a:t>
-                      </a:r>
-                      <a:r>
-                        <a:rPr lang="en-US" altLang="ja-JP" sz="900" kern="100" dirty="0" smtClean="0">
-                          <a:effectLst/>
-                        </a:rPr>
-                        <a:t>(With </a:t>
-                      </a:r>
-                      <a:r>
-                        <a:rPr lang="en-US" altLang="ja-JP" sz="900" kern="100" dirty="0" smtClean="0">
-                          <a:effectLst/>
-                        </a:rPr>
-                        <a:t>library </a:t>
-                      </a:r>
-                      <a:r>
-                        <a:rPr lang="en-US" altLang="ja-JP" sz="900" kern="100" dirty="0" smtClean="0">
-                          <a:effectLst/>
-                        </a:rPr>
-                        <a:t>install) </a:t>
-                      </a:r>
-                      <a:endParaRPr lang="en-US" altLang="ja-JP" sz="900" kern="100" dirty="0" smtClean="0">
-                        <a:effectLst/>
-                      </a:endParaRPr>
+                        <a:t>(With library install) </a:t>
+                      </a:r>
                     </a:p>
                     <a:p>
                       <a:pPr algn="just">
@@ -15769,41 +15587,20 @@
                         <a:rPr lang="en-US" altLang="ja-JP" sz="900" kern="100" dirty="0" smtClean="0">
                           <a:effectLst/>
                         </a:rPr>
-                        <a:t>Update </a:t>
+                        <a:t>Update ITA</a:t>
+                      </a:r>
+                      <a:r>
+                        <a:rPr lang="ja-JP" altLang="en-US" sz="900" kern="100" dirty="0" smtClean="0">
+                          <a:effectLst/>
+                        </a:rPr>
+                        <a:t> </a:t>
                       </a:r>
                       <a:r>
                         <a:rPr lang="en-US" altLang="ja-JP" sz="900" kern="100" dirty="0" smtClean="0">
                           <a:effectLst/>
                         </a:rPr>
-                        <a:t>ITA</a:t>
-                      </a:r>
-                      <a:r>
-                        <a:rPr lang="ja-JP" altLang="en-US" sz="900" kern="100" dirty="0" smtClean="0">
-                          <a:effectLst/>
-                        </a:rPr>
-                        <a:t> </a:t>
-                      </a:r>
-                      <a:r>
-                        <a:rPr lang="en-US" altLang="ja-JP" sz="900" kern="100" dirty="0" smtClean="0">
-                          <a:effectLst/>
-                        </a:rPr>
-                        <a:t>(Without </a:t>
-                      </a:r>
-                      <a:r>
-                        <a:rPr lang="en-US" altLang="ja-JP" sz="900" kern="100" dirty="0" smtClean="0">
-                          <a:effectLst/>
-                        </a:rPr>
-                        <a:t>library </a:t>
-                      </a:r>
-                      <a:r>
-                        <a:rPr lang="en-US" altLang="ja-JP" sz="900" kern="100" dirty="0" smtClean="0">
-                          <a:effectLst/>
-                        </a:rPr>
-                        <a:t>install) </a:t>
-                      </a:r>
-                      <a:endParaRPr lang="en-US" altLang="ja-JP" sz="900" kern="100" dirty="0" smtClean="0">
-                        <a:effectLst/>
-                      </a:endParaRPr>
+                        <a:t>(Without library install) </a:t>
+                      </a:r>
                     </a:p>
                     <a:p>
                       <a:pPr algn="just">
@@ -16293,13 +16090,7 @@
                         <a:rPr lang="en-US" altLang="ja-JP" sz="1050" kern="100" baseline="0" dirty="0" smtClean="0">
                           <a:effectLst/>
                         </a:rPr>
-                        <a:t> display </a:t>
-                      </a:r>
-                      <a:r>
-                        <a:rPr lang="en-US" altLang="ja-JP" sz="1050" kern="100" baseline="0" dirty="0" smtClean="0">
-                          <a:effectLst/>
-                        </a:rPr>
-                        <a:t>language</a:t>
+                        <a:t> display language</a:t>
                       </a:r>
                       <a:r>
                         <a:rPr lang="ja-JP" altLang="en-US" sz="900" kern="100" dirty="0" smtClean="0">
@@ -16519,31 +16310,13 @@
                         <a:rPr lang="en-US" altLang="ja-JP" sz="1050" kern="100" dirty="0" smtClean="0">
                           <a:effectLst/>
                         </a:rPr>
-                        <a:t>Library gather Server </a:t>
-                      </a:r>
-                      <a:r>
-                        <a:rPr lang="en-US" altLang="ja-JP" sz="1050" kern="100" dirty="0" smtClean="0">
-                          <a:effectLst/>
-                        </a:rPr>
-                        <a:t>OS</a:t>
+                        <a:t>Library gather Server OS</a:t>
                       </a:r>
                       <a:r>
                         <a:rPr lang="en-US" altLang="ja-JP" sz="800" kern="100" dirty="0" smtClean="0">
                           <a:effectLst/>
                         </a:rPr>
-                        <a:t> ("</a:t>
-                      </a:r>
-                      <a:r>
-                        <a:rPr lang="en-US" altLang="ja-JP" sz="800" kern="100" dirty="0" smtClean="0">
-                          <a:effectLst/>
-                        </a:rPr>
-                        <a:t>CentOS7","CentOS8","RHEL7","RHEL8</a:t>
-                      </a:r>
-                      <a:r>
-                        <a:rPr lang="en-US" altLang="ja-JP" sz="800" kern="100" dirty="0" smtClean="0">
-                          <a:effectLst/>
-                        </a:rPr>
-                        <a:t>“) </a:t>
+                        <a:t> ("CentOS7","CentOS8","RHEL7","RHEL8“) </a:t>
                       </a:r>
                       <a:endParaRPr lang="ja-JP" altLang="ja-JP" sz="800" kern="100" dirty="0">
                         <a:effectLst/>
@@ -16877,7 +16650,7 @@
                           <a:ea typeface="+mn-ea"/>
                           <a:cs typeface="Times New Roman" panose="02020603050405020304" pitchFamily="18" charset="0"/>
                         </a:rPr>
-                        <a:t> official depository </a:t>
+                        <a:t> official depository  (</a:t>
                       </a:r>
                       <a:r>
                         <a:rPr lang="en-US" altLang="ja-JP" sz="900" kern="100" dirty="0" smtClean="0">
@@ -16888,8 +16661,9 @@
                           <a:latin typeface="+mn-ea"/>
                           <a:ea typeface="+mn-ea"/>
                           <a:cs typeface="Times New Roman" panose="02020603050405020304" pitchFamily="18" charset="0"/>
-                        </a:rPr>
-                        <a:t> (</a:t>
+                          <a:hlinkClick r:id="rId2"/>
+                        </a:rPr>
+                        <a:t>https://mariadb.org/</a:t>
                       </a:r>
                       <a:r>
                         <a:rPr lang="en-US" altLang="ja-JP" sz="900" kern="100" dirty="0" smtClean="0">
@@ -16900,9 +16674,20 @@
                           <a:latin typeface="+mn-ea"/>
                           <a:ea typeface="+mn-ea"/>
                           <a:cs typeface="Times New Roman" panose="02020603050405020304" pitchFamily="18" charset="0"/>
-                          <a:hlinkClick r:id="rId2"/>
-                        </a:rPr>
-                        <a:t>https</a:t>
+                        </a:rPr>
+                        <a:t>)  ※If the </a:t>
+                      </a:r>
+                      <a:r>
+                        <a:rPr lang="en-US" altLang="ja-JP" sz="900" kern="100" dirty="0" err="1" smtClean="0">
+                          <a:solidFill>
+                            <a:schemeClr val="tx1"/>
+                          </a:solidFill>
+                          <a:effectLst/>
+                          <a:latin typeface="+mn-ea"/>
+                          <a:ea typeface="+mn-ea"/>
+                          <a:cs typeface="Times New Roman" panose="02020603050405020304" pitchFamily="18" charset="0"/>
+                        </a:rPr>
+                        <a:t>linux_os</a:t>
                       </a:r>
                       <a:r>
                         <a:rPr lang="en-US" altLang="ja-JP" sz="900" kern="100" dirty="0" smtClean="0">
@@ -16913,9 +16698,20 @@
                           <a:latin typeface="+mn-ea"/>
                           <a:ea typeface="+mn-ea"/>
                           <a:cs typeface="Times New Roman" panose="02020603050405020304" pitchFamily="18" charset="0"/>
-                          <a:hlinkClick r:id="rId2"/>
-                        </a:rPr>
-                        <a:t>://mariadb.org</a:t>
+                        </a:rPr>
+                        <a:t> is CentOS7 or RHEL7, </a:t>
+                      </a:r>
+                      <a:r>
+                        <a:rPr lang="en-US" altLang="ja-JP" sz="900" kern="100" dirty="0" err="1" smtClean="0">
+                          <a:solidFill>
+                            <a:schemeClr val="tx1"/>
+                          </a:solidFill>
+                          <a:effectLst/>
+                          <a:latin typeface="+mn-ea"/>
+                          <a:ea typeface="+mn-ea"/>
+                          <a:cs typeface="Times New Roman" panose="02020603050405020304" pitchFamily="18" charset="0"/>
+                        </a:rPr>
+                        <a:t>MariaDB</a:t>
                       </a:r>
                       <a:r>
                         <a:rPr lang="en-US" altLang="ja-JP" sz="900" kern="100" dirty="0" smtClean="0">
@@ -16926,9 +16722,20 @@
                           <a:latin typeface="+mn-ea"/>
                           <a:ea typeface="+mn-ea"/>
                           <a:cs typeface="Times New Roman" panose="02020603050405020304" pitchFamily="18" charset="0"/>
-                          <a:hlinkClick r:id="rId2"/>
-                        </a:rPr>
-                        <a:t>/</a:t>
+                        </a:rPr>
+                        <a:t> will be installed using the </a:t>
+                      </a:r>
+                      <a:r>
+                        <a:rPr lang="en-US" altLang="ja-JP" sz="900" kern="100" dirty="0" err="1" smtClean="0">
+                          <a:solidFill>
+                            <a:schemeClr val="tx1"/>
+                          </a:solidFill>
+                          <a:effectLst/>
+                          <a:latin typeface="+mn-ea"/>
+                          <a:ea typeface="+mn-ea"/>
+                          <a:cs typeface="Times New Roman" panose="02020603050405020304" pitchFamily="18" charset="0"/>
+                        </a:rPr>
+                        <a:t>MariaDB</a:t>
                       </a:r>
                       <a:r>
                         <a:rPr lang="en-US" altLang="ja-JP" sz="900" kern="100" dirty="0" smtClean="0">
@@ -16940,7 +16747,7 @@
                           <a:ea typeface="+mn-ea"/>
                           <a:cs typeface="Times New Roman" panose="02020603050405020304" pitchFamily="18" charset="0"/>
                         </a:rPr>
-                        <a:t>)  </a:t>
+                        <a:t> official repository (</a:t>
                       </a:r>
                       <a:r>
                         <a:rPr lang="en-US" altLang="ja-JP" sz="900" kern="100" dirty="0" smtClean="0">
@@ -16951,20 +16758,9 @@
                           <a:latin typeface="+mn-ea"/>
                           <a:ea typeface="+mn-ea"/>
                           <a:cs typeface="Times New Roman" panose="02020603050405020304" pitchFamily="18" charset="0"/>
-                        </a:rPr>
-                        <a:t>※If the </a:t>
-                      </a:r>
-                      <a:r>
-                        <a:rPr lang="en-US" altLang="ja-JP" sz="900" kern="100" dirty="0" err="1" smtClean="0">
-                          <a:solidFill>
-                            <a:schemeClr val="tx1"/>
-                          </a:solidFill>
-                          <a:effectLst/>
-                          <a:latin typeface="+mn-ea"/>
-                          <a:ea typeface="+mn-ea"/>
-                          <a:cs typeface="Times New Roman" panose="02020603050405020304" pitchFamily="18" charset="0"/>
-                        </a:rPr>
-                        <a:t>linux_os</a:t>
+                          <a:hlinkClick r:id="rId2"/>
+                        </a:rPr>
+                        <a:t>https://mariadb.org/</a:t>
                       </a:r>
                       <a:r>
                         <a:rPr lang="en-US" altLang="ja-JP" sz="900" kern="100" dirty="0" smtClean="0">
@@ -16976,130 +16772,7 @@
                           <a:ea typeface="+mn-ea"/>
                           <a:cs typeface="Times New Roman" panose="02020603050405020304" pitchFamily="18" charset="0"/>
                         </a:rPr>
-                        <a:t> is CentOS7 or RHEL7, </a:t>
-                      </a:r>
-                      <a:r>
-                        <a:rPr lang="en-US" altLang="ja-JP" sz="900" kern="100" dirty="0" err="1" smtClean="0">
-                          <a:solidFill>
-                            <a:schemeClr val="tx1"/>
-                          </a:solidFill>
-                          <a:effectLst/>
-                          <a:latin typeface="+mn-ea"/>
-                          <a:ea typeface="+mn-ea"/>
-                          <a:cs typeface="Times New Roman" panose="02020603050405020304" pitchFamily="18" charset="0"/>
-                        </a:rPr>
-                        <a:t>MariaDB</a:t>
-                      </a:r>
-                      <a:r>
-                        <a:rPr lang="en-US" altLang="ja-JP" sz="900" kern="100" dirty="0" smtClean="0">
-                          <a:solidFill>
-                            <a:schemeClr val="tx1"/>
-                          </a:solidFill>
-                          <a:effectLst/>
-                          <a:latin typeface="+mn-ea"/>
-                          <a:ea typeface="+mn-ea"/>
-                          <a:cs typeface="Times New Roman" panose="02020603050405020304" pitchFamily="18" charset="0"/>
-                        </a:rPr>
-                        <a:t> will be installed using the </a:t>
-                      </a:r>
-                      <a:r>
-                        <a:rPr lang="en-US" altLang="ja-JP" sz="900" kern="100" dirty="0" err="1" smtClean="0">
-                          <a:solidFill>
-                            <a:schemeClr val="tx1"/>
-                          </a:solidFill>
-                          <a:effectLst/>
-                          <a:latin typeface="+mn-ea"/>
-                          <a:ea typeface="+mn-ea"/>
-                          <a:cs typeface="Times New Roman" panose="02020603050405020304" pitchFamily="18" charset="0"/>
-                        </a:rPr>
-                        <a:t>MariaDB</a:t>
-                      </a:r>
-                      <a:r>
-                        <a:rPr lang="en-US" altLang="ja-JP" sz="900" kern="100" dirty="0" smtClean="0">
-                          <a:solidFill>
-                            <a:schemeClr val="tx1"/>
-                          </a:solidFill>
-                          <a:effectLst/>
-                          <a:latin typeface="+mn-ea"/>
-                          <a:ea typeface="+mn-ea"/>
-                          <a:cs typeface="Times New Roman" panose="02020603050405020304" pitchFamily="18" charset="0"/>
-                        </a:rPr>
-                        <a:t> official </a:t>
-                      </a:r>
-                      <a:r>
-                        <a:rPr lang="en-US" altLang="ja-JP" sz="900" kern="100" dirty="0" smtClean="0">
-                          <a:solidFill>
-                            <a:schemeClr val="tx1"/>
-                          </a:solidFill>
-                          <a:effectLst/>
-                          <a:latin typeface="+mn-ea"/>
-                          <a:ea typeface="+mn-ea"/>
-                          <a:cs typeface="Times New Roman" panose="02020603050405020304" pitchFamily="18" charset="0"/>
-                        </a:rPr>
-                        <a:t>repository (</a:t>
-                      </a:r>
-                      <a:r>
-                        <a:rPr lang="en-US" altLang="ja-JP" sz="900" kern="100" dirty="0" smtClean="0">
-                          <a:solidFill>
-                            <a:schemeClr val="tx1"/>
-                          </a:solidFill>
-                          <a:effectLst/>
-                          <a:latin typeface="+mn-ea"/>
-                          <a:ea typeface="+mn-ea"/>
-                          <a:cs typeface="Times New Roman" panose="02020603050405020304" pitchFamily="18" charset="0"/>
-                          <a:hlinkClick r:id="rId2"/>
-                        </a:rPr>
-                        <a:t>https</a:t>
-                      </a:r>
-                      <a:r>
-                        <a:rPr lang="en-US" altLang="ja-JP" sz="900" kern="100" dirty="0" smtClean="0">
-                          <a:solidFill>
-                            <a:schemeClr val="tx1"/>
-                          </a:solidFill>
-                          <a:effectLst/>
-                          <a:latin typeface="+mn-ea"/>
-                          <a:ea typeface="+mn-ea"/>
-                          <a:cs typeface="Times New Roman" panose="02020603050405020304" pitchFamily="18" charset="0"/>
-                          <a:hlinkClick r:id="rId2"/>
-                        </a:rPr>
-                        <a:t>://mariadb.org</a:t>
-                      </a:r>
-                      <a:r>
-                        <a:rPr lang="en-US" altLang="ja-JP" sz="900" kern="100" dirty="0" smtClean="0">
-                          <a:solidFill>
-                            <a:schemeClr val="tx1"/>
-                          </a:solidFill>
-                          <a:effectLst/>
-                          <a:latin typeface="+mn-ea"/>
-                          <a:ea typeface="+mn-ea"/>
-                          <a:cs typeface="Times New Roman" panose="02020603050405020304" pitchFamily="18" charset="0"/>
-                          <a:hlinkClick r:id="rId2"/>
-                        </a:rPr>
-                        <a:t>/</a:t>
-                      </a:r>
-                      <a:r>
-                        <a:rPr lang="en-US" altLang="ja-JP" sz="900" kern="100" dirty="0" smtClean="0">
-                          <a:solidFill>
-                            <a:schemeClr val="tx1"/>
-                          </a:solidFill>
-                          <a:effectLst/>
-                          <a:latin typeface="+mn-ea"/>
-                          <a:ea typeface="+mn-ea"/>
-                          <a:cs typeface="Times New Roman" panose="02020603050405020304" pitchFamily="18" charset="0"/>
-                        </a:rPr>
-                        <a:t>)   </a:t>
-                      </a:r>
-                      <a:r>
-                        <a:rPr lang="en-US" altLang="ja-JP" sz="900" kern="100" dirty="0" smtClean="0">
-                          <a:solidFill>
-                            <a:schemeClr val="tx1"/>
-                          </a:solidFill>
-                          <a:effectLst/>
-                          <a:latin typeface="+mn-ea"/>
-                          <a:ea typeface="+mn-ea"/>
-                          <a:cs typeface="Times New Roman" panose="02020603050405020304" pitchFamily="18" charset="0"/>
-                        </a:rPr>
-                        <a:t>regardless of the user settings.</a:t>
+                        <a:t>)   regardless of the user settings.</a:t>
                       </a:r>
                       <a:endParaRPr lang="ja-JP" altLang="ja-JP" sz="900" kern="100" dirty="0" smtClean="0">
                         <a:solidFill>
@@ -17198,15 +16871,7 @@
             </a:r>
             <a:r>
               <a:rPr lang="en-US" altLang="ja-JP" dirty="0" smtClean="0"/>
-              <a:t>(</a:t>
-            </a:r>
-            <a:r>
-              <a:rPr lang="en-US" altLang="ja-JP" dirty="0" smtClean="0"/>
-              <a:t>3</a:t>
-            </a:r>
-            <a:r>
-              <a:rPr lang="en-US" altLang="ja-JP" dirty="0" smtClean="0"/>
-              <a:t>/11) </a:t>
+              <a:t>(3/11) </a:t>
             </a:r>
             <a:endParaRPr kumimoji="1" lang="ja-JP" altLang="en-US" dirty="0"/>
           </a:p>
@@ -17305,19 +16970,7 @@
             </a:r>
             <a:r>
               <a:rPr lang="en-US" altLang="ja-JP" dirty="0" smtClean="0"/>
-              <a:t>/ (installation </a:t>
-            </a:r>
-            <a:r>
-              <a:rPr lang="en-US" altLang="ja-JP" dirty="0" smtClean="0"/>
-              <a:t>file extract </a:t>
-            </a:r>
-            <a:r>
-              <a:rPr lang="en-US" altLang="ja-JP" dirty="0" smtClean="0"/>
-              <a:t>path) /</a:t>
-            </a:r>
-            <a:r>
-              <a:rPr lang="en-US" altLang="ja-JP" dirty="0" smtClean="0"/>
-              <a:t>ita_install_package/</a:t>
+              <a:t>/ (installation file extract path) /ita_install_package/</a:t>
             </a:r>
             <a:r>
               <a:rPr lang="en-US" altLang="ja-JP" dirty="0" err="1" smtClean="0"/>
@@ -17345,15 +16998,7 @@
             <a:pPr lvl="1"/>
             <a:r>
               <a:rPr lang="en-US" altLang="ja-JP" dirty="0" smtClean="0"/>
-              <a:t>Move installation package </a:t>
-            </a:r>
-            <a:r>
-              <a:rPr lang="en-US" altLang="ja-JP" dirty="0" smtClean="0"/>
-              <a:t> (for offline)  </a:t>
-            </a:r>
-            <a:r>
-              <a:rPr lang="en-US" altLang="ja-JP" dirty="0" smtClean="0"/>
-              <a:t>to ITA server via storage media</a:t>
+              <a:t>Move installation package  (for offline)  to ITA server via storage media</a:t>
             </a:r>
             <a:r>
               <a:rPr lang="en-US" altLang="ja-JP" dirty="0"/>
@@ -17384,21 +17029,8 @@
                   <a:srgbClr val="FF0000"/>
                 </a:solidFill>
               </a:rPr>
-              <a:t>The following command are executed in ITA server </a:t>
-            </a:r>
-            <a:r>
-              <a:rPr lang="en-US" altLang="ja-JP" sz="1900" dirty="0" smtClean="0">
-                <a:solidFill>
-                  <a:srgbClr val="FF0000"/>
-                </a:solidFill>
-              </a:rPr>
-              <a:t> (Offline environment) </a:t>
-            </a:r>
-            <a:endParaRPr lang="en-US" altLang="ja-JP" sz="1900" dirty="0" smtClean="0">
-              <a:solidFill>
-                <a:srgbClr val="FF0000"/>
-              </a:solidFill>
-            </a:endParaRPr>
+              <a:t>The following command are executed in ITA server  (Offline environment) </a:t>
+            </a:r>
           </a:p>
           <a:p>
             <a:pPr marL="0" indent="0">
@@ -17409,27 +17041,14 @@
           <a:p>
             <a:r>
               <a:rPr lang="en-US" altLang="ja-JP" dirty="0" smtClean="0"/>
-              <a:t>Extract installation </a:t>
-            </a:r>
+              <a:t>Extract installation package (for offline) </a:t>
+            </a:r>
+          </a:p>
+          <a:p>
+            <a:pPr lvl="1"/>
             <a:r>
               <a:rPr lang="en-US" altLang="ja-JP" dirty="0" smtClean="0"/>
-              <a:t>package (for offline) </a:t>
-            </a:r>
-            <a:endParaRPr lang="en-US" altLang="ja-JP" dirty="0" smtClean="0"/>
-          </a:p>
-          <a:p>
-            <a:pPr lvl="1"/>
-            <a:r>
-              <a:rPr lang="en-US" altLang="ja-JP" dirty="0" smtClean="0"/>
-              <a:t>Extract installation </a:t>
-            </a:r>
-            <a:r>
-              <a:rPr lang="en-US" altLang="ja-JP" dirty="0" smtClean="0"/>
-              <a:t>package (for offline)  </a:t>
-            </a:r>
-            <a:r>
-              <a:rPr lang="en-US" altLang="ja-JP" dirty="0" smtClean="0"/>
-              <a:t>on ITA server</a:t>
+              <a:t>Extract installation package (for offline)  on ITA server</a:t>
             </a:r>
           </a:p>
           <a:p>
@@ -18058,41 +17677,20 @@
                         <a:rPr lang="en-US" altLang="ja-JP" sz="800" kern="100" dirty="0" smtClean="0">
                           <a:effectLst/>
                         </a:rPr>
-                        <a:t>Update </a:t>
+                        <a:t>Update ITA</a:t>
+                      </a:r>
+                      <a:r>
+                        <a:rPr lang="ja-JP" altLang="en-US" sz="800" kern="100" dirty="0" smtClean="0">
+                          <a:effectLst/>
+                        </a:rPr>
+                        <a:t> </a:t>
                       </a:r>
                       <a:r>
                         <a:rPr lang="en-US" altLang="ja-JP" sz="800" kern="100" dirty="0" smtClean="0">
                           <a:effectLst/>
                         </a:rPr>
-                        <a:t>ITA</a:t>
-                      </a:r>
-                      <a:r>
-                        <a:rPr lang="ja-JP" altLang="en-US" sz="800" kern="100" dirty="0" smtClean="0">
-                          <a:effectLst/>
-                        </a:rPr>
-                        <a:t> </a:t>
-                      </a:r>
-                      <a:r>
-                        <a:rPr lang="en-US" altLang="ja-JP" sz="800" kern="100" dirty="0" smtClean="0">
-                          <a:effectLst/>
-                        </a:rPr>
-                        <a:t>(With </a:t>
-                      </a:r>
-                      <a:r>
-                        <a:rPr lang="en-US" altLang="ja-JP" sz="800" kern="100" dirty="0" smtClean="0">
-                          <a:effectLst/>
-                        </a:rPr>
-                        <a:t>library </a:t>
-                      </a:r>
-                      <a:r>
-                        <a:rPr lang="en-US" altLang="ja-JP" sz="800" kern="100" dirty="0" smtClean="0">
-                          <a:effectLst/>
-                        </a:rPr>
-                        <a:t>install) </a:t>
-                      </a:r>
-                      <a:endParaRPr lang="en-US" altLang="ja-JP" sz="800" kern="100" dirty="0" smtClean="0">
-                        <a:effectLst/>
-                      </a:endParaRPr>
+                        <a:t>(With library install) </a:t>
+                      </a:r>
                     </a:p>
                     <a:p>
                       <a:pPr algn="just">
@@ -18125,41 +17723,20 @@
                         <a:rPr lang="en-US" altLang="ja-JP" sz="800" kern="100" dirty="0" smtClean="0">
                           <a:effectLst/>
                         </a:rPr>
-                        <a:t>Update </a:t>
+                        <a:t>Update ITA</a:t>
+                      </a:r>
+                      <a:r>
+                        <a:rPr lang="ja-JP" altLang="en-US" sz="800" kern="100" dirty="0" smtClean="0">
+                          <a:effectLst/>
+                        </a:rPr>
+                        <a:t> </a:t>
                       </a:r>
                       <a:r>
                         <a:rPr lang="en-US" altLang="ja-JP" sz="800" kern="100" dirty="0" smtClean="0">
                           <a:effectLst/>
                         </a:rPr>
-                        <a:t>ITA</a:t>
-                      </a:r>
-                      <a:r>
-                        <a:rPr lang="ja-JP" altLang="en-US" sz="800" kern="100" dirty="0" smtClean="0">
-                          <a:effectLst/>
-                        </a:rPr>
-                        <a:t> </a:t>
-                      </a:r>
-                      <a:r>
-                        <a:rPr lang="en-US" altLang="ja-JP" sz="800" kern="100" dirty="0" smtClean="0">
-                          <a:effectLst/>
-                        </a:rPr>
-                        <a:t>(Without </a:t>
-                      </a:r>
-                      <a:r>
-                        <a:rPr lang="en-US" altLang="ja-JP" sz="800" kern="100" dirty="0" smtClean="0">
-                          <a:effectLst/>
-                        </a:rPr>
-                        <a:t>library </a:t>
-                      </a:r>
-                      <a:r>
-                        <a:rPr lang="en-US" altLang="ja-JP" sz="800" kern="100" dirty="0" smtClean="0">
-                          <a:effectLst/>
-                        </a:rPr>
-                        <a:t>install) </a:t>
-                      </a:r>
-                      <a:endParaRPr lang="en-US" altLang="ja-JP" sz="800" kern="100" dirty="0" smtClean="0">
-                        <a:effectLst/>
-                      </a:endParaRPr>
+                        <a:t>(Without library install) </a:t>
+                      </a:r>
                     </a:p>
                     <a:p>
                       <a:pPr algn="just">
@@ -18628,13 +18205,7 @@
                         <a:rPr lang="en-US" sz="1000" kern="100" baseline="0" dirty="0" smtClean="0">
                           <a:effectLst/>
                         </a:rPr>
-                        <a:t> display </a:t>
-                      </a:r>
-                      <a:r>
-                        <a:rPr lang="en-US" sz="1000" kern="100" baseline="0" dirty="0" smtClean="0">
-                          <a:effectLst/>
-                        </a:rPr>
-                        <a:t>language</a:t>
+                        <a:t> display language</a:t>
                       </a:r>
                       <a:r>
                         <a:rPr lang="ja-JP" altLang="en-US" sz="800" kern="100" dirty="0" smtClean="0">
@@ -18884,37 +18455,13 @@
                         <a:rPr lang="en-US" sz="1000" kern="100" dirty="0" smtClean="0">
                           <a:effectLst/>
                         </a:rPr>
-                        <a:t>Server </a:t>
-                      </a:r>
-                      <a:r>
-                        <a:rPr lang="en-US" sz="1000" kern="100" dirty="0" smtClean="0">
-                          <a:effectLst/>
-                        </a:rPr>
-                        <a:t>OS</a:t>
+                        <a:t>Server OS</a:t>
                       </a:r>
                       <a:r>
                         <a:rPr lang="en-US" altLang="ja-JP" sz="1000" kern="100" dirty="0" smtClean="0">
                           <a:effectLst/>
                         </a:rPr>
-                        <a:t> ("</a:t>
-                      </a:r>
-                      <a:r>
-                        <a:rPr lang="en-US" altLang="ja-JP" sz="1000" kern="100" dirty="0" smtClean="0">
-                          <a:effectLst/>
-                        </a:rPr>
-                        <a:t>CentOS7","CentOS8","RHEL7","RHEL8</a:t>
-                      </a:r>
-                      <a:r>
-                        <a:rPr lang="en-US" altLang="ja-JP" sz="1000" kern="100" dirty="0" smtClean="0">
-                          <a:effectLst/>
-                        </a:rPr>
-                        <a:t>“) </a:t>
-                      </a:r>
-                      <a:r>
-                        <a:rPr lang="en-US" altLang="ja-JP" sz="1000" kern="100" dirty="0" smtClean="0">
-                          <a:effectLst/>
-                        </a:rPr>
-                        <a:t/>
+                        <a:t> ("CentOS7","CentOS8","RHEL7","RHEL8“) </a:t>
                       </a:r>
                       <a:br>
                         <a:rPr lang="en-US" altLang="ja-JP" sz="1000" kern="100" dirty="0" smtClean="0">
@@ -19327,7 +18874,7 @@
                           <a:ea typeface="+mn-ea"/>
                           <a:cs typeface="Times New Roman" panose="02020603050405020304" pitchFamily="18" charset="0"/>
                         </a:rPr>
-                        <a:t> official depository </a:t>
+                        <a:t> official depository  (</a:t>
                       </a:r>
                       <a:r>
                         <a:rPr lang="en-US" altLang="ja-JP" sz="1000" kern="100" dirty="0" smtClean="0">
@@ -19338,8 +18885,9 @@
                           <a:latin typeface="+mn-ea"/>
                           <a:ea typeface="+mn-ea"/>
                           <a:cs typeface="Times New Roman" panose="02020603050405020304" pitchFamily="18" charset="0"/>
-                        </a:rPr>
-                        <a:t> (</a:t>
+                          <a:hlinkClick r:id="rId2"/>
+                        </a:rPr>
+                        <a:t>https://mariadb.org/</a:t>
                       </a:r>
                       <a:r>
                         <a:rPr lang="en-US" altLang="ja-JP" sz="1000" kern="100" dirty="0" smtClean="0">
@@ -19350,9 +18898,20 @@
                           <a:latin typeface="+mn-ea"/>
                           <a:ea typeface="+mn-ea"/>
                           <a:cs typeface="Times New Roman" panose="02020603050405020304" pitchFamily="18" charset="0"/>
-                          <a:hlinkClick r:id="rId2"/>
-                        </a:rPr>
-                        <a:t>https</a:t>
+                        </a:rPr>
+                        <a:t>)  ※If the </a:t>
+                      </a:r>
+                      <a:r>
+                        <a:rPr lang="en-US" altLang="ja-JP" sz="1000" kern="100" dirty="0" err="1" smtClean="0">
+                          <a:solidFill>
+                            <a:schemeClr val="tx1"/>
+                          </a:solidFill>
+                          <a:effectLst/>
+                          <a:latin typeface="+mn-ea"/>
+                          <a:ea typeface="+mn-ea"/>
+                          <a:cs typeface="Times New Roman" panose="02020603050405020304" pitchFamily="18" charset="0"/>
+                        </a:rPr>
+                        <a:t>linux_os</a:t>
                       </a:r>
                       <a:r>
                         <a:rPr lang="en-US" altLang="ja-JP" sz="1000" kern="100" dirty="0" smtClean="0">
@@ -19363,9 +18922,20 @@
                           <a:latin typeface="+mn-ea"/>
                           <a:ea typeface="+mn-ea"/>
                           <a:cs typeface="Times New Roman" panose="02020603050405020304" pitchFamily="18" charset="0"/>
-                          <a:hlinkClick r:id="rId2"/>
-                        </a:rPr>
-                        <a:t>://mariadb.org</a:t>
+                        </a:rPr>
+                        <a:t> is CentOS7 or RHEL7, </a:t>
+                      </a:r>
+                      <a:r>
+                        <a:rPr lang="en-US" altLang="ja-JP" sz="1000" kern="100" dirty="0" err="1" smtClean="0">
+                          <a:solidFill>
+                            <a:schemeClr val="tx1"/>
+                          </a:solidFill>
+                          <a:effectLst/>
+                          <a:latin typeface="+mn-ea"/>
+                          <a:ea typeface="+mn-ea"/>
+                          <a:cs typeface="Times New Roman" panose="02020603050405020304" pitchFamily="18" charset="0"/>
+                        </a:rPr>
+                        <a:t>MariaDB</a:t>
                       </a:r>
                       <a:r>
                         <a:rPr lang="en-US" altLang="ja-JP" sz="1000" kern="100" dirty="0" smtClean="0">
@@ -19376,9 +18946,20 @@
                           <a:latin typeface="+mn-ea"/>
                           <a:ea typeface="+mn-ea"/>
                           <a:cs typeface="Times New Roman" panose="02020603050405020304" pitchFamily="18" charset="0"/>
-                          <a:hlinkClick r:id="rId2"/>
-                        </a:rPr>
-                        <a:t>/</a:t>
+                        </a:rPr>
+                        <a:t> will be installed using the </a:t>
+                      </a:r>
+                      <a:r>
+                        <a:rPr lang="en-US" altLang="ja-JP" sz="1000" kern="100" dirty="0" err="1" smtClean="0">
+                          <a:solidFill>
+                            <a:schemeClr val="tx1"/>
+                          </a:solidFill>
+                          <a:effectLst/>
+                          <a:latin typeface="+mn-ea"/>
+                          <a:ea typeface="+mn-ea"/>
+                          <a:cs typeface="Times New Roman" panose="02020603050405020304" pitchFamily="18" charset="0"/>
+                        </a:rPr>
+                        <a:t>MariaDB</a:t>
                       </a:r>
                       <a:r>
                         <a:rPr lang="en-US" altLang="ja-JP" sz="1000" kern="100" dirty="0" smtClean="0">
@@ -19390,7 +18971,7 @@
                           <a:ea typeface="+mn-ea"/>
                           <a:cs typeface="Times New Roman" panose="02020603050405020304" pitchFamily="18" charset="0"/>
                         </a:rPr>
-                        <a:t>)  </a:t>
+                        <a:t> official repository (</a:t>
                       </a:r>
                       <a:r>
                         <a:rPr lang="en-US" altLang="ja-JP" sz="1000" kern="100" dirty="0" smtClean="0">
@@ -19401,20 +18982,9 @@
                           <a:latin typeface="+mn-ea"/>
                           <a:ea typeface="+mn-ea"/>
                           <a:cs typeface="Times New Roman" panose="02020603050405020304" pitchFamily="18" charset="0"/>
-                        </a:rPr>
-                        <a:t>※If the </a:t>
-                      </a:r>
-                      <a:r>
-                        <a:rPr lang="en-US" altLang="ja-JP" sz="1000" kern="100" dirty="0" err="1" smtClean="0">
-                          <a:solidFill>
-                            <a:schemeClr val="tx1"/>
-                          </a:solidFill>
-                          <a:effectLst/>
-                          <a:latin typeface="+mn-ea"/>
-                          <a:ea typeface="+mn-ea"/>
-                          <a:cs typeface="Times New Roman" panose="02020603050405020304" pitchFamily="18" charset="0"/>
-                        </a:rPr>
-                        <a:t>linux_os</a:t>
+                          <a:hlinkClick r:id="rId2"/>
+                        </a:rPr>
+                        <a:t>https://mariadb.org/</a:t>
                       </a:r>
                       <a:r>
                         <a:rPr lang="en-US" altLang="ja-JP" sz="1000" kern="100" dirty="0" smtClean="0">
@@ -19426,130 +18996,7 @@
                           <a:ea typeface="+mn-ea"/>
                           <a:cs typeface="Times New Roman" panose="02020603050405020304" pitchFamily="18" charset="0"/>
                         </a:rPr>
-                        <a:t> is CentOS7 or RHEL7, </a:t>
-                      </a:r>
-                      <a:r>
-                        <a:rPr lang="en-US" altLang="ja-JP" sz="1000" kern="100" dirty="0" err="1" smtClean="0">
-                          <a:solidFill>
-                            <a:schemeClr val="tx1"/>
-                          </a:solidFill>
-                          <a:effectLst/>
-                          <a:latin typeface="+mn-ea"/>
-                          <a:ea typeface="+mn-ea"/>
-                          <a:cs typeface="Times New Roman" panose="02020603050405020304" pitchFamily="18" charset="0"/>
-                        </a:rPr>
-                        <a:t>MariaDB</a:t>
-                      </a:r>
-                      <a:r>
-                        <a:rPr lang="en-US" altLang="ja-JP" sz="1000" kern="100" dirty="0" smtClean="0">
-                          <a:solidFill>
-                            <a:schemeClr val="tx1"/>
-                          </a:solidFill>
-                          <a:effectLst/>
-                          <a:latin typeface="+mn-ea"/>
-                          <a:ea typeface="+mn-ea"/>
-                          <a:cs typeface="Times New Roman" panose="02020603050405020304" pitchFamily="18" charset="0"/>
-                        </a:rPr>
-                        <a:t> will be installed using the </a:t>
-                      </a:r>
-                      <a:r>
-                        <a:rPr lang="en-US" altLang="ja-JP" sz="1000" kern="100" dirty="0" err="1" smtClean="0">
-                          <a:solidFill>
-                            <a:schemeClr val="tx1"/>
-                          </a:solidFill>
-                          <a:effectLst/>
-                          <a:latin typeface="+mn-ea"/>
-                          <a:ea typeface="+mn-ea"/>
-                          <a:cs typeface="Times New Roman" panose="02020603050405020304" pitchFamily="18" charset="0"/>
-                        </a:rPr>
-                        <a:t>MariaDB</a:t>
-                      </a:r>
-                      <a:r>
-                        <a:rPr lang="en-US" altLang="ja-JP" sz="1000" kern="100" dirty="0" smtClean="0">
-                          <a:solidFill>
-                            <a:schemeClr val="tx1"/>
-                          </a:solidFill>
-                          <a:effectLst/>
-                          <a:latin typeface="+mn-ea"/>
-                          <a:ea typeface="+mn-ea"/>
-                          <a:cs typeface="Times New Roman" panose="02020603050405020304" pitchFamily="18" charset="0"/>
-                        </a:rPr>
-                        <a:t> official </a:t>
-                      </a:r>
-                      <a:r>
-                        <a:rPr lang="en-US" altLang="ja-JP" sz="1000" kern="100" dirty="0" smtClean="0">
-                          <a:solidFill>
-                            <a:schemeClr val="tx1"/>
-                          </a:solidFill>
-                          <a:effectLst/>
-                          <a:latin typeface="+mn-ea"/>
-                          <a:ea typeface="+mn-ea"/>
-                          <a:cs typeface="Times New Roman" panose="02020603050405020304" pitchFamily="18" charset="0"/>
-                        </a:rPr>
-                        <a:t>repository (</a:t>
-                      </a:r>
-                      <a:r>
-                        <a:rPr lang="en-US" altLang="ja-JP" sz="1000" kern="100" dirty="0" smtClean="0">
-                          <a:solidFill>
-                            <a:schemeClr val="tx1"/>
-                          </a:solidFill>
-                          <a:effectLst/>
-                          <a:latin typeface="+mn-ea"/>
-                          <a:ea typeface="+mn-ea"/>
-                          <a:cs typeface="Times New Roman" panose="02020603050405020304" pitchFamily="18" charset="0"/>
-                          <a:hlinkClick r:id="rId2"/>
-                        </a:rPr>
-                        <a:t>https</a:t>
-                      </a:r>
-                      <a:r>
-                        <a:rPr lang="en-US" altLang="ja-JP" sz="1000" kern="100" dirty="0" smtClean="0">
-                          <a:solidFill>
-                            <a:schemeClr val="tx1"/>
-                          </a:solidFill>
-                          <a:effectLst/>
-                          <a:latin typeface="+mn-ea"/>
-                          <a:ea typeface="+mn-ea"/>
-                          <a:cs typeface="Times New Roman" panose="02020603050405020304" pitchFamily="18" charset="0"/>
-                          <a:hlinkClick r:id="rId2"/>
-                        </a:rPr>
-                        <a:t>://mariadb.org</a:t>
-                      </a:r>
-                      <a:r>
-                        <a:rPr lang="en-US" altLang="ja-JP" sz="1000" kern="100" dirty="0" smtClean="0">
-                          <a:solidFill>
-                            <a:schemeClr val="tx1"/>
-                          </a:solidFill>
-                          <a:effectLst/>
-                          <a:latin typeface="+mn-ea"/>
-                          <a:ea typeface="+mn-ea"/>
-                          <a:cs typeface="Times New Roman" panose="02020603050405020304" pitchFamily="18" charset="0"/>
-                          <a:hlinkClick r:id="rId2"/>
-                        </a:rPr>
-                        <a:t>/</a:t>
-                      </a:r>
-                      <a:r>
-                        <a:rPr lang="en-US" altLang="ja-JP" sz="1000" kern="100" dirty="0" smtClean="0">
-                          <a:solidFill>
-                            <a:schemeClr val="tx1"/>
-                          </a:solidFill>
-                          <a:effectLst/>
-                          <a:latin typeface="+mn-ea"/>
-                          <a:ea typeface="+mn-ea"/>
-                          <a:cs typeface="Times New Roman" panose="02020603050405020304" pitchFamily="18" charset="0"/>
-                        </a:rPr>
-                        <a:t>)   </a:t>
-                      </a:r>
-                      <a:r>
-                        <a:rPr lang="en-US" altLang="ja-JP" sz="1000" kern="100" dirty="0" smtClean="0">
-                          <a:solidFill>
-                            <a:schemeClr val="tx1"/>
-                          </a:solidFill>
-                          <a:effectLst/>
-                          <a:latin typeface="+mn-ea"/>
-                          <a:ea typeface="+mn-ea"/>
-                          <a:cs typeface="Times New Roman" panose="02020603050405020304" pitchFamily="18" charset="0"/>
-                        </a:rPr>
-                        <a:t>regardless of the user settings.</a:t>
+                        <a:t>)   regardless of the user settings.</a:t>
                       </a:r>
                       <a:endParaRPr lang="ja-JP" altLang="ja-JP" sz="1000" kern="100" dirty="0" smtClean="0">
                         <a:solidFill>
@@ -19641,11 +19088,7 @@
           <a:p>
             <a:r>
               <a:rPr lang="en-US" altLang="ja-JP" dirty="0" smtClean="0"/>
-              <a:t>Edit answer file </a:t>
-            </a:r>
-            <a:r>
-              <a:rPr lang="en-US" altLang="ja-JP" dirty="0" smtClean="0"/>
-              <a:t> (</a:t>
+              <a:t>Edit answer file  (</a:t>
             </a:r>
             <a:r>
               <a:rPr lang="en-US" altLang="ja-JP" kern="100" dirty="0" smtClean="0"/>
@@ -19655,7 +19098,6 @@
               <a:rPr lang="en-US" altLang="ja-JP" dirty="0" smtClean="0"/>
               <a:t>_answers.txt) </a:t>
             </a:r>
-            <a:endParaRPr lang="en-US" altLang="ja-JP" dirty="0" smtClean="0"/>
           </a:p>
           <a:p>
             <a:pPr lvl="1"/>
@@ -19695,15 +19137,7 @@
             </a:r>
             <a:r>
               <a:rPr lang="en-US" altLang="ja-JP" sz="1200" dirty="0" smtClean="0"/>
-              <a:t> (ita_answers.txt)  </a:t>
-            </a:r>
-            <a:r>
-              <a:rPr lang="en-US" altLang="ja-JP" sz="1200" dirty="0" smtClean="0"/>
-              <a:t>item </a:t>
-            </a:r>
-            <a:r>
-              <a:rPr lang="en-US" altLang="ja-JP" sz="1200" dirty="0" smtClean="0"/>
-              <a:t>list</a:t>
+              <a:t> (ita_answers.txt)  item list</a:t>
             </a:r>
             <a:r>
               <a:rPr lang="ja-JP" altLang="en-US" sz="1200" dirty="0" smtClean="0"/>
@@ -20942,28 +20376,7 @@
                           <a:effectLst/>
                           <a:latin typeface="+mj-lt"/>
                         </a:rPr>
-                        <a:t>Installs ITA </a:t>
-                      </a:r>
-                      <a:r>
-                        <a:rPr lang="en-US" sz="1000" kern="100" dirty="0" smtClean="0">
-                          <a:effectLst/>
-                          <a:latin typeface="+mj-lt"/>
-                        </a:rPr>
-                        <a:t> ( </a:t>
-                      </a:r>
-                      <a:r>
-                        <a:rPr lang="en-US" sz="1000" kern="100" dirty="0" smtClean="0">
-                          <a:effectLst/>
-                          <a:latin typeface="+mj-lt"/>
-                        </a:rPr>
-                        <a:t>“yes” </a:t>
-                      </a:r>
-                      <a:r>
-                        <a:rPr lang="en-US" sz="1000" kern="100" dirty="0" smtClean="0">
-                          <a:effectLst/>
-                          <a:latin typeface="+mj-lt"/>
-                        </a:rPr>
-                        <a:t>only) </a:t>
+                        <a:t>Installs ITA  ( “yes” only) </a:t>
                       </a:r>
                       <a:endParaRPr lang="ja-JP" sz="1000" kern="100" dirty="0">
                         <a:effectLst/>
@@ -21911,25 +21324,7 @@
                           <a:ea typeface="+mn-ea"/>
                           <a:cs typeface="Times New Roman" panose="02020603050405020304" pitchFamily="18" charset="0"/>
                         </a:rPr>
-                        <a:t> domain name specification </a:t>
-                      </a:r>
-                      <a:r>
-                        <a:rPr lang="en-US" altLang="ja-JP" sz="1000" kern="100" baseline="0" dirty="0" smtClean="0">
-                          <a:effectLst/>
-                          <a:latin typeface="+mj-lt"/>
-                          <a:ea typeface="+mn-ea"/>
-                          <a:cs typeface="Times New Roman" panose="02020603050405020304" pitchFamily="18" charset="0"/>
-                        </a:rPr>
-                        <a:t> (used </a:t>
-                      </a:r>
-                      <a:r>
-                        <a:rPr lang="en-US" altLang="ja-JP" sz="1000" kern="100" baseline="0" dirty="0" smtClean="0">
-                          <a:effectLst/>
-                          <a:latin typeface="+mj-lt"/>
-                          <a:ea typeface="+mn-ea"/>
-                          <a:cs typeface="Times New Roman" panose="02020603050405020304" pitchFamily="18" charset="0"/>
-                        </a:rPr>
-                        <a:t>when the ITA installer creates a self-certificate.</a:t>
+                        <a:t> domain name specification  (used when the ITA installer creates a self-certificate.</a:t>
                       </a:r>
                       <a:endParaRPr lang="ja-JP" altLang="ja-JP" sz="900" kern="100" dirty="0" smtClean="0">
                         <a:effectLst/>
@@ -22114,43 +21509,16 @@
                           <a:ea typeface="ＭＳ 明朝" panose="02020609040205080304" pitchFamily="17" charset="-128"/>
                           <a:cs typeface="Times New Roman" panose="02020603050405020304" pitchFamily="18" charset="0"/>
                         </a:rPr>
-                        <a:t> the path of the file used for the user specified SSL server certificate </a:t>
-                      </a:r>
-                      <a:r>
-                        <a:rPr lang="en-US" altLang="ja-JP" sz="900" kern="100" baseline="0" dirty="0" smtClean="0">
+                        <a:t> the path of the file used for the user specified SSL server certificate  (</a:t>
+                      </a:r>
+                      <a:r>
+                        <a:rPr lang="en-US" altLang="ja-JP" sz="800" kern="100" baseline="0" dirty="0" smtClean="0">
                           <a:effectLst/>
                           <a:latin typeface="+mj-lt"/>
                           <a:ea typeface="ＭＳ 明朝" panose="02020609040205080304" pitchFamily="17" charset="-128"/>
                           <a:cs typeface="Times New Roman" panose="02020603050405020304" pitchFamily="18" charset="0"/>
                         </a:rPr>
-                        <a:t> (</a:t>
-                      </a:r>
-                      <a:r>
-                        <a:rPr lang="en-US" altLang="ja-JP" sz="800" kern="100" baseline="0" dirty="0" smtClean="0">
-                          <a:effectLst/>
-                          <a:latin typeface="+mj-lt"/>
-                          <a:ea typeface="ＭＳ 明朝" panose="02020609040205080304" pitchFamily="17" charset="-128"/>
-                          <a:cs typeface="Times New Roman" panose="02020603050405020304" pitchFamily="18" charset="0"/>
-                        </a:rPr>
-                        <a:t>Enter </a:t>
-                      </a:r>
-                      <a:r>
-                        <a:rPr lang="en-US" altLang="ja-JP" sz="800" kern="100" baseline="0" dirty="0" smtClean="0">
-                          <a:effectLst/>
-                          <a:latin typeface="+mj-lt"/>
-                          <a:ea typeface="ＭＳ 明朝" panose="02020609040205080304" pitchFamily="17" charset="-128"/>
-                          <a:cs typeface="Times New Roman" panose="02020603050405020304" pitchFamily="18" charset="0"/>
-                        </a:rPr>
-                        <a:t>only when using a user specified SSL certificate. Specify an absolute </a:t>
-                      </a:r>
-                      <a:r>
-                        <a:rPr lang="en-US" altLang="ja-JP" sz="800" kern="100" baseline="0" dirty="0" smtClean="0">
-                          <a:effectLst/>
-                          <a:latin typeface="+mj-lt"/>
-                          <a:ea typeface="ＭＳ 明朝" panose="02020609040205080304" pitchFamily="17" charset="-128"/>
-                          <a:cs typeface="Times New Roman" panose="02020603050405020304" pitchFamily="18" charset="0"/>
-                        </a:rPr>
-                        <a:t>path</a:t>
+                        <a:t>Enter only when using a user specified SSL certificate. Specify an absolute path</a:t>
                       </a:r>
                       <a:r>
                         <a:rPr lang="en-US" altLang="ja-JP" sz="900" kern="100" baseline="0" dirty="0" smtClean="0">
@@ -22361,25 +21729,7 @@
                           <a:ea typeface="+mn-ea"/>
                           <a:cs typeface="Times New Roman" panose="02020603050405020304" pitchFamily="18" charset="0"/>
                         </a:rPr>
-                        <a:t> (Enter </a:t>
-                      </a:r>
-                      <a:r>
-                        <a:rPr lang="en-US" altLang="ja-JP" sz="800" kern="100" baseline="0" dirty="0" smtClean="0">
-                          <a:effectLst/>
-                          <a:latin typeface="+mj-lt"/>
-                          <a:ea typeface="+mn-ea"/>
-                          <a:cs typeface="Times New Roman" panose="02020603050405020304" pitchFamily="18" charset="0"/>
-                        </a:rPr>
-                        <a:t>only when using a user-specified SSL private key. Specify an absolute </a:t>
-                      </a:r>
-                      <a:r>
-                        <a:rPr lang="en-US" altLang="ja-JP" sz="800" kern="100" baseline="0" dirty="0" smtClean="0">
-                          <a:effectLst/>
-                          <a:latin typeface="+mj-lt"/>
-                          <a:ea typeface="+mn-ea"/>
-                          <a:cs typeface="Times New Roman" panose="02020603050405020304" pitchFamily="18" charset="0"/>
-                        </a:rPr>
-                        <a:t>path) </a:t>
+                        <a:t> (Enter only when using a user-specified SSL private key. Specify an absolute path) </a:t>
                       </a:r>
                       <a:endParaRPr lang="en-US" altLang="ja-JP" sz="600" kern="100" dirty="0" smtClean="0">
                         <a:effectLst/>
@@ -22612,19 +21962,22 @@
               <a:rPr lang="en-US" altLang="ja-JP" sz="1400" dirty="0" smtClean="0">
                 <a:latin typeface="+mn-ea"/>
               </a:rPr>
-              <a:t>System requirements   </a:t>
+              <a:t>System requirements    (1/4) </a:t>
+            </a:r>
+          </a:p>
+          <a:p>
+            <a:r>
+              <a:rPr lang="ja-JP" altLang="en-US" sz="1400" dirty="0">
+                <a:latin typeface="+mn-ea"/>
+              </a:rPr>
+              <a:t>　 </a:t>
             </a:r>
             <a:r>
               <a:rPr lang="en-US" altLang="ja-JP" sz="1400" dirty="0" smtClean="0">
                 <a:latin typeface="+mn-ea"/>
               </a:rPr>
-              <a:t> (1/4) </a:t>
-            </a:r>
-            <a:endParaRPr lang="en-US" altLang="ja-JP" sz="1400" dirty="0" smtClean="0">
-              <a:latin typeface="+mn-ea"/>
-            </a:endParaRPr>
-          </a:p>
-          <a:p>
+              <a:t>2.3</a:t>
+            </a:r>
             <a:r>
               <a:rPr lang="ja-JP" altLang="en-US" sz="1400" dirty="0">
                 <a:latin typeface="+mn-ea"/>
@@ -22632,10 +21985,30 @@
               <a:t>　 </a:t>
             </a:r>
             <a:r>
+              <a:rPr lang="en-US" altLang="ja-JP" sz="1400" dirty="0">
+                <a:latin typeface="+mn-ea"/>
+              </a:rPr>
+              <a:t>System requirements </a:t>
+            </a:r>
+            <a:r>
               <a:rPr lang="en-US" altLang="ja-JP" sz="1400" dirty="0" smtClean="0">
                 <a:latin typeface="+mn-ea"/>
               </a:rPr>
-              <a:t>2.3</a:t>
+              <a:t>   (2/4) </a:t>
+            </a:r>
+          </a:p>
+          <a:p>
+            <a:r>
+              <a:rPr lang="ja-JP" altLang="en-US" sz="1400" dirty="0" smtClean="0">
+                <a:latin typeface="+mn-ea"/>
+              </a:rPr>
+              <a:t>　 </a:t>
+            </a:r>
+            <a:r>
+              <a:rPr lang="en-US" altLang="ja-JP" sz="1400" dirty="0" smtClean="0">
+                <a:latin typeface="+mn-ea"/>
+              </a:rPr>
+              <a:t>2.4</a:t>
             </a:r>
             <a:r>
               <a:rPr lang="ja-JP" altLang="en-US" sz="1400" dirty="0">
@@ -22650,69 +22023,22 @@
               <a:t>System requirements </a:t>
             </a:r>
             <a:r>
+              <a:rPr lang="ja-JP" altLang="en-US" sz="1400" dirty="0">
+                <a:latin typeface="+mn-ea"/>
+              </a:rPr>
+              <a:t> </a:t>
+            </a:r>
+            <a:r>
+              <a:rPr lang="ja-JP" altLang="en-US" sz="1400" dirty="0" smtClean="0">
+                <a:latin typeface="+mn-ea"/>
+              </a:rPr>
+              <a:t> </a:t>
+            </a:r>
+            <a:r>
               <a:rPr lang="en-US" altLang="ja-JP" sz="1400" dirty="0" smtClean="0">
                 <a:latin typeface="+mn-ea"/>
               </a:rPr>
-              <a:t>  </a:t>
-            </a:r>
-            <a:r>
-              <a:rPr lang="en-US" altLang="ja-JP" sz="1400" dirty="0" smtClean="0">
-                <a:latin typeface="+mn-ea"/>
-              </a:rPr>
-              <a:t> (2/4) </a:t>
-            </a:r>
-            <a:endParaRPr lang="en-US" altLang="ja-JP" sz="1400" dirty="0" smtClean="0">
-              <a:latin typeface="+mn-ea"/>
-            </a:endParaRPr>
-          </a:p>
-          <a:p>
-            <a:r>
-              <a:rPr lang="ja-JP" altLang="en-US" sz="1400" dirty="0" smtClean="0">
-                <a:latin typeface="+mn-ea"/>
-              </a:rPr>
-              <a:t>　 </a:t>
-            </a:r>
-            <a:r>
-              <a:rPr lang="en-US" altLang="ja-JP" sz="1400" dirty="0" smtClean="0">
-                <a:latin typeface="+mn-ea"/>
-              </a:rPr>
-              <a:t>2.4</a:t>
-            </a:r>
-            <a:r>
-              <a:rPr lang="ja-JP" altLang="en-US" sz="1400" dirty="0">
-                <a:latin typeface="+mn-ea"/>
-              </a:rPr>
-              <a:t>　 </a:t>
-            </a:r>
-            <a:r>
-              <a:rPr lang="en-US" altLang="ja-JP" sz="1400" dirty="0">
-                <a:latin typeface="+mn-ea"/>
-              </a:rPr>
-              <a:t>System requirements </a:t>
-            </a:r>
-            <a:r>
-              <a:rPr lang="ja-JP" altLang="en-US" sz="1400" dirty="0">
-                <a:latin typeface="+mn-ea"/>
-              </a:rPr>
-              <a:t> </a:t>
-            </a:r>
-            <a:r>
-              <a:rPr lang="ja-JP" altLang="en-US" sz="1400" dirty="0" smtClean="0">
-                <a:latin typeface="+mn-ea"/>
-              </a:rPr>
-              <a:t> </a:t>
-            </a:r>
-            <a:r>
-              <a:rPr lang="en-US" altLang="ja-JP" sz="1400" dirty="0" smtClean="0">
-                <a:latin typeface="+mn-ea"/>
-              </a:rPr>
               <a:t> (3/4) </a:t>
-            </a:r>
-            <a:r>
-              <a:rPr lang="en-US" altLang="ja-JP" sz="1400" dirty="0" smtClean="0">
-                <a:latin typeface="+mn-ea"/>
-              </a:rPr>
-              <a:t/>
             </a:r>
             <a:br>
               <a:rPr lang="en-US" altLang="ja-JP" sz="1400" dirty="0" smtClean="0">
@@ -22735,17 +22061,8 @@
               <a:rPr lang="en-US" altLang="ja-JP" sz="1400" dirty="0" smtClean="0">
                 <a:latin typeface="+mn-ea"/>
               </a:rPr>
-              <a:t>2.5    System requirements   </a:t>
-            </a:r>
-            <a:r>
-              <a:rPr lang="en-US" altLang="ja-JP" sz="1400" dirty="0" smtClean="0">
-                <a:latin typeface="+mn-ea"/>
-              </a:rPr>
-              <a:t> (4/4) </a:t>
-            </a:r>
-            <a:endParaRPr lang="en-US" altLang="ja-JP" sz="1400" dirty="0" smtClean="0">
-              <a:latin typeface="+mn-ea"/>
-            </a:endParaRPr>
+              <a:t>2.5    System requirements    (4/4) </a:t>
+            </a:r>
           </a:p>
           <a:p>
             <a:endParaRPr lang="en-US" altLang="ja-JP" sz="1400" dirty="0">
@@ -23271,9 +22588,6 @@
               </a:rPr>
               <a:t>(11/11) </a:t>
             </a:r>
-            <a:endParaRPr lang="en-US" altLang="ja-JP" sz="1400" dirty="0" smtClean="0">
-              <a:latin typeface="+mn-ea"/>
-            </a:endParaRPr>
           </a:p>
           <a:p>
             <a:endParaRPr lang="en-US" altLang="ja-JP" sz="1400" dirty="0">
@@ -23587,19 +22901,7 @@
               <a:rPr lang="en-US" altLang="zh-TW" sz="1400" dirty="0" smtClean="0">
                 <a:latin typeface="+mn-ea"/>
               </a:rPr>
-              <a:t>   5.1   Reference </a:t>
-            </a:r>
-            <a:r>
-              <a:rPr lang="en-US" altLang="zh-TW" sz="1400" dirty="0" smtClean="0">
-                <a:latin typeface="+mn-ea"/>
-              </a:rPr>
-              <a:t> (1/2) </a:t>
-            </a:r>
-            <a:r>
-              <a:rPr lang="en-US" altLang="zh-TW" sz="1400" dirty="0" smtClean="0">
-                <a:latin typeface="+mn-ea"/>
-              </a:rPr>
-              <a:t/>
+              <a:t>   5.1   Reference  (1/2) </a:t>
             </a:r>
             <a:br>
               <a:rPr lang="en-US" altLang="zh-TW" sz="1400" dirty="0" smtClean="0">
@@ -23610,13 +22912,7 @@
               <a:rPr lang="en-US" altLang="zh-TW" sz="1400" dirty="0" smtClean="0">
                 <a:latin typeface="+mn-ea"/>
               </a:rPr>
-              <a:t>   5.2   Reference </a:t>
-            </a:r>
-            <a:r>
-              <a:rPr lang="en-US" altLang="zh-TW" sz="1400" dirty="0" smtClean="0">
-                <a:latin typeface="+mn-ea"/>
-              </a:rPr>
-              <a:t> (2/2) </a:t>
+              <a:t>   5.2   Reference  (2/2) </a:t>
             </a:r>
             <a:endParaRPr lang="en-US" altLang="zh-TW" sz="1400" dirty="0">
               <a:latin typeface="+mn-ea"/>
@@ -23681,14 +22977,7 @@
                 <a:ea typeface="Segoe UI" panose="020B0502040204020203" pitchFamily="34" charset="0"/>
                 <a:cs typeface="Segoe UI" panose="020B0502040204020203" pitchFamily="34" charset="0"/>
               </a:rPr>
-              <a:t>3.9</a:t>
-            </a:r>
-            <a:r>
-              <a:rPr lang="en-US" altLang="ja-JP" dirty="0" smtClean="0">
-                <a:ea typeface="Segoe UI" panose="020B0502040204020203" pitchFamily="34" charset="0"/>
-                <a:cs typeface="Segoe UI" panose="020B0502040204020203" pitchFamily="34" charset="0"/>
-              </a:rPr>
-              <a:t>	</a:t>
+              <a:t>3.9	</a:t>
             </a:r>
             <a:r>
               <a:rPr lang="en-US" altLang="ja-JP" dirty="0">
@@ -23852,10 +23141,6 @@
             <a:r>
               <a:rPr lang="en-US" altLang="ja-JP" sz="1100" dirty="0" smtClean="0"/>
               <a:t> </a:t>
-            </a:r>
-            <a:r>
-              <a:rPr lang="en-US" altLang="ja-JP" sz="1100" dirty="0" smtClean="0"/>
-              <a:t/>
             </a:r>
             <a:br>
               <a:rPr lang="en-US" altLang="ja-JP" sz="1100" dirty="0" smtClean="0"/>
@@ -23974,14 +23259,7 @@
                 <a:ea typeface="Segoe UI" panose="020B0502040204020203" pitchFamily="34" charset="0"/>
                 <a:cs typeface="Segoe UI" panose="020B0502040204020203" pitchFamily="34" charset="0"/>
               </a:rPr>
-              <a:t>3.10</a:t>
-            </a:r>
-            <a:r>
-              <a:rPr lang="en-US" altLang="ja-JP" dirty="0" smtClean="0">
-                <a:ea typeface="Segoe UI" panose="020B0502040204020203" pitchFamily="34" charset="0"/>
-                <a:cs typeface="Segoe UI" panose="020B0502040204020203" pitchFamily="34" charset="0"/>
-              </a:rPr>
-              <a:t>	</a:t>
+              <a:t>3.10	</a:t>
             </a:r>
             <a:r>
               <a:rPr lang="en-US" altLang="ja-JP" dirty="0">
@@ -24060,11 +23338,7 @@
             </a:r>
             <a:r>
               <a:rPr lang="en-US" altLang="ja-JP" dirty="0" smtClean="0"/>
-              <a:t>/certs) . </a:t>
-            </a:r>
-            <a:r>
-              <a:rPr lang="en-US" altLang="ja-JP" dirty="0" smtClean="0"/>
-              <a:t>However</a:t>
+              <a:t>/certs) . However</a:t>
             </a:r>
             <a:r>
               <a:rPr lang="en-US" altLang="ja-JP" dirty="0"/>
@@ -29542,11 +28816,7 @@
             </a:r>
             <a:r>
               <a:rPr lang="en-US" altLang="ja-JP" dirty="0" smtClean="0"/>
-              <a:t>Construction </a:t>
-            </a:r>
-            <a:r>
-              <a:rPr lang="en-US" altLang="ja-JP" dirty="0" smtClean="0"/>
-              <a:t> (10/11) </a:t>
+              <a:t>Construction  (10/11) </a:t>
             </a:r>
             <a:endParaRPr kumimoji="1" lang="ja-JP" altLang="en-US" dirty="0"/>
           </a:p>
@@ -29584,31 +28854,7 @@
                   <a:srgbClr val="000000"/>
                 </a:solidFill>
               </a:rPr>
-              <a:t>configuration tool </a:t>
-            </a:r>
-            <a:r>
-              <a:rPr lang="en-US" altLang="ja-JP" dirty="0" smtClean="0">
-                <a:solidFill>
-                  <a:srgbClr val="000000"/>
-                </a:solidFill>
-              </a:rPr>
-              <a:t> (for </a:t>
-            </a:r>
-            <a:r>
-              <a:rPr lang="en-US" altLang="ja-JP" dirty="0" smtClean="0">
-                <a:solidFill>
-                  <a:srgbClr val="000000"/>
-                </a:solidFill>
-              </a:rPr>
-              <a:t>online </a:t>
-            </a:r>
-            <a:r>
-              <a:rPr lang="en-US" altLang="ja-JP" dirty="0" smtClean="0">
-                <a:solidFill>
-                  <a:srgbClr val="000000"/>
-                </a:solidFill>
-              </a:rPr>
-              <a:t>installation) </a:t>
+              <a:t>configuration tool  (for online installation) </a:t>
             </a:r>
             <a:endParaRPr lang="en-US" altLang="ja-JP" dirty="0" smtClean="0"/>
           </a:p>
@@ -31790,11 +31036,7 @@
             </a:r>
             <a:r>
               <a:rPr lang="en-US" altLang="ja-JP" dirty="0" smtClean="0"/>
-              <a:t>Operation </a:t>
-            </a:r>
-            <a:r>
-              <a:rPr lang="en-US" altLang="ja-JP" dirty="0" smtClean="0"/>
-              <a:t>check</a:t>
+              <a:t>Operation check</a:t>
             </a:r>
             <a:r>
               <a:rPr lang="ja-JP" altLang="en-US" dirty="0" smtClean="0"/>
@@ -32311,11 +31553,7 @@
             </a:r>
             <a:r>
               <a:rPr lang="en-US" altLang="ja-JP" dirty="0" smtClean="0"/>
-              <a:t>Operation </a:t>
-            </a:r>
-            <a:r>
-              <a:rPr lang="en-US" altLang="ja-JP" dirty="0" smtClean="0"/>
-              <a:t>check</a:t>
+              <a:t>Operation check</a:t>
             </a:r>
             <a:r>
               <a:rPr lang="ja-JP" altLang="en-US" dirty="0" smtClean="0"/>
@@ -32748,11 +31986,7 @@
             </a:r>
             <a:r>
               <a:rPr lang="en-US" altLang="ja-JP" dirty="0" smtClean="0"/>
-              <a:t>Operation </a:t>
-            </a:r>
-            <a:r>
-              <a:rPr lang="en-US" altLang="ja-JP" dirty="0" smtClean="0"/>
-              <a:t>check</a:t>
+              <a:t>Operation check</a:t>
             </a:r>
             <a:r>
               <a:rPr lang="ja-JP" altLang="en-US" dirty="0" smtClean="0"/>
@@ -34028,11 +33262,7 @@
             </a:r>
             <a:r>
               <a:rPr lang="en-US" altLang="ja-JP" dirty="0" smtClean="0"/>
-              <a:t>Operation </a:t>
-            </a:r>
-            <a:r>
-              <a:rPr lang="en-US" altLang="ja-JP" dirty="0" smtClean="0"/>
-              <a:t>check</a:t>
+              <a:t>Operation check</a:t>
             </a:r>
             <a:r>
               <a:rPr lang="ja-JP" altLang="en-US" dirty="0" smtClean="0"/>
@@ -34120,12 +33350,6 @@
               </a:rPr>
               <a:t>device (Windows) .</a:t>
             </a:r>
-            <a:r>
-              <a:rPr lang="en-US" altLang="ja-JP" dirty="0" smtClean="0">
-                <a:latin typeface="+mj-lt"/>
-              </a:rPr>
-              <a:t/>
-            </a:r>
             <a:br>
               <a:rPr lang="en-US" altLang="ja-JP" dirty="0" smtClean="0">
                 <a:latin typeface="+mj-lt"/>
@@ -34240,7 +33464,18 @@
                 <a:ea typeface="Segoe UI" panose="020B0502040204020203" pitchFamily="34" charset="0"/>
                 <a:cs typeface="Segoe UI" panose="020B0502040204020203" pitchFamily="34" charset="0"/>
               </a:rPr>
-              <a:t>https</a:t>
+              <a:t>https:// (Host name entered in the Answer file’s “</a:t>
+            </a:r>
+            <a:r>
+              <a:rPr lang="en-US" altLang="ja-JP" dirty="0" err="1" smtClean="0">
+                <a:solidFill>
+                  <a:srgbClr val="FF0000"/>
+                </a:solidFill>
+                <a:latin typeface="+mj-lt"/>
+                <a:ea typeface="Segoe UI" panose="020B0502040204020203" pitchFamily="34" charset="0"/>
+                <a:cs typeface="Segoe UI" panose="020B0502040204020203" pitchFamily="34" charset="0"/>
+              </a:rPr>
+              <a:t>ita_domain</a:t>
             </a:r>
             <a:r>
               <a:rPr lang="en-US" altLang="ja-JP" dirty="0" smtClean="0">
@@ -34251,51 +33486,7 @@
                 <a:ea typeface="Segoe UI" panose="020B0502040204020203" pitchFamily="34" charset="0"/>
                 <a:cs typeface="Segoe UI" panose="020B0502040204020203" pitchFamily="34" charset="0"/>
               </a:rPr>
-              <a:t>:// (Host </a:t>
-            </a:r>
-            <a:r>
-              <a:rPr lang="en-US" altLang="ja-JP" dirty="0" smtClean="0">
-                <a:solidFill>
-                  <a:srgbClr val="FF0000"/>
-                </a:solidFill>
-                <a:latin typeface="+mj-lt"/>
-                <a:ea typeface="Segoe UI" panose="020B0502040204020203" pitchFamily="34" charset="0"/>
-                <a:cs typeface="Segoe UI" panose="020B0502040204020203" pitchFamily="34" charset="0"/>
-              </a:rPr>
-              <a:t>name entered in the Answer file’s “</a:t>
-            </a:r>
-            <a:r>
-              <a:rPr lang="en-US" altLang="ja-JP" dirty="0" err="1" smtClean="0">
-                <a:solidFill>
-                  <a:srgbClr val="FF0000"/>
-                </a:solidFill>
-                <a:latin typeface="+mj-lt"/>
-                <a:ea typeface="Segoe UI" panose="020B0502040204020203" pitchFamily="34" charset="0"/>
-                <a:cs typeface="Segoe UI" panose="020B0502040204020203" pitchFamily="34" charset="0"/>
-              </a:rPr>
-              <a:t>ita_domain</a:t>
-            </a:r>
-            <a:r>
-              <a:rPr lang="en-US" altLang="ja-JP" dirty="0" smtClean="0">
-                <a:solidFill>
-                  <a:srgbClr val="FF0000"/>
-                </a:solidFill>
-                <a:latin typeface="+mj-lt"/>
-                <a:ea typeface="Segoe UI" panose="020B0502040204020203" pitchFamily="34" charset="0"/>
-                <a:cs typeface="Segoe UI" panose="020B0502040204020203" pitchFamily="34" charset="0"/>
-              </a:rPr>
-              <a:t>” </a:t>
-            </a:r>
-            <a:r>
-              <a:rPr lang="en-US" altLang="ja-JP" dirty="0" smtClean="0">
-                <a:solidFill>
-                  <a:srgbClr val="FF0000"/>
-                </a:solidFill>
-                <a:latin typeface="+mj-lt"/>
-                <a:ea typeface="Segoe UI" panose="020B0502040204020203" pitchFamily="34" charset="0"/>
-                <a:cs typeface="Segoe UI" panose="020B0502040204020203" pitchFamily="34" charset="0"/>
-              </a:rPr>
-              <a:t>field) </a:t>
+              <a:t>” field) </a:t>
             </a:r>
             <a:endParaRPr lang="en-US" altLang="ja-JP" dirty="0">
               <a:solidFill>
@@ -35194,19 +34385,7 @@
             </a:r>
             <a:r>
               <a:rPr lang="en-US" altLang="ja-JP" dirty="0" smtClean="0"/>
-              <a:t>Reference </a:t>
-            </a:r>
-            <a:r>
-              <a:rPr lang="en-US" altLang="ja-JP" dirty="0" smtClean="0"/>
-              <a:t> (</a:t>
-            </a:r>
-            <a:r>
-              <a:rPr lang="en-US" altLang="ja-JP" dirty="0" smtClean="0"/>
-              <a:t>2/2</a:t>
-            </a:r>
-            <a:r>
-              <a:rPr lang="en-US" altLang="ja-JP" dirty="0" smtClean="0"/>
-              <a:t>) </a:t>
+              <a:t>Reference  (2/2) </a:t>
             </a:r>
             <a:endParaRPr kumimoji="1" lang="ja-JP" altLang="en-US" dirty="0"/>
           </a:p>
@@ -35335,7 +34514,6 @@
               <a:rPr lang="en-US" altLang="ja-JP" dirty="0" smtClean="0"/>
               <a:t>)  </a:t>
             </a:r>
-            <a:endParaRPr lang="en-US" altLang="ja-JP" dirty="0" smtClean="0"/>
           </a:p>
           <a:p>
             <a:pPr lvl="2"/>
@@ -35411,7 +34589,6 @@
               <a:rPr lang="en-US" altLang="ja-JP" dirty="0" smtClean="0"/>
               <a:t>deleted)  </a:t>
             </a:r>
-            <a:endParaRPr lang="en-US" altLang="ja-JP" dirty="0" smtClean="0"/>
           </a:p>
           <a:p>
             <a:endParaRPr lang="en-US" altLang="ja-JP" dirty="0" smtClean="0"/>
@@ -36429,61 +35606,25 @@
                           <a:ea typeface="Segoe UI" panose="020B0502040204020203" pitchFamily="34" charset="0"/>
                           <a:cs typeface="Segoe UI" panose="020B0502040204020203" pitchFamily="34" charset="0"/>
                         </a:rPr>
-                        <a:t>roup hosts into logical units </a:t>
-                      </a:r>
-                      <a:r>
-                        <a:rPr lang="en-US" altLang="ja-JP" sz="900" kern="100" dirty="0" smtClean="0">
+                        <a:t>roup hosts into logical units  (functions</a:t>
+                      </a:r>
+                      <a:r>
+                        <a:rPr lang="en-US" altLang="ja-JP" sz="900" kern="100" baseline="0" dirty="0" smtClean="0">
                           <a:effectLst/>
                           <a:latin typeface="Segoe UI" panose="020B0502040204020203" pitchFamily="34" charset="0"/>
                           <a:ea typeface="Segoe UI" panose="020B0502040204020203" pitchFamily="34" charset="0"/>
                           <a:cs typeface="Segoe UI" panose="020B0502040204020203" pitchFamily="34" charset="0"/>
                         </a:rPr>
-                        <a:t> (functions</a:t>
-                      </a:r>
-                      <a:r>
-                        <a:rPr lang="en-US" altLang="ja-JP" sz="900" kern="100" baseline="0" dirty="0" smtClean="0">
+                        <a:t> and roles</a:t>
+                      </a:r>
+                      <a:r>
+                        <a:rPr lang="en-US" altLang="ja-JP" sz="900" kern="100" dirty="0" smtClean="0">
                           <a:effectLst/>
                           <a:latin typeface="Segoe UI" panose="020B0502040204020203" pitchFamily="34" charset="0"/>
                           <a:ea typeface="Segoe UI" panose="020B0502040204020203" pitchFamily="34" charset="0"/>
                           <a:cs typeface="Segoe UI" panose="020B0502040204020203" pitchFamily="34" charset="0"/>
                         </a:rPr>
-                        <a:t> </a:t>
-                      </a:r>
-                      <a:r>
-                        <a:rPr lang="en-US" altLang="ja-JP" sz="900" kern="100" baseline="0" dirty="0" smtClean="0">
-                          <a:effectLst/>
-                          <a:latin typeface="Segoe UI" panose="020B0502040204020203" pitchFamily="34" charset="0"/>
-                          <a:ea typeface="Segoe UI" panose="020B0502040204020203" pitchFamily="34" charset="0"/>
-                          <a:cs typeface="Segoe UI" panose="020B0502040204020203" pitchFamily="34" charset="0"/>
-                        </a:rPr>
-                        <a:t>and </a:t>
-                      </a:r>
-                      <a:r>
-                        <a:rPr lang="en-US" altLang="ja-JP" sz="900" kern="100" baseline="0" dirty="0" smtClean="0">
-                          <a:effectLst/>
-                          <a:latin typeface="Segoe UI" panose="020B0502040204020203" pitchFamily="34" charset="0"/>
-                          <a:ea typeface="Segoe UI" panose="020B0502040204020203" pitchFamily="34" charset="0"/>
-                          <a:cs typeface="Segoe UI" panose="020B0502040204020203" pitchFamily="34" charset="0"/>
-                        </a:rPr>
-                        <a:t>roles</a:t>
-                      </a:r>
-                      <a:r>
-                        <a:rPr lang="en-US" altLang="ja-JP" sz="900" kern="100" dirty="0" smtClean="0">
-                          <a:effectLst/>
-                          <a:latin typeface="Segoe UI" panose="020B0502040204020203" pitchFamily="34" charset="0"/>
-                          <a:ea typeface="Segoe UI" panose="020B0502040204020203" pitchFamily="34" charset="0"/>
-                          <a:cs typeface="Segoe UI" panose="020B0502040204020203" pitchFamily="34" charset="0"/>
-                        </a:rPr>
-                        <a:t>)  </a:t>
-                      </a:r>
-                      <a:r>
-                        <a:rPr lang="en-US" altLang="ja-JP" sz="900" kern="100" dirty="0" smtClean="0">
-                          <a:effectLst/>
-                          <a:latin typeface="Segoe UI" panose="020B0502040204020203" pitchFamily="34" charset="0"/>
-                          <a:ea typeface="Segoe UI" panose="020B0502040204020203" pitchFamily="34" charset="0"/>
-                          <a:cs typeface="Segoe UI" panose="020B0502040204020203" pitchFamily="34" charset="0"/>
-                        </a:rPr>
-                        <a:t>and to manage the parameters to be applied.</a:t>
+                        <a:t>)  and to manage the parameters to be applied.</a:t>
                       </a:r>
                       <a:endParaRPr lang="ja-JP" sz="1050" kern="100" dirty="0">
                         <a:effectLst/>
@@ -37572,59 +36713,26 @@
                           <a:ea typeface="ＭＳ 明朝" panose="02020609040205080304" pitchFamily="17" charset="-128"/>
                           <a:cs typeface="Segoe UI" panose="020B0502040204020203" pitchFamily="34" charset="0"/>
                         </a:rPr>
-                        <a:t>The construction is executed after the execution plan is generated based on the infrastructure configuration coded in </a:t>
-                      </a:r>
-                      <a:r>
-                        <a:rPr lang="en-US" altLang="ja-JP" sz="900" kern="100" dirty="0" smtClean="0">
+                        <a:t>The construction is executed after the execution plan is generated based on the infrastructure configuration coded in HCL (</a:t>
+                      </a:r>
+                      <a:r>
+                        <a:rPr lang="en-US" altLang="ja-JP" sz="900" kern="100" dirty="0" err="1" smtClean="0">
                           <a:effectLst/>
                           <a:latin typeface="Segoe UI" panose="020B0502040204020203" pitchFamily="34" charset="0"/>
                           <a:ea typeface="ＭＳ 明朝" panose="02020609040205080304" pitchFamily="17" charset="-128"/>
                           <a:cs typeface="Segoe UI" panose="020B0502040204020203" pitchFamily="34" charset="0"/>
                         </a:rPr>
-                        <a:t>HCL (</a:t>
-                      </a:r>
-                      <a:r>
-                        <a:rPr lang="en-US" altLang="ja-JP" sz="900" kern="100" dirty="0" err="1" smtClean="0">
+                        <a:t>HashiCorp</a:t>
+                      </a:r>
+                      <a:r>
+                        <a:rPr lang="en-US" altLang="ja-JP" sz="900" kern="100" dirty="0" smtClean="0">
                           <a:effectLst/>
                           <a:latin typeface="Segoe UI" panose="020B0502040204020203" pitchFamily="34" charset="0"/>
                           <a:ea typeface="ＭＳ 明朝" panose="02020609040205080304" pitchFamily="17" charset="-128"/>
                           <a:cs typeface="Segoe UI" panose="020B0502040204020203" pitchFamily="34" charset="0"/>
                         </a:rPr>
-                        <a:t>HashiCorp</a:t>
-                      </a:r>
-                      <a:r>
-                        <a:rPr lang="en-US" altLang="ja-JP" sz="900" kern="100" dirty="0" smtClean="0">
-                          <a:effectLst/>
-                          <a:latin typeface="Segoe UI" panose="020B0502040204020203" pitchFamily="34" charset="0"/>
-                          <a:ea typeface="ＭＳ 明朝" panose="02020609040205080304" pitchFamily="17" charset="-128"/>
-                          <a:cs typeface="Segoe UI" panose="020B0502040204020203" pitchFamily="34" charset="0"/>
-                        </a:rPr>
-                        <a:t> </a:t>
-                      </a:r>
-                      <a:r>
-                        <a:rPr lang="en-US" altLang="ja-JP" sz="900" kern="100" dirty="0" smtClean="0">
-                          <a:effectLst/>
-                          <a:latin typeface="Segoe UI" panose="020B0502040204020203" pitchFamily="34" charset="0"/>
-                          <a:ea typeface="ＭＳ 明朝" panose="02020609040205080304" pitchFamily="17" charset="-128"/>
-                          <a:cs typeface="Segoe UI" panose="020B0502040204020203" pitchFamily="34" charset="0"/>
-                        </a:rPr>
-                        <a:t>Configuration </a:t>
-                      </a:r>
-                      <a:r>
-                        <a:rPr lang="en-US" altLang="ja-JP" sz="900" kern="100" dirty="0" smtClean="0">
-                          <a:effectLst/>
-                          <a:latin typeface="Segoe UI" panose="020B0502040204020203" pitchFamily="34" charset="0"/>
-                          <a:ea typeface="ＭＳ 明朝" panose="02020609040205080304" pitchFamily="17" charset="-128"/>
-                          <a:cs typeface="Segoe UI" panose="020B0502040204020203" pitchFamily="34" charset="0"/>
-                        </a:rPr>
-                        <a:t>Language) .</a:t>
-                      </a:r>
-                      <a:endParaRPr lang="en-US" altLang="ja-JP" sz="900" kern="100" dirty="0" smtClean="0">
-                        <a:effectLst/>
-                        <a:latin typeface="Segoe UI" panose="020B0502040204020203" pitchFamily="34" charset="0"/>
-                        <a:ea typeface="ＭＳ 明朝" panose="02020609040205080304" pitchFamily="17" charset="-128"/>
-                        <a:cs typeface="Segoe UI" panose="020B0502040204020203" pitchFamily="34" charset="0"/>
-                      </a:endParaRPr>
+                        <a:t> Configuration Language) .</a:t>
+                      </a:r>
                     </a:p>
                     <a:p>
                       <a:pPr algn="l">
@@ -38104,34 +37212,7 @@
                           <a:ea typeface="+mn-ea"/>
                           <a:cs typeface="Times New Roman" panose="02020603050405020304" pitchFamily="18" charset="0"/>
                         </a:rPr>
-                        <a:t> repository files and the files managed by the link software </a:t>
-                      </a:r>
-                      <a:r>
-                        <a:rPr lang="en-US" altLang="ja-JP" sz="800" kern="100" baseline="0" dirty="0" smtClean="0">
-                          <a:effectLst/>
-                          <a:latin typeface="+mn-ea"/>
-                          <a:ea typeface="+mn-ea"/>
-                          <a:cs typeface="Times New Roman" panose="02020603050405020304" pitchFamily="18" charset="0"/>
-                        </a:rPr>
-                        <a:t> (Ansible-Driver </a:t>
-                      </a:r>
-                      <a:r>
-                        <a:rPr lang="en-US" altLang="ja-JP" sz="800" kern="100" baseline="0" dirty="0" smtClean="0">
-                          <a:effectLst/>
-                          <a:latin typeface="+mn-ea"/>
-                          <a:ea typeface="+mn-ea"/>
-                          <a:cs typeface="Times New Roman" panose="02020603050405020304" pitchFamily="18" charset="0"/>
-                        </a:rPr>
-                        <a:t>or </a:t>
-                      </a:r>
-                      <a:r>
-                        <a:rPr lang="en-US" altLang="ja-JP" sz="800" kern="100" baseline="0" dirty="0" smtClean="0">
-                          <a:effectLst/>
-                          <a:latin typeface="+mn-ea"/>
-                          <a:ea typeface="+mn-ea"/>
-                          <a:cs typeface="Times New Roman" panose="02020603050405020304" pitchFamily="18" charset="0"/>
-                        </a:rPr>
-                        <a:t>Terraform-Driver) .</a:t>
+                        <a:t> repository files and the files managed by the link software  (Ansible-Driver or Terraform-Driver) .</a:t>
                       </a:r>
                       <a:endParaRPr lang="ja-JP" sz="800" kern="100" dirty="0">
                         <a:effectLst/>
@@ -38468,11 +37549,7 @@
             </a:r>
             <a:r>
               <a:rPr lang="en-US" altLang="ja-JP" sz="1800" dirty="0" smtClean="0"/>
-              <a:t>status </a:t>
-            </a:r>
-            <a:r>
-              <a:rPr lang="en-US" altLang="ja-JP" sz="1800" dirty="0" smtClean="0"/>
-              <a:t> (OS </a:t>
+              <a:t>status  (OS </a:t>
             </a:r>
             <a:r>
               <a:rPr lang="en-US" altLang="ja-JP" sz="1800" dirty="0"/>
@@ -38498,7 +37575,6 @@
               <a:rPr lang="en-US" altLang="ja-JP" sz="1800" dirty="0" smtClean="0"/>
               <a:t> (offline environment) .</a:t>
             </a:r>
-            <a:endParaRPr lang="en-US" altLang="ja-JP" sz="1800" dirty="0" smtClean="0"/>
           </a:p>
           <a:p>
             <a:pPr lvl="1"/>
@@ -38521,15 +37597,7 @@
             </a:pPr>
             <a:r>
               <a:rPr lang="en-US" altLang="ja-JP" sz="1800" dirty="0" smtClean="0"/>
-              <a:t>  </a:t>
-            </a:r>
-            <a:r>
-              <a:rPr lang="en-US" altLang="ja-JP" sz="1800" dirty="0" smtClean="0"/>
-              <a:t> (※ </a:t>
-            </a:r>
-            <a:r>
-              <a:rPr lang="en-US" altLang="ja-JP" sz="1800" dirty="0" smtClean="0"/>
-              <a:t>See </a:t>
+              <a:t>   (※ See </a:t>
             </a:r>
             <a:r>
               <a:rPr lang="en-US" altLang="ja-JP" sz="1800" dirty="0"/>
@@ -38539,7 +37607,6 @@
               <a:rPr lang="en-US" altLang="ja-JP" sz="1800" dirty="0" smtClean="0"/>
               <a:t>page) </a:t>
             </a:r>
-            <a:endParaRPr lang="en-US" altLang="ja-JP" sz="1800" dirty="0" smtClean="0"/>
           </a:p>
         </p:txBody>
       </p:sp>

--- a/asset/Learn/ITA-offline-install.pptx
+++ b/asset/Learn/ITA-offline-install.pptx
@@ -6,10 +6,10 @@
     <p:sldMasterId id="2147483703" r:id="rId2"/>
   </p:sldMasterIdLst>
   <p:notesMasterIdLst>
-    <p:notesMasterId r:id="rId37"/>
+    <p:notesMasterId r:id="rId38"/>
   </p:notesMasterIdLst>
   <p:handoutMasterIdLst>
-    <p:handoutMasterId r:id="rId38"/>
+    <p:handoutMasterId r:id="rId39"/>
   </p:handoutMasterIdLst>
   <p:sldIdLst>
     <p:sldId id="262" r:id="rId3"/>
@@ -37,15 +37,16 @@
     <p:sldId id="550" r:id="rId25"/>
     <p:sldId id="551" r:id="rId26"/>
     <p:sldId id="523" r:id="rId27"/>
-    <p:sldId id="524" r:id="rId28"/>
-    <p:sldId id="533" r:id="rId29"/>
-    <p:sldId id="534" r:id="rId30"/>
-    <p:sldId id="535" r:id="rId31"/>
-    <p:sldId id="552" r:id="rId32"/>
-    <p:sldId id="553" r:id="rId33"/>
-    <p:sldId id="539" r:id="rId34"/>
-    <p:sldId id="554" r:id="rId35"/>
-    <p:sldId id="318" r:id="rId36"/>
+    <p:sldId id="555" r:id="rId28"/>
+    <p:sldId id="524" r:id="rId29"/>
+    <p:sldId id="533" r:id="rId30"/>
+    <p:sldId id="534" r:id="rId31"/>
+    <p:sldId id="535" r:id="rId32"/>
+    <p:sldId id="552" r:id="rId33"/>
+    <p:sldId id="553" r:id="rId34"/>
+    <p:sldId id="539" r:id="rId35"/>
+    <p:sldId id="554" r:id="rId36"/>
+    <p:sldId id="318" r:id="rId37"/>
   </p:sldIdLst>
   <p:sldSz cx="9144000" cy="6858000" type="screen4x3"/>
   <p:notesSz cx="6735763" cy="9866313"/>
@@ -187,6 +188,7 @@
             <p14:sldId id="550"/>
             <p14:sldId id="551"/>
             <p14:sldId id="523"/>
+            <p14:sldId id="555"/>
           </p14:sldIdLst>
         </p14:section>
         <p14:section name="4.　ITA operation check" id="{D446366E-9E78-45E3-8F73-A5F6CC724FCE}">
@@ -348,7 +350,7 @@
               <a:rPr kumimoji="1" lang="ja-JP" altLang="en-US" smtClean="0">
                 <a:ea typeface="メイリオ" panose="020B0604030504040204" pitchFamily="50" charset="-128"/>
               </a:rPr>
-              <a:t>2021/10/29</a:t>
+              <a:t>2022/1/5</a:t>
             </a:fld>
             <a:endParaRPr kumimoji="1" lang="ja-JP" altLang="en-US" dirty="0">
               <a:ea typeface="メイリオ" panose="020B0604030504040204" pitchFamily="50" charset="-128"/>
@@ -494,7 +496,7 @@
             <a:fld id="{4B26993D-C081-44EB-B0F5-A9F467792B62}" type="datetimeFigureOut">
               <a:rPr lang="ja-JP" altLang="en-US" smtClean="0"/>
               <a:pPr/>
-              <a:t>2021/10/29</a:t>
+              <a:t>2022/1/5</a:t>
             </a:fld>
             <a:endParaRPr lang="ja-JP" altLang="en-US" dirty="0"/>
           </a:p>
@@ -1117,7 +1119,7 @@
           <a:p>
             <a:fld id="{56F9016B-CCA6-43BE-8BEE-59565A35F4F7}" type="datetimeFigureOut">
               <a:rPr kumimoji="1" lang="ja-JP" altLang="en-US" smtClean="0"/>
-              <a:t>2021/10/29</a:t>
+              <a:t>2022/1/5</a:t>
             </a:fld>
             <a:endParaRPr kumimoji="1" lang="ja-JP" altLang="en-US"/>
           </a:p>
@@ -1319,7 +1321,7 @@
           <a:p>
             <a:fld id="{56F9016B-CCA6-43BE-8BEE-59565A35F4F7}" type="datetimeFigureOut">
               <a:rPr kumimoji="1" lang="ja-JP" altLang="en-US" smtClean="0"/>
-              <a:t>2021/10/29</a:t>
+              <a:t>2022/1/5</a:t>
             </a:fld>
             <a:endParaRPr kumimoji="1" lang="ja-JP" altLang="en-US"/>
           </a:p>
@@ -1565,7 +1567,7 @@
           <a:p>
             <a:fld id="{56F9016B-CCA6-43BE-8BEE-59565A35F4F7}" type="datetimeFigureOut">
               <a:rPr kumimoji="1" lang="ja-JP" altLang="en-US" smtClean="0"/>
-              <a:t>2021/10/29</a:t>
+              <a:t>2022/1/5</a:t>
             </a:fld>
             <a:endParaRPr kumimoji="1" lang="ja-JP" altLang="en-US"/>
           </a:p>
@@ -1861,7 +1863,7 @@
           <a:p>
             <a:fld id="{56F9016B-CCA6-43BE-8BEE-59565A35F4F7}" type="datetimeFigureOut">
               <a:rPr kumimoji="1" lang="ja-JP" altLang="en-US" smtClean="0"/>
-              <a:t>2021/10/29</a:t>
+              <a:t>2022/1/5</a:t>
             </a:fld>
             <a:endParaRPr kumimoji="1" lang="ja-JP" altLang="en-US"/>
           </a:p>
@@ -2292,7 +2294,7 @@
           <a:p>
             <a:fld id="{56F9016B-CCA6-43BE-8BEE-59565A35F4F7}" type="datetimeFigureOut">
               <a:rPr kumimoji="1" lang="ja-JP" altLang="en-US" smtClean="0"/>
-              <a:t>2021/10/29</a:t>
+              <a:t>2022/1/5</a:t>
             </a:fld>
             <a:endParaRPr kumimoji="1" lang="ja-JP" altLang="en-US"/>
           </a:p>
@@ -2410,7 +2412,7 @@
           <a:p>
             <a:fld id="{56F9016B-CCA6-43BE-8BEE-59565A35F4F7}" type="datetimeFigureOut">
               <a:rPr kumimoji="1" lang="ja-JP" altLang="en-US" smtClean="0"/>
-              <a:t>2021/10/29</a:t>
+              <a:t>2022/1/5</a:t>
             </a:fld>
             <a:endParaRPr kumimoji="1" lang="ja-JP" altLang="en-US"/>
           </a:p>
@@ -2505,7 +2507,7 @@
           <a:p>
             <a:fld id="{56F9016B-CCA6-43BE-8BEE-59565A35F4F7}" type="datetimeFigureOut">
               <a:rPr kumimoji="1" lang="ja-JP" altLang="en-US" smtClean="0"/>
-              <a:t>2021/10/29</a:t>
+              <a:t>2022/1/5</a:t>
             </a:fld>
             <a:endParaRPr kumimoji="1" lang="ja-JP" altLang="en-US"/>
           </a:p>
@@ -2814,7 +2816,7 @@
           <a:p>
             <a:fld id="{56F9016B-CCA6-43BE-8BEE-59565A35F4F7}" type="datetimeFigureOut">
               <a:rPr kumimoji="1" lang="ja-JP" altLang="en-US" smtClean="0"/>
-              <a:t>2021/10/29</a:t>
+              <a:t>2022/1/5</a:t>
             </a:fld>
             <a:endParaRPr kumimoji="1" lang="ja-JP" altLang="en-US"/>
           </a:p>
@@ -3067,7 +3069,7 @@
           <a:p>
             <a:fld id="{56F9016B-CCA6-43BE-8BEE-59565A35F4F7}" type="datetimeFigureOut">
               <a:rPr kumimoji="1" lang="ja-JP" altLang="en-US" smtClean="0"/>
-              <a:t>2021/10/29</a:t>
+              <a:t>2022/1/5</a:t>
             </a:fld>
             <a:endParaRPr kumimoji="1" lang="ja-JP" altLang="en-US"/>
           </a:p>
@@ -3344,7 +3346,7 @@
           <a:p>
             <a:fld id="{56F9016B-CCA6-43BE-8BEE-59565A35F4F7}" type="datetimeFigureOut">
               <a:rPr kumimoji="1" lang="ja-JP" altLang="en-US" smtClean="0"/>
-              <a:t>2021/10/29</a:t>
+              <a:t>2022/1/5</a:t>
             </a:fld>
             <a:endParaRPr kumimoji="1" lang="ja-JP" altLang="en-US"/>
           </a:p>
@@ -3556,7 +3558,7 @@
           <a:p>
             <a:fld id="{56F9016B-CCA6-43BE-8BEE-59565A35F4F7}" type="datetimeFigureOut">
               <a:rPr kumimoji="1" lang="ja-JP" altLang="en-US" smtClean="0"/>
-              <a:t>2021/10/29</a:t>
+              <a:t>2022/1/5</a:t>
             </a:fld>
             <a:endParaRPr kumimoji="1" lang="ja-JP" altLang="en-US"/>
           </a:p>
@@ -6615,7 +6617,7 @@
           <a:p>
             <a:fld id="{56F9016B-CCA6-43BE-8BEE-59565A35F4F7}" type="datetimeFigureOut">
               <a:rPr kumimoji="1" lang="ja-JP" altLang="en-US" smtClean="0"/>
-              <a:t>2021/10/29</a:t>
+              <a:t>2022/1/5</a:t>
             </a:fld>
             <a:endParaRPr kumimoji="1" lang="ja-JP" altLang="en-US"/>
           </a:p>
@@ -7049,15 +7051,11 @@
           <a:p>
             <a:r>
               <a:rPr lang="en-US" altLang="ja-JP" dirty="0"/>
-              <a:t>Exastro IT Automation </a:t>
-            </a:r>
-            <a:r>
-              <a:rPr lang="en-US" altLang="ja-JP"/>
-              <a:t>Version </a:t>
-            </a:r>
-            <a:r>
-              <a:rPr lang="en-US" altLang="ja-JP" smtClean="0"/>
-              <a:t>1.8 </a:t>
+              <a:t>Exastro IT Automation Version </a:t>
+            </a:r>
+            <a:r>
+              <a:rPr lang="en-US" altLang="ja-JP" dirty="0" smtClean="0"/>
+              <a:t>1.9</a:t>
             </a:r>
             <a:endParaRPr lang="en-US" altLang="ja-JP" dirty="0"/>
           </a:p>
@@ -12423,14 +12421,14 @@
                 <a:t> file from </a:t>
               </a:r>
               <a:r>
-                <a:rPr kumimoji="0" lang="en-US" altLang="ja-JP" sz="1200" dirty="0" err="1" smtClean="0">
+                <a:rPr kumimoji="0" lang="en-US" altLang="ja-JP" sz="1200" dirty="0" smtClean="0">
                   <a:solidFill>
                     <a:srgbClr val="000000"/>
                   </a:solidFill>
                   <a:latin typeface="+mn-ea"/>
                   <a:cs typeface="Times New Roman" panose="02020603050405020304" pitchFamily="18" charset="0"/>
                 </a:rPr>
-                <a:t>Github</a:t>
+                <a:t>GitHub</a:t>
               </a:r>
               <a:endParaRPr kumimoji="0" lang="ja-JP" altLang="en-US" sz="1200" b="0" i="0" u="none" strike="noStrike" kern="100" cap="none" spc="0" normalizeH="0" baseline="0" noProof="0" dirty="0">
                 <a:ln>
@@ -14497,7 +14495,11 @@
             </a:r>
             <a:r>
               <a:rPr lang="en-US" altLang="ja-JP" dirty="0" smtClean="0"/>
-              <a:t>(1/11) </a:t>
+              <a:t>(</a:t>
+            </a:r>
+            <a:r>
+              <a:rPr lang="en-US" altLang="ja-JP" dirty="0" smtClean="0"/>
+              <a:t>1/12) </a:t>
             </a:r>
             <a:endParaRPr kumimoji="1" lang="ja-JP" altLang="en-US" dirty="0"/>
           </a:p>
@@ -14559,11 +14561,7 @@
           <a:p>
             <a:r>
               <a:rPr lang="en-US" altLang="ja-JP" dirty="0" smtClean="0"/>
-              <a:t>Download file from </a:t>
-            </a:r>
-            <a:r>
-              <a:rPr lang="en-US" altLang="ja-JP" dirty="0" err="1" smtClean="0"/>
-              <a:t>Github</a:t>
+              <a:t>Download file from GitHub</a:t>
             </a:r>
             <a:endParaRPr lang="en-US" altLang="ja-JP" dirty="0"/>
           </a:p>
@@ -14912,7 +14910,11 @@
             </a:r>
             <a:r>
               <a:rPr lang="en-US" altLang="ja-JP" dirty="0" smtClean="0"/>
-              <a:t>(2/11) </a:t>
+              <a:t>(</a:t>
+            </a:r>
+            <a:r>
+              <a:rPr lang="en-US" altLang="ja-JP" dirty="0" smtClean="0"/>
+              <a:t>2/12) </a:t>
             </a:r>
             <a:endParaRPr kumimoji="1" lang="ja-JP" altLang="en-US" dirty="0"/>
           </a:p>
@@ -15028,13 +15030,13 @@
           <p:nvPr>
             <p:extLst>
               <p:ext uri="{D42A27DB-BD31-4B8C-83A1-F6EECF244321}">
-                <p14:modId xmlns:p14="http://schemas.microsoft.com/office/powerpoint/2010/main" val="1773260404"/>
+                <p14:modId xmlns:p14="http://schemas.microsoft.com/office/powerpoint/2010/main" val="3903728754"/>
               </p:ext>
             </p:extLst>
           </p:nvPr>
         </p:nvGraphicFramePr>
         <p:xfrm>
-          <a:off x="538952" y="2541825"/>
+          <a:off x="538952" y="2636890"/>
           <a:ext cx="8065121" cy="3856338"/>
         </p:xfrm>
         <a:graphic>
@@ -16871,7 +16873,11 @@
             </a:r>
             <a:r>
               <a:rPr lang="en-US" altLang="ja-JP" dirty="0" smtClean="0"/>
-              <a:t>(3/11) </a:t>
+              <a:t>(</a:t>
+            </a:r>
+            <a:r>
+              <a:rPr lang="en-US" altLang="ja-JP" dirty="0" smtClean="0"/>
+              <a:t>3/12) </a:t>
             </a:r>
             <a:endParaRPr kumimoji="1" lang="ja-JP" altLang="en-US" dirty="0"/>
           </a:p>
@@ -16948,7 +16954,7 @@
             <a:pPr lvl="1"/>
             <a:r>
               <a:rPr lang="en-US" altLang="ja-JP" dirty="0" smtClean="0"/>
-              <a:t>After executing library collection script, the content of operation will be output to ita_gather.log</a:t>
+              <a:t>After executing library collection script, the operation contents will be output to ita_gather.log</a:t>
             </a:r>
             <a:endParaRPr lang="ja-JP" altLang="en-US" dirty="0"/>
           </a:p>
@@ -19058,7 +19064,11 @@
             </a:r>
             <a:r>
               <a:rPr lang="en-US" altLang="ja-JP" dirty="0" smtClean="0"/>
-              <a:t>(4/11) </a:t>
+              <a:t>(</a:t>
+            </a:r>
+            <a:r>
+              <a:rPr lang="en-US" altLang="ja-JP" dirty="0" smtClean="0"/>
+              <a:t>4/12) </a:t>
             </a:r>
             <a:endParaRPr kumimoji="1" lang="ja-JP" altLang="en-US" dirty="0"/>
           </a:p>
@@ -19238,7 +19248,11 @@
             </a:r>
             <a:r>
               <a:rPr lang="en-US" altLang="ja-JP" dirty="0" smtClean="0"/>
-              <a:t>(5/11) </a:t>
+              <a:t>(</a:t>
+            </a:r>
+            <a:r>
+              <a:rPr lang="en-US" altLang="ja-JP" dirty="0" smtClean="0"/>
+              <a:t>5/12) </a:t>
             </a:r>
             <a:endParaRPr kumimoji="1" lang="ja-JP" altLang="en-US" dirty="0"/>
           </a:p>
@@ -22189,7 +22203,13 @@
               <a:rPr lang="en-US" altLang="ja-JP" sz="1400" dirty="0" smtClean="0">
                 <a:latin typeface="+mn-ea"/>
               </a:rPr>
-              <a:t>construction flow</a:t>
+              <a:t>construction </a:t>
+            </a:r>
+            <a:r>
+              <a:rPr lang="en-US" altLang="ja-JP" sz="1400" dirty="0" smtClean="0">
+                <a:latin typeface="+mn-ea"/>
+              </a:rPr>
+              <a:t>flow</a:t>
             </a:r>
             <a:endParaRPr lang="ja-JP" altLang="en-US" sz="1400" dirty="0">
               <a:latin typeface="+mn-ea"/>
@@ -22224,7 +22244,13 @@
               <a:rPr lang="en-US" altLang="ja-JP" sz="1400" dirty="0" smtClean="0">
                 <a:latin typeface="+mn-ea"/>
               </a:rPr>
-              <a:t>(1/11) </a:t>
+              <a:t>(</a:t>
+            </a:r>
+            <a:r>
+              <a:rPr lang="en-US" altLang="ja-JP" sz="1400" dirty="0" smtClean="0">
+                <a:latin typeface="+mn-ea"/>
+              </a:rPr>
+              <a:t>1/12) </a:t>
             </a:r>
             <a:endParaRPr lang="ja-JP" altLang="en-US" sz="1400" dirty="0">
               <a:latin typeface="+mn-ea"/>
@@ -22259,7 +22285,13 @@
               <a:rPr lang="en-US" altLang="ja-JP" sz="1400" dirty="0" smtClean="0">
                 <a:latin typeface="+mn-ea"/>
               </a:rPr>
-              <a:t>(2/11) </a:t>
+              <a:t>(</a:t>
+            </a:r>
+            <a:r>
+              <a:rPr lang="en-US" altLang="ja-JP" sz="1400" dirty="0" smtClean="0">
+                <a:latin typeface="+mn-ea"/>
+              </a:rPr>
+              <a:t>2/12) </a:t>
             </a:r>
             <a:endParaRPr lang="ja-JP" altLang="en-US" sz="1400" dirty="0">
               <a:latin typeface="+mn-ea"/>
@@ -22294,7 +22326,13 @@
               <a:rPr lang="en-US" altLang="ja-JP" sz="1400" dirty="0" smtClean="0">
                 <a:latin typeface="+mn-ea"/>
               </a:rPr>
-              <a:t>(3/11) </a:t>
+              <a:t>(</a:t>
+            </a:r>
+            <a:r>
+              <a:rPr lang="en-US" altLang="ja-JP" sz="1400" dirty="0" smtClean="0">
+                <a:latin typeface="+mn-ea"/>
+              </a:rPr>
+              <a:t>3/12) </a:t>
             </a:r>
             <a:endParaRPr lang="ja-JP" altLang="en-US" sz="1400" dirty="0">
               <a:latin typeface="+mn-ea"/>
@@ -22329,7 +22367,13 @@
               <a:rPr lang="en-US" altLang="ja-JP" sz="1400" dirty="0" smtClean="0">
                 <a:latin typeface="+mn-ea"/>
               </a:rPr>
-              <a:t>(4/11) </a:t>
+              <a:t>(</a:t>
+            </a:r>
+            <a:r>
+              <a:rPr lang="en-US" altLang="ja-JP" sz="1400" dirty="0" smtClean="0">
+                <a:latin typeface="+mn-ea"/>
+              </a:rPr>
+              <a:t>4/12) </a:t>
             </a:r>
             <a:endParaRPr lang="ja-JP" altLang="en-US" sz="1400" dirty="0">
               <a:latin typeface="+mn-ea"/>
@@ -22364,7 +22408,13 @@
               <a:rPr lang="en-US" altLang="ja-JP" sz="1400" dirty="0" smtClean="0">
                 <a:latin typeface="+mn-ea"/>
               </a:rPr>
-              <a:t>(5/11) </a:t>
+              <a:t>(</a:t>
+            </a:r>
+            <a:r>
+              <a:rPr lang="en-US" altLang="ja-JP" sz="1400" dirty="0" smtClean="0">
+                <a:latin typeface="+mn-ea"/>
+              </a:rPr>
+              <a:t>5/12) </a:t>
             </a:r>
             <a:endParaRPr lang="ja-JP" altLang="en-US" sz="1400" dirty="0">
               <a:latin typeface="+mn-ea"/>
@@ -22393,7 +22443,13 @@
               <a:rPr lang="en-US" altLang="ja-JP" sz="1400" dirty="0" smtClean="0">
                 <a:latin typeface="+mn-ea"/>
               </a:rPr>
-              <a:t>(6/11) </a:t>
+              <a:t>(</a:t>
+            </a:r>
+            <a:r>
+              <a:rPr lang="en-US" altLang="ja-JP" sz="1400" dirty="0" smtClean="0">
+                <a:latin typeface="+mn-ea"/>
+              </a:rPr>
+              <a:t>6/12) </a:t>
             </a:r>
             <a:endParaRPr lang="ja-JP" altLang="en-US" sz="1400" dirty="0">
               <a:latin typeface="+mn-ea"/>
@@ -22428,7 +22484,13 @@
               <a:rPr lang="en-US" altLang="ja-JP" sz="1400" dirty="0" smtClean="0">
                 <a:latin typeface="+mn-ea"/>
               </a:rPr>
-              <a:t>(7/11) </a:t>
+              <a:t>(</a:t>
+            </a:r>
+            <a:r>
+              <a:rPr lang="en-US" altLang="ja-JP" sz="1400" dirty="0" smtClean="0">
+                <a:latin typeface="+mn-ea"/>
+              </a:rPr>
+              <a:t>7/12) </a:t>
             </a:r>
             <a:endParaRPr lang="en-US" altLang="ja-JP" sz="1400" dirty="0">
               <a:latin typeface="+mn-ea"/>
@@ -22469,7 +22531,13 @@
               <a:rPr lang="en-US" altLang="ja-JP" sz="1400" dirty="0" smtClean="0">
                 <a:latin typeface="+mn-ea"/>
               </a:rPr>
-              <a:t>(8/11) </a:t>
+              <a:t>(</a:t>
+            </a:r>
+            <a:r>
+              <a:rPr lang="en-US" altLang="ja-JP" sz="1400" dirty="0" smtClean="0">
+                <a:latin typeface="+mn-ea"/>
+              </a:rPr>
+              <a:t>8/12) </a:t>
             </a:r>
             <a:r>
               <a:rPr lang="en-US" altLang="ja-JP" sz="1400" dirty="0">
@@ -22510,7 +22578,13 @@
               <a:rPr lang="en-US" altLang="ja-JP" sz="1400" dirty="0" smtClean="0">
                 <a:latin typeface="+mn-ea"/>
               </a:rPr>
-              <a:t>(9/11) </a:t>
+              <a:t>(</a:t>
+            </a:r>
+            <a:r>
+              <a:rPr lang="en-US" altLang="ja-JP" sz="1400" dirty="0" smtClean="0">
+                <a:latin typeface="+mn-ea"/>
+              </a:rPr>
+              <a:t>9/12) </a:t>
             </a:r>
             <a:endParaRPr lang="ja-JP" altLang="en-US" sz="1400" dirty="0">
               <a:latin typeface="+mn-ea"/>
@@ -22545,7 +22619,13 @@
               <a:rPr lang="en-US" altLang="ja-JP" sz="1400" dirty="0" smtClean="0">
                 <a:latin typeface="+mn-ea"/>
               </a:rPr>
-              <a:t>(10/11) </a:t>
+              <a:t>(</a:t>
+            </a:r>
+            <a:r>
+              <a:rPr lang="en-US" altLang="ja-JP" sz="1400" dirty="0" smtClean="0">
+                <a:latin typeface="+mn-ea"/>
+              </a:rPr>
+              <a:t>10/12) </a:t>
             </a:r>
             <a:endParaRPr lang="en-US" altLang="ja-JP" sz="1400" dirty="0">
               <a:latin typeface="+mn-ea"/>
@@ -22586,8 +22666,52 @@
               <a:rPr lang="en-US" altLang="ja-JP" sz="1400" dirty="0" smtClean="0">
                 <a:latin typeface="+mn-ea"/>
               </a:rPr>
-              <a:t>(11/11) </a:t>
-            </a:r>
+              <a:t>(</a:t>
+            </a:r>
+            <a:r>
+              <a:rPr lang="en-US" altLang="ja-JP" sz="1400" dirty="0" smtClean="0">
+                <a:latin typeface="+mn-ea"/>
+              </a:rPr>
+              <a:t>11/12) </a:t>
+            </a:r>
+            <a:endParaRPr lang="en-US" altLang="ja-JP" sz="1400" dirty="0" smtClean="0">
+              <a:latin typeface="+mn-ea"/>
+            </a:endParaRPr>
+          </a:p>
+          <a:p>
+            <a:r>
+              <a:rPr lang="en-US" altLang="ja-JP" sz="1400" dirty="0" smtClean="0">
+                <a:latin typeface="+mn-ea"/>
+              </a:rPr>
+              <a:t>    3.15  </a:t>
+            </a:r>
+            <a:r>
+              <a:rPr lang="en-US" altLang="ja-JP" sz="1400" dirty="0">
+                <a:latin typeface="+mn-ea"/>
+              </a:rPr>
+              <a:t>Construction </a:t>
+            </a:r>
+            <a:r>
+              <a:rPr lang="ja-JP" altLang="en-US" sz="1400" dirty="0">
+                <a:latin typeface="+mn-ea"/>
+              </a:rPr>
+              <a:t> </a:t>
+            </a:r>
+            <a:r>
+              <a:rPr lang="en-US" altLang="ja-JP" sz="1400" dirty="0">
+                <a:latin typeface="+mn-ea"/>
+              </a:rPr>
+              <a:t>(</a:t>
+            </a:r>
+            <a:r>
+              <a:rPr lang="en-US" altLang="ja-JP" sz="1400" dirty="0" smtClean="0">
+                <a:latin typeface="+mn-ea"/>
+              </a:rPr>
+              <a:t>11/12) </a:t>
+            </a:r>
+            <a:endParaRPr lang="en-US" altLang="ja-JP" sz="1400" dirty="0">
+              <a:latin typeface="+mn-ea"/>
+            </a:endParaRPr>
           </a:p>
           <a:p>
             <a:endParaRPr lang="en-US" altLang="ja-JP" sz="1400" dirty="0">
@@ -22991,7 +23115,14 @@
                 <a:ea typeface="Segoe UI" panose="020B0502040204020203" pitchFamily="34" charset="0"/>
                 <a:cs typeface="Segoe UI" panose="020B0502040204020203" pitchFamily="34" charset="0"/>
               </a:rPr>
-              <a:t> (6/11) </a:t>
+              <a:t> (</a:t>
+            </a:r>
+            <a:r>
+              <a:rPr lang="en-US" altLang="ja-JP" dirty="0" smtClean="0">
+                <a:ea typeface="Segoe UI" panose="020B0502040204020203" pitchFamily="34" charset="0"/>
+                <a:cs typeface="Segoe UI" panose="020B0502040204020203" pitchFamily="34" charset="0"/>
+              </a:rPr>
+              <a:t>6/12) </a:t>
             </a:r>
             <a:endParaRPr kumimoji="1" lang="ja-JP" altLang="en-US" dirty="0">
               <a:cs typeface="Segoe UI" panose="020B0502040204020203" pitchFamily="34" charset="0"/>
@@ -23273,7 +23404,14 @@
                 <a:ea typeface="Segoe UI" panose="020B0502040204020203" pitchFamily="34" charset="0"/>
                 <a:cs typeface="Segoe UI" panose="020B0502040204020203" pitchFamily="34" charset="0"/>
               </a:rPr>
-              <a:t> (7/11) </a:t>
+              <a:t> (</a:t>
+            </a:r>
+            <a:r>
+              <a:rPr lang="en-US" altLang="ja-JP" dirty="0" smtClean="0">
+                <a:ea typeface="Segoe UI" panose="020B0502040204020203" pitchFamily="34" charset="0"/>
+                <a:cs typeface="Segoe UI" panose="020B0502040204020203" pitchFamily="34" charset="0"/>
+              </a:rPr>
+              <a:t>7/12) </a:t>
             </a:r>
             <a:endParaRPr kumimoji="1" lang="ja-JP" altLang="en-US" dirty="0">
               <a:cs typeface="Segoe UI" panose="020B0502040204020203" pitchFamily="34" charset="0"/>
@@ -23454,7 +23592,11 @@
             </a:r>
             <a:r>
               <a:rPr lang="en-US" altLang="ja-JP" dirty="0" smtClean="0"/>
-              <a:t>(8/11) </a:t>
+              <a:t>(</a:t>
+            </a:r>
+            <a:r>
+              <a:rPr lang="en-US" altLang="ja-JP" dirty="0" smtClean="0"/>
+              <a:t>8/12) </a:t>
             </a:r>
             <a:endParaRPr kumimoji="1" lang="ja-JP" altLang="en-US" dirty="0"/>
           </a:p>
@@ -25766,7 +25908,11 @@
             </a:r>
             <a:r>
               <a:rPr lang="en-US" altLang="ja-JP" dirty="0" smtClean="0"/>
-              <a:t>(9/11) </a:t>
+              <a:t>(</a:t>
+            </a:r>
+            <a:r>
+              <a:rPr lang="en-US" altLang="ja-JP" dirty="0" smtClean="0"/>
+              <a:t>9/12) </a:t>
             </a:r>
             <a:endParaRPr kumimoji="1" lang="ja-JP" altLang="en-US" dirty="0"/>
           </a:p>
@@ -28816,7 +28962,11 @@
             </a:r>
             <a:r>
               <a:rPr lang="en-US" altLang="ja-JP" dirty="0" smtClean="0"/>
-              <a:t>Construction  (10/11) </a:t>
+              <a:t>Construction  (</a:t>
+            </a:r>
+            <a:r>
+              <a:rPr lang="en-US" altLang="ja-JP" dirty="0" smtClean="0"/>
+              <a:t>10/12) </a:t>
             </a:r>
             <a:endParaRPr kumimoji="1" lang="ja-JP" altLang="en-US" dirty="0"/>
           </a:p>
@@ -29137,7 +29287,11 @@
             </a:r>
             <a:r>
               <a:rPr lang="en-US" altLang="ja-JP" dirty="0" smtClean="0"/>
-              <a:t>(11/11) </a:t>
+              <a:t>(</a:t>
+            </a:r>
+            <a:r>
+              <a:rPr lang="en-US" altLang="ja-JP" dirty="0" smtClean="0"/>
+              <a:t>11/12) </a:t>
             </a:r>
             <a:endParaRPr kumimoji="1" lang="ja-JP" altLang="en-US" dirty="0"/>
           </a:p>
@@ -30940,44 +31094,224 @@
             <p:ph type="title"/>
           </p:nvPr>
         </p:nvSpPr>
+        <p:spPr/>
+        <p:txBody>
+          <a:bodyPr/>
+          <a:lstStyle/>
+          <a:p>
+            <a:r>
+              <a:rPr lang="en-US" altLang="ja-JP" dirty="0" smtClean="0"/>
+              <a:t>3.15</a:t>
+            </a:r>
+            <a:r>
+              <a:rPr lang="ja-JP" altLang="en-US" dirty="0"/>
+              <a:t>　</a:t>
+            </a:r>
+            <a:r>
+              <a:rPr lang="en-US" altLang="ja-JP" dirty="0" smtClean="0"/>
+              <a:t>Construction</a:t>
+            </a:r>
+            <a:r>
+              <a:rPr lang="ja-JP" altLang="en-US" dirty="0" smtClean="0"/>
+              <a:t>（</a:t>
+            </a:r>
+            <a:r>
+              <a:rPr lang="en-US" altLang="ja-JP" dirty="0" smtClean="0"/>
+              <a:t>12/12</a:t>
+            </a:r>
+            <a:r>
+              <a:rPr lang="ja-JP" altLang="en-US" dirty="0" smtClean="0"/>
+              <a:t>）</a:t>
+            </a:r>
+            <a:endParaRPr kumimoji="1" lang="ja-JP" altLang="en-US" dirty="0"/>
+          </a:p>
+        </p:txBody>
+      </p:sp>
+      <p:sp>
+        <p:nvSpPr>
+          <p:cNvPr id="3" name="コンテンツ プレースホルダー 2"/>
+          <p:cNvSpPr>
+            <a:spLocks noGrp="1"/>
+          </p:cNvSpPr>
+          <p:nvPr>
+            <p:ph sz="quarter" idx="10"/>
+          </p:nvPr>
+        </p:nvSpPr>
         <p:spPr>
           <a:xfrm>
-            <a:off x="179388" y="3045072"/>
-            <a:ext cx="8784000" cy="467239"/>
+            <a:off x="179512" y="836712"/>
+            <a:ext cx="8964487" cy="5616476"/>
           </a:xfrm>
         </p:spPr>
         <p:txBody>
-          <a:bodyPr/>
+          <a:bodyPr rIns="0">
+            <a:normAutofit/>
+          </a:bodyPr>
           <a:lstStyle/>
           <a:p>
             <a:r>
+              <a:rPr lang="en-US" altLang="ja-JP" sz="2200" dirty="0" smtClean="0">
+                <a:latin typeface="+mn-ea"/>
+              </a:rPr>
+              <a:t>Time zones</a:t>
+            </a:r>
+          </a:p>
+          <a:p>
+            <a:pPr marL="180000" lvl="1" indent="0">
+              <a:buNone/>
+            </a:pPr>
+            <a:r>
+              <a:rPr lang="en-US" altLang="ja-JP" sz="1700" dirty="0" smtClean="0">
+                <a:latin typeface="+mn-ea"/>
+              </a:rPr>
+              <a:t>Note that the PHP time zone is set to “Asia/Tokyo” by default.</a:t>
+            </a:r>
+          </a:p>
+          <a:p>
+            <a:pPr marL="180000" lvl="1" indent="0">
+              <a:buNone/>
+            </a:pPr>
+            <a:r>
               <a:rPr lang="en-US" altLang="ja-JP" dirty="0" smtClean="0"/>
-              <a:t>4.</a:t>
-            </a:r>
-            <a:r>
-              <a:rPr lang="ja-JP" altLang="en-US" dirty="0"/>
-              <a:t>　</a:t>
+              <a:t>As system errors might occur when the PHP and Server time zones are not unified, we recommend setting the server time zone to “Asia/Tokyo” or </a:t>
+            </a:r>
+            <a:r>
+              <a:rPr lang="en-US" altLang="ja-JP" dirty="0"/>
+              <a:t>modifying the time zone in the php.ini file (</a:t>
+            </a:r>
+            <a:r>
+              <a:rPr lang="en-US" altLang="ja-JP" dirty="0">
+                <a:latin typeface="+mn-ea"/>
+              </a:rPr>
+              <a:t>/</a:t>
+            </a:r>
+            <a:r>
+              <a:rPr lang="en-US" altLang="ja-JP" dirty="0" err="1">
+                <a:latin typeface="+mn-ea"/>
+              </a:rPr>
+              <a:t>etc</a:t>
+            </a:r>
+            <a:r>
+              <a:rPr lang="en-US" altLang="ja-JP" dirty="0">
+                <a:latin typeface="+mn-ea"/>
+              </a:rPr>
+              <a:t>/php.ini)</a:t>
             </a:r>
             <a:r>
               <a:rPr lang="en-US" altLang="ja-JP" dirty="0" smtClean="0"/>
-              <a:t>ITA</a:t>
-            </a:r>
-            <a:r>
-              <a:rPr lang="ja-JP" altLang="en-US" dirty="0" smtClean="0"/>
+              <a:t/>
+            </a:r>
+            <a:br>
+              <a:rPr lang="en-US" altLang="ja-JP" dirty="0" smtClean="0"/>
+            </a:br>
+            <a:endParaRPr lang="en-US" altLang="ja-JP" dirty="0">
+              <a:latin typeface="+mn-ea"/>
+            </a:endParaRPr>
+          </a:p>
+          <a:p>
+            <a:pPr marL="180000" lvl="1" indent="0">
+              <a:buNone/>
+            </a:pPr>
+            <a:r>
+              <a:rPr lang="en-US" altLang="ja-JP" dirty="0" smtClean="0">
+                <a:latin typeface="+mn-ea"/>
+              </a:rPr>
+              <a:t>Change the following line:</a:t>
+            </a:r>
+          </a:p>
+          <a:p>
+            <a:pPr marL="180000" lvl="1" indent="0">
+              <a:buNone/>
+            </a:pPr>
+            <a:r>
+              <a:rPr lang="en-US" altLang="ja-JP" dirty="0" err="1" smtClean="0">
+                <a:latin typeface="+mn-ea"/>
+              </a:rPr>
+              <a:t>date.timezone</a:t>
+            </a:r>
+            <a:r>
+              <a:rPr lang="en-US" altLang="ja-JP" dirty="0" smtClean="0">
+                <a:latin typeface="+mn-ea"/>
+              </a:rPr>
               <a:t> </a:t>
             </a:r>
             <a:r>
+              <a:rPr lang="en-US" altLang="ja-JP" dirty="0">
+                <a:latin typeface="+mn-ea"/>
+              </a:rPr>
+              <a:t>= "</a:t>
+            </a:r>
+            <a:r>
+              <a:rPr lang="en-US" altLang="ja-JP" dirty="0" smtClean="0">
+                <a:latin typeface="+mn-ea"/>
+              </a:rPr>
+              <a:t>Asia/Tokyo“</a:t>
+            </a:r>
+          </a:p>
+          <a:p>
+            <a:pPr marL="180000" lvl="1" indent="0">
+              <a:buNone/>
+            </a:pPr>
+            <a:endParaRPr lang="en-US" altLang="ja-JP" dirty="0" smtClean="0">
+              <a:latin typeface="+mn-ea"/>
+            </a:endParaRPr>
+          </a:p>
+          <a:p>
+            <a:pPr marL="180000" lvl="1" indent="0">
+              <a:buNone/>
+            </a:pPr>
+            <a:r>
+              <a:rPr lang="en-US" altLang="ja-JP" dirty="0" smtClean="0">
+                <a:latin typeface="+mn-ea"/>
+              </a:rPr>
+              <a:t>and run the following command to restart Apache.</a:t>
+            </a:r>
+          </a:p>
+          <a:p>
+            <a:pPr marL="180000" lvl="1" indent="0">
+              <a:buNone/>
+            </a:pPr>
+            <a:endParaRPr lang="en-US" altLang="ja-JP" dirty="0" smtClean="0">
+              <a:latin typeface="+mn-ea"/>
+            </a:endParaRPr>
+          </a:p>
+          <a:p>
+            <a:pPr marL="180000" lvl="1" indent="0">
+              <a:buNone/>
+            </a:pPr>
+            <a:r>
+              <a:rPr lang="en-US" altLang="ja-JP" dirty="0" err="1" smtClean="0">
+                <a:latin typeface="+mn-ea"/>
+              </a:rPr>
+              <a:t>Systemctl</a:t>
+            </a:r>
+            <a:r>
+              <a:rPr lang="en-US" altLang="ja-JP" dirty="0" smtClean="0">
+                <a:latin typeface="+mn-ea"/>
+              </a:rPr>
+              <a:t> restart </a:t>
+            </a:r>
+            <a:r>
+              <a:rPr lang="en-US" altLang="ja-JP" dirty="0" err="1" smtClean="0">
+                <a:latin typeface="+mn-ea"/>
+              </a:rPr>
+              <a:t>httpd</a:t>
+            </a:r>
+            <a:r>
               <a:rPr lang="en-US" altLang="ja-JP" dirty="0" smtClean="0"/>
-              <a:t>operation check</a:t>
-            </a:r>
-            <a:endParaRPr kumimoji="1" lang="ja-JP" altLang="en-US" dirty="0"/>
+              <a:t/>
+            </a:r>
+            <a:br>
+              <a:rPr lang="en-US" altLang="ja-JP" dirty="0" smtClean="0"/>
+            </a:br>
+            <a:endParaRPr lang="en-US" altLang="ja-JP" dirty="0" smtClean="0"/>
           </a:p>
         </p:txBody>
       </p:sp>
     </p:spTree>
     <p:extLst>
       <p:ext uri="{BB962C8B-B14F-4D97-AF65-F5344CB8AC3E}">
-        <p14:creationId xmlns:p14="http://schemas.microsoft.com/office/powerpoint/2010/main" val="2737544797"/>
+        <p14:creationId xmlns:p14="http://schemas.microsoft.com/office/powerpoint/2010/main" val="3958822567"/>
       </p:ext>
     </p:extLst>
   </p:cSld>
@@ -31021,6 +31355,87 @@
             <p:ph type="title"/>
           </p:nvPr>
         </p:nvSpPr>
+        <p:spPr>
+          <a:xfrm>
+            <a:off x="179388" y="3045072"/>
+            <a:ext cx="8784000" cy="467239"/>
+          </a:xfrm>
+        </p:spPr>
+        <p:txBody>
+          <a:bodyPr/>
+          <a:lstStyle/>
+          <a:p>
+            <a:r>
+              <a:rPr lang="en-US" altLang="ja-JP" dirty="0" smtClean="0"/>
+              <a:t>4.</a:t>
+            </a:r>
+            <a:r>
+              <a:rPr lang="ja-JP" altLang="en-US" dirty="0"/>
+              <a:t>　</a:t>
+            </a:r>
+            <a:r>
+              <a:rPr lang="en-US" altLang="ja-JP" dirty="0" smtClean="0"/>
+              <a:t>ITA</a:t>
+            </a:r>
+            <a:r>
+              <a:rPr lang="ja-JP" altLang="en-US" dirty="0" smtClean="0"/>
+              <a:t> </a:t>
+            </a:r>
+            <a:r>
+              <a:rPr lang="en-US" altLang="ja-JP" dirty="0" smtClean="0"/>
+              <a:t>operation check</a:t>
+            </a:r>
+            <a:endParaRPr kumimoji="1" lang="ja-JP" altLang="en-US" dirty="0"/>
+          </a:p>
+        </p:txBody>
+      </p:sp>
+    </p:spTree>
+    <p:extLst>
+      <p:ext uri="{BB962C8B-B14F-4D97-AF65-F5344CB8AC3E}">
+        <p14:creationId xmlns:p14="http://schemas.microsoft.com/office/powerpoint/2010/main" val="2737544797"/>
+      </p:ext>
+    </p:extLst>
+  </p:cSld>
+  <p:clrMapOvr>
+    <a:masterClrMapping/>
+  </p:clrMapOvr>
+  <p:timing>
+    <p:tnLst>
+      <p:par>
+        <p:cTn id="1" dur="indefinite" restart="never" nodeType="tmRoot"/>
+      </p:par>
+    </p:tnLst>
+  </p:timing>
+</p:sld>
+</file>
+
+<file path=ppt/slides/slide28.xml><?xml version="1.0" encoding="utf-8"?>
+<p:sld xmlns:a="http://schemas.openxmlformats.org/drawingml/2006/main" xmlns:r="http://schemas.openxmlformats.org/officeDocument/2006/relationships" xmlns:p="http://schemas.openxmlformats.org/presentationml/2006/main">
+  <p:cSld>
+    <p:spTree>
+      <p:nvGrpSpPr>
+        <p:cNvPr id="1" name=""/>
+        <p:cNvGrpSpPr/>
+        <p:nvPr/>
+      </p:nvGrpSpPr>
+      <p:grpSpPr>
+        <a:xfrm>
+          <a:off x="0" y="0"/>
+          <a:ext cx="0" cy="0"/>
+          <a:chOff x="0" y="0"/>
+          <a:chExt cx="0" cy="0"/>
+        </a:xfrm>
+      </p:grpSpPr>
+      <p:sp>
+        <p:nvSpPr>
+          <p:cNvPr id="2" name="タイトル 1"/>
+          <p:cNvSpPr>
+            <a:spLocks noGrp="1"/>
+          </p:cNvSpPr>
+          <p:nvPr>
+            <p:ph type="title"/>
+          </p:nvPr>
+        </p:nvSpPr>
         <p:spPr/>
         <p:txBody>
           <a:bodyPr/>
@@ -31454,7 +31869,7 @@
 </p:sld>
 </file>
 
-<file path=ppt/slides/slide28.xml><?xml version="1.0" encoding="utf-8"?>
+<file path=ppt/slides/slide29.xml><?xml version="1.0" encoding="utf-8"?>
 <p:sld xmlns:a="http://schemas.openxmlformats.org/drawingml/2006/main" xmlns:r="http://schemas.openxmlformats.org/officeDocument/2006/relationships" xmlns:p="http://schemas.openxmlformats.org/presentationml/2006/main">
   <p:cSld>
     <p:spTree>
@@ -31944,7 +32359,80 @@
 </p:sld>
 </file>
 
-<file path=ppt/slides/slide29.xml><?xml version="1.0" encoding="utf-8"?>
+<file path=ppt/slides/slide3.xml><?xml version="1.0" encoding="utf-8"?>
+<p:sld xmlns:a="http://schemas.openxmlformats.org/drawingml/2006/main" xmlns:r="http://schemas.openxmlformats.org/officeDocument/2006/relationships" xmlns:p="http://schemas.openxmlformats.org/presentationml/2006/main">
+  <p:cSld>
+    <p:spTree>
+      <p:nvGrpSpPr>
+        <p:cNvPr id="1" name=""/>
+        <p:cNvGrpSpPr/>
+        <p:nvPr/>
+      </p:nvGrpSpPr>
+      <p:grpSpPr>
+        <a:xfrm>
+          <a:off x="0" y="0"/>
+          <a:ext cx="0" cy="0"/>
+          <a:chOff x="0" y="0"/>
+          <a:chExt cx="0" cy="0"/>
+        </a:xfrm>
+      </p:grpSpPr>
+      <p:sp>
+        <p:nvSpPr>
+          <p:cNvPr id="2" name="タイトル 1"/>
+          <p:cNvSpPr>
+            <a:spLocks noGrp="1"/>
+          </p:cNvSpPr>
+          <p:nvPr>
+            <p:ph type="title"/>
+          </p:nvPr>
+        </p:nvSpPr>
+        <p:spPr>
+          <a:xfrm>
+            <a:off x="179388" y="3045072"/>
+            <a:ext cx="8784000" cy="467239"/>
+          </a:xfrm>
+        </p:spPr>
+        <p:txBody>
+          <a:bodyPr/>
+          <a:lstStyle/>
+          <a:p>
+            <a:r>
+              <a:rPr lang="en-US" altLang="ja-JP" dirty="0" smtClean="0"/>
+              <a:t>1.</a:t>
+            </a:r>
+            <a:r>
+              <a:rPr lang="ja-JP" altLang="en-US" dirty="0" smtClean="0"/>
+              <a:t>　</a:t>
+            </a:r>
+            <a:r>
+              <a:rPr lang="en-US" altLang="ja-JP" dirty="0" smtClean="0"/>
+              <a:t>Introduction</a:t>
+            </a:r>
+            <a:endParaRPr kumimoji="1" lang="ja-JP" altLang="en-US" dirty="0"/>
+          </a:p>
+        </p:txBody>
+      </p:sp>
+    </p:spTree>
+    <p:extLst>
+      <p:ext uri="{BB962C8B-B14F-4D97-AF65-F5344CB8AC3E}">
+        <p14:creationId xmlns:p14="http://schemas.microsoft.com/office/powerpoint/2010/main" val="336066186"/>
+      </p:ext>
+    </p:extLst>
+  </p:cSld>
+  <p:clrMapOvr>
+    <a:masterClrMapping/>
+  </p:clrMapOvr>
+  <p:timing>
+    <p:tnLst>
+      <p:par>
+        <p:cTn id="1" dur="indefinite" restart="never" nodeType="tmRoot"/>
+      </p:par>
+    </p:tnLst>
+  </p:timing>
+</p:sld>
+</file>
+
+<file path=ppt/slides/slide30.xml><?xml version="1.0" encoding="utf-8"?>
 <p:sld xmlns:a="http://schemas.openxmlformats.org/drawingml/2006/main" xmlns:r="http://schemas.openxmlformats.org/officeDocument/2006/relationships" xmlns:p="http://schemas.openxmlformats.org/presentationml/2006/main">
   <p:cSld>
     <p:spTree>
@@ -33147,80 +33635,7 @@
 </p:sld>
 </file>
 
-<file path=ppt/slides/slide3.xml><?xml version="1.0" encoding="utf-8"?>
-<p:sld xmlns:a="http://schemas.openxmlformats.org/drawingml/2006/main" xmlns:r="http://schemas.openxmlformats.org/officeDocument/2006/relationships" xmlns:p="http://schemas.openxmlformats.org/presentationml/2006/main">
-  <p:cSld>
-    <p:spTree>
-      <p:nvGrpSpPr>
-        <p:cNvPr id="1" name=""/>
-        <p:cNvGrpSpPr/>
-        <p:nvPr/>
-      </p:nvGrpSpPr>
-      <p:grpSpPr>
-        <a:xfrm>
-          <a:off x="0" y="0"/>
-          <a:ext cx="0" cy="0"/>
-          <a:chOff x="0" y="0"/>
-          <a:chExt cx="0" cy="0"/>
-        </a:xfrm>
-      </p:grpSpPr>
-      <p:sp>
-        <p:nvSpPr>
-          <p:cNvPr id="2" name="タイトル 1"/>
-          <p:cNvSpPr>
-            <a:spLocks noGrp="1"/>
-          </p:cNvSpPr>
-          <p:nvPr>
-            <p:ph type="title"/>
-          </p:nvPr>
-        </p:nvSpPr>
-        <p:spPr>
-          <a:xfrm>
-            <a:off x="179388" y="3045072"/>
-            <a:ext cx="8784000" cy="467239"/>
-          </a:xfrm>
-        </p:spPr>
-        <p:txBody>
-          <a:bodyPr/>
-          <a:lstStyle/>
-          <a:p>
-            <a:r>
-              <a:rPr lang="en-US" altLang="ja-JP" dirty="0" smtClean="0"/>
-              <a:t>1.</a:t>
-            </a:r>
-            <a:r>
-              <a:rPr lang="ja-JP" altLang="en-US" dirty="0" smtClean="0"/>
-              <a:t>　</a:t>
-            </a:r>
-            <a:r>
-              <a:rPr lang="en-US" altLang="ja-JP" dirty="0" smtClean="0"/>
-              <a:t>Introduction</a:t>
-            </a:r>
-            <a:endParaRPr kumimoji="1" lang="ja-JP" altLang="en-US" dirty="0"/>
-          </a:p>
-        </p:txBody>
-      </p:sp>
-    </p:spTree>
-    <p:extLst>
-      <p:ext uri="{BB962C8B-B14F-4D97-AF65-F5344CB8AC3E}">
-        <p14:creationId xmlns:p14="http://schemas.microsoft.com/office/powerpoint/2010/main" val="336066186"/>
-      </p:ext>
-    </p:extLst>
-  </p:cSld>
-  <p:clrMapOvr>
-    <a:masterClrMapping/>
-  </p:clrMapOvr>
-  <p:timing>
-    <p:tnLst>
-      <p:par>
-        <p:cTn id="1" dur="indefinite" restart="never" nodeType="tmRoot"/>
-      </p:par>
-    </p:tnLst>
-  </p:timing>
-</p:sld>
-</file>
-
-<file path=ppt/slides/slide30.xml><?xml version="1.0" encoding="utf-8"?>
+<file path=ppt/slides/slide31.xml><?xml version="1.0" encoding="utf-8"?>
 <p:sld xmlns:a="http://schemas.openxmlformats.org/drawingml/2006/main" xmlns:r="http://schemas.openxmlformats.org/officeDocument/2006/relationships" xmlns:p="http://schemas.openxmlformats.org/presentationml/2006/main">
   <p:cSld>
     <p:spTree>
@@ -33946,7 +34361,7 @@
 </p:sld>
 </file>
 
-<file path=ppt/slides/slide31.xml><?xml version="1.0" encoding="utf-8"?>
+<file path=ppt/slides/slide32.xml><?xml version="1.0" encoding="utf-8"?>
 <p:sld xmlns:a="http://schemas.openxmlformats.org/drawingml/2006/main" xmlns:r="http://schemas.openxmlformats.org/officeDocument/2006/relationships" xmlns:p="http://schemas.openxmlformats.org/presentationml/2006/main">
   <p:cSld>
     <p:spTree>
@@ -34003,330 +34418,6 @@
     <p:extLst>
       <p:ext uri="{BB962C8B-B14F-4D97-AF65-F5344CB8AC3E}">
         <p14:creationId xmlns:p14="http://schemas.microsoft.com/office/powerpoint/2010/main" val="3111550730"/>
-      </p:ext>
-    </p:extLst>
-  </p:cSld>
-  <p:clrMapOvr>
-    <a:masterClrMapping/>
-  </p:clrMapOvr>
-  <p:timing>
-    <p:tnLst>
-      <p:par>
-        <p:cTn id="1" dur="indefinite" restart="never" nodeType="tmRoot"/>
-      </p:par>
-    </p:tnLst>
-  </p:timing>
-</p:sld>
-</file>
-
-<file path=ppt/slides/slide32.xml><?xml version="1.0" encoding="utf-8"?>
-<p:sld xmlns:a="http://schemas.openxmlformats.org/drawingml/2006/main" xmlns:r="http://schemas.openxmlformats.org/officeDocument/2006/relationships" xmlns:p="http://schemas.openxmlformats.org/presentationml/2006/main">
-  <p:cSld>
-    <p:spTree>
-      <p:nvGrpSpPr>
-        <p:cNvPr id="1" name=""/>
-        <p:cNvGrpSpPr/>
-        <p:nvPr/>
-      </p:nvGrpSpPr>
-      <p:grpSpPr>
-        <a:xfrm>
-          <a:off x="0" y="0"/>
-          <a:ext cx="0" cy="0"/>
-          <a:chOff x="0" y="0"/>
-          <a:chExt cx="0" cy="0"/>
-        </a:xfrm>
-      </p:grpSpPr>
-      <p:sp>
-        <p:nvSpPr>
-          <p:cNvPr id="2" name="タイトル 1"/>
-          <p:cNvSpPr>
-            <a:spLocks noGrp="1"/>
-          </p:cNvSpPr>
-          <p:nvPr>
-            <p:ph type="title"/>
-          </p:nvPr>
-        </p:nvSpPr>
-        <p:spPr/>
-        <p:txBody>
-          <a:bodyPr/>
-          <a:lstStyle/>
-          <a:p>
-            <a:r>
-              <a:rPr lang="en-US" altLang="ja-JP" dirty="0" smtClean="0"/>
-              <a:t>5.1</a:t>
-            </a:r>
-            <a:r>
-              <a:rPr lang="ja-JP" altLang="en-US" dirty="0"/>
-              <a:t>　</a:t>
-            </a:r>
-            <a:r>
-              <a:rPr lang="en-US" altLang="ja-JP" dirty="0" smtClean="0"/>
-              <a:t>Reference  (1/2) </a:t>
-            </a:r>
-            <a:endParaRPr kumimoji="1" lang="ja-JP" altLang="en-US" dirty="0"/>
-          </a:p>
-        </p:txBody>
-      </p:sp>
-      <p:sp>
-        <p:nvSpPr>
-          <p:cNvPr id="3" name="コンテンツ プレースホルダー 2"/>
-          <p:cNvSpPr>
-            <a:spLocks noGrp="1"/>
-          </p:cNvSpPr>
-          <p:nvPr>
-            <p:ph sz="quarter" idx="10"/>
-          </p:nvPr>
-        </p:nvSpPr>
-        <p:spPr/>
-        <p:txBody>
-          <a:bodyPr>
-            <a:normAutofit/>
-          </a:bodyPr>
-          <a:lstStyle/>
-          <a:p>
-            <a:pPr lvl="0"/>
-            <a:r>
-              <a:rPr lang="en-US" altLang="ja-JP" dirty="0" smtClean="0"/>
-              <a:t>Restrict </a:t>
-            </a:r>
-            <a:r>
-              <a:rPr lang="en-US" altLang="ja-JP" dirty="0"/>
-              <a:t>HTTP or HTTPS access</a:t>
-            </a:r>
-          </a:p>
-          <a:p>
-            <a:pPr marL="180000" lvl="1" indent="0">
-              <a:buNone/>
-            </a:pPr>
-            <a:r>
-              <a:rPr lang="en-US" altLang="ja-JP" dirty="0"/>
-              <a:t>Please perform the following procedure to </a:t>
-            </a:r>
-            <a:r>
-              <a:rPr lang="en-US" altLang="ja-JP" dirty="0" smtClean="0"/>
-              <a:t>restrict </a:t>
-            </a:r>
-            <a:r>
-              <a:rPr lang="en-US" altLang="ja-JP" dirty="0"/>
-              <a:t>HTTP or HTTPS access.</a:t>
-            </a:r>
-            <a:br>
-              <a:rPr lang="en-US" altLang="ja-JP" dirty="0"/>
-            </a:br>
-            <a:endParaRPr lang="en-US" altLang="ja-JP" dirty="0"/>
-          </a:p>
-          <a:p>
-            <a:pPr lvl="1"/>
-            <a:r>
-              <a:rPr lang="en-US" altLang="ja-JP" dirty="0" smtClean="0"/>
-              <a:t>Edit “/</a:t>
-            </a:r>
-            <a:r>
-              <a:rPr lang="en-US" altLang="ja-JP" dirty="0" err="1" smtClean="0"/>
-              <a:t>etc</a:t>
-            </a:r>
-            <a:r>
-              <a:rPr lang="en-US" altLang="ja-JP" dirty="0" smtClean="0"/>
-              <a:t>/</a:t>
-            </a:r>
-            <a:r>
-              <a:rPr lang="en-US" altLang="ja-JP" dirty="0" err="1" smtClean="0"/>
-              <a:t>httpd</a:t>
-            </a:r>
-            <a:r>
-              <a:rPr lang="en-US" altLang="ja-JP" dirty="0" smtClean="0"/>
-              <a:t>/</a:t>
-            </a:r>
-            <a:r>
-              <a:rPr lang="en-US" altLang="ja-JP" dirty="0" err="1" smtClean="0"/>
-              <a:t>conf.d</a:t>
-            </a:r>
-            <a:r>
-              <a:rPr lang="en-US" altLang="ja-JP" dirty="0" smtClean="0"/>
-              <a:t>/</a:t>
-            </a:r>
-            <a:r>
-              <a:rPr lang="en-US" altLang="ja-JP" dirty="0" err="1" smtClean="0"/>
-              <a:t>vhosts_exastro</a:t>
-            </a:r>
-            <a:r>
-              <a:rPr lang="en-US" altLang="ja-JP" dirty="0" smtClean="0"/>
-              <a:t>-it-</a:t>
-            </a:r>
-            <a:r>
-              <a:rPr lang="en-US" altLang="ja-JP" dirty="0" err="1" smtClean="0"/>
-              <a:t>automation.conf</a:t>
-            </a:r>
-            <a:r>
-              <a:rPr lang="en-US" altLang="ja-JP" dirty="0" smtClean="0"/>
-              <a:t>”</a:t>
-            </a:r>
-            <a:r>
-              <a:rPr lang="en-US" altLang="ja-JP" dirty="0"/>
-              <a:t/>
-            </a:r>
-            <a:br>
-              <a:rPr lang="en-US" altLang="ja-JP" dirty="0"/>
-            </a:br>
-            <a:r>
-              <a:rPr lang="en-US" altLang="ja-JP" dirty="0"/>
-              <a:t>To restrict HTTP access, please comment </a:t>
-            </a:r>
-            <a:r>
-              <a:rPr lang="en-US" altLang="ja-JP" dirty="0" smtClean="0"/>
-              <a:t>out (#)  </a:t>
-            </a:r>
-            <a:r>
-              <a:rPr lang="en-US" altLang="ja-JP" dirty="0"/>
-              <a:t>the section from </a:t>
-            </a:r>
-            <a:r>
-              <a:rPr lang="ja-JP" altLang="en-US" dirty="0"/>
-              <a:t>「</a:t>
-            </a:r>
-            <a:r>
-              <a:rPr lang="en-US" altLang="ja-JP" dirty="0"/>
-              <a:t>&lt;</a:t>
-            </a:r>
-            <a:r>
-              <a:rPr lang="en-US" altLang="ja-JP" dirty="0" err="1"/>
-              <a:t>VirtualHost</a:t>
-            </a:r>
-            <a:r>
-              <a:rPr lang="en-US" altLang="ja-JP" dirty="0"/>
-              <a:t> *:80 &gt;</a:t>
-            </a:r>
-            <a:r>
-              <a:rPr lang="ja-JP" altLang="en-US" dirty="0"/>
-              <a:t>」</a:t>
-            </a:r>
-            <a:r>
-              <a:rPr lang="en-US" altLang="ja-JP" dirty="0"/>
-              <a:t>to</a:t>
-            </a:r>
-            <a:r>
-              <a:rPr lang="ja-JP" altLang="en-US" dirty="0"/>
-              <a:t>「</a:t>
-            </a:r>
-            <a:r>
-              <a:rPr lang="en-US" altLang="ja-JP" dirty="0"/>
-              <a:t>&lt;/</a:t>
-            </a:r>
-            <a:r>
-              <a:rPr lang="en-US" altLang="ja-JP" dirty="0" err="1"/>
-              <a:t>VirtualHost</a:t>
-            </a:r>
-            <a:r>
-              <a:rPr lang="en-US" altLang="ja-JP" dirty="0"/>
-              <a:t>&gt;</a:t>
-            </a:r>
-            <a:r>
-              <a:rPr lang="ja-JP" altLang="en-US" dirty="0" smtClean="0"/>
-              <a:t>」</a:t>
-            </a:r>
-            <a:r>
-              <a:rPr lang="en-US" altLang="ja-JP" dirty="0"/>
-              <a:t/>
-            </a:r>
-            <a:br>
-              <a:rPr lang="en-US" altLang="ja-JP" dirty="0"/>
-            </a:br>
-            <a:r>
-              <a:rPr lang="en-US" altLang="ja-JP" dirty="0"/>
-              <a:t>To restrict HTTPS access, please comment </a:t>
-            </a:r>
-            <a:r>
-              <a:rPr lang="en-US" altLang="ja-JP" dirty="0" smtClean="0"/>
-              <a:t>out (#)  </a:t>
-            </a:r>
-            <a:r>
-              <a:rPr lang="en-US" altLang="ja-JP" dirty="0"/>
-              <a:t>the section from </a:t>
-            </a:r>
-            <a:r>
-              <a:rPr lang="ja-JP" altLang="en-US" dirty="0"/>
-              <a:t>「</a:t>
-            </a:r>
-            <a:r>
-              <a:rPr lang="en-US" altLang="ja-JP" dirty="0"/>
-              <a:t>&lt;</a:t>
-            </a:r>
-            <a:r>
-              <a:rPr lang="en-US" altLang="ja-JP" dirty="0" err="1"/>
-              <a:t>VirtualHost</a:t>
-            </a:r>
-            <a:r>
-              <a:rPr lang="en-US" altLang="ja-JP" dirty="0"/>
-              <a:t> *:443 &gt;</a:t>
-            </a:r>
-            <a:r>
-              <a:rPr lang="ja-JP" altLang="en-US" dirty="0"/>
-              <a:t>」</a:t>
-            </a:r>
-            <a:r>
-              <a:rPr lang="en-US" altLang="ja-JP" dirty="0"/>
-              <a:t>to</a:t>
-            </a:r>
-            <a:r>
-              <a:rPr lang="ja-JP" altLang="en-US" dirty="0"/>
-              <a:t>「</a:t>
-            </a:r>
-            <a:r>
-              <a:rPr lang="en-US" altLang="ja-JP" dirty="0"/>
-              <a:t>&lt;/</a:t>
-            </a:r>
-            <a:r>
-              <a:rPr lang="en-US" altLang="ja-JP" dirty="0" err="1"/>
-              <a:t>VirtualHost</a:t>
-            </a:r>
-            <a:r>
-              <a:rPr lang="en-US" altLang="ja-JP" dirty="0"/>
-              <a:t>&gt;</a:t>
-            </a:r>
-            <a:r>
-              <a:rPr lang="ja-JP" altLang="en-US" dirty="0"/>
-              <a:t>」</a:t>
-            </a:r>
-          </a:p>
-          <a:p>
-            <a:pPr marL="180000" lvl="1" indent="0">
-              <a:buNone/>
-            </a:pPr>
-            <a:endParaRPr lang="en-US" altLang="ja-JP" dirty="0" smtClean="0"/>
-          </a:p>
-          <a:p>
-            <a:pPr lvl="1"/>
-            <a:r>
-              <a:rPr lang="en-US" altLang="ja-JP" dirty="0"/>
-              <a:t>Restart Apache with the following command.</a:t>
-            </a:r>
-            <a:br>
-              <a:rPr lang="en-US" altLang="ja-JP" dirty="0"/>
-            </a:br>
-            <a:r>
-              <a:rPr lang="en-US" altLang="ja-JP" dirty="0" err="1"/>
-              <a:t>systemctl</a:t>
-            </a:r>
-            <a:r>
-              <a:rPr lang="en-US" altLang="ja-JP" dirty="0"/>
-              <a:t> </a:t>
-            </a:r>
-            <a:r>
-              <a:rPr lang="en-US" altLang="ja-JP" dirty="0" smtClean="0"/>
-              <a:t>restart </a:t>
-            </a:r>
-            <a:r>
-              <a:rPr lang="en-US" altLang="ja-JP" dirty="0" err="1" smtClean="0"/>
-              <a:t>httpd</a:t>
-            </a:r>
-            <a:endParaRPr lang="en-US" altLang="ja-JP" dirty="0" smtClean="0"/>
-          </a:p>
-        </p:txBody>
-      </p:sp>
-    </p:spTree>
-    <p:extLst>
-      <p:ext uri="{BB962C8B-B14F-4D97-AF65-F5344CB8AC3E}">
-        <p14:creationId xmlns:p14="http://schemas.microsoft.com/office/powerpoint/2010/main" val="1924943406"/>
       </p:ext>
     </p:extLst>
   </p:cSld>
@@ -34377,6 +34468,330 @@
           <a:p>
             <a:r>
               <a:rPr lang="en-US" altLang="ja-JP" dirty="0" smtClean="0"/>
+              <a:t>5.1</a:t>
+            </a:r>
+            <a:r>
+              <a:rPr lang="ja-JP" altLang="en-US" dirty="0"/>
+              <a:t>　</a:t>
+            </a:r>
+            <a:r>
+              <a:rPr lang="en-US" altLang="ja-JP" dirty="0" smtClean="0"/>
+              <a:t>Reference  (1/2) </a:t>
+            </a:r>
+            <a:endParaRPr kumimoji="1" lang="ja-JP" altLang="en-US" dirty="0"/>
+          </a:p>
+        </p:txBody>
+      </p:sp>
+      <p:sp>
+        <p:nvSpPr>
+          <p:cNvPr id="3" name="コンテンツ プレースホルダー 2"/>
+          <p:cNvSpPr>
+            <a:spLocks noGrp="1"/>
+          </p:cNvSpPr>
+          <p:nvPr>
+            <p:ph sz="quarter" idx="10"/>
+          </p:nvPr>
+        </p:nvSpPr>
+        <p:spPr/>
+        <p:txBody>
+          <a:bodyPr>
+            <a:normAutofit/>
+          </a:bodyPr>
+          <a:lstStyle/>
+          <a:p>
+            <a:pPr lvl="0"/>
+            <a:r>
+              <a:rPr lang="en-US" altLang="ja-JP" dirty="0" smtClean="0"/>
+              <a:t>Restrict </a:t>
+            </a:r>
+            <a:r>
+              <a:rPr lang="en-US" altLang="ja-JP" dirty="0"/>
+              <a:t>HTTP or HTTPS access</a:t>
+            </a:r>
+          </a:p>
+          <a:p>
+            <a:pPr marL="180000" lvl="1" indent="0">
+              <a:buNone/>
+            </a:pPr>
+            <a:r>
+              <a:rPr lang="en-US" altLang="ja-JP" dirty="0"/>
+              <a:t>Please perform the following procedure to </a:t>
+            </a:r>
+            <a:r>
+              <a:rPr lang="en-US" altLang="ja-JP" dirty="0" smtClean="0"/>
+              <a:t>restrict </a:t>
+            </a:r>
+            <a:r>
+              <a:rPr lang="en-US" altLang="ja-JP" dirty="0"/>
+              <a:t>HTTP or HTTPS access.</a:t>
+            </a:r>
+            <a:br>
+              <a:rPr lang="en-US" altLang="ja-JP" dirty="0"/>
+            </a:br>
+            <a:endParaRPr lang="en-US" altLang="ja-JP" dirty="0"/>
+          </a:p>
+          <a:p>
+            <a:pPr lvl="1"/>
+            <a:r>
+              <a:rPr lang="en-US" altLang="ja-JP" dirty="0" smtClean="0"/>
+              <a:t>Edit “/</a:t>
+            </a:r>
+            <a:r>
+              <a:rPr lang="en-US" altLang="ja-JP" dirty="0" err="1" smtClean="0"/>
+              <a:t>etc</a:t>
+            </a:r>
+            <a:r>
+              <a:rPr lang="en-US" altLang="ja-JP" dirty="0" smtClean="0"/>
+              <a:t>/</a:t>
+            </a:r>
+            <a:r>
+              <a:rPr lang="en-US" altLang="ja-JP" dirty="0" err="1" smtClean="0"/>
+              <a:t>httpd</a:t>
+            </a:r>
+            <a:r>
+              <a:rPr lang="en-US" altLang="ja-JP" dirty="0" smtClean="0"/>
+              <a:t>/</a:t>
+            </a:r>
+            <a:r>
+              <a:rPr lang="en-US" altLang="ja-JP" dirty="0" err="1" smtClean="0"/>
+              <a:t>conf.d</a:t>
+            </a:r>
+            <a:r>
+              <a:rPr lang="en-US" altLang="ja-JP" dirty="0" smtClean="0"/>
+              <a:t>/</a:t>
+            </a:r>
+            <a:r>
+              <a:rPr lang="en-US" altLang="ja-JP" dirty="0" err="1" smtClean="0"/>
+              <a:t>vhosts_exastro</a:t>
+            </a:r>
+            <a:r>
+              <a:rPr lang="en-US" altLang="ja-JP" dirty="0" smtClean="0"/>
+              <a:t>-it-</a:t>
+            </a:r>
+            <a:r>
+              <a:rPr lang="en-US" altLang="ja-JP" dirty="0" err="1" smtClean="0"/>
+              <a:t>automation.conf</a:t>
+            </a:r>
+            <a:r>
+              <a:rPr lang="en-US" altLang="ja-JP" dirty="0" smtClean="0"/>
+              <a:t>”</a:t>
+            </a:r>
+            <a:r>
+              <a:rPr lang="en-US" altLang="ja-JP" dirty="0"/>
+              <a:t/>
+            </a:r>
+            <a:br>
+              <a:rPr lang="en-US" altLang="ja-JP" dirty="0"/>
+            </a:br>
+            <a:r>
+              <a:rPr lang="en-US" altLang="ja-JP" dirty="0"/>
+              <a:t>To restrict HTTP access, please comment </a:t>
+            </a:r>
+            <a:r>
+              <a:rPr lang="en-US" altLang="ja-JP" dirty="0" smtClean="0"/>
+              <a:t>out (#)  </a:t>
+            </a:r>
+            <a:r>
+              <a:rPr lang="en-US" altLang="ja-JP" dirty="0"/>
+              <a:t>the section from </a:t>
+            </a:r>
+            <a:r>
+              <a:rPr lang="ja-JP" altLang="en-US" dirty="0"/>
+              <a:t>「</a:t>
+            </a:r>
+            <a:r>
+              <a:rPr lang="en-US" altLang="ja-JP" dirty="0"/>
+              <a:t>&lt;</a:t>
+            </a:r>
+            <a:r>
+              <a:rPr lang="en-US" altLang="ja-JP" dirty="0" err="1"/>
+              <a:t>VirtualHost</a:t>
+            </a:r>
+            <a:r>
+              <a:rPr lang="en-US" altLang="ja-JP" dirty="0"/>
+              <a:t> *:80 &gt;</a:t>
+            </a:r>
+            <a:r>
+              <a:rPr lang="ja-JP" altLang="en-US" dirty="0"/>
+              <a:t>」</a:t>
+            </a:r>
+            <a:r>
+              <a:rPr lang="en-US" altLang="ja-JP" dirty="0"/>
+              <a:t>to</a:t>
+            </a:r>
+            <a:r>
+              <a:rPr lang="ja-JP" altLang="en-US" dirty="0"/>
+              <a:t>「</a:t>
+            </a:r>
+            <a:r>
+              <a:rPr lang="en-US" altLang="ja-JP" dirty="0"/>
+              <a:t>&lt;/</a:t>
+            </a:r>
+            <a:r>
+              <a:rPr lang="en-US" altLang="ja-JP" dirty="0" err="1"/>
+              <a:t>VirtualHost</a:t>
+            </a:r>
+            <a:r>
+              <a:rPr lang="en-US" altLang="ja-JP" dirty="0"/>
+              <a:t>&gt;</a:t>
+            </a:r>
+            <a:r>
+              <a:rPr lang="ja-JP" altLang="en-US" dirty="0" smtClean="0"/>
+              <a:t>」</a:t>
+            </a:r>
+            <a:r>
+              <a:rPr lang="en-US" altLang="ja-JP" dirty="0"/>
+              <a:t/>
+            </a:r>
+            <a:br>
+              <a:rPr lang="en-US" altLang="ja-JP" dirty="0"/>
+            </a:br>
+            <a:r>
+              <a:rPr lang="en-US" altLang="ja-JP" dirty="0"/>
+              <a:t>To restrict HTTPS access, please comment </a:t>
+            </a:r>
+            <a:r>
+              <a:rPr lang="en-US" altLang="ja-JP" dirty="0" smtClean="0"/>
+              <a:t>out (#)  </a:t>
+            </a:r>
+            <a:r>
+              <a:rPr lang="en-US" altLang="ja-JP" dirty="0"/>
+              <a:t>the section from </a:t>
+            </a:r>
+            <a:r>
+              <a:rPr lang="ja-JP" altLang="en-US" dirty="0"/>
+              <a:t>「</a:t>
+            </a:r>
+            <a:r>
+              <a:rPr lang="en-US" altLang="ja-JP" dirty="0"/>
+              <a:t>&lt;</a:t>
+            </a:r>
+            <a:r>
+              <a:rPr lang="en-US" altLang="ja-JP" dirty="0" err="1"/>
+              <a:t>VirtualHost</a:t>
+            </a:r>
+            <a:r>
+              <a:rPr lang="en-US" altLang="ja-JP" dirty="0"/>
+              <a:t> *:443 &gt;</a:t>
+            </a:r>
+            <a:r>
+              <a:rPr lang="ja-JP" altLang="en-US" dirty="0"/>
+              <a:t>」</a:t>
+            </a:r>
+            <a:r>
+              <a:rPr lang="en-US" altLang="ja-JP" dirty="0"/>
+              <a:t>to</a:t>
+            </a:r>
+            <a:r>
+              <a:rPr lang="ja-JP" altLang="en-US" dirty="0"/>
+              <a:t>「</a:t>
+            </a:r>
+            <a:r>
+              <a:rPr lang="en-US" altLang="ja-JP" dirty="0"/>
+              <a:t>&lt;/</a:t>
+            </a:r>
+            <a:r>
+              <a:rPr lang="en-US" altLang="ja-JP" dirty="0" err="1"/>
+              <a:t>VirtualHost</a:t>
+            </a:r>
+            <a:r>
+              <a:rPr lang="en-US" altLang="ja-JP" dirty="0"/>
+              <a:t>&gt;</a:t>
+            </a:r>
+            <a:r>
+              <a:rPr lang="ja-JP" altLang="en-US" dirty="0"/>
+              <a:t>」</a:t>
+            </a:r>
+          </a:p>
+          <a:p>
+            <a:pPr marL="180000" lvl="1" indent="0">
+              <a:buNone/>
+            </a:pPr>
+            <a:endParaRPr lang="en-US" altLang="ja-JP" dirty="0" smtClean="0"/>
+          </a:p>
+          <a:p>
+            <a:pPr lvl="1"/>
+            <a:r>
+              <a:rPr lang="en-US" altLang="ja-JP" dirty="0"/>
+              <a:t>Restart Apache with the following command.</a:t>
+            </a:r>
+            <a:br>
+              <a:rPr lang="en-US" altLang="ja-JP" dirty="0"/>
+            </a:br>
+            <a:r>
+              <a:rPr lang="en-US" altLang="ja-JP" dirty="0" err="1"/>
+              <a:t>systemctl</a:t>
+            </a:r>
+            <a:r>
+              <a:rPr lang="en-US" altLang="ja-JP" dirty="0"/>
+              <a:t> </a:t>
+            </a:r>
+            <a:r>
+              <a:rPr lang="en-US" altLang="ja-JP" dirty="0" smtClean="0"/>
+              <a:t>restart </a:t>
+            </a:r>
+            <a:r>
+              <a:rPr lang="en-US" altLang="ja-JP" dirty="0" err="1" smtClean="0"/>
+              <a:t>httpd</a:t>
+            </a:r>
+            <a:endParaRPr lang="en-US" altLang="ja-JP" dirty="0" smtClean="0"/>
+          </a:p>
+        </p:txBody>
+      </p:sp>
+    </p:spTree>
+    <p:extLst>
+      <p:ext uri="{BB962C8B-B14F-4D97-AF65-F5344CB8AC3E}">
+        <p14:creationId xmlns:p14="http://schemas.microsoft.com/office/powerpoint/2010/main" val="1924943406"/>
+      </p:ext>
+    </p:extLst>
+  </p:cSld>
+  <p:clrMapOvr>
+    <a:masterClrMapping/>
+  </p:clrMapOvr>
+  <p:timing>
+    <p:tnLst>
+      <p:par>
+        <p:cTn id="1" dur="indefinite" restart="never" nodeType="tmRoot"/>
+      </p:par>
+    </p:tnLst>
+  </p:timing>
+</p:sld>
+</file>
+
+<file path=ppt/slides/slide34.xml><?xml version="1.0" encoding="utf-8"?>
+<p:sld xmlns:a="http://schemas.openxmlformats.org/drawingml/2006/main" xmlns:r="http://schemas.openxmlformats.org/officeDocument/2006/relationships" xmlns:p="http://schemas.openxmlformats.org/presentationml/2006/main">
+  <p:cSld>
+    <p:spTree>
+      <p:nvGrpSpPr>
+        <p:cNvPr id="1" name=""/>
+        <p:cNvGrpSpPr/>
+        <p:nvPr/>
+      </p:nvGrpSpPr>
+      <p:grpSpPr>
+        <a:xfrm>
+          <a:off x="0" y="0"/>
+          <a:ext cx="0" cy="0"/>
+          <a:chOff x="0" y="0"/>
+          <a:chExt cx="0" cy="0"/>
+        </a:xfrm>
+      </p:grpSpPr>
+      <p:sp>
+        <p:nvSpPr>
+          <p:cNvPr id="2" name="タイトル 1"/>
+          <p:cNvSpPr>
+            <a:spLocks noGrp="1"/>
+          </p:cNvSpPr>
+          <p:nvPr>
+            <p:ph type="title"/>
+          </p:nvPr>
+        </p:nvSpPr>
+        <p:spPr/>
+        <p:txBody>
+          <a:bodyPr/>
+          <a:lstStyle/>
+          <a:p>
+            <a:r>
+              <a:rPr lang="en-US" altLang="ja-JP" dirty="0" smtClean="0"/>
               <a:t>5.2</a:t>
             </a:r>
             <a:r>
@@ -34619,7 +35034,7 @@
 </p:sld>
 </file>
 
-<file path=ppt/slides/slide34.xml><?xml version="1.0" encoding="utf-8"?>
+<file path=ppt/slides/slide35.xml><?xml version="1.0" encoding="utf-8"?>
 <p:sld xmlns:a="http://schemas.openxmlformats.org/drawingml/2006/main" xmlns:r="http://schemas.openxmlformats.org/officeDocument/2006/relationships" xmlns:p="http://schemas.openxmlformats.org/presentationml/2006/main">
   <p:cSld>
     <p:spTree>

--- a/asset/Learn/ITA-offline-install.pptx
+++ b/asset/Learn/ITA-offline-install.pptx
@@ -350,7 +350,7 @@
               <a:rPr kumimoji="1" lang="ja-JP" altLang="en-US" smtClean="0">
                 <a:ea typeface="メイリオ" panose="020B0604030504040204" pitchFamily="50" charset="-128"/>
               </a:rPr>
-              <a:t>2022/1/5</a:t>
+              <a:t>2022/5/19</a:t>
             </a:fld>
             <a:endParaRPr kumimoji="1" lang="ja-JP" altLang="en-US" dirty="0">
               <a:ea typeface="メイリオ" panose="020B0604030504040204" pitchFamily="50" charset="-128"/>
@@ -496,7 +496,7 @@
             <a:fld id="{4B26993D-C081-44EB-B0F5-A9F467792B62}" type="datetimeFigureOut">
               <a:rPr lang="ja-JP" altLang="en-US" smtClean="0"/>
               <a:pPr/>
-              <a:t>2022/1/5</a:t>
+              <a:t>2022/5/19</a:t>
             </a:fld>
             <a:endParaRPr lang="ja-JP" altLang="en-US" dirty="0"/>
           </a:p>
@@ -1119,7 +1119,7 @@
           <a:p>
             <a:fld id="{56F9016B-CCA6-43BE-8BEE-59565A35F4F7}" type="datetimeFigureOut">
               <a:rPr kumimoji="1" lang="ja-JP" altLang="en-US" smtClean="0"/>
-              <a:t>2022/1/5</a:t>
+              <a:t>2022/5/19</a:t>
             </a:fld>
             <a:endParaRPr kumimoji="1" lang="ja-JP" altLang="en-US"/>
           </a:p>
@@ -1321,7 +1321,7 @@
           <a:p>
             <a:fld id="{56F9016B-CCA6-43BE-8BEE-59565A35F4F7}" type="datetimeFigureOut">
               <a:rPr kumimoji="1" lang="ja-JP" altLang="en-US" smtClean="0"/>
-              <a:t>2022/1/5</a:t>
+              <a:t>2022/5/19</a:t>
             </a:fld>
             <a:endParaRPr kumimoji="1" lang="ja-JP" altLang="en-US"/>
           </a:p>
@@ -1567,7 +1567,7 @@
           <a:p>
             <a:fld id="{56F9016B-CCA6-43BE-8BEE-59565A35F4F7}" type="datetimeFigureOut">
               <a:rPr kumimoji="1" lang="ja-JP" altLang="en-US" smtClean="0"/>
-              <a:t>2022/1/5</a:t>
+              <a:t>2022/5/19</a:t>
             </a:fld>
             <a:endParaRPr kumimoji="1" lang="ja-JP" altLang="en-US"/>
           </a:p>
@@ -1863,7 +1863,7 @@
           <a:p>
             <a:fld id="{56F9016B-CCA6-43BE-8BEE-59565A35F4F7}" type="datetimeFigureOut">
               <a:rPr kumimoji="1" lang="ja-JP" altLang="en-US" smtClean="0"/>
-              <a:t>2022/1/5</a:t>
+              <a:t>2022/5/19</a:t>
             </a:fld>
             <a:endParaRPr kumimoji="1" lang="ja-JP" altLang="en-US"/>
           </a:p>
@@ -2294,7 +2294,7 @@
           <a:p>
             <a:fld id="{56F9016B-CCA6-43BE-8BEE-59565A35F4F7}" type="datetimeFigureOut">
               <a:rPr kumimoji="1" lang="ja-JP" altLang="en-US" smtClean="0"/>
-              <a:t>2022/1/5</a:t>
+              <a:t>2022/5/19</a:t>
             </a:fld>
             <a:endParaRPr kumimoji="1" lang="ja-JP" altLang="en-US"/>
           </a:p>
@@ -2412,7 +2412,7 @@
           <a:p>
             <a:fld id="{56F9016B-CCA6-43BE-8BEE-59565A35F4F7}" type="datetimeFigureOut">
               <a:rPr kumimoji="1" lang="ja-JP" altLang="en-US" smtClean="0"/>
-              <a:t>2022/1/5</a:t>
+              <a:t>2022/5/19</a:t>
             </a:fld>
             <a:endParaRPr kumimoji="1" lang="ja-JP" altLang="en-US"/>
           </a:p>
@@ -2507,7 +2507,7 @@
           <a:p>
             <a:fld id="{56F9016B-CCA6-43BE-8BEE-59565A35F4F7}" type="datetimeFigureOut">
               <a:rPr kumimoji="1" lang="ja-JP" altLang="en-US" smtClean="0"/>
-              <a:t>2022/1/5</a:t>
+              <a:t>2022/5/19</a:t>
             </a:fld>
             <a:endParaRPr kumimoji="1" lang="ja-JP" altLang="en-US"/>
           </a:p>
@@ -2816,7 +2816,7 @@
           <a:p>
             <a:fld id="{56F9016B-CCA6-43BE-8BEE-59565A35F4F7}" type="datetimeFigureOut">
               <a:rPr kumimoji="1" lang="ja-JP" altLang="en-US" smtClean="0"/>
-              <a:t>2022/1/5</a:t>
+              <a:t>2022/5/19</a:t>
             </a:fld>
             <a:endParaRPr kumimoji="1" lang="ja-JP" altLang="en-US"/>
           </a:p>
@@ -3069,7 +3069,7 @@
           <a:p>
             <a:fld id="{56F9016B-CCA6-43BE-8BEE-59565A35F4F7}" type="datetimeFigureOut">
               <a:rPr kumimoji="1" lang="ja-JP" altLang="en-US" smtClean="0"/>
-              <a:t>2022/1/5</a:t>
+              <a:t>2022/5/19</a:t>
             </a:fld>
             <a:endParaRPr kumimoji="1" lang="ja-JP" altLang="en-US"/>
           </a:p>
@@ -3346,7 +3346,7 @@
           <a:p>
             <a:fld id="{56F9016B-CCA6-43BE-8BEE-59565A35F4F7}" type="datetimeFigureOut">
               <a:rPr kumimoji="1" lang="ja-JP" altLang="en-US" smtClean="0"/>
-              <a:t>2022/1/5</a:t>
+              <a:t>2022/5/19</a:t>
             </a:fld>
             <a:endParaRPr kumimoji="1" lang="ja-JP" altLang="en-US"/>
           </a:p>
@@ -3558,7 +3558,7 @@
           <a:p>
             <a:fld id="{56F9016B-CCA6-43BE-8BEE-59565A35F4F7}" type="datetimeFigureOut">
               <a:rPr kumimoji="1" lang="ja-JP" altLang="en-US" smtClean="0"/>
-              <a:t>2022/1/5</a:t>
+              <a:t>2022/5/19</a:t>
             </a:fld>
             <a:endParaRPr kumimoji="1" lang="ja-JP" altLang="en-US"/>
           </a:p>
@@ -6617,7 +6617,7 @@
           <a:p>
             <a:fld id="{56F9016B-CCA6-43BE-8BEE-59565A35F4F7}" type="datetimeFigureOut">
               <a:rPr kumimoji="1" lang="ja-JP" altLang="en-US" smtClean="0"/>
-              <a:t>2022/1/5</a:t>
+              <a:t>2022/5/19</a:t>
             </a:fld>
             <a:endParaRPr kumimoji="1" lang="ja-JP" altLang="en-US"/>
           </a:p>
@@ -7055,7 +7055,7 @@
             </a:r>
             <a:r>
               <a:rPr lang="en-US" altLang="ja-JP" dirty="0" smtClean="0"/>
-              <a:t>1.9</a:t>
+              <a:t>1.10</a:t>
             </a:r>
             <a:endParaRPr lang="en-US" altLang="ja-JP" dirty="0"/>
           </a:p>
@@ -7443,10 +7443,10 @@
                   </a:schemeClr>
                 </a:solidFill>
               </a:rPr>
-              <a:t> In this document, “</a:t>
-            </a:r>
-            <a:r>
-              <a:rPr lang="en-US" altLang="ja-JP" sz="1400" b="1" kern="0" dirty="0" err="1">
+              <a:t> In this document, </a:t>
+            </a:r>
+            <a:r>
+              <a:rPr lang="en-US" altLang="ja-JP" sz="1400" b="1" kern="0" dirty="0" smtClean="0">
                 <a:solidFill>
                   <a:schemeClr val="tx2">
                     <a:lumMod val="75000"/>
@@ -7454,7 +7454,7 @@
                   </a:schemeClr>
                 </a:solidFill>
               </a:rPr>
-              <a:t>Exastro</a:t>
+              <a:t>“Exastro </a:t>
             </a:r>
             <a:r>
               <a:rPr lang="en-US" altLang="ja-JP" sz="1400" b="1" kern="0" dirty="0">
@@ -7465,7 +7465,7 @@
                   </a:schemeClr>
                 </a:solidFill>
               </a:rPr>
-              <a:t> IT Automation” is described as “ITA".</a:t>
+              <a:t>IT Automation” is described as “ITA".</a:t>
             </a:r>
             <a:endParaRPr lang="ja-JP" altLang="en-US" sz="1400" b="1" kern="0" dirty="0">
               <a:solidFill>
@@ -14495,11 +14495,7 @@
             </a:r>
             <a:r>
               <a:rPr lang="en-US" altLang="ja-JP" dirty="0" smtClean="0"/>
-              <a:t>(</a:t>
-            </a:r>
-            <a:r>
-              <a:rPr lang="en-US" altLang="ja-JP" dirty="0" smtClean="0"/>
-              <a:t>1/12) </a:t>
+              <a:t>(1/12) </a:t>
             </a:r>
             <a:endParaRPr kumimoji="1" lang="ja-JP" altLang="en-US" dirty="0"/>
           </a:p>
@@ -14910,11 +14906,7 @@
             </a:r>
             <a:r>
               <a:rPr lang="en-US" altLang="ja-JP" dirty="0" smtClean="0"/>
-              <a:t>(</a:t>
-            </a:r>
-            <a:r>
-              <a:rPr lang="en-US" altLang="ja-JP" dirty="0" smtClean="0"/>
-              <a:t>2/12) </a:t>
+              <a:t>(2/12) </a:t>
             </a:r>
             <a:endParaRPr kumimoji="1" lang="ja-JP" altLang="en-US" dirty="0"/>
           </a:p>
@@ -15030,14 +15022,14 @@
           <p:nvPr>
             <p:extLst>
               <p:ext uri="{D42A27DB-BD31-4B8C-83A1-F6EECF244321}">
-                <p14:modId xmlns:p14="http://schemas.microsoft.com/office/powerpoint/2010/main" val="3903728754"/>
+                <p14:modId xmlns:p14="http://schemas.microsoft.com/office/powerpoint/2010/main" val="2592376945"/>
               </p:ext>
             </p:extLst>
           </p:nvPr>
         </p:nvGraphicFramePr>
         <p:xfrm>
           <a:off x="538952" y="2636890"/>
-          <a:ext cx="8065121" cy="3856338"/>
+          <a:ext cx="8065121" cy="3948405"/>
         </p:xfrm>
         <a:graphic>
           <a:graphicData uri="http://schemas.openxmlformats.org/drawingml/2006/table">
@@ -15757,10 +15749,10 @@
                         <a:defRPr/>
                       </a:pPr>
                       <a:r>
-                        <a:rPr lang="ja-JP" altLang="ja-JP" sz="900" kern="100" dirty="0" smtClean="0">
-                          <a:effectLst/>
-                        </a:rPr>
-                        <a:t>－</a:t>
+                        <a:rPr lang="en-US" altLang="ja-JP" sz="900" kern="100" dirty="0" smtClean="0">
+                          <a:effectLst/>
+                        </a:rPr>
+                        <a:t>-</a:t>
                       </a:r>
                       <a:endParaRPr lang="ja-JP" altLang="ja-JP" sz="900" kern="100" dirty="0" smtClean="0">
                         <a:effectLst/>
@@ -15790,10 +15782,13 @@
                         </a:spcAft>
                       </a:pPr>
                       <a:r>
-                        <a:rPr lang="ja-JP" sz="900" kern="100" dirty="0" smtClean="0">
-                          <a:effectLst/>
-                        </a:rPr>
-                        <a:t>－</a:t>
+                        <a:rPr lang="en-US" altLang="ja-JP" sz="900" kern="100" dirty="0" smtClean="0">
+                          <a:effectLst/>
+                          <a:latin typeface="+mn-lt"/>
+                          <a:ea typeface="+mn-ea"/>
+                          <a:cs typeface="+mn-cs"/>
+                        </a:rPr>
+                        <a:t>-</a:t>
                       </a:r>
                       <a:endParaRPr lang="ja-JP" sz="900" kern="100" dirty="0">
                         <a:effectLst/>
@@ -16008,10 +16003,13 @@
                         <a:defRPr/>
                       </a:pPr>
                       <a:r>
-                        <a:rPr lang="ja-JP" altLang="ja-JP" sz="900" kern="100" dirty="0" smtClean="0">
-                          <a:effectLst/>
-                        </a:rPr>
-                        <a:t>－</a:t>
+                        <a:rPr lang="en-US" altLang="ja-JP" sz="900" kern="100" dirty="0" smtClean="0">
+                          <a:effectLst/>
+                          <a:latin typeface="+mn-lt"/>
+                          <a:ea typeface="+mn-ea"/>
+                          <a:cs typeface="+mn-cs"/>
+                        </a:rPr>
+                        <a:t>-</a:t>
                       </a:r>
                       <a:endParaRPr lang="ja-JP" altLang="ja-JP" sz="900" kern="100" dirty="0" smtClean="0">
                         <a:effectLst/>
@@ -16276,10 +16274,13 @@
                         <a:defRPr/>
                       </a:pPr>
                       <a:r>
-                        <a:rPr lang="ja-JP" altLang="ja-JP" sz="900" kern="100" dirty="0" smtClean="0">
-                          <a:effectLst/>
-                        </a:rPr>
-                        <a:t>－</a:t>
+                        <a:rPr lang="en-US" altLang="ja-JP" sz="900" kern="100" dirty="0" smtClean="0">
+                          <a:effectLst/>
+                          <a:latin typeface="+mn-lt"/>
+                          <a:ea typeface="+mn-ea"/>
+                          <a:cs typeface="+mn-cs"/>
+                        </a:rPr>
+                        <a:t>-</a:t>
                       </a:r>
                       <a:endParaRPr lang="ja-JP" altLang="ja-JP" sz="900" kern="100" dirty="0" smtClean="0">
                         <a:effectLst/>
@@ -16300,30 +16301,112 @@
                     <a:bodyPr/>
                     <a:lstStyle/>
                     <a:p>
-                      <a:pPr algn="just" latinLnBrk="1">
+                      <a:pPr marL="0" marR="0" lvl="0" indent="0" algn="l" defTabSz="914400" rtl="0" eaLnBrk="1" fontAlgn="auto" latinLnBrk="1" hangingPunct="1">
                         <a:lnSpc>
-                          <a:spcPct val="150000"/>
+                          <a:spcPct val="100000"/>
                         </a:lnSpc>
+                        <a:spcBef>
+                          <a:spcPts val="0"/>
+                        </a:spcBef>
                         <a:spcAft>
                           <a:spcPts val="0"/>
                         </a:spcAft>
+                        <a:buClrTx/>
+                        <a:buSzTx/>
+                        <a:buFontTx/>
+                        <a:buNone/>
+                        <a:tabLst/>
+                        <a:defRPr/>
                       </a:pPr>
                       <a:r>
-                        <a:rPr lang="en-US" altLang="ja-JP" sz="1050" kern="100" dirty="0" smtClean="0">
-                          <a:effectLst/>
-                        </a:rPr>
-                        <a:t>Library gather Server OS</a:t>
-                      </a:r>
-                      <a:r>
                         <a:rPr lang="en-US" altLang="ja-JP" sz="800" kern="100" dirty="0" smtClean="0">
                           <a:effectLst/>
                         </a:rPr>
-                        <a:t> ("CentOS7","CentOS8","RHEL7","RHEL8“) </a:t>
-                      </a:r>
-                      <a:endParaRPr lang="ja-JP" altLang="ja-JP" sz="800" kern="100" dirty="0">
+                        <a:t>ITA</a:t>
+                      </a:r>
+                      <a:r>
+                        <a:rPr lang="en-US" altLang="ja-JP" sz="800" kern="100" baseline="0" dirty="0" smtClean="0">
+                          <a:effectLst/>
+                        </a:rPr>
+                        <a:t> </a:t>
+                      </a:r>
+                      <a:r>
+                        <a:rPr lang="en-US" altLang="ja-JP" sz="800" kern="100" dirty="0" smtClean="0">
+                          <a:effectLst/>
+                        </a:rPr>
+                        <a:t>Server OS("CentOS7","CentOS8","RHEL7","RHEL8“)</a:t>
+                      </a:r>
+                      <a:br>
+                        <a:rPr lang="en-US" altLang="ja-JP" sz="800" kern="100" dirty="0" smtClean="0">
+                          <a:effectLst/>
+                        </a:rPr>
+                      </a:br>
+                      <a:r>
+                        <a:rPr lang="en-US" altLang="ja-JP" sz="800" kern="100" dirty="0" smtClean="0">
+                          <a:solidFill>
+                            <a:srgbClr val="FF0000"/>
+                          </a:solidFill>
+                          <a:effectLst/>
+                          <a:latin typeface="+mn-ea"/>
+                          <a:ea typeface="+mn-ea"/>
+                          <a:cs typeface="Times New Roman" panose="02020603050405020304" pitchFamily="18" charset="0"/>
+                        </a:rPr>
+                        <a:t>※Specify CentOS8</a:t>
+                      </a:r>
+                      <a:r>
+                        <a:rPr lang="en-US" altLang="ja-JP" sz="800" kern="100" baseline="0" dirty="0" smtClean="0">
+                          <a:solidFill>
+                            <a:srgbClr val="FF0000"/>
+                          </a:solidFill>
+                          <a:effectLst/>
+                          <a:latin typeface="+mn-ea"/>
+                          <a:ea typeface="+mn-ea"/>
+                          <a:cs typeface="Times New Roman" panose="02020603050405020304" pitchFamily="18" charset="0"/>
+                        </a:rPr>
+                        <a:t> if you are using CentOS Stream8.</a:t>
+                      </a:r>
+                      <a:br>
+                        <a:rPr lang="en-US" altLang="ja-JP" sz="800" kern="100" baseline="0" dirty="0" smtClean="0">
+                          <a:solidFill>
+                            <a:srgbClr val="FF0000"/>
+                          </a:solidFill>
+                          <a:effectLst/>
+                          <a:latin typeface="+mn-ea"/>
+                          <a:ea typeface="+mn-ea"/>
+                          <a:cs typeface="Times New Roman" panose="02020603050405020304" pitchFamily="18" charset="0"/>
+                        </a:rPr>
+                      </a:br>
+                      <a:r>
+                        <a:rPr lang="en-US" altLang="ja-JP" sz="800" kern="100" dirty="0" smtClean="0">
+                          <a:solidFill>
+                            <a:srgbClr val="FF0000"/>
+                          </a:solidFill>
+                          <a:effectLst/>
+                          <a:latin typeface="+mn-ea"/>
+                          <a:ea typeface="+mn-ea"/>
+                          <a:cs typeface="Times New Roman" panose="02020603050405020304" pitchFamily="18" charset="0"/>
+                        </a:rPr>
+                        <a:t>※CentOS8.x has reached EOL</a:t>
+                      </a:r>
+                      <a:r>
+                        <a:rPr lang="en-US" altLang="ja-JP" sz="800" kern="100" baseline="0" dirty="0" smtClean="0">
+                          <a:solidFill>
+                            <a:srgbClr val="FF0000"/>
+                          </a:solidFill>
+                          <a:effectLst/>
+                          <a:latin typeface="+mn-ea"/>
+                          <a:ea typeface="+mn-ea"/>
+                          <a:cs typeface="Times New Roman" panose="02020603050405020304" pitchFamily="18" charset="0"/>
+                        </a:rPr>
+                        <a:t> and is not supported</a:t>
+                      </a:r>
+                      <a:endParaRPr lang="ja-JP" altLang="ja-JP" sz="800" kern="100" dirty="0" smtClean="0">
+                        <a:solidFill>
+                          <a:srgbClr val="FF0000"/>
+                        </a:solidFill>
                         <a:effectLst/>
-                        <a:latin typeface="Century" panose="02040604050505020304" pitchFamily="18" charset="0"/>
-                        <a:ea typeface="ＭＳ 明朝" panose="02020609040205080304" pitchFamily="17" charset="-128"/>
+                        <a:latin typeface="+mn-ea"/>
+                        <a:ea typeface="+mn-ea"/>
                         <a:cs typeface="Times New Roman" panose="02020603050405020304" pitchFamily="18" charset="0"/>
                       </a:endParaRPr>
                     </a:p>
@@ -16873,11 +16956,7 @@
             </a:r>
             <a:r>
               <a:rPr lang="en-US" altLang="ja-JP" dirty="0" smtClean="0"/>
-              <a:t>(</a:t>
-            </a:r>
-            <a:r>
-              <a:rPr lang="en-US" altLang="ja-JP" dirty="0" smtClean="0"/>
-              <a:t>3/12) </a:t>
+              <a:t>(3/12) </a:t>
             </a:r>
             <a:endParaRPr kumimoji="1" lang="ja-JP" altLang="en-US" dirty="0"/>
           </a:p>
@@ -17161,7 +17240,7 @@
           <p:nvPr>
             <p:extLst>
               <p:ext uri="{D42A27DB-BD31-4B8C-83A1-F6EECF244321}">
-                <p14:modId xmlns:p14="http://schemas.microsoft.com/office/powerpoint/2010/main" val="642633961"/>
+                <p14:modId xmlns:p14="http://schemas.microsoft.com/office/powerpoint/2010/main" val="169133127"/>
               </p:ext>
             </p:extLst>
           </p:nvPr>
@@ -17879,24 +17958,36 @@
                     <a:bodyPr/>
                     <a:lstStyle/>
                     <a:p>
-                      <a:pPr algn="ctr">
+                      <a:pPr marL="0" marR="0" lvl="0" indent="0" algn="ctr" defTabSz="914400" rtl="0" eaLnBrk="1" fontAlgn="auto" latinLnBrk="0" hangingPunct="1">
                         <a:lnSpc>
                           <a:spcPct val="150000"/>
                         </a:lnSpc>
+                        <a:spcBef>
+                          <a:spcPts val="0"/>
+                        </a:spcBef>
                         <a:spcAft>
                           <a:spcPts val="0"/>
                         </a:spcAft>
+                        <a:buClrTx/>
+                        <a:buSzTx/>
+                        <a:buFontTx/>
+                        <a:buNone/>
+                        <a:tabLst/>
+                        <a:defRPr/>
                       </a:pPr>
                       <a:r>
-                        <a:rPr lang="en-US" sz="1000" kern="100" dirty="0">
-                          <a:effectLst/>
+                        <a:rPr lang="ja-JP" altLang="en-US" sz="1000" kern="100" dirty="0" smtClean="0">
+                          <a:effectLst/>
+                          <a:latin typeface="+mn-ea"/>
+                          <a:ea typeface="+mn-ea"/>
+                          <a:cs typeface="Times New Roman" panose="02020603050405020304" pitchFamily="18" charset="0"/>
                         </a:rPr>
                         <a:t>○</a:t>
                       </a:r>
-                      <a:endParaRPr lang="ja-JP" sz="1000" kern="100" dirty="0">
+                      <a:endParaRPr lang="ja-JP" altLang="ja-JP" sz="1000" kern="100" dirty="0" smtClean="0">
                         <a:effectLst/>
-                        <a:latin typeface="Century" panose="02040604050505020304" pitchFamily="18" charset="0"/>
-                        <a:ea typeface="ＭＳ 明朝" panose="02020609040205080304" pitchFamily="17" charset="-128"/>
+                        <a:latin typeface="+mn-ea"/>
+                        <a:ea typeface="+mn-ea"/>
                         <a:cs typeface="Times New Roman" panose="02020603050405020304" pitchFamily="18" charset="0"/>
                       </a:endParaRPr>
                     </a:p>
@@ -17912,6 +18003,43 @@
                     <a:bodyPr/>
                     <a:lstStyle/>
                     <a:p>
+                      <a:pPr marL="0" marR="0" lvl="0" indent="0" algn="ctr" defTabSz="914400" rtl="0" eaLnBrk="1" fontAlgn="auto" latinLnBrk="0" hangingPunct="1">
+                        <a:lnSpc>
+                          <a:spcPct val="150000"/>
+                        </a:lnSpc>
+                        <a:spcBef>
+                          <a:spcPts val="0"/>
+                        </a:spcBef>
+                        <a:spcAft>
+                          <a:spcPts val="0"/>
+                        </a:spcAft>
+                        <a:buClrTx/>
+                        <a:buSzTx/>
+                        <a:buFontTx/>
+                        <a:buNone/>
+                        <a:tabLst/>
+                        <a:defRPr/>
+                      </a:pPr>
+                      <a:r>
+                        <a:rPr lang="en-US" altLang="ja-JP" sz="1000" kern="100" dirty="0" smtClean="0">
+                          <a:effectLst/>
+                        </a:rPr>
+                        <a:t>/</a:t>
+                      </a:r>
+                      <a:r>
+                        <a:rPr lang="en-US" altLang="ja-JP" sz="1000" kern="100" dirty="0" err="1" smtClean="0">
+                          <a:effectLst/>
+                        </a:rPr>
+                        <a:t>exastro</a:t>
+                      </a:r>
+                      <a:endParaRPr lang="ja-JP" altLang="ja-JP" sz="1000" kern="100" dirty="0" smtClean="0">
+                        <a:effectLst/>
+                        <a:latin typeface="Century" panose="02040604050505020304" pitchFamily="18" charset="0"/>
+                        <a:ea typeface="ＭＳ 明朝" panose="02020609040205080304" pitchFamily="17" charset="-128"/>
+                        <a:cs typeface="Times New Roman" panose="02020603050405020304" pitchFamily="18" charset="0"/>
+                      </a:endParaRPr>
+                    </a:p>
+                    <a:p>
                       <a:pPr algn="ctr">
                         <a:lnSpc>
                           <a:spcPct val="150000"/>
@@ -17920,12 +18048,6 @@
                           <a:spcPts val="0"/>
                         </a:spcAft>
                       </a:pPr>
-                      <a:r>
-                        <a:rPr lang="ja-JP" sz="1000" kern="100" dirty="0">
-                          <a:effectLst/>
-                        </a:rPr>
-                        <a:t>－</a:t>
-                      </a:r>
                       <a:endParaRPr lang="ja-JP" sz="1000" kern="100" dirty="0">
                         <a:effectLst/>
                         <a:latin typeface="Century" panose="02040604050505020304" pitchFamily="18" charset="0"/>
@@ -18124,27 +18246,36 @@
                     <a:bodyPr/>
                     <a:lstStyle/>
                     <a:p>
-                      <a:pPr algn="ctr">
+                      <a:pPr marL="0" marR="0" lvl="0" indent="0" algn="ctr" defTabSz="914400" rtl="0" eaLnBrk="1" fontAlgn="auto" latinLnBrk="0" hangingPunct="1">
                         <a:lnSpc>
                           <a:spcPct val="150000"/>
                         </a:lnSpc>
+                        <a:spcBef>
+                          <a:spcPts val="0"/>
+                        </a:spcBef>
                         <a:spcAft>
                           <a:spcPts val="0"/>
                         </a:spcAft>
+                        <a:buClrTx/>
+                        <a:buSzTx/>
+                        <a:buFontTx/>
+                        <a:buNone/>
+                        <a:tabLst/>
+                        <a:defRPr/>
                       </a:pPr>
                       <a:r>
-                        <a:rPr lang="ja-JP" altLang="en-US" sz="1000" kern="100" dirty="0" err="1" smtClean="0">
-                          <a:effectLst/>
-                          <a:latin typeface="+mn-lt"/>
+                        <a:rPr lang="ja-JP" altLang="en-US" sz="1000" kern="100" dirty="0" smtClean="0">
+                          <a:effectLst/>
+                          <a:latin typeface="+mn-ea"/>
                           <a:ea typeface="+mn-ea"/>
-                          <a:cs typeface="+mn-cs"/>
-                        </a:rPr>
-                        <a:t>ー</a:t>
-                      </a:r>
-                      <a:endParaRPr lang="ja-JP" sz="1000" kern="100" dirty="0">
+                          <a:cs typeface="Times New Roman" panose="02020603050405020304" pitchFamily="18" charset="0"/>
+                        </a:rPr>
+                        <a:t>○</a:t>
+                      </a:r>
+                      <a:endParaRPr lang="ja-JP" altLang="ja-JP" sz="1000" kern="100" dirty="0" smtClean="0">
                         <a:effectLst/>
-                        <a:latin typeface="Century" panose="02040604050505020304" pitchFamily="18" charset="0"/>
-                        <a:ea typeface="ＭＳ 明朝" panose="02020609040205080304" pitchFamily="17" charset="-128"/>
+                        <a:latin typeface="+mn-ea"/>
+                        <a:ea typeface="+mn-ea"/>
                         <a:cs typeface="Times New Roman" panose="02020603050405020304" pitchFamily="18" charset="0"/>
                       </a:endParaRPr>
                     </a:p>
@@ -18347,27 +18478,36 @@
                     <a:bodyPr/>
                     <a:lstStyle/>
                     <a:p>
-                      <a:pPr algn="ctr">
+                      <a:pPr marL="0" marR="0" lvl="0" indent="0" algn="ctr" defTabSz="914400" rtl="0" eaLnBrk="1" fontAlgn="auto" latinLnBrk="0" hangingPunct="1">
                         <a:lnSpc>
                           <a:spcPct val="150000"/>
                         </a:lnSpc>
+                        <a:spcBef>
+                          <a:spcPts val="0"/>
+                        </a:spcBef>
                         <a:spcAft>
                           <a:spcPts val="0"/>
                         </a:spcAft>
+                        <a:buClrTx/>
+                        <a:buSzTx/>
+                        <a:buFontTx/>
+                        <a:buNone/>
+                        <a:tabLst/>
+                        <a:defRPr/>
                       </a:pPr>
                       <a:r>
-                        <a:rPr lang="ja-JP" altLang="en-US" sz="1000" kern="100" dirty="0" err="1" smtClean="0">
-                          <a:effectLst/>
-                          <a:latin typeface="+mn-lt"/>
+                        <a:rPr lang="ja-JP" altLang="en-US" sz="1000" kern="100" dirty="0" smtClean="0">
+                          <a:effectLst/>
+                          <a:latin typeface="+mn-ea"/>
                           <a:ea typeface="+mn-ea"/>
-                          <a:cs typeface="+mn-cs"/>
-                        </a:rPr>
-                        <a:t>ー</a:t>
-                      </a:r>
-                      <a:endParaRPr lang="ja-JP" altLang="ja-JP" sz="1000" kern="100" dirty="0">
+                          <a:cs typeface="Times New Roman" panose="02020603050405020304" pitchFamily="18" charset="0"/>
+                        </a:rPr>
+                        <a:t>○</a:t>
+                      </a:r>
+                      <a:endParaRPr lang="ja-JP" altLang="ja-JP" sz="1000" kern="100" dirty="0" smtClean="0">
                         <a:effectLst/>
-                        <a:latin typeface="Century" panose="02040604050505020304" pitchFamily="18" charset="0"/>
-                        <a:ea typeface="ＭＳ 明朝" panose="02020609040205080304" pitchFamily="17" charset="-128"/>
+                        <a:latin typeface="+mn-ea"/>
+                        <a:ea typeface="+mn-ea"/>
                         <a:cs typeface="Times New Roman" panose="02020603050405020304" pitchFamily="18" charset="0"/>
                       </a:endParaRPr>
                     </a:p>
@@ -18401,13 +18541,13 @@
                         <a:defRPr/>
                       </a:pPr>
                       <a:r>
-                        <a:rPr lang="ja-JP" altLang="en-US" sz="1000" kern="100" dirty="0" err="1" smtClean="0">
+                        <a:rPr lang="en-US" altLang="ja-JP" sz="1000" kern="100" dirty="0" smtClean="0">
                           <a:effectLst/>
                           <a:latin typeface="+mn-lt"/>
                           <a:ea typeface="+mn-ea"/>
                           <a:cs typeface="+mn-cs"/>
                         </a:rPr>
-                        <a:t>ー</a:t>
+                        <a:t>-</a:t>
                       </a:r>
                       <a:endParaRPr lang="ja-JP" altLang="ja-JP" sz="1000" kern="100" dirty="0" smtClean="0">
                         <a:effectLst/>
@@ -18430,7 +18570,7 @@
                     <a:p>
                       <a:pPr marL="0" marR="0" lvl="0" indent="0" algn="l" defTabSz="914400" rtl="0" eaLnBrk="1" fontAlgn="auto" latinLnBrk="1" hangingPunct="1">
                         <a:lnSpc>
-                          <a:spcPct val="150000"/>
+                          <a:spcPct val="100000"/>
                         </a:lnSpc>
                         <a:spcBef>
                           <a:spcPts val="0"/>
@@ -18497,6 +18637,41 @@
                           <a:cs typeface="Times New Roman" panose="02020603050405020304" pitchFamily="18" charset="0"/>
                         </a:rPr>
                         <a:t> if you are using CentOS Stream8.</a:t>
+                      </a:r>
+                      <a:br>
+                        <a:rPr lang="en-US" altLang="ja-JP" sz="1000" kern="100" baseline="0" dirty="0" smtClean="0">
+                          <a:solidFill>
+                            <a:srgbClr val="FF0000"/>
+                          </a:solidFill>
+                          <a:effectLst/>
+                          <a:latin typeface="+mn-ea"/>
+                          <a:ea typeface="+mn-ea"/>
+                          <a:cs typeface="Times New Roman" panose="02020603050405020304" pitchFamily="18" charset="0"/>
+                        </a:rPr>
+                      </a:br>
+                      <a:r>
+                        <a:rPr lang="en-US" altLang="ja-JP" sz="1000" kern="100" dirty="0" smtClean="0">
+                          <a:solidFill>
+                            <a:srgbClr val="FF0000"/>
+                          </a:solidFill>
+                          <a:effectLst/>
+                          <a:latin typeface="+mn-ea"/>
+                          <a:ea typeface="+mn-ea"/>
+                          <a:cs typeface="Times New Roman" panose="02020603050405020304" pitchFamily="18" charset="0"/>
+                        </a:rPr>
+                        <a:t>※CentOS8.x has reached EOL</a:t>
+                      </a:r>
+                      <a:r>
+                        <a:rPr lang="en-US" altLang="ja-JP" sz="1000" kern="100" baseline="0" dirty="0" smtClean="0">
+                          <a:solidFill>
+                            <a:srgbClr val="FF0000"/>
+                          </a:solidFill>
+                          <a:effectLst/>
+                          <a:latin typeface="+mn-ea"/>
+                          <a:ea typeface="+mn-ea"/>
+                          <a:cs typeface="Times New Roman" panose="02020603050405020304" pitchFamily="18" charset="0"/>
+                        </a:rPr>
+                        <a:t> and is not supported</a:t>
                       </a:r>
                       <a:endParaRPr lang="ja-JP" altLang="ja-JP" sz="1000" kern="100" dirty="0" smtClean="0">
                         <a:solidFill>
@@ -18581,13 +18756,13 @@
                         <a:defRPr/>
                       </a:pPr>
                       <a:r>
-                        <a:rPr lang="ja-JP" altLang="en-US" sz="1000" kern="100" dirty="0" smtClean="0">
+                        <a:rPr lang="en-US" altLang="ja-JP" sz="1000" kern="100" dirty="0" smtClean="0">
                           <a:effectLst/>
                           <a:latin typeface="+mn-ea"/>
                           <a:ea typeface="+mn-ea"/>
                           <a:cs typeface="Times New Roman" panose="02020603050405020304" pitchFamily="18" charset="0"/>
                         </a:rPr>
-                        <a:t>○</a:t>
+                        <a:t>-</a:t>
                       </a:r>
                       <a:endParaRPr lang="ja-JP" altLang="ja-JP" sz="1000" kern="100" dirty="0" smtClean="0">
                         <a:effectLst/>
@@ -19064,11 +19239,7 @@
             </a:r>
             <a:r>
               <a:rPr lang="en-US" altLang="ja-JP" dirty="0" smtClean="0"/>
-              <a:t>(</a:t>
-            </a:r>
-            <a:r>
-              <a:rPr lang="en-US" altLang="ja-JP" dirty="0" smtClean="0"/>
-              <a:t>4/12) </a:t>
+              <a:t>(4/12) </a:t>
             </a:r>
             <a:endParaRPr kumimoji="1" lang="ja-JP" altLang="en-US" dirty="0"/>
           </a:p>
@@ -19248,11 +19419,7 @@
             </a:r>
             <a:r>
               <a:rPr lang="en-US" altLang="ja-JP" dirty="0" smtClean="0"/>
-              <a:t>(</a:t>
-            </a:r>
-            <a:r>
-              <a:rPr lang="en-US" altLang="ja-JP" dirty="0" smtClean="0"/>
-              <a:t>5/12) </a:t>
+              <a:t>(5/12) </a:t>
             </a:r>
             <a:endParaRPr kumimoji="1" lang="ja-JP" altLang="en-US" dirty="0"/>
           </a:p>
@@ -19383,27 +19550,27 @@
       </p:sp>
       <p:graphicFrame>
         <p:nvGraphicFramePr>
-          <p:cNvPr id="4" name="表 3"/>
+          <p:cNvPr id="5" name="表 4"/>
           <p:cNvGraphicFramePr>
             <a:graphicFrameLocks noGrp="1"/>
           </p:cNvGraphicFramePr>
           <p:nvPr>
             <p:extLst>
               <p:ext uri="{D42A27DB-BD31-4B8C-83A1-F6EECF244321}">
-                <p14:modId xmlns:p14="http://schemas.microsoft.com/office/powerpoint/2010/main" val="3163204044"/>
+                <p14:modId xmlns:p14="http://schemas.microsoft.com/office/powerpoint/2010/main" val="136301948"/>
               </p:ext>
             </p:extLst>
           </p:nvPr>
         </p:nvGraphicFramePr>
         <p:xfrm>
-          <a:off x="539440" y="2074508"/>
-          <a:ext cx="8424074" cy="4227807"/>
+          <a:off x="251400" y="2060810"/>
+          <a:ext cx="8424074" cy="4483621"/>
         </p:xfrm>
         <a:graphic>
           <a:graphicData uri="http://schemas.openxmlformats.org/drawingml/2006/table">
             <a:tbl>
               <a:tblPr firstRow="1" firstCol="1" bandRow="1">
-                <a:tableStyleId>{5C22544A-7EE6-4342-B048-85BDC9FD1C3A}</a:tableStyleId>
+                <a:tableStyleId>{93296810-A885-4BE3-A3E7-6D5BEEA58F35}</a:tableStyleId>
               </a:tblPr>
               <a:tblGrid>
                 <a:gridCol w="1440200">
@@ -19463,11 +19630,7 @@
                       </a:endParaRPr>
                     </a:p>
                   </a:txBody>
-                  <a:tcPr marL="68495" marR="68495" marT="0" marB="0" anchor="ctr">
-                    <a:solidFill>
-                      <a:srgbClr val="002B62"/>
-                    </a:solidFill>
-                  </a:tcPr>
+                  <a:tcPr marL="68495" marR="68495" marT="0" marB="0" anchor="ctr"/>
                 </a:tc>
                 <a:tc>
                   <a:txBody>
@@ -19496,11 +19659,7 @@
                       </a:endParaRPr>
                     </a:p>
                   </a:txBody>
-                  <a:tcPr marL="68495" marR="68495" marT="0" marB="0" anchor="ctr">
-                    <a:solidFill>
-                      <a:srgbClr val="002B62"/>
-                    </a:solidFill>
-                  </a:tcPr>
+                  <a:tcPr marL="68495" marR="68495" marT="0" marB="0" anchor="ctr"/>
                 </a:tc>
                 <a:tc>
                   <a:txBody>
@@ -19529,11 +19688,7 @@
                       </a:endParaRPr>
                     </a:p>
                   </a:txBody>
-                  <a:tcPr marL="68495" marR="68495" marT="0" marB="0" anchor="ctr">
-                    <a:solidFill>
-                      <a:srgbClr val="002B62"/>
-                    </a:solidFill>
-                  </a:tcPr>
+                  <a:tcPr marL="68495" marR="68495" marT="0" marB="0" anchor="ctr"/>
                 </a:tc>
                 <a:tc>
                   <a:txBody>
@@ -19562,11 +19717,7 @@
                       </a:endParaRPr>
                     </a:p>
                   </a:txBody>
-                  <a:tcPr marL="68495" marR="68495" marT="0" marB="0" anchor="ctr">
-                    <a:solidFill>
-                      <a:srgbClr val="002B62"/>
-                    </a:solidFill>
-                  </a:tcPr>
+                  <a:tcPr marL="68495" marR="68495" marT="0" marB="0" anchor="ctr"/>
                 </a:tc>
                 <a:extLst>
                   <a:ext uri="{0D108BD9-81ED-4DB2-BD59-A6C34878D82A}">
@@ -19605,11 +19756,7 @@
                       </a:endParaRPr>
                     </a:p>
                   </a:txBody>
-                  <a:tcPr marL="68495" marR="68495" marT="0" marB="0" anchor="ctr">
-                    <a:solidFill>
-                      <a:srgbClr val="002B62"/>
-                    </a:solidFill>
-                  </a:tcPr>
+                  <a:tcPr marL="68495" marR="68495" marT="0" marB="0" anchor="ctr"/>
                 </a:tc>
                 <a:tc>
                   <a:txBody>
@@ -19634,27 +19781,20 @@
                         <a:defRPr/>
                       </a:pPr>
                       <a:r>
-                        <a:rPr lang="ja-JP" altLang="en-US" sz="1000" kern="100" dirty="0" err="1" smtClean="0">
-                          <a:effectLst/>
-                          <a:latin typeface="+mj-lt"/>
-                          <a:ea typeface="+mn-ea"/>
-                          <a:cs typeface="+mn-cs"/>
-                        </a:rPr>
-                        <a:t>ー</a:t>
+                        <a:rPr lang="ja-JP" altLang="en-US" sz="1000" kern="100" dirty="0" smtClean="0">
+                          <a:effectLst/>
+                        </a:rPr>
+                        <a:t>○</a:t>
                       </a:r>
                       <a:endParaRPr lang="ja-JP" altLang="ja-JP" sz="1000" kern="100" dirty="0" smtClean="0">
                         <a:effectLst/>
-                        <a:latin typeface="+mj-lt"/>
-                        <a:ea typeface="ＭＳ 明朝" panose="02020609040205080304" pitchFamily="17" charset="-128"/>
+                        <a:latin typeface="+mn-ea"/>
+                        <a:ea typeface="+mn-ea"/>
                         <a:cs typeface="Times New Roman" panose="02020603050405020304" pitchFamily="18" charset="0"/>
                       </a:endParaRPr>
                     </a:p>
                   </a:txBody>
-                  <a:tcPr marL="68495" marR="68495" marT="0" marB="0" anchor="ctr">
-                    <a:solidFill>
-                      <a:srgbClr val="CBCDD3"/>
-                    </a:solidFill>
-                  </a:tcPr>
+                  <a:tcPr marL="68495" marR="68495" marT="0" marB="0" anchor="ctr"/>
                 </a:tc>
                 <a:tc>
                   <a:txBody>
@@ -19663,21 +19803,17 @@
                     <a:p>
                       <a:pPr algn="ctr"/>
                       <a:r>
-                        <a:rPr lang="ja-JP" altLang="en-US" sz="1000" dirty="0" err="1" smtClean="0">
+                        <a:rPr lang="en-US" altLang="ja-JP" sz="1000" dirty="0" smtClean="0">
                           <a:latin typeface="+mj-lt"/>
                         </a:rPr>
-                        <a:t>ー</a:t>
+                        <a:t>-</a:t>
                       </a:r>
                       <a:endParaRPr lang="ja-JP" altLang="en-US" sz="1000" dirty="0">
                         <a:latin typeface="+mj-lt"/>
                       </a:endParaRPr>
                     </a:p>
                   </a:txBody>
-                  <a:tcPr marL="68495" marR="68495" marT="0" marB="0" anchor="ctr">
-                    <a:solidFill>
-                      <a:srgbClr val="CBCDD3"/>
-                    </a:solidFill>
-                  </a:tcPr>
+                  <a:tcPr marL="68495" marR="68495" marT="0" marB="0" anchor="ctr"/>
                 </a:tc>
                 <a:tc>
                   <a:txBody>
@@ -19709,15 +19845,11 @@
                       </a:endParaRPr>
                     </a:p>
                   </a:txBody>
-                  <a:tcPr marL="68495" marR="68495" marT="0" marB="0" anchor="ctr">
-                    <a:solidFill>
-                      <a:srgbClr val="CBCDD3"/>
-                    </a:solidFill>
-                  </a:tcPr>
+                  <a:tcPr marL="68495" marR="68495" marT="0" marB="0" anchor="ctr"/>
                 </a:tc>
                 <a:extLst>
                   <a:ext uri="{0D108BD9-81ED-4DB2-BD59-A6C34878D82A}">
-                    <a16:rowId xmlns:a16="http://schemas.microsoft.com/office/drawing/2014/main" val="1237489463"/>
+                    <a16:rowId xmlns:a16="http://schemas.microsoft.com/office/drawing/2014/main" val="2697136907"/>
                   </a:ext>
                 </a:extLst>
               </a:tr>
@@ -19761,11 +19893,7 @@
                       </a:endParaRPr>
                     </a:p>
                   </a:txBody>
-                  <a:tcPr marL="68495" marR="68495" marT="0" marB="0" anchor="ctr">
-                    <a:solidFill>
-                      <a:srgbClr val="002B62"/>
-                    </a:solidFill>
-                  </a:tcPr>
+                  <a:tcPr marL="68495" marR="68495" marT="0" marB="0" anchor="ctr"/>
                 </a:tc>
                 <a:tc>
                   <a:txBody>
@@ -19790,27 +19918,20 @@
                         <a:defRPr/>
                       </a:pPr>
                       <a:r>
-                        <a:rPr lang="ja-JP" altLang="en-US" sz="1000" kern="100" dirty="0" err="1" smtClean="0">
-                          <a:effectLst/>
-                          <a:latin typeface="+mj-lt"/>
-                          <a:ea typeface="+mn-ea"/>
-                          <a:cs typeface="+mn-cs"/>
-                        </a:rPr>
-                        <a:t>ー</a:t>
+                        <a:rPr lang="ja-JP" altLang="en-US" sz="1000" kern="100" dirty="0" smtClean="0">
+                          <a:effectLst/>
+                        </a:rPr>
+                        <a:t>○</a:t>
                       </a:r>
                       <a:endParaRPr lang="ja-JP" altLang="ja-JP" sz="1000" kern="100" dirty="0" smtClean="0">
                         <a:effectLst/>
-                        <a:latin typeface="+mj-lt"/>
-                        <a:ea typeface="ＭＳ 明朝" panose="02020609040205080304" pitchFamily="17" charset="-128"/>
+                        <a:latin typeface="+mn-ea"/>
+                        <a:ea typeface="+mn-ea"/>
                         <a:cs typeface="Times New Roman" panose="02020603050405020304" pitchFamily="18" charset="0"/>
                       </a:endParaRPr>
                     </a:p>
                   </a:txBody>
-                  <a:tcPr marL="68495" marR="68495" marT="0" marB="0" anchor="ctr">
-                    <a:solidFill>
-                      <a:srgbClr val="CBCDD3"/>
-                    </a:solidFill>
-                  </a:tcPr>
+                  <a:tcPr marL="68495" marR="68495" marT="0" marB="0" anchor="ctr"/>
                 </a:tc>
                 <a:tc>
                   <a:txBody>
@@ -19835,27 +19956,17 @@
                         <a:defRPr/>
                       </a:pPr>
                       <a:r>
-                        <a:rPr lang="ja-JP" altLang="en-US" sz="1000" kern="100" dirty="0" err="1" smtClean="0">
+                        <a:rPr lang="en-US" altLang="ja-JP" sz="1000" kern="100" dirty="0" smtClean="0">
                           <a:effectLst/>
                           <a:latin typeface="+mj-lt"/>
                           <a:ea typeface="+mn-ea"/>
                           <a:cs typeface="+mn-cs"/>
                         </a:rPr>
-                        <a:t>ー</a:t>
-                      </a:r>
-                      <a:endParaRPr lang="ja-JP" altLang="ja-JP" sz="1000" kern="100" dirty="0" smtClean="0">
-                        <a:effectLst/>
-                        <a:latin typeface="+mj-lt"/>
-                        <a:ea typeface="ＭＳ 明朝" panose="02020609040205080304" pitchFamily="17" charset="-128"/>
-                        <a:cs typeface="Times New Roman" panose="02020603050405020304" pitchFamily="18" charset="0"/>
-                      </a:endParaRPr>
+                        <a:t>-</a:t>
+                      </a:r>
                     </a:p>
                   </a:txBody>
-                  <a:tcPr marL="68495" marR="68495" marT="0" marB="0" anchor="ctr">
-                    <a:solidFill>
-                      <a:srgbClr val="CBCDD3"/>
-                    </a:solidFill>
-                  </a:tcPr>
+                  <a:tcPr marL="68495" marR="68495" marT="0" marB="0" anchor="ctr"/>
                 </a:tc>
                 <a:tc>
                   <a:txBody>
@@ -19887,15 +19998,11 @@
                       </a:endParaRPr>
                     </a:p>
                   </a:txBody>
-                  <a:tcPr marL="68495" marR="68495" marT="0" marB="0" anchor="ctr">
-                    <a:solidFill>
-                      <a:srgbClr val="CBCDD3"/>
-                    </a:solidFill>
-                  </a:tcPr>
+                  <a:tcPr marL="68495" marR="68495" marT="0" marB="0" anchor="ctr"/>
                 </a:tc>
                 <a:extLst>
                   <a:ext uri="{0D108BD9-81ED-4DB2-BD59-A6C34878D82A}">
-                    <a16:rowId xmlns:a16="http://schemas.microsoft.com/office/drawing/2014/main" val="2305381464"/>
+                    <a16:rowId xmlns:a16="http://schemas.microsoft.com/office/drawing/2014/main" val="2900560489"/>
                   </a:ext>
                 </a:extLst>
               </a:tr>
@@ -19939,11 +20046,7 @@
                       </a:endParaRPr>
                     </a:p>
                   </a:txBody>
-                  <a:tcPr marL="68495" marR="68495" marT="0" marB="0" anchor="ctr">
-                    <a:solidFill>
-                      <a:srgbClr val="002B62"/>
-                    </a:solidFill>
-                  </a:tcPr>
+                  <a:tcPr marL="68495" marR="68495" marT="0" marB="0" anchor="ctr"/>
                 </a:tc>
                 <a:tc>
                   <a:txBody>
@@ -19968,27 +20071,20 @@
                         <a:defRPr/>
                       </a:pPr>
                       <a:r>
-                        <a:rPr lang="en-US" altLang="ja-JP" sz="1000" kern="100" dirty="0" err="1" smtClean="0">
-                          <a:effectLst/>
-                          <a:latin typeface="+mj-lt"/>
-                          <a:ea typeface="ＭＳ 明朝" panose="02020609040205080304" pitchFamily="17" charset="-128"/>
-                          <a:cs typeface="Times New Roman" panose="02020603050405020304" pitchFamily="18" charset="0"/>
-                        </a:rPr>
-                        <a:t>―</a:t>
+                        <a:rPr lang="ja-JP" altLang="en-US" sz="1000" kern="100" dirty="0" smtClean="0">
+                          <a:effectLst/>
+                        </a:rPr>
+                        <a:t>○</a:t>
                       </a:r>
                       <a:endParaRPr lang="ja-JP" altLang="ja-JP" sz="1000" kern="100" dirty="0" smtClean="0">
                         <a:effectLst/>
-                        <a:latin typeface="+mj-lt"/>
-                        <a:ea typeface="ＭＳ 明朝" panose="02020609040205080304" pitchFamily="17" charset="-128"/>
+                        <a:latin typeface="+mn-ea"/>
+                        <a:ea typeface="+mn-ea"/>
                         <a:cs typeface="Times New Roman" panose="02020603050405020304" pitchFamily="18" charset="0"/>
                       </a:endParaRPr>
                     </a:p>
                   </a:txBody>
-                  <a:tcPr marL="68495" marR="68495" marT="0" marB="0" anchor="ctr">
-                    <a:solidFill>
-                      <a:srgbClr val="CBCDD3"/>
-                    </a:solidFill>
-                  </a:tcPr>
+                  <a:tcPr marL="68495" marR="68495" marT="0" marB="0" anchor="ctr"/>
                 </a:tc>
                 <a:tc>
                   <a:txBody>
@@ -20013,27 +20109,17 @@
                         <a:defRPr/>
                       </a:pPr>
                       <a:r>
-                        <a:rPr lang="en-US" altLang="ja-JP" sz="1000" kern="100" dirty="0" err="1" smtClean="0">
+                        <a:rPr lang="en-US" altLang="ja-JP" sz="1000" kern="100" dirty="0" smtClean="0">
                           <a:effectLst/>
                           <a:latin typeface="+mj-lt"/>
                           <a:ea typeface="ＭＳ 明朝" panose="02020609040205080304" pitchFamily="17" charset="-128"/>
                           <a:cs typeface="Times New Roman" panose="02020603050405020304" pitchFamily="18" charset="0"/>
                         </a:rPr>
-                        <a:t>―</a:t>
-                      </a:r>
-                      <a:endParaRPr lang="ja-JP" altLang="ja-JP" sz="1000" kern="100" dirty="0" smtClean="0">
-                        <a:effectLst/>
-                        <a:latin typeface="+mj-lt"/>
-                        <a:ea typeface="ＭＳ 明朝" panose="02020609040205080304" pitchFamily="17" charset="-128"/>
-                        <a:cs typeface="Times New Roman" panose="02020603050405020304" pitchFamily="18" charset="0"/>
-                      </a:endParaRPr>
+                        <a:t>-</a:t>
+                      </a:r>
                     </a:p>
                   </a:txBody>
-                  <a:tcPr marL="68495" marR="68495" marT="0" marB="0" anchor="ctr">
-                    <a:solidFill>
-                      <a:srgbClr val="CBCDD3"/>
-                    </a:solidFill>
-                  </a:tcPr>
+                  <a:tcPr marL="68495" marR="68495" marT="0" marB="0" anchor="ctr"/>
                 </a:tc>
                 <a:tc>
                   <a:txBody>
@@ -20071,15 +20157,11 @@
                       </a:endParaRPr>
                     </a:p>
                   </a:txBody>
-                  <a:tcPr marL="68495" marR="68495" marT="0" marB="0" anchor="ctr">
-                    <a:solidFill>
-                      <a:srgbClr val="CBCDD3"/>
-                    </a:solidFill>
-                  </a:tcPr>
+                  <a:tcPr marL="68495" marR="68495" marT="0" marB="0" anchor="ctr"/>
                 </a:tc>
                 <a:extLst>
                   <a:ext uri="{0D108BD9-81ED-4DB2-BD59-A6C34878D82A}">
-                    <a16:rowId xmlns:a16="http://schemas.microsoft.com/office/drawing/2014/main" val="1174840883"/>
+                    <a16:rowId xmlns:a16="http://schemas.microsoft.com/office/drawing/2014/main" val="4122429368"/>
                   </a:ext>
                 </a:extLst>
               </a:tr>
@@ -20123,11 +20205,7 @@
                       </a:endParaRPr>
                     </a:p>
                   </a:txBody>
-                  <a:tcPr marL="68495" marR="68495" marT="0" marB="0" anchor="ctr">
-                    <a:solidFill>
-                      <a:srgbClr val="002B62"/>
-                    </a:solidFill>
-                  </a:tcPr>
+                  <a:tcPr marL="68495" marR="68495" marT="0" marB="0" anchor="ctr"/>
                 </a:tc>
                 <a:tc>
                   <a:txBody>
@@ -20152,27 +20230,20 @@
                         <a:defRPr/>
                       </a:pPr>
                       <a:r>
-                        <a:rPr lang="en-US" altLang="ja-JP" sz="1000" kern="100" dirty="0" err="1" smtClean="0">
-                          <a:effectLst/>
-                          <a:latin typeface="+mj-lt"/>
-                          <a:ea typeface="ＭＳ 明朝" panose="02020609040205080304" pitchFamily="17" charset="-128"/>
-                          <a:cs typeface="Times New Roman" panose="02020603050405020304" pitchFamily="18" charset="0"/>
-                        </a:rPr>
-                        <a:t>―</a:t>
+                        <a:rPr lang="ja-JP" altLang="en-US" sz="1000" kern="100" dirty="0" smtClean="0">
+                          <a:effectLst/>
+                        </a:rPr>
+                        <a:t>○</a:t>
                       </a:r>
                       <a:endParaRPr lang="ja-JP" altLang="ja-JP" sz="1000" kern="100" dirty="0" smtClean="0">
                         <a:effectLst/>
-                        <a:latin typeface="+mj-lt"/>
-                        <a:ea typeface="ＭＳ 明朝" panose="02020609040205080304" pitchFamily="17" charset="-128"/>
+                        <a:latin typeface="+mn-ea"/>
+                        <a:ea typeface="+mn-ea"/>
                         <a:cs typeface="Times New Roman" panose="02020603050405020304" pitchFamily="18" charset="0"/>
                       </a:endParaRPr>
                     </a:p>
                   </a:txBody>
-                  <a:tcPr marL="68495" marR="68495" marT="0" marB="0" anchor="ctr">
-                    <a:solidFill>
-                      <a:srgbClr val="CBCDD3"/>
-                    </a:solidFill>
-                  </a:tcPr>
+                  <a:tcPr marL="68495" marR="68495" marT="0" marB="0" anchor="ctr"/>
                 </a:tc>
                 <a:tc>
                   <a:txBody>
@@ -20203,7 +20274,7 @@
                           <a:ea typeface="ＭＳ 明朝" panose="02020609040205080304" pitchFamily="17" charset="-128"/>
                           <a:cs typeface="Times New Roman" panose="02020603050405020304" pitchFamily="18" charset="0"/>
                         </a:rPr>
-                        <a:t>―</a:t>
+                        <a:t>-</a:t>
                       </a:r>
                       <a:endParaRPr lang="en-US" altLang="ja-JP" sz="1000" kern="100" dirty="0" smtClean="0">
                         <a:effectLst/>
@@ -20213,11 +20284,7 @@
                       </a:endParaRPr>
                     </a:p>
                   </a:txBody>
-                  <a:tcPr marL="68495" marR="68495" marT="0" marB="0" anchor="ctr">
-                    <a:solidFill>
-                      <a:srgbClr val="CBCDD3"/>
-                    </a:solidFill>
-                  </a:tcPr>
+                  <a:tcPr marL="68495" marR="68495" marT="0" marB="0" anchor="ctr"/>
                 </a:tc>
                 <a:tc>
                   <a:txBody>
@@ -20255,15 +20322,11 @@
                       </a:endParaRPr>
                     </a:p>
                   </a:txBody>
-                  <a:tcPr marL="68495" marR="68495" marT="0" marB="0" anchor="ctr">
-                    <a:solidFill>
-                      <a:srgbClr val="CBCDD3"/>
-                    </a:solidFill>
-                  </a:tcPr>
+                  <a:tcPr marL="68495" marR="68495" marT="0" marB="0" anchor="ctr"/>
                 </a:tc>
                 <a:extLst>
                   <a:ext uri="{0D108BD9-81ED-4DB2-BD59-A6C34878D82A}">
-                    <a16:rowId xmlns:a16="http://schemas.microsoft.com/office/drawing/2014/main" val="3374463614"/>
+                    <a16:rowId xmlns:a16="http://schemas.microsoft.com/office/drawing/2014/main" val="1488353209"/>
                   </a:ext>
                 </a:extLst>
               </a:tr>
@@ -20296,11 +20359,7 @@
                       </a:endParaRPr>
                     </a:p>
                   </a:txBody>
-                  <a:tcPr marL="68495" marR="68495" marT="0" marB="0" anchor="ctr">
-                    <a:solidFill>
-                      <a:srgbClr val="002B62"/>
-                    </a:solidFill>
-                  </a:tcPr>
+                  <a:tcPr marL="68495" marR="68495" marT="0" marB="0" anchor="ctr"/>
                 </a:tc>
                 <a:tc>
                   <a:txBody>
@@ -20332,11 +20391,7 @@
                       </a:endParaRPr>
                     </a:p>
                   </a:txBody>
-                  <a:tcPr marL="68495" marR="68495" marT="0" marB="0" anchor="ctr">
-                    <a:solidFill>
-                      <a:srgbClr val="CBCDD3"/>
-                    </a:solidFill>
-                  </a:tcPr>
+                  <a:tcPr marL="68495" marR="68495" marT="0" marB="0" anchor="ctr"/>
                 </a:tc>
                 <a:tc>
                   <a:txBody>
@@ -20366,11 +20421,7 @@
                       </a:endParaRPr>
                     </a:p>
                   </a:txBody>
-                  <a:tcPr marL="68495" marR="68495" marT="0" marB="0" anchor="ctr">
-                    <a:solidFill>
-                      <a:srgbClr val="CBCDD3"/>
-                    </a:solidFill>
-                  </a:tcPr>
+                  <a:tcPr marL="68495" marR="68495" marT="0" marB="0" anchor="ctr"/>
                 </a:tc>
                 <a:tc>
                   <a:txBody>
@@ -20400,11 +20451,7 @@
                       </a:endParaRPr>
                     </a:p>
                   </a:txBody>
-                  <a:tcPr marL="68495" marR="68495" marT="0" marB="0" anchor="ctr">
-                    <a:solidFill>
-                      <a:srgbClr val="CBCDD3"/>
-                    </a:solidFill>
-                  </a:tcPr>
+                  <a:tcPr marL="68495" marR="68495" marT="0" marB="0" anchor="ctr"/>
                 </a:tc>
                 <a:extLst>
                   <a:ext uri="{0D108BD9-81ED-4DB2-BD59-A6C34878D82A}">
@@ -20441,11 +20488,7 @@
                       </a:endParaRPr>
                     </a:p>
                   </a:txBody>
-                  <a:tcPr marL="68495" marR="68495" marT="0" marB="0" anchor="ctr">
-                    <a:solidFill>
-                      <a:srgbClr val="002B62"/>
-                    </a:solidFill>
-                  </a:tcPr>
+                  <a:tcPr marL="68495" marR="68495" marT="0" marB="0" anchor="ctr"/>
                 </a:tc>
                 <a:tc>
                   <a:txBody>
@@ -20477,11 +20520,7 @@
                       </a:endParaRPr>
                     </a:p>
                   </a:txBody>
-                  <a:tcPr marL="68495" marR="68495" marT="0" marB="0" anchor="ctr">
-                    <a:solidFill>
-                      <a:srgbClr val="CBCDD3"/>
-                    </a:solidFill>
-                  </a:tcPr>
+                  <a:tcPr marL="68495" marR="68495" marT="0" marB="0" anchor="ctr"/>
                 </a:tc>
                 <a:tc>
                   <a:txBody>
@@ -20511,11 +20550,7 @@
                       </a:endParaRPr>
                     </a:p>
                   </a:txBody>
-                  <a:tcPr marL="68495" marR="68495" marT="0" marB="0" anchor="ctr">
-                    <a:solidFill>
-                      <a:srgbClr val="CBCDD3"/>
-                    </a:solidFill>
-                  </a:tcPr>
+                  <a:tcPr marL="68495" marR="68495" marT="0" marB="0" anchor="ctr"/>
                 </a:tc>
                 <a:tc>
                   <a:txBody>
@@ -20545,11 +20580,7 @@
                       </a:endParaRPr>
                     </a:p>
                   </a:txBody>
-                  <a:tcPr marL="68495" marR="68495" marT="0" marB="0" anchor="ctr">
-                    <a:solidFill>
-                      <a:srgbClr val="CBCDD3"/>
-                    </a:solidFill>
-                  </a:tcPr>
+                  <a:tcPr marL="68495" marR="68495" marT="0" marB="0" anchor="ctr"/>
                 </a:tc>
                 <a:extLst>
                   <a:ext uri="{0D108BD9-81ED-4DB2-BD59-A6C34878D82A}">
@@ -20572,11 +20603,11 @@
                         </a:spcAft>
                       </a:pPr>
                       <a:r>
-                        <a:rPr lang="en-US" sz="1000" kern="100" dirty="0" smtClean="0">
+                        <a:rPr lang="en-US" sz="1000" kern="100" dirty="0" err="1" smtClean="0">
                           <a:effectLst/>
                           <a:latin typeface="+mj-lt"/>
                         </a:rPr>
-                        <a:t>Hostgroup</a:t>
+                        <a:t>hostgroup</a:t>
                       </a:r>
                       <a:endParaRPr lang="ja-JP" sz="1000" kern="100" dirty="0">
                         <a:effectLst/>
@@ -20586,11 +20617,7 @@
                       </a:endParaRPr>
                     </a:p>
                   </a:txBody>
-                  <a:tcPr marL="68495" marR="68495" marT="0" marB="0" anchor="ctr">
-                    <a:solidFill>
-                      <a:srgbClr val="002B62"/>
-                    </a:solidFill>
-                  </a:tcPr>
+                  <a:tcPr marL="68495" marR="68495" marT="0" marB="0" anchor="ctr"/>
                 </a:tc>
                 <a:tc>
                   <a:txBody>
@@ -20622,11 +20649,7 @@
                       </a:endParaRPr>
                     </a:p>
                   </a:txBody>
-                  <a:tcPr marL="68495" marR="68495" marT="0" marB="0" anchor="ctr">
-                    <a:solidFill>
-                      <a:srgbClr val="E7E8EA"/>
-                    </a:solidFill>
-                  </a:tcPr>
+                  <a:tcPr marL="68495" marR="68495" marT="0" marB="0" anchor="ctr"/>
                 </a:tc>
                 <a:tc>
                   <a:txBody>
@@ -20656,11 +20679,7 @@
                       </a:endParaRPr>
                     </a:p>
                   </a:txBody>
-                  <a:tcPr marL="68495" marR="68495" marT="0" marB="0" anchor="ctr">
-                    <a:solidFill>
-                      <a:srgbClr val="E7E8EA"/>
-                    </a:solidFill>
-                  </a:tcPr>
+                  <a:tcPr marL="68495" marR="68495" marT="0" marB="0" anchor="ctr"/>
                 </a:tc>
                 <a:tc>
                   <a:txBody>
@@ -20690,11 +20709,7 @@
                       </a:endParaRPr>
                     </a:p>
                   </a:txBody>
-                  <a:tcPr marL="68495" marR="68495" marT="0" marB="0" anchor="ctr">
-                    <a:solidFill>
-                      <a:srgbClr val="E7E8EA"/>
-                    </a:solidFill>
-                  </a:tcPr>
+                  <a:tcPr marL="68495" marR="68495" marT="0" marB="0" anchor="ctr"/>
                 </a:tc>
                 <a:extLst>
                   <a:ext uri="{0D108BD9-81ED-4DB2-BD59-A6C34878D82A}">
@@ -20731,11 +20746,7 @@
                       </a:endParaRPr>
                     </a:p>
                   </a:txBody>
-                  <a:tcPr marL="68495" marR="68495" marT="0" marB="0" anchor="ctr">
-                    <a:solidFill>
-                      <a:srgbClr val="002B62"/>
-                    </a:solidFill>
-                  </a:tcPr>
+                  <a:tcPr marL="68495" marR="68495" marT="0" marB="0" anchor="ctr"/>
                 </a:tc>
                 <a:tc>
                   <a:txBody>
@@ -20767,11 +20778,7 @@
                       </a:endParaRPr>
                     </a:p>
                   </a:txBody>
-                  <a:tcPr marL="68495" marR="68495" marT="0" marB="0" anchor="ctr">
-                    <a:solidFill>
-                      <a:srgbClr val="CBCDD3"/>
-                    </a:solidFill>
-                  </a:tcPr>
+                  <a:tcPr marL="68495" marR="68495" marT="0" marB="0" anchor="ctr"/>
                 </a:tc>
                 <a:tc>
                   <a:txBody>
@@ -20801,11 +20808,7 @@
                       </a:endParaRPr>
                     </a:p>
                   </a:txBody>
-                  <a:tcPr marL="68495" marR="68495" marT="0" marB="0" anchor="ctr">
-                    <a:solidFill>
-                      <a:srgbClr val="CBCDD3"/>
-                    </a:solidFill>
-                  </a:tcPr>
+                  <a:tcPr marL="68495" marR="68495" marT="0" marB="0" anchor="ctr"/>
                 </a:tc>
                 <a:tc>
                   <a:txBody>
@@ -20842,11 +20845,7 @@
                       </a:endParaRPr>
                     </a:p>
                   </a:txBody>
-                  <a:tcPr marL="68495" marR="68495" marT="0" marB="0" anchor="ctr">
-                    <a:solidFill>
-                      <a:srgbClr val="CBCDD3"/>
-                    </a:solidFill>
-                  </a:tcPr>
+                  <a:tcPr marL="68495" marR="68495" marT="0" marB="0" anchor="ctr"/>
                 </a:tc>
                 <a:extLst>
                   <a:ext uri="{0D108BD9-81ED-4DB2-BD59-A6C34878D82A}">
@@ -20883,11 +20882,7 @@
                       </a:endParaRPr>
                     </a:p>
                   </a:txBody>
-                  <a:tcPr marL="68495" marR="68495" marT="0" marB="0" anchor="ctr">
-                    <a:solidFill>
-                      <a:srgbClr val="002B62"/>
-                    </a:solidFill>
-                  </a:tcPr>
+                  <a:tcPr marL="68495" marR="68495" marT="0" marB="0" anchor="ctr"/>
                 </a:tc>
                 <a:tc>
                   <a:txBody>
@@ -20919,11 +20914,7 @@
                       </a:endParaRPr>
                     </a:p>
                   </a:txBody>
-                  <a:tcPr marL="68495" marR="68495" marT="0" marB="0" anchor="ctr">
-                    <a:solidFill>
-                      <a:srgbClr val="CBCDD3"/>
-                    </a:solidFill>
-                  </a:tcPr>
+                  <a:tcPr marL="68495" marR="68495" marT="0" marB="0" anchor="ctr"/>
                 </a:tc>
                 <a:tc>
                   <a:txBody>
@@ -20953,11 +20944,7 @@
                       </a:endParaRPr>
                     </a:p>
                   </a:txBody>
-                  <a:tcPr marL="68495" marR="68495" marT="0" marB="0" anchor="ctr">
-                    <a:solidFill>
-                      <a:srgbClr val="CBCDD3"/>
-                    </a:solidFill>
-                  </a:tcPr>
+                  <a:tcPr marL="68495" marR="68495" marT="0" marB="0" anchor="ctr"/>
                 </a:tc>
                 <a:tc>
                   <a:txBody>
@@ -21003,11 +20990,7 @@
                       </a:endParaRPr>
                     </a:p>
                   </a:txBody>
-                  <a:tcPr marL="68495" marR="68495" marT="0" marB="0" anchor="ctr">
-                    <a:solidFill>
-                      <a:srgbClr val="CBCDD3"/>
-                    </a:solidFill>
-                  </a:tcPr>
+                  <a:tcPr marL="68495" marR="68495" marT="0" marB="0" anchor="ctr"/>
                 </a:tc>
                 <a:extLst>
                   <a:ext uri="{0D108BD9-81ED-4DB2-BD59-A6C34878D82A}">
@@ -21046,11 +21029,7 @@
                       </a:endParaRPr>
                     </a:p>
                   </a:txBody>
-                  <a:tcPr marL="68495" marR="68495" marT="0" marB="0" anchor="ctr">
-                    <a:solidFill>
-                      <a:srgbClr val="002B62"/>
-                    </a:solidFill>
-                  </a:tcPr>
+                  <a:tcPr marL="68495" marR="68495" marT="0" marB="0" anchor="ctr"/>
                 </a:tc>
                 <a:tc>
                   <a:txBody>
@@ -21082,11 +21061,7 @@
                       </a:endParaRPr>
                     </a:p>
                   </a:txBody>
-                  <a:tcPr marL="68495" marR="68495" marT="0" marB="0" anchor="ctr">
-                    <a:solidFill>
-                      <a:srgbClr val="CBCDD3"/>
-                    </a:solidFill>
-                  </a:tcPr>
+                  <a:tcPr marL="68495" marR="68495" marT="0" marB="0" anchor="ctr"/>
                 </a:tc>
                 <a:tc>
                   <a:txBody>
@@ -21108,7 +21083,7 @@
                           <a:ea typeface="ＭＳ 明朝" panose="02020609040205080304" pitchFamily="17" charset="-128"/>
                           <a:cs typeface="Times New Roman" panose="02020603050405020304" pitchFamily="18" charset="0"/>
                         </a:rPr>
-                        <a:t>no</a:t>
+                        <a:t>yes</a:t>
                       </a:r>
                       <a:endParaRPr lang="ja-JP" sz="1000" kern="100" dirty="0">
                         <a:effectLst/>
@@ -21118,11 +21093,7 @@
                       </a:endParaRPr>
                     </a:p>
                   </a:txBody>
-                  <a:tcPr marL="68495" marR="68495" marT="0" marB="0" anchor="ctr">
-                    <a:solidFill>
-                      <a:srgbClr val="CBCDD3"/>
-                    </a:solidFill>
-                  </a:tcPr>
+                  <a:tcPr marL="68495" marR="68495" marT="0" marB="0" anchor="ctr"/>
                 </a:tc>
                 <a:tc>
                   <a:txBody>
@@ -21161,11 +21132,7 @@
                       </a:endParaRPr>
                     </a:p>
                   </a:txBody>
-                  <a:tcPr marL="68495" marR="68495" marT="0" marB="0" anchor="ctr">
-                    <a:solidFill>
-                      <a:srgbClr val="CBCDD3"/>
-                    </a:solidFill>
-                  </a:tcPr>
+                  <a:tcPr marL="68495" marR="68495" marT="0" marB="0" anchor="ctr"/>
                 </a:tc>
                 <a:extLst>
                   <a:ext uri="{0D108BD9-81ED-4DB2-BD59-A6C34878D82A}">
@@ -21190,25 +21157,56 @@
                       <a:r>
                         <a:rPr lang="en-US" altLang="ja-JP" sz="1000" kern="100" dirty="0" err="1" smtClean="0">
                           <a:effectLst/>
-                          <a:latin typeface="+mj-lt"/>
-                          <a:ea typeface="+mn-ea"/>
-                          <a:cs typeface="Times New Roman" panose="02020603050405020304" pitchFamily="18" charset="0"/>
-                        </a:rPr>
-                        <a:t>ita_domain</a:t>
+                        </a:rPr>
+                        <a:t>cicd_for_iac</a:t>
                       </a:r>
                       <a:endParaRPr lang="ja-JP" sz="1000" kern="100" dirty="0">
                         <a:effectLst/>
-                        <a:latin typeface="+mj-lt"/>
+                        <a:latin typeface="+mn-ea"/>
                         <a:ea typeface="+mn-ea"/>
                         <a:cs typeface="Times New Roman" panose="02020603050405020304" pitchFamily="18" charset="0"/>
                       </a:endParaRPr>
                     </a:p>
                   </a:txBody>
-                  <a:tcPr marL="68495" marR="68495" marT="0" marB="0" anchor="ctr">
-                    <a:solidFill>
-                      <a:srgbClr val="002B62"/>
-                    </a:solidFill>
-                  </a:tcPr>
+                  <a:tcPr marL="68495" marR="68495" marT="0" marB="0" anchor="ctr"/>
+                </a:tc>
+                <a:tc>
+                  <a:txBody>
+                    <a:bodyPr/>
+                    <a:lstStyle/>
+                    <a:p>
+                      <a:pPr marL="0" marR="0" lvl="0" indent="0" algn="ctr" defTabSz="914400" rtl="0" eaLnBrk="1" fontAlgn="auto" latinLnBrk="0" hangingPunct="1">
+                        <a:lnSpc>
+                          <a:spcPct val="150000"/>
+                        </a:lnSpc>
+                        <a:spcBef>
+                          <a:spcPts val="0"/>
+                        </a:spcBef>
+                        <a:spcAft>
+                          <a:spcPts val="0"/>
+                        </a:spcAft>
+                        <a:buClrTx/>
+                        <a:buSzTx/>
+                        <a:buFontTx/>
+                        <a:buNone/>
+                        <a:tabLst/>
+                        <a:defRPr/>
+                      </a:pPr>
+                      <a:r>
+                        <a:rPr lang="ja-JP" altLang="en-US" sz="1000" kern="100" dirty="0" smtClean="0">
+                          <a:effectLst/>
+                        </a:rPr>
+                        <a:t>○</a:t>
+                      </a:r>
+                      <a:endParaRPr lang="ja-JP" altLang="ja-JP" sz="1000" kern="100" dirty="0" smtClean="0">
+                        <a:effectLst/>
+                        <a:latin typeface="+mn-ea"/>
+                        <a:ea typeface="+mn-ea"/>
+                        <a:cs typeface="Times New Roman" panose="02020603050405020304" pitchFamily="18" charset="0"/>
+                      </a:endParaRPr>
+                    </a:p>
+                  </a:txBody>
+                  <a:tcPr marL="68495" marR="68495" marT="0" marB="0" anchor="ctr"/>
                 </a:tc>
                 <a:tc>
                   <a:txBody>
@@ -21224,81 +21222,20 @@
                         </a:spcAft>
                       </a:pPr>
                       <a:r>
-                        <a:rPr lang="ja-JP" altLang="en-US" sz="1000" kern="100" dirty="0" smtClean="0">
-                          <a:effectLst/>
-                          <a:latin typeface="+mj-lt"/>
-                          <a:ea typeface="+mn-ea"/>
-                          <a:cs typeface="Times New Roman" panose="02020603050405020304" pitchFamily="18" charset="0"/>
-                        </a:rPr>
-                        <a:t>○</a:t>
+                        <a:rPr lang="en-US" altLang="ja-JP" sz="1000" kern="100" dirty="0" smtClean="0">
+                          <a:effectLst/>
+                        </a:rPr>
+                        <a:t>no</a:t>
                       </a:r>
                       <a:endParaRPr lang="ja-JP" sz="1000" kern="100" dirty="0">
                         <a:effectLst/>
-                        <a:latin typeface="+mj-lt"/>
-                        <a:ea typeface="+mn-ea"/>
-                        <a:cs typeface="Times New Roman" panose="02020603050405020304" pitchFamily="18" charset="0"/>
-                      </a:endParaRPr>
-                    </a:p>
-                  </a:txBody>
-                  <a:tcPr marL="68495" marR="68495" marT="0" marB="0" anchor="ctr">
-                    <a:solidFill>
-                      <a:srgbClr val="CBCDD3"/>
-                    </a:solidFill>
-                  </a:tcPr>
-                </a:tc>
-                <a:tc>
-                  <a:txBody>
-                    <a:bodyPr/>
-                    <a:lstStyle/>
-                    <a:p>
-                      <a:pPr algn="ctr">
-                        <a:lnSpc>
-                          <a:spcPct val="150000"/>
-                        </a:lnSpc>
-                        <a:spcAft>
-                          <a:spcPts val="0"/>
-                        </a:spcAft>
-                      </a:pPr>
-                      <a:r>
-                        <a:rPr lang="en-US" altLang="ja-JP" sz="900" kern="100" dirty="0" err="1" smtClean="0">
-                          <a:effectLst/>
-                          <a:latin typeface="+mj-lt"/>
-                          <a:ea typeface="ＭＳ 明朝" panose="02020609040205080304" pitchFamily="17" charset="-128"/>
-                          <a:cs typeface="Times New Roman" panose="02020603050405020304" pitchFamily="18" charset="0"/>
-                        </a:rPr>
-                        <a:t>exastro</a:t>
-                      </a:r>
-                      <a:r>
-                        <a:rPr lang="en-US" altLang="ja-JP" sz="900" kern="100" dirty="0" smtClean="0">
-                          <a:effectLst/>
-                          <a:latin typeface="+mj-lt"/>
-                          <a:ea typeface="ＭＳ 明朝" panose="02020609040205080304" pitchFamily="17" charset="-128"/>
-                          <a:cs typeface="Times New Roman" panose="02020603050405020304" pitchFamily="18" charset="0"/>
-                        </a:rPr>
-                        <a:t>-it-</a:t>
-                      </a:r>
-                      <a:r>
-                        <a:rPr lang="en-US" altLang="ja-JP" sz="900" kern="100" dirty="0" err="1" smtClean="0">
-                          <a:effectLst/>
-                          <a:latin typeface="+mj-lt"/>
-                          <a:ea typeface="ＭＳ 明朝" panose="02020609040205080304" pitchFamily="17" charset="-128"/>
-                          <a:cs typeface="Times New Roman" panose="02020603050405020304" pitchFamily="18" charset="0"/>
-                        </a:rPr>
-                        <a:t>automation.local</a:t>
-                      </a:r>
-                      <a:endParaRPr lang="ja-JP" sz="900" kern="100" dirty="0">
-                        <a:effectLst/>
-                        <a:latin typeface="+mj-lt"/>
+                        <a:latin typeface="+mn-lt"/>
                         <a:ea typeface="ＭＳ 明朝" panose="02020609040205080304" pitchFamily="17" charset="-128"/>
                         <a:cs typeface="Times New Roman" panose="02020603050405020304" pitchFamily="18" charset="0"/>
                       </a:endParaRPr>
                     </a:p>
                   </a:txBody>
-                  <a:tcPr marL="68495" marR="68495" marT="0" marB="0" anchor="ctr">
-                    <a:solidFill>
-                      <a:srgbClr val="CBCDD3"/>
-                    </a:solidFill>
-                  </a:tcPr>
+                  <a:tcPr marL="68495" marR="68495" marT="0" marB="0" anchor="ctr"/>
                 </a:tc>
                 <a:tc>
                   <a:txBody>
@@ -21325,6 +21262,177 @@
                       <a:r>
                         <a:rPr lang="en-US" altLang="ja-JP" sz="1000" kern="100" dirty="0" smtClean="0">
                           <a:effectLst/>
+                        </a:rPr>
+                        <a:t>Decides </a:t>
+                      </a:r>
+                      <a:r>
+                        <a:rPr lang="en-US" altLang="ja-JP" sz="1000" kern="100" dirty="0" err="1" smtClean="0">
+                          <a:effectLst/>
+                        </a:rPr>
+                        <a:t>wheter</a:t>
+                      </a:r>
+                      <a:r>
+                        <a:rPr lang="en-US" altLang="ja-JP" sz="1000" kern="100" dirty="0" smtClean="0">
+                          <a:effectLst/>
+                        </a:rPr>
+                        <a:t> to install the CI/CD for IaC function or not</a:t>
+                      </a:r>
+                      <a:endParaRPr lang="ja-JP" altLang="ja-JP" sz="1000" kern="100" dirty="0" smtClean="0">
+                        <a:effectLst/>
+                        <a:latin typeface="Century" panose="02040604050505020304" pitchFamily="18" charset="0"/>
+                        <a:ea typeface="ＭＳ 明朝" panose="02020609040205080304" pitchFamily="17" charset="-128"/>
+                        <a:cs typeface="Times New Roman" panose="02020603050405020304" pitchFamily="18" charset="0"/>
+                      </a:endParaRPr>
+                    </a:p>
+                  </a:txBody>
+                  <a:tcPr marL="68495" marR="68495" marT="0" marB="0" anchor="ctr"/>
+                </a:tc>
+                <a:extLst>
+                  <a:ext uri="{0D108BD9-81ED-4DB2-BD59-A6C34878D82A}">
+                    <a16:rowId xmlns:a16="http://schemas.microsoft.com/office/drawing/2014/main" val="2541146341"/>
+                  </a:ext>
+                </a:extLst>
+              </a:tr>
+              <a:tr h="255814">
+                <a:tc>
+                  <a:txBody>
+                    <a:bodyPr/>
+                    <a:lstStyle/>
+                    <a:p>
+                      <a:pPr algn="just">
+                        <a:lnSpc>
+                          <a:spcPct val="150000"/>
+                        </a:lnSpc>
+                        <a:spcAft>
+                          <a:spcPts val="0"/>
+                        </a:spcAft>
+                      </a:pPr>
+                      <a:r>
+                        <a:rPr lang="en-US" altLang="ja-JP" sz="1000" kern="100" dirty="0" err="1" smtClean="0">
+                          <a:effectLst/>
+                          <a:latin typeface="+mj-lt"/>
+                          <a:ea typeface="+mn-ea"/>
+                          <a:cs typeface="Times New Roman" panose="02020603050405020304" pitchFamily="18" charset="0"/>
+                        </a:rPr>
+                        <a:t>ita_domain</a:t>
+                      </a:r>
+                      <a:endParaRPr lang="ja-JP" sz="1000" kern="100" dirty="0">
+                        <a:effectLst/>
+                        <a:latin typeface="+mj-lt"/>
+                        <a:ea typeface="+mn-ea"/>
+                        <a:cs typeface="Times New Roman" panose="02020603050405020304" pitchFamily="18" charset="0"/>
+                      </a:endParaRPr>
+                    </a:p>
+                  </a:txBody>
+                  <a:tcPr marL="68495" marR="68495" marT="0" marB="0" anchor="ctr"/>
+                </a:tc>
+                <a:tc>
+                  <a:txBody>
+                    <a:bodyPr/>
+                    <a:lstStyle/>
+                    <a:p>
+                      <a:pPr algn="ctr">
+                        <a:lnSpc>
+                          <a:spcPct val="150000"/>
+                        </a:lnSpc>
+                        <a:spcAft>
+                          <a:spcPts val="0"/>
+                        </a:spcAft>
+                      </a:pPr>
+                      <a:r>
+                        <a:rPr lang="ja-JP" altLang="en-US" sz="1000" kern="100" dirty="0" smtClean="0">
+                          <a:effectLst/>
+                          <a:latin typeface="+mj-lt"/>
+                          <a:ea typeface="+mn-ea"/>
+                          <a:cs typeface="Times New Roman" panose="02020603050405020304" pitchFamily="18" charset="0"/>
+                        </a:rPr>
+                        <a:t>○</a:t>
+                      </a:r>
+                      <a:endParaRPr lang="ja-JP" sz="1000" kern="100" dirty="0">
+                        <a:effectLst/>
+                        <a:latin typeface="+mj-lt"/>
+                        <a:ea typeface="+mn-ea"/>
+                        <a:cs typeface="Times New Roman" panose="02020603050405020304" pitchFamily="18" charset="0"/>
+                      </a:endParaRPr>
+                    </a:p>
+                  </a:txBody>
+                  <a:tcPr marL="68495" marR="68495" marT="0" marB="0" anchor="ctr"/>
+                </a:tc>
+                <a:tc>
+                  <a:txBody>
+                    <a:bodyPr/>
+                    <a:lstStyle/>
+                    <a:p>
+                      <a:pPr algn="ctr">
+                        <a:lnSpc>
+                          <a:spcPct val="150000"/>
+                        </a:lnSpc>
+                        <a:spcAft>
+                          <a:spcPts val="0"/>
+                        </a:spcAft>
+                      </a:pPr>
+                      <a:r>
+                        <a:rPr lang="en-US" altLang="ja-JP" sz="900" kern="100" dirty="0" err="1" smtClean="0">
+                          <a:effectLst/>
+                          <a:latin typeface="+mj-lt"/>
+                          <a:ea typeface="ＭＳ 明朝" panose="02020609040205080304" pitchFamily="17" charset="-128"/>
+                          <a:cs typeface="Times New Roman" panose="02020603050405020304" pitchFamily="18" charset="0"/>
+                        </a:rPr>
+                        <a:t>exastro</a:t>
+                      </a:r>
+                      <a:r>
+                        <a:rPr lang="en-US" altLang="ja-JP" sz="900" kern="100" dirty="0" smtClean="0">
+                          <a:effectLst/>
+                          <a:latin typeface="+mj-lt"/>
+                          <a:ea typeface="ＭＳ 明朝" panose="02020609040205080304" pitchFamily="17" charset="-128"/>
+                          <a:cs typeface="Times New Roman" panose="02020603050405020304" pitchFamily="18" charset="0"/>
+                        </a:rPr>
+                        <a:t>-it-</a:t>
+                      </a:r>
+                      <a:r>
+                        <a:rPr lang="en-US" altLang="ja-JP" sz="900" kern="100" dirty="0" err="1" smtClean="0">
+                          <a:effectLst/>
+                          <a:latin typeface="+mj-lt"/>
+                          <a:ea typeface="ＭＳ 明朝" panose="02020609040205080304" pitchFamily="17" charset="-128"/>
+                          <a:cs typeface="Times New Roman" panose="02020603050405020304" pitchFamily="18" charset="0"/>
+                        </a:rPr>
+                        <a:t>automation.local</a:t>
+                      </a:r>
+                      <a:endParaRPr lang="ja-JP" sz="900" kern="100" dirty="0">
+                        <a:effectLst/>
+                        <a:latin typeface="+mj-lt"/>
+                        <a:ea typeface="ＭＳ 明朝" panose="02020609040205080304" pitchFamily="17" charset="-128"/>
+                        <a:cs typeface="Times New Roman" panose="02020603050405020304" pitchFamily="18" charset="0"/>
+                      </a:endParaRPr>
+                    </a:p>
+                  </a:txBody>
+                  <a:tcPr marL="68495" marR="68495" marT="0" marB="0" anchor="ctr"/>
+                </a:tc>
+                <a:tc>
+                  <a:txBody>
+                    <a:bodyPr/>
+                    <a:lstStyle/>
+                    <a:p>
+                      <a:pPr marL="0" marR="0" lvl="0" indent="0" algn="just" defTabSz="914400" rtl="0" eaLnBrk="1" fontAlgn="auto" latinLnBrk="0" hangingPunct="1">
+                        <a:lnSpc>
+                          <a:spcPct val="150000"/>
+                        </a:lnSpc>
+                        <a:spcBef>
+                          <a:spcPts val="0"/>
+                        </a:spcBef>
+                        <a:spcAft>
+                          <a:spcPts val="0"/>
+                        </a:spcAft>
+                        <a:buClrTx/>
+                        <a:buSzTx/>
+                        <a:buFontTx/>
+                        <a:buNone/>
+                        <a:tabLst/>
+                        <a:defRPr/>
+                      </a:pPr>
+                      <a:r>
+                        <a:rPr lang="en-US" altLang="ja-JP" sz="1000" kern="100" dirty="0" smtClean="0">
+                          <a:effectLst/>
                           <a:latin typeface="+mj-lt"/>
                           <a:ea typeface="+mn-ea"/>
                           <a:cs typeface="Times New Roman" panose="02020603050405020304" pitchFamily="18" charset="0"/>
@@ -21348,11 +21456,7 @@
                       </a:endParaRPr>
                     </a:p>
                   </a:txBody>
-                  <a:tcPr marL="68495" marR="68495" marT="0" marB="0" anchor="ctr">
-                    <a:solidFill>
-                      <a:srgbClr val="CBCDD3"/>
-                    </a:solidFill>
-                  </a:tcPr>
+                  <a:tcPr marL="68495" marR="68495" marT="0" marB="0" anchor="ctr"/>
                 </a:tc>
                 <a:extLst>
                   <a:ext uri="{0D108BD9-81ED-4DB2-BD59-A6C34878D82A}">
@@ -21391,11 +21495,7 @@
                       </a:endParaRPr>
                     </a:p>
                   </a:txBody>
-                  <a:tcPr marL="68495" marR="68495" marT="0" marB="0" anchor="ctr">
-                    <a:solidFill>
-                      <a:srgbClr val="002B62"/>
-                    </a:solidFill>
-                  </a:tcPr>
+                  <a:tcPr marL="68495" marR="68495" marT="0" marB="0" anchor="ctr"/>
                 </a:tc>
                 <a:tc>
                   <a:txBody>
@@ -21436,11 +21536,7 @@
                       </a:endParaRPr>
                     </a:p>
                   </a:txBody>
-                  <a:tcPr marL="68495" marR="68495" marT="0" marB="0" anchor="ctr">
-                    <a:solidFill>
-                      <a:srgbClr val="CBCDD3"/>
-                    </a:solidFill>
-                  </a:tcPr>
+                  <a:tcPr marL="68495" marR="68495" marT="0" marB="0" anchor="ctr"/>
                 </a:tc>
                 <a:tc>
                   <a:txBody>
@@ -21465,11 +21561,13 @@
                         <a:defRPr/>
                       </a:pPr>
                       <a:r>
-                        <a:rPr lang="ja-JP" altLang="ja-JP" sz="1000" kern="100" dirty="0" smtClean="0">
+                        <a:rPr lang="en-US" altLang="ja-JP" sz="1000" kern="100" dirty="0" smtClean="0">
                           <a:effectLst/>
                           <a:latin typeface="+mj-lt"/>
-                        </a:rPr>
-                        <a:t>－</a:t>
+                          <a:ea typeface="+mn-ea"/>
+                          <a:cs typeface="+mn-cs"/>
+                        </a:rPr>
+                        <a:t>-</a:t>
                       </a:r>
                       <a:endParaRPr lang="ja-JP" altLang="ja-JP" sz="1000" kern="100" dirty="0" smtClean="0">
                         <a:effectLst/>
@@ -21479,11 +21577,7 @@
                       </a:endParaRPr>
                     </a:p>
                   </a:txBody>
-                  <a:tcPr marL="68495" marR="68495" marT="0" marB="0" anchor="ctr">
-                    <a:solidFill>
-                      <a:srgbClr val="CBCDD3"/>
-                    </a:solidFill>
-                  </a:tcPr>
+                  <a:tcPr marL="68495" marR="68495" marT="0" marB="0" anchor="ctr"/>
                 </a:tc>
                 <a:tc>
                   <a:txBody>
@@ -21551,11 +21645,7 @@
                       </a:endParaRPr>
                     </a:p>
                   </a:txBody>
-                  <a:tcPr marL="68495" marR="68495" marT="0" marB="0" anchor="ctr">
-                    <a:solidFill>
-                      <a:srgbClr val="CBCDD3"/>
-                    </a:solidFill>
-                  </a:tcPr>
+                  <a:tcPr marL="68495" marR="68495" marT="0" marB="0" anchor="ctr"/>
                 </a:tc>
                 <a:extLst>
                   <a:ext uri="{0D108BD9-81ED-4DB2-BD59-A6C34878D82A}">
@@ -21594,11 +21684,7 @@
                       </a:endParaRPr>
                     </a:p>
                   </a:txBody>
-                  <a:tcPr marL="68495" marR="68495" marT="0" marB="0" anchor="ctr">
-                    <a:solidFill>
-                      <a:srgbClr val="002B62"/>
-                    </a:solidFill>
-                  </a:tcPr>
+                  <a:tcPr marL="68495" marR="68495" marT="0" marB="0" anchor="ctr"/>
                 </a:tc>
                 <a:tc>
                   <a:txBody>
@@ -21639,11 +21725,7 @@
                       </a:endParaRPr>
                     </a:p>
                   </a:txBody>
-                  <a:tcPr marL="68495" marR="68495" marT="0" marB="0" anchor="ctr">
-                    <a:solidFill>
-                      <a:srgbClr val="CBCDD3"/>
-                    </a:solidFill>
-                  </a:tcPr>
+                  <a:tcPr marL="68495" marR="68495" marT="0" marB="0" anchor="ctr"/>
                 </a:tc>
                 <a:tc>
                   <a:txBody>
@@ -21668,11 +21750,13 @@
                         <a:defRPr/>
                       </a:pPr>
                       <a:r>
-                        <a:rPr lang="ja-JP" altLang="ja-JP" sz="1000" kern="100" dirty="0" smtClean="0">
+                        <a:rPr lang="en-US" altLang="ja-JP" sz="1000" kern="100" dirty="0" smtClean="0">
                           <a:effectLst/>
                           <a:latin typeface="+mj-lt"/>
-                        </a:rPr>
-                        <a:t>－</a:t>
+                          <a:ea typeface="+mn-ea"/>
+                          <a:cs typeface="+mn-cs"/>
+                        </a:rPr>
+                        <a:t>-</a:t>
                       </a:r>
                       <a:endParaRPr lang="ja-JP" altLang="ja-JP" sz="1000" kern="100" dirty="0" smtClean="0">
                         <a:effectLst/>
@@ -21682,11 +21766,7 @@
                       </a:endParaRPr>
                     </a:p>
                   </a:txBody>
-                  <a:tcPr marL="68495" marR="68495" marT="0" marB="0" anchor="ctr">
-                    <a:solidFill>
-                      <a:srgbClr val="CBCDD3"/>
-                    </a:solidFill>
-                  </a:tcPr>
+                  <a:tcPr marL="68495" marR="68495" marT="0" marB="0" anchor="ctr"/>
                 </a:tc>
                 <a:tc>
                   <a:txBody>
@@ -21753,11 +21833,7 @@
                       </a:endParaRPr>
                     </a:p>
                   </a:txBody>
-                  <a:tcPr marL="68495" marR="68495" marT="0" marB="0" anchor="ctr">
-                    <a:solidFill>
-                      <a:srgbClr val="CBCDD3"/>
-                    </a:solidFill>
-                  </a:tcPr>
+                  <a:tcPr marL="68495" marR="68495" marT="0" marB="0" anchor="ctr"/>
                 </a:tc>
                 <a:extLst>
                   <a:ext uri="{0D108BD9-81ED-4DB2-BD59-A6C34878D82A}">
@@ -22203,13 +22279,7 @@
               <a:rPr lang="en-US" altLang="ja-JP" sz="1400" dirty="0" smtClean="0">
                 <a:latin typeface="+mn-ea"/>
               </a:rPr>
-              <a:t>construction </a:t>
-            </a:r>
-            <a:r>
-              <a:rPr lang="en-US" altLang="ja-JP" sz="1400" dirty="0" smtClean="0">
-                <a:latin typeface="+mn-ea"/>
-              </a:rPr>
-              <a:t>flow</a:t>
+              <a:t>construction flow</a:t>
             </a:r>
             <a:endParaRPr lang="ja-JP" altLang="en-US" sz="1400" dirty="0">
               <a:latin typeface="+mn-ea"/>
@@ -22244,13 +22314,7 @@
               <a:rPr lang="en-US" altLang="ja-JP" sz="1400" dirty="0" smtClean="0">
                 <a:latin typeface="+mn-ea"/>
               </a:rPr>
-              <a:t>(</a:t>
-            </a:r>
-            <a:r>
-              <a:rPr lang="en-US" altLang="ja-JP" sz="1400" dirty="0" smtClean="0">
-                <a:latin typeface="+mn-ea"/>
-              </a:rPr>
-              <a:t>1/12) </a:t>
+              <a:t>(1/12) </a:t>
             </a:r>
             <a:endParaRPr lang="ja-JP" altLang="en-US" sz="1400" dirty="0">
               <a:latin typeface="+mn-ea"/>
@@ -22285,13 +22349,7 @@
               <a:rPr lang="en-US" altLang="ja-JP" sz="1400" dirty="0" smtClean="0">
                 <a:latin typeface="+mn-ea"/>
               </a:rPr>
-              <a:t>(</a:t>
-            </a:r>
-            <a:r>
-              <a:rPr lang="en-US" altLang="ja-JP" sz="1400" dirty="0" smtClean="0">
-                <a:latin typeface="+mn-ea"/>
-              </a:rPr>
-              <a:t>2/12) </a:t>
+              <a:t>(2/12) </a:t>
             </a:r>
             <a:endParaRPr lang="ja-JP" altLang="en-US" sz="1400" dirty="0">
               <a:latin typeface="+mn-ea"/>
@@ -22326,13 +22384,7 @@
               <a:rPr lang="en-US" altLang="ja-JP" sz="1400" dirty="0" smtClean="0">
                 <a:latin typeface="+mn-ea"/>
               </a:rPr>
-              <a:t>(</a:t>
-            </a:r>
-            <a:r>
-              <a:rPr lang="en-US" altLang="ja-JP" sz="1400" dirty="0" smtClean="0">
-                <a:latin typeface="+mn-ea"/>
-              </a:rPr>
-              <a:t>3/12) </a:t>
+              <a:t>(3/12) </a:t>
             </a:r>
             <a:endParaRPr lang="ja-JP" altLang="en-US" sz="1400" dirty="0">
               <a:latin typeface="+mn-ea"/>
@@ -22367,13 +22419,7 @@
               <a:rPr lang="en-US" altLang="ja-JP" sz="1400" dirty="0" smtClean="0">
                 <a:latin typeface="+mn-ea"/>
               </a:rPr>
-              <a:t>(</a:t>
-            </a:r>
-            <a:r>
-              <a:rPr lang="en-US" altLang="ja-JP" sz="1400" dirty="0" smtClean="0">
-                <a:latin typeface="+mn-ea"/>
-              </a:rPr>
-              <a:t>4/12) </a:t>
+              <a:t>(4/12) </a:t>
             </a:r>
             <a:endParaRPr lang="ja-JP" altLang="en-US" sz="1400" dirty="0">
               <a:latin typeface="+mn-ea"/>
@@ -22408,13 +22454,7 @@
               <a:rPr lang="en-US" altLang="ja-JP" sz="1400" dirty="0" smtClean="0">
                 <a:latin typeface="+mn-ea"/>
               </a:rPr>
-              <a:t>(</a:t>
-            </a:r>
-            <a:r>
-              <a:rPr lang="en-US" altLang="ja-JP" sz="1400" dirty="0" smtClean="0">
-                <a:latin typeface="+mn-ea"/>
-              </a:rPr>
-              <a:t>5/12) </a:t>
+              <a:t>(5/12) </a:t>
             </a:r>
             <a:endParaRPr lang="ja-JP" altLang="en-US" sz="1400" dirty="0">
               <a:latin typeface="+mn-ea"/>
@@ -22443,13 +22483,7 @@
               <a:rPr lang="en-US" altLang="ja-JP" sz="1400" dirty="0" smtClean="0">
                 <a:latin typeface="+mn-ea"/>
               </a:rPr>
-              <a:t>(</a:t>
-            </a:r>
-            <a:r>
-              <a:rPr lang="en-US" altLang="ja-JP" sz="1400" dirty="0" smtClean="0">
-                <a:latin typeface="+mn-ea"/>
-              </a:rPr>
-              <a:t>6/12) </a:t>
+              <a:t>(6/12) </a:t>
             </a:r>
             <a:endParaRPr lang="ja-JP" altLang="en-US" sz="1400" dirty="0">
               <a:latin typeface="+mn-ea"/>
@@ -22484,13 +22518,7 @@
               <a:rPr lang="en-US" altLang="ja-JP" sz="1400" dirty="0" smtClean="0">
                 <a:latin typeface="+mn-ea"/>
               </a:rPr>
-              <a:t>(</a:t>
-            </a:r>
-            <a:r>
-              <a:rPr lang="en-US" altLang="ja-JP" sz="1400" dirty="0" smtClean="0">
-                <a:latin typeface="+mn-ea"/>
-              </a:rPr>
-              <a:t>7/12) </a:t>
+              <a:t>(7/12) </a:t>
             </a:r>
             <a:endParaRPr lang="en-US" altLang="ja-JP" sz="1400" dirty="0">
               <a:latin typeface="+mn-ea"/>
@@ -22531,13 +22559,7 @@
               <a:rPr lang="en-US" altLang="ja-JP" sz="1400" dirty="0" smtClean="0">
                 <a:latin typeface="+mn-ea"/>
               </a:rPr>
-              <a:t>(</a:t>
-            </a:r>
-            <a:r>
-              <a:rPr lang="en-US" altLang="ja-JP" sz="1400" dirty="0" smtClean="0">
-                <a:latin typeface="+mn-ea"/>
-              </a:rPr>
-              <a:t>8/12) </a:t>
+              <a:t>(8/12) </a:t>
             </a:r>
             <a:r>
               <a:rPr lang="en-US" altLang="ja-JP" sz="1400" dirty="0">
@@ -22578,13 +22600,7 @@
               <a:rPr lang="en-US" altLang="ja-JP" sz="1400" dirty="0" smtClean="0">
                 <a:latin typeface="+mn-ea"/>
               </a:rPr>
-              <a:t>(</a:t>
-            </a:r>
-            <a:r>
-              <a:rPr lang="en-US" altLang="ja-JP" sz="1400" dirty="0" smtClean="0">
-                <a:latin typeface="+mn-ea"/>
-              </a:rPr>
-              <a:t>9/12) </a:t>
+              <a:t>(9/12) </a:t>
             </a:r>
             <a:endParaRPr lang="ja-JP" altLang="en-US" sz="1400" dirty="0">
               <a:latin typeface="+mn-ea"/>
@@ -22619,13 +22635,7 @@
               <a:rPr lang="en-US" altLang="ja-JP" sz="1400" dirty="0" smtClean="0">
                 <a:latin typeface="+mn-ea"/>
               </a:rPr>
-              <a:t>(</a:t>
-            </a:r>
-            <a:r>
-              <a:rPr lang="en-US" altLang="ja-JP" sz="1400" dirty="0" smtClean="0">
-                <a:latin typeface="+mn-ea"/>
-              </a:rPr>
-              <a:t>10/12) </a:t>
+              <a:t>(10/12) </a:t>
             </a:r>
             <a:endParaRPr lang="en-US" altLang="ja-JP" sz="1400" dirty="0">
               <a:latin typeface="+mn-ea"/>
@@ -22666,17 +22676,8 @@
               <a:rPr lang="en-US" altLang="ja-JP" sz="1400" dirty="0" smtClean="0">
                 <a:latin typeface="+mn-ea"/>
               </a:rPr>
-              <a:t>(</a:t>
-            </a:r>
-            <a:r>
-              <a:rPr lang="en-US" altLang="ja-JP" sz="1400" dirty="0" smtClean="0">
-                <a:latin typeface="+mn-ea"/>
-              </a:rPr>
-              <a:t>11/12) </a:t>
-            </a:r>
-            <a:endParaRPr lang="en-US" altLang="ja-JP" sz="1400" dirty="0" smtClean="0">
-              <a:latin typeface="+mn-ea"/>
-            </a:endParaRPr>
+              <a:t>(11/12) </a:t>
+            </a:r>
           </a:p>
           <a:p>
             <a:r>
@@ -23115,14 +23116,7 @@
                 <a:ea typeface="Segoe UI" panose="020B0502040204020203" pitchFamily="34" charset="0"/>
                 <a:cs typeface="Segoe UI" panose="020B0502040204020203" pitchFamily="34" charset="0"/>
               </a:rPr>
-              <a:t> (</a:t>
-            </a:r>
-            <a:r>
-              <a:rPr lang="en-US" altLang="ja-JP" dirty="0" smtClean="0">
-                <a:ea typeface="Segoe UI" panose="020B0502040204020203" pitchFamily="34" charset="0"/>
-                <a:cs typeface="Segoe UI" panose="020B0502040204020203" pitchFamily="34" charset="0"/>
-              </a:rPr>
-              <a:t>6/12) </a:t>
+              <a:t> (6/12) </a:t>
             </a:r>
             <a:endParaRPr kumimoji="1" lang="ja-JP" altLang="en-US" dirty="0">
               <a:cs typeface="Segoe UI" panose="020B0502040204020203" pitchFamily="34" charset="0"/>
@@ -23404,14 +23398,7 @@
                 <a:ea typeface="Segoe UI" panose="020B0502040204020203" pitchFamily="34" charset="0"/>
                 <a:cs typeface="Segoe UI" panose="020B0502040204020203" pitchFamily="34" charset="0"/>
               </a:rPr>
-              <a:t> (</a:t>
-            </a:r>
-            <a:r>
-              <a:rPr lang="en-US" altLang="ja-JP" dirty="0" smtClean="0">
-                <a:ea typeface="Segoe UI" panose="020B0502040204020203" pitchFamily="34" charset="0"/>
-                <a:cs typeface="Segoe UI" panose="020B0502040204020203" pitchFamily="34" charset="0"/>
-              </a:rPr>
-              <a:t>7/12) </a:t>
+              <a:t> (7/12) </a:t>
             </a:r>
             <a:endParaRPr kumimoji="1" lang="ja-JP" altLang="en-US" dirty="0">
               <a:cs typeface="Segoe UI" panose="020B0502040204020203" pitchFamily="34" charset="0"/>
@@ -23592,11 +23579,7 @@
             </a:r>
             <a:r>
               <a:rPr lang="en-US" altLang="ja-JP" dirty="0" smtClean="0"/>
-              <a:t>(</a:t>
-            </a:r>
-            <a:r>
-              <a:rPr lang="en-US" altLang="ja-JP" dirty="0" smtClean="0"/>
-              <a:t>8/12) </a:t>
+              <a:t>(8/12) </a:t>
             </a:r>
             <a:endParaRPr kumimoji="1" lang="ja-JP" altLang="en-US" dirty="0"/>
           </a:p>
@@ -25908,11 +25891,7 @@
             </a:r>
             <a:r>
               <a:rPr lang="en-US" altLang="ja-JP" dirty="0" smtClean="0"/>
-              <a:t>(</a:t>
-            </a:r>
-            <a:r>
-              <a:rPr lang="en-US" altLang="ja-JP" dirty="0" smtClean="0"/>
-              <a:t>9/12) </a:t>
+              <a:t>(9/12) </a:t>
             </a:r>
             <a:endParaRPr kumimoji="1" lang="ja-JP" altLang="en-US" dirty="0"/>
           </a:p>
@@ -28962,11 +28941,7 @@
             </a:r>
             <a:r>
               <a:rPr lang="en-US" altLang="ja-JP" dirty="0" smtClean="0"/>
-              <a:t>Construction  (</a:t>
-            </a:r>
-            <a:r>
-              <a:rPr lang="en-US" altLang="ja-JP" dirty="0" smtClean="0"/>
-              <a:t>10/12) </a:t>
+              <a:t>Construction  (10/12) </a:t>
             </a:r>
             <a:endParaRPr kumimoji="1" lang="ja-JP" altLang="en-US" dirty="0"/>
           </a:p>
@@ -29287,11 +29262,7 @@
             </a:r>
             <a:r>
               <a:rPr lang="en-US" altLang="ja-JP" dirty="0" smtClean="0"/>
-              <a:t>(</a:t>
-            </a:r>
-            <a:r>
-              <a:rPr lang="en-US" altLang="ja-JP" dirty="0" smtClean="0"/>
-              <a:t>11/12) </a:t>
+              <a:t>(11/12) </a:t>
             </a:r>
             <a:endParaRPr kumimoji="1" lang="ja-JP" altLang="en-US" dirty="0"/>
           </a:p>
@@ -29365,23 +29336,68 @@
           </a:p>
         </p:txBody>
       </p:sp>
+      <p:sp>
+        <p:nvSpPr>
+          <p:cNvPr id="7" name="テキスト ボックス 6"/>
+          <p:cNvSpPr txBox="1"/>
+          <p:nvPr/>
+        </p:nvSpPr>
+        <p:spPr>
+          <a:xfrm>
+            <a:off x="539440" y="6003776"/>
+            <a:ext cx="7705070" cy="400110"/>
+          </a:xfrm>
+          <a:prstGeom prst="rect">
+            <a:avLst/>
+          </a:prstGeom>
+          <a:noFill/>
+        </p:spPr>
+        <p:txBody>
+          <a:bodyPr wrap="square" rtlCol="0">
+            <a:spAutoFit/>
+          </a:bodyPr>
+          <a:lstStyle/>
+          <a:p>
+            <a:pPr algn="just">
+              <a:spcAft>
+                <a:spcPts val="0"/>
+              </a:spcAft>
+            </a:pPr>
+            <a:r>
+              <a:rPr lang="en-US" altLang="ja-JP" sz="1000" kern="100" dirty="0"/>
+              <a:t>(*1) only RHEL7,CentOS7</a:t>
+            </a:r>
+          </a:p>
+          <a:p>
+            <a:pPr algn="just">
+              <a:spcAft>
+                <a:spcPts val="0"/>
+              </a:spcAft>
+            </a:pPr>
+            <a:r>
+              <a:rPr lang="en-US" altLang="ja-JP" sz="1000" kern="100" dirty="0"/>
+              <a:t>(*2)If ITA is running on v.1.9.1 or earlier, PHP7.2 is used. If running on v1.10.0 or later, PHP7.4 is used</a:t>
+            </a:r>
+          </a:p>
+        </p:txBody>
+      </p:sp>
       <p:graphicFrame>
         <p:nvGraphicFramePr>
-          <p:cNvPr id="5" name="表 4"/>
+          <p:cNvPr id="6" name="表 5"/>
           <p:cNvGraphicFramePr>
             <a:graphicFrameLocks noGrp="1"/>
           </p:cNvGraphicFramePr>
           <p:nvPr>
             <p:extLst>
               <p:ext uri="{D42A27DB-BD31-4B8C-83A1-F6EECF244321}">
-                <p14:modId xmlns:p14="http://schemas.microsoft.com/office/powerpoint/2010/main" val="2119058727"/>
+                <p14:modId xmlns:p14="http://schemas.microsoft.com/office/powerpoint/2010/main" val="3524335797"/>
               </p:ext>
             </p:extLst>
           </p:nvPr>
         </p:nvGraphicFramePr>
         <p:xfrm>
-          <a:off x="631300" y="1700760"/>
-          <a:ext cx="6569989" cy="4032560"/>
+          <a:off x="539440" y="1484730"/>
+          <a:ext cx="7273010" cy="4562077"/>
         </p:xfrm>
         <a:graphic>
           <a:graphicData uri="http://schemas.openxmlformats.org/drawingml/2006/table">
@@ -29390,21 +29406,21 @@
                 <a:tableStyleId>{5C22544A-7EE6-4342-B048-85BDC9FD1C3A}</a:tableStyleId>
               </a:tblPr>
               <a:tblGrid>
-                <a:gridCol w="1800249">
+                <a:gridCol w="1872790">
                   <a:extLst>
                     <a:ext uri="{9D8B030D-6E8A-4147-A177-3AD203B41FA5}">
                       <a16:colId xmlns:a16="http://schemas.microsoft.com/office/drawing/2014/main" val="20000"/>
                     </a:ext>
                   </a:extLst>
                 </a:gridCol>
-                <a:gridCol w="1514417">
+                <a:gridCol w="1942294">
                   <a:extLst>
                     <a:ext uri="{9D8B030D-6E8A-4147-A177-3AD203B41FA5}">
                       <a16:colId xmlns:a16="http://schemas.microsoft.com/office/drawing/2014/main" val="20001"/>
                     </a:ext>
                   </a:extLst>
                 </a:gridCol>
-                <a:gridCol w="3255323">
+                <a:gridCol w="3457926">
                   <a:extLst>
                     <a:ext uri="{9D8B030D-6E8A-4147-A177-3AD203B41FA5}">
                       <a16:colId xmlns:a16="http://schemas.microsoft.com/office/drawing/2014/main" val="20002"/>
@@ -29424,16 +29440,25 @@
                         </a:spcAft>
                       </a:pPr>
                       <a:r>
-                        <a:rPr lang="en-US" altLang="ja-JP" sz="1050" kern="100" dirty="0" smtClean="0">
-                          <a:effectLst/>
-                        </a:rPr>
-                        <a:t>Installed driver</a:t>
-                      </a:r>
-                      <a:endParaRPr lang="ja-JP" sz="1050" kern="100" dirty="0">
+                        <a:rPr lang="en-US" altLang="ja-JP" sz="1050" b="1" i="0" u="none" kern="100" dirty="0" smtClean="0">
+                          <a:solidFill>
+                            <a:schemeClr val="bg1"/>
+                          </a:solidFill>
+                          <a:effectLst/>
+                          <a:latin typeface="+mj-lt"/>
+                          <a:ea typeface="Segoe UI" panose="020B0502040204020203" pitchFamily="34" charset="0"/>
+                          <a:cs typeface="Segoe UI" panose="020B0502040204020203" pitchFamily="34" charset="0"/>
+                        </a:rPr>
+                        <a:t>Installation driver</a:t>
+                      </a:r>
+                      <a:endParaRPr lang="ja-JP" sz="1050" b="1" i="0" u="none" kern="100" dirty="0">
+                        <a:solidFill>
+                          <a:schemeClr val="bg1"/>
+                        </a:solidFill>
                         <a:effectLst/>
-                        <a:latin typeface="Century" panose="02040604050505020304" pitchFamily="18" charset="0"/>
+                        <a:latin typeface="+mj-lt"/>
                         <a:ea typeface="ＭＳ 明朝" panose="02020609040205080304" pitchFamily="17" charset="-128"/>
-                        <a:cs typeface="Times New Roman" panose="02020603050405020304" pitchFamily="18" charset="0"/>
+                        <a:cs typeface="Segoe UI" panose="020B0502040204020203" pitchFamily="34" charset="0"/>
                       </a:endParaRPr>
                     </a:p>
                   </a:txBody>
@@ -29456,14 +29481,17 @@
                       <a:r>
                         <a:rPr lang="en-US" altLang="ja-JP" sz="1050" kern="0" dirty="0" smtClean="0">
                           <a:effectLst/>
-                        </a:rPr>
-                        <a:t>Library overview</a:t>
+                          <a:latin typeface="+mj-lt"/>
+                          <a:ea typeface="Segoe UI" panose="020B0502040204020203" pitchFamily="34" charset="0"/>
+                          <a:cs typeface="Segoe UI" panose="020B0502040204020203" pitchFamily="34" charset="0"/>
+                        </a:rPr>
+                        <a:t>Library type</a:t>
                       </a:r>
                       <a:endParaRPr lang="ja-JP" sz="1050" kern="100" dirty="0">
                         <a:effectLst/>
-                        <a:latin typeface="Century" panose="02040604050505020304" pitchFamily="18" charset="0"/>
+                        <a:latin typeface="+mj-lt"/>
                         <a:ea typeface="ＭＳ 明朝" panose="02020609040205080304" pitchFamily="17" charset="-128"/>
-                        <a:cs typeface="Times New Roman" panose="02020603050405020304" pitchFamily="18" charset="0"/>
+                        <a:cs typeface="Segoe UI" panose="020B0502040204020203" pitchFamily="34" charset="0"/>
                       </a:endParaRPr>
                     </a:p>
                   </a:txBody>
@@ -29486,20 +29514,17 @@
                       <a:r>
                         <a:rPr lang="en-US" altLang="ja-JP" sz="1050" kern="100" dirty="0" smtClean="0">
                           <a:effectLst/>
-                        </a:rPr>
-                        <a:t>Library</a:t>
-                      </a:r>
-                      <a:r>
-                        <a:rPr lang="en-US" altLang="ja-JP" sz="1050" kern="100" baseline="0" dirty="0" smtClean="0">
-                          <a:effectLst/>
-                        </a:rPr>
-                        <a:t> name</a:t>
+                          <a:latin typeface="+mj-lt"/>
+                          <a:ea typeface="Segoe UI" panose="020B0502040204020203" pitchFamily="34" charset="0"/>
+                          <a:cs typeface="Segoe UI" panose="020B0502040204020203" pitchFamily="34" charset="0"/>
+                        </a:rPr>
+                        <a:t>Library name</a:t>
                       </a:r>
                       <a:endParaRPr lang="ja-JP" sz="1050" kern="100" dirty="0">
                         <a:effectLst/>
-                        <a:latin typeface="Century" panose="02040604050505020304" pitchFamily="18" charset="0"/>
+                        <a:latin typeface="+mj-lt"/>
                         <a:ea typeface="ＭＳ 明朝" panose="02020609040205080304" pitchFamily="17" charset="-128"/>
-                        <a:cs typeface="Times New Roman" panose="02020603050405020304" pitchFamily="18" charset="0"/>
+                        <a:cs typeface="Segoe UI" panose="020B0502040204020203" pitchFamily="34" charset="0"/>
                       </a:endParaRPr>
                     </a:p>
                   </a:txBody>
@@ -29529,14 +29554,17 @@
                       <a:r>
                         <a:rPr lang="en-US" sz="1000" kern="0" dirty="0">
                           <a:effectLst/>
+                          <a:latin typeface="+mj-lt"/>
+                          <a:ea typeface="Segoe UI" panose="020B0502040204020203" pitchFamily="34" charset="0"/>
+                          <a:cs typeface="Segoe UI" panose="020B0502040204020203" pitchFamily="34" charset="0"/>
                         </a:rPr>
                         <a:t>ita_base</a:t>
                       </a:r>
                       <a:endParaRPr lang="ja-JP" sz="1000" kern="100" dirty="0">
                         <a:effectLst/>
-                        <a:latin typeface="Century" panose="02040604050505020304" pitchFamily="18" charset="0"/>
+                        <a:latin typeface="+mj-lt"/>
                         <a:ea typeface="ＭＳ 明朝" panose="02020609040205080304" pitchFamily="17" charset="-128"/>
-                        <a:cs typeface="Times New Roman" panose="02020603050405020304" pitchFamily="18" charset="0"/>
+                        <a:cs typeface="Segoe UI" panose="020B0502040204020203" pitchFamily="34" charset="0"/>
                       </a:endParaRPr>
                     </a:p>
                   </a:txBody>
@@ -29557,16 +29585,25 @@
                         </a:spcAft>
                       </a:pPr>
                       <a:r>
-                        <a:rPr lang="en-US" altLang="ja-JP" sz="1050" kern="100" dirty="0" smtClean="0">
-                          <a:effectLst/>
+                        <a:rPr lang="en-US" altLang="ja-JP" sz="1050" b="0" i="0" u="none" kern="100" dirty="0" smtClean="0">
+                          <a:solidFill>
+                            <a:srgbClr val="000000"/>
+                          </a:solidFill>
+                          <a:effectLst/>
+                          <a:latin typeface="+mj-lt"/>
+                          <a:ea typeface="Segoe UI" panose="020B0502040204020203" pitchFamily="34" charset="0"/>
+                          <a:cs typeface="Segoe UI" panose="020B0502040204020203" pitchFamily="34" charset="0"/>
                         </a:rPr>
                         <a:t>Installation tool</a:t>
                       </a:r>
-                      <a:endParaRPr lang="ja-JP" sz="1050" kern="100" dirty="0">
+                      <a:endParaRPr lang="ja-JP" sz="1050" b="0" i="0" u="none" kern="100" dirty="0">
+                        <a:solidFill>
+                          <a:srgbClr val="000000"/>
+                        </a:solidFill>
                         <a:effectLst/>
-                        <a:latin typeface="Century" panose="02040604050505020304" pitchFamily="18" charset="0"/>
+                        <a:latin typeface="+mj-lt"/>
                         <a:ea typeface="ＭＳ 明朝" panose="02020609040205080304" pitchFamily="17" charset="-128"/>
-                        <a:cs typeface="Times New Roman" panose="02020603050405020304" pitchFamily="18" charset="0"/>
+                        <a:cs typeface="Segoe UI" panose="020B0502040204020203" pitchFamily="34" charset="0"/>
                       </a:endParaRPr>
                     </a:p>
                   </a:txBody>
@@ -29589,7 +29626,7 @@
                       <a:r>
                         <a:rPr lang="en-US" sz="1050" kern="100" dirty="0" smtClean="0">
                           <a:effectLst/>
-                          <a:latin typeface="Segoe UI" panose="020B0502040204020203" pitchFamily="34" charset="0"/>
+                          <a:latin typeface="+mj-lt"/>
                           <a:ea typeface="Segoe UI" panose="020B0502040204020203" pitchFamily="34" charset="0"/>
                           <a:cs typeface="Segoe UI" panose="020B0502040204020203" pitchFamily="34" charset="0"/>
                         </a:rPr>
@@ -29598,7 +29635,7 @@
                       <a:r>
                         <a:rPr lang="en-US" sz="1050" kern="100" dirty="0" err="1" smtClean="0">
                           <a:effectLst/>
-                          <a:latin typeface="Segoe UI" panose="020B0502040204020203" pitchFamily="34" charset="0"/>
+                          <a:latin typeface="+mj-lt"/>
                           <a:ea typeface="Segoe UI" panose="020B0502040204020203" pitchFamily="34" charset="0"/>
                           <a:cs typeface="Segoe UI" panose="020B0502040204020203" pitchFamily="34" charset="0"/>
                         </a:rPr>
@@ -29607,19 +29644,21 @@
                       <a:r>
                         <a:rPr lang="en-US" altLang="ja-JP" sz="1050" kern="100" dirty="0" smtClean="0">
                           <a:effectLst/>
-                        </a:rPr>
-                        <a:t> (*) ,</a:t>
+                          <a:latin typeface="+mj-lt"/>
+                        </a:rPr>
+                        <a:t>(*1),</a:t>
                       </a:r>
                       <a:r>
                         <a:rPr lang="en-US" altLang="ja-JP" sz="1050" kern="100" baseline="0" dirty="0" smtClean="0">
                           <a:effectLst/>
+                          <a:latin typeface="+mj-lt"/>
                         </a:rPr>
                         <a:t> </a:t>
                       </a:r>
                       <a:r>
                         <a:rPr lang="en-US" sz="1050" kern="100" dirty="0" err="1" smtClean="0">
                           <a:effectLst/>
-                          <a:latin typeface="Segoe UI" panose="020B0502040204020203" pitchFamily="34" charset="0"/>
+                          <a:latin typeface="+mj-lt"/>
                           <a:ea typeface="Segoe UI" panose="020B0502040204020203" pitchFamily="34" charset="0"/>
                           <a:cs typeface="Segoe UI" panose="020B0502040204020203" pitchFamily="34" charset="0"/>
                         </a:rPr>
@@ -29628,15 +29667,15 @@
                       <a:r>
                         <a:rPr lang="en-US" sz="1050" kern="100" dirty="0" smtClean="0">
                           <a:effectLst/>
-                          <a:latin typeface="Segoe UI" panose="020B0502040204020203" pitchFamily="34" charset="0"/>
+                          <a:latin typeface="+mj-lt"/>
                           <a:ea typeface="Segoe UI" panose="020B0502040204020203" pitchFamily="34" charset="0"/>
                           <a:cs typeface="Segoe UI" panose="020B0502040204020203" pitchFamily="34" charset="0"/>
                         </a:rPr>
-                        <a:t> (*) </a:t>
+                        <a:t>(*1)</a:t>
                       </a:r>
                       <a:endParaRPr lang="ja-JP" sz="1050" kern="100" dirty="0">
                         <a:effectLst/>
-                        <a:latin typeface="Segoe UI" panose="020B0502040204020203" pitchFamily="34" charset="0"/>
+                        <a:latin typeface="+mj-lt"/>
                         <a:ea typeface="ＭＳ 明朝" panose="02020609040205080304" pitchFamily="17" charset="-128"/>
                         <a:cs typeface="Segoe UI" panose="020B0502040204020203" pitchFamily="34" charset="0"/>
                       </a:endParaRPr>
@@ -29668,14 +29707,17 @@
                       <a:r>
                         <a:rPr lang="en-US" sz="1000" kern="0" dirty="0">
                           <a:effectLst/>
+                          <a:latin typeface="+mj-lt"/>
+                          <a:ea typeface="Segoe UI" panose="020B0502040204020203" pitchFamily="34" charset="0"/>
+                          <a:cs typeface="Segoe UI" panose="020B0502040204020203" pitchFamily="34" charset="0"/>
                         </a:rPr>
                         <a:t>ita_base</a:t>
                       </a:r>
                       <a:endParaRPr lang="ja-JP" sz="1000" kern="100" dirty="0">
                         <a:effectLst/>
-                        <a:latin typeface="Century" panose="02040604050505020304" pitchFamily="18" charset="0"/>
+                        <a:latin typeface="+mj-lt"/>
                         <a:ea typeface="ＭＳ 明朝" panose="02020609040205080304" pitchFamily="17" charset="-128"/>
-                        <a:cs typeface="Times New Roman" panose="02020603050405020304" pitchFamily="18" charset="0"/>
+                        <a:cs typeface="Segoe UI" panose="020B0502040204020203" pitchFamily="34" charset="0"/>
                       </a:endParaRPr>
                     </a:p>
                   </a:txBody>
@@ -29698,20 +29740,17 @@
                       <a:r>
                         <a:rPr lang="en-US" sz="1050" kern="100" dirty="0" smtClean="0">
                           <a:effectLst/>
-                        </a:rPr>
-                        <a:t>ITA</a:t>
-                      </a:r>
-                      <a:r>
-                        <a:rPr lang="en-US" sz="1050" kern="100" baseline="0" dirty="0" smtClean="0">
-                          <a:effectLst/>
-                        </a:rPr>
-                        <a:t> common</a:t>
+                          <a:latin typeface="+mj-lt"/>
+                          <a:ea typeface="Segoe UI" panose="020B0502040204020203" pitchFamily="34" charset="0"/>
+                          <a:cs typeface="Segoe UI" panose="020B0502040204020203" pitchFamily="34" charset="0"/>
+                        </a:rPr>
+                        <a:t>IT Automation common</a:t>
                       </a:r>
                       <a:endParaRPr lang="ja-JP" sz="1050" kern="100" dirty="0">
                         <a:effectLst/>
-                        <a:latin typeface="Century" panose="02040604050505020304" pitchFamily="18" charset="0"/>
+                        <a:latin typeface="+mj-lt"/>
                         <a:ea typeface="ＭＳ 明朝" panose="02020609040205080304" pitchFamily="17" charset="-128"/>
-                        <a:cs typeface="Times New Roman" panose="02020603050405020304" pitchFamily="18" charset="0"/>
+                        <a:cs typeface="Segoe UI" panose="020B0502040204020203" pitchFamily="34" charset="0"/>
                       </a:endParaRPr>
                     </a:p>
                   </a:txBody>
@@ -29734,7 +29773,7 @@
                       <a:r>
                         <a:rPr lang="en-US" sz="1050" kern="100" dirty="0" smtClean="0">
                           <a:effectLst/>
-                          <a:latin typeface="Segoe UI" panose="020B0502040204020203" pitchFamily="34" charset="0"/>
+                          <a:latin typeface="+mj-lt"/>
                           <a:ea typeface="Segoe UI" panose="020B0502040204020203" pitchFamily="34" charset="0"/>
                           <a:cs typeface="Segoe UI" panose="020B0502040204020203" pitchFamily="34" charset="0"/>
                         </a:rPr>
@@ -29743,7 +29782,7 @@
                       <a:r>
                         <a:rPr lang="en-US" altLang="ja-JP" sz="1050" kern="100" dirty="0" smtClean="0">
                           <a:effectLst/>
-                          <a:latin typeface="Segoe UI" panose="020B0502040204020203" pitchFamily="34" charset="0"/>
+                          <a:latin typeface="+mj-lt"/>
                           <a:ea typeface="Segoe UI" panose="020B0502040204020203" pitchFamily="34" charset="0"/>
                           <a:cs typeface="Segoe UI" panose="020B0502040204020203" pitchFamily="34" charset="0"/>
                         </a:rPr>
@@ -29752,7 +29791,7 @@
                       <a:r>
                         <a:rPr lang="en-US" sz="1050" kern="100" dirty="0" smtClean="0">
                           <a:effectLst/>
-                          <a:latin typeface="Segoe UI" panose="020B0502040204020203" pitchFamily="34" charset="0"/>
+                          <a:latin typeface="+mj-lt"/>
                           <a:ea typeface="Segoe UI" panose="020B0502040204020203" pitchFamily="34" charset="0"/>
                           <a:cs typeface="Segoe UI" panose="020B0502040204020203" pitchFamily="34" charset="0"/>
                         </a:rPr>
@@ -29761,7 +29800,7 @@
                       <a:r>
                         <a:rPr lang="en-US" altLang="ja-JP" sz="1050" kern="100" dirty="0" smtClean="0">
                           <a:effectLst/>
-                          <a:latin typeface="Segoe UI" panose="020B0502040204020203" pitchFamily="34" charset="0"/>
+                          <a:latin typeface="+mj-lt"/>
                           <a:ea typeface="Segoe UI" panose="020B0502040204020203" pitchFamily="34" charset="0"/>
                           <a:cs typeface="Segoe UI" panose="020B0502040204020203" pitchFamily="34" charset="0"/>
                         </a:rPr>
@@ -29770,7 +29809,7 @@
                       <a:r>
                         <a:rPr lang="en-US" sz="1050" kern="100" dirty="0" smtClean="0">
                           <a:effectLst/>
-                          <a:latin typeface="Segoe UI" panose="020B0502040204020203" pitchFamily="34" charset="0"/>
+                          <a:latin typeface="+mj-lt"/>
                           <a:ea typeface="Segoe UI" panose="020B0502040204020203" pitchFamily="34" charset="0"/>
                           <a:cs typeface="Segoe UI" panose="020B0502040204020203" pitchFamily="34" charset="0"/>
                         </a:rPr>
@@ -29779,7 +29818,7 @@
                       <a:r>
                         <a:rPr lang="en-US" altLang="ja-JP" sz="1050" kern="100" dirty="0" smtClean="0">
                           <a:effectLst/>
-                          <a:latin typeface="Segoe UI" panose="020B0502040204020203" pitchFamily="34" charset="0"/>
+                          <a:latin typeface="+mj-lt"/>
                           <a:ea typeface="Segoe UI" panose="020B0502040204020203" pitchFamily="34" charset="0"/>
                           <a:cs typeface="Segoe UI" panose="020B0502040204020203" pitchFamily="34" charset="0"/>
                         </a:rPr>
@@ -29788,16 +29827,41 @@
                       <a:r>
                         <a:rPr lang="en-US" sz="1050" kern="100" dirty="0" smtClean="0">
                           <a:effectLst/>
-                          <a:latin typeface="Segoe UI" panose="020B0502040204020203" pitchFamily="34" charset="0"/>
+                          <a:latin typeface="+mj-lt"/>
                           <a:ea typeface="Segoe UI" panose="020B0502040204020203" pitchFamily="34" charset="0"/>
                           <a:cs typeface="Segoe UI" panose="020B0502040204020203" pitchFamily="34" charset="0"/>
                         </a:rPr>
-                        <a:t>unzip,</a:t>
+                        <a:t>unzip</a:t>
+                      </a:r>
+                      <a:r>
+                        <a:rPr lang="en-US" altLang="ja-JP" sz="1050" kern="100" dirty="0" smtClean="0">
+                          <a:effectLst/>
+                          <a:latin typeface="+mj-lt"/>
+                          <a:ea typeface="Segoe UI" panose="020B0502040204020203" pitchFamily="34" charset="0"/>
+                          <a:cs typeface="Segoe UI" panose="020B0502040204020203" pitchFamily="34" charset="0"/>
+                        </a:rPr>
+                        <a:t>, </a:t>
+                      </a:r>
+                      <a:r>
+                        <a:rPr lang="en-US" altLang="ja-JP" sz="1050" kern="100" baseline="0" dirty="0" err="1" smtClean="0">
+                          <a:effectLst/>
+                          <a:latin typeface="+mj-lt"/>
+                          <a:cs typeface="Segoe UI" panose="020B0502040204020203" pitchFamily="34" charset="0"/>
+                        </a:rPr>
+                        <a:t>sudo</a:t>
+                      </a:r>
+                      <a:r>
+                        <a:rPr lang="en-US" altLang="ja-JP" sz="1050" kern="100" baseline="0" dirty="0" smtClean="0">
+                          <a:effectLst/>
+                          <a:latin typeface="+mj-lt"/>
+                          <a:cs typeface="Segoe UI" panose="020B0502040204020203" pitchFamily="34" charset="0"/>
+                        </a:rPr>
+                        <a:t>,</a:t>
                       </a:r>
                       <a:r>
                         <a:rPr lang="ja-JP" altLang="en-US" sz="1050" kern="100" baseline="0" dirty="0" smtClean="0">
                           <a:effectLst/>
-                          <a:latin typeface="Segoe UI" panose="020B0502040204020203" pitchFamily="34" charset="0"/>
+                          <a:latin typeface="+mj-lt"/>
                           <a:cs typeface="Segoe UI" panose="020B0502040204020203" pitchFamily="34" charset="0"/>
                         </a:rPr>
                         <a:t> </a:t>
@@ -29805,30 +29869,14 @@
                       <a:r>
                         <a:rPr lang="en-US" altLang="ja-JP" sz="1050" kern="100" baseline="0" dirty="0" err="1" smtClean="0">
                           <a:effectLst/>
-                          <a:latin typeface="Segoe UI" panose="020B0502040204020203" pitchFamily="34" charset="0"/>
-                          <a:cs typeface="Segoe UI" panose="020B0502040204020203" pitchFamily="34" charset="0"/>
-                        </a:rPr>
-                        <a:t>sudo</a:t>
-                      </a:r>
-                      <a:r>
-                        <a:rPr lang="en-US" altLang="ja-JP" sz="1050" kern="100" baseline="0" dirty="0" smtClean="0">
-                          <a:effectLst/>
-                          <a:latin typeface="Segoe UI" panose="020B0502040204020203" pitchFamily="34" charset="0"/>
-                          <a:cs typeface="Segoe UI" panose="020B0502040204020203" pitchFamily="34" charset="0"/>
-                        </a:rPr>
-                        <a:t>, </a:t>
-                      </a:r>
-                      <a:r>
-                        <a:rPr lang="en-US" altLang="ja-JP" sz="1050" kern="100" baseline="0" dirty="0" err="1" smtClean="0">
-                          <a:effectLst/>
-                          <a:latin typeface="Segoe UI" panose="020B0502040204020203" pitchFamily="34" charset="0"/>
+                          <a:latin typeface="+mj-lt"/>
                           <a:cs typeface="Segoe UI" panose="020B0502040204020203" pitchFamily="34" charset="0"/>
                         </a:rPr>
                         <a:t>crontabs</a:t>
                       </a:r>
                       <a:endParaRPr lang="ja-JP" sz="1050" kern="100" dirty="0">
                         <a:effectLst/>
-                        <a:latin typeface="Segoe UI" panose="020B0502040204020203" pitchFamily="34" charset="0"/>
+                        <a:latin typeface="+mj-lt"/>
                         <a:ea typeface="ＭＳ 明朝" panose="02020609040205080304" pitchFamily="17" charset="-128"/>
                         <a:cs typeface="Segoe UI" panose="020B0502040204020203" pitchFamily="34" charset="0"/>
                       </a:endParaRPr>
@@ -29860,14 +29908,17 @@
                       <a:r>
                         <a:rPr lang="en-US" sz="1000" kern="0" dirty="0">
                           <a:effectLst/>
+                          <a:latin typeface="+mj-lt"/>
+                          <a:ea typeface="Segoe UI" panose="020B0502040204020203" pitchFamily="34" charset="0"/>
+                          <a:cs typeface="Segoe UI" panose="020B0502040204020203" pitchFamily="34" charset="0"/>
                         </a:rPr>
                         <a:t>ita_base</a:t>
                       </a:r>
                       <a:endParaRPr lang="ja-JP" sz="1000" kern="100" dirty="0">
                         <a:effectLst/>
-                        <a:latin typeface="Century" panose="02040604050505020304" pitchFamily="18" charset="0"/>
+                        <a:latin typeface="+mj-lt"/>
                         <a:ea typeface="ＭＳ 明朝" panose="02020609040205080304" pitchFamily="17" charset="-128"/>
-                        <a:cs typeface="Times New Roman" panose="02020603050405020304" pitchFamily="18" charset="0"/>
+                        <a:cs typeface="Segoe UI" panose="020B0502040204020203" pitchFamily="34" charset="0"/>
                       </a:endParaRPr>
                     </a:p>
                   </a:txBody>
@@ -29889,21 +29940,18 @@
                       </a:pPr>
                       <a:r>
                         <a:rPr lang="en-US" sz="1050" kern="100" dirty="0" smtClean="0">
-                          <a:solidFill>
-                            <a:schemeClr val="tx1"/>
-                          </a:solidFill>
-                          <a:effectLst/>
+                          <a:effectLst/>
+                          <a:latin typeface="+mj-lt"/>
+                          <a:ea typeface="Segoe UI" panose="020B0502040204020203" pitchFamily="34" charset="0"/>
+                          <a:cs typeface="Segoe UI" panose="020B0502040204020203" pitchFamily="34" charset="0"/>
                         </a:rPr>
                         <a:t>MariaDB</a:t>
                       </a:r>
                       <a:endParaRPr lang="ja-JP" sz="1050" kern="100" dirty="0">
-                        <a:solidFill>
-                          <a:schemeClr val="tx1"/>
-                        </a:solidFill>
                         <a:effectLst/>
-                        <a:latin typeface="Century" panose="02040604050505020304" pitchFamily="18" charset="0"/>
+                        <a:latin typeface="+mj-lt"/>
                         <a:ea typeface="ＭＳ 明朝" panose="02020609040205080304" pitchFamily="17" charset="-128"/>
-                        <a:cs typeface="Times New Roman" panose="02020603050405020304" pitchFamily="18" charset="0"/>
+                        <a:cs typeface="Segoe UI" panose="020B0502040204020203" pitchFamily="34" charset="0"/>
                       </a:endParaRPr>
                     </a:p>
                   </a:txBody>
@@ -29926,7 +29974,7 @@
                       <a:r>
                         <a:rPr lang="en-US" sz="1050" kern="100" dirty="0" smtClean="0">
                           <a:effectLst/>
-                          <a:latin typeface="Segoe UI" panose="020B0502040204020203" pitchFamily="34" charset="0"/>
+                          <a:latin typeface="+mj-lt"/>
                           <a:ea typeface="Segoe UI" panose="020B0502040204020203" pitchFamily="34" charset="0"/>
                           <a:cs typeface="Segoe UI" panose="020B0502040204020203" pitchFamily="34" charset="0"/>
                         </a:rPr>
@@ -29960,14 +30008,17 @@
                       <a:r>
                         <a:rPr lang="en-US" sz="1000" kern="0" dirty="0">
                           <a:effectLst/>
+                          <a:latin typeface="+mj-lt"/>
+                          <a:ea typeface="Segoe UI" panose="020B0502040204020203" pitchFamily="34" charset="0"/>
+                          <a:cs typeface="Segoe UI" panose="020B0502040204020203" pitchFamily="34" charset="0"/>
                         </a:rPr>
                         <a:t>ita_base</a:t>
                       </a:r>
                       <a:endParaRPr lang="ja-JP" sz="1000" kern="100" dirty="0">
                         <a:effectLst/>
-                        <a:latin typeface="Century" panose="02040604050505020304" pitchFamily="18" charset="0"/>
+                        <a:latin typeface="+mj-lt"/>
                         <a:ea typeface="ＭＳ 明朝" panose="02020609040205080304" pitchFamily="17" charset="-128"/>
-                        <a:cs typeface="Times New Roman" panose="02020603050405020304" pitchFamily="18" charset="0"/>
+                        <a:cs typeface="Segoe UI" panose="020B0502040204020203" pitchFamily="34" charset="0"/>
                       </a:endParaRPr>
                     </a:p>
                   </a:txBody>
@@ -29988,16 +30039,19 @@
                         </a:spcAft>
                       </a:pPr>
                       <a:r>
-                        <a:rPr lang="en-US" sz="1050" kern="100" dirty="0" err="1" smtClean="0">
-                          <a:effectLst/>
-                        </a:rPr>
-                        <a:t>Httpd</a:t>
+                        <a:rPr lang="en-US" sz="1050" kern="100" dirty="0">
+                          <a:effectLst/>
+                          <a:latin typeface="+mj-lt"/>
+                          <a:ea typeface="Segoe UI" panose="020B0502040204020203" pitchFamily="34" charset="0"/>
+                          <a:cs typeface="Segoe UI" panose="020B0502040204020203" pitchFamily="34" charset="0"/>
+                        </a:rPr>
+                        <a:t>httpd</a:t>
                       </a:r>
                       <a:endParaRPr lang="ja-JP" sz="1050" kern="100" dirty="0">
                         <a:effectLst/>
-                        <a:latin typeface="Century" panose="02040604050505020304" pitchFamily="18" charset="0"/>
+                        <a:latin typeface="+mj-lt"/>
                         <a:ea typeface="ＭＳ 明朝" panose="02020609040205080304" pitchFamily="17" charset="-128"/>
-                        <a:cs typeface="Times New Roman" panose="02020603050405020304" pitchFamily="18" charset="0"/>
+                        <a:cs typeface="Segoe UI" panose="020B0502040204020203" pitchFamily="34" charset="0"/>
                       </a:endParaRPr>
                     </a:p>
                   </a:txBody>
@@ -30020,7 +30074,7 @@
                       <a:r>
                         <a:rPr lang="en-US" sz="1050" kern="100" dirty="0" smtClean="0">
                           <a:effectLst/>
-                          <a:latin typeface="Segoe UI" panose="020B0502040204020203" pitchFamily="34" charset="0"/>
+                          <a:latin typeface="+mj-lt"/>
                           <a:ea typeface="Segoe UI" panose="020B0502040204020203" pitchFamily="34" charset="0"/>
                           <a:cs typeface="Segoe UI" panose="020B0502040204020203" pitchFamily="34" charset="0"/>
                         </a:rPr>
@@ -30029,7 +30083,7 @@
                       <a:r>
                         <a:rPr lang="en-US" altLang="ja-JP" sz="1050" kern="100" dirty="0" smtClean="0">
                           <a:effectLst/>
-                          <a:latin typeface="Segoe UI" panose="020B0502040204020203" pitchFamily="34" charset="0"/>
+                          <a:latin typeface="+mj-lt"/>
                           <a:ea typeface="Segoe UI" panose="020B0502040204020203" pitchFamily="34" charset="0"/>
                           <a:cs typeface="Segoe UI" panose="020B0502040204020203" pitchFamily="34" charset="0"/>
                         </a:rPr>
@@ -30038,7 +30092,7 @@
                       <a:r>
                         <a:rPr lang="en-US" sz="1050" kern="100" dirty="0" smtClean="0">
                           <a:effectLst/>
-                          <a:latin typeface="Segoe UI" panose="020B0502040204020203" pitchFamily="34" charset="0"/>
+                          <a:latin typeface="+mj-lt"/>
                           <a:ea typeface="Segoe UI" panose="020B0502040204020203" pitchFamily="34" charset="0"/>
                           <a:cs typeface="Segoe UI" panose="020B0502040204020203" pitchFamily="34" charset="0"/>
                         </a:rPr>
@@ -30046,7 +30100,7 @@
                       </a:r>
                       <a:endParaRPr lang="ja-JP" sz="1050" kern="100" dirty="0">
                         <a:effectLst/>
-                        <a:latin typeface="Segoe UI" panose="020B0502040204020203" pitchFamily="34" charset="0"/>
+                        <a:latin typeface="+mj-lt"/>
                         <a:ea typeface="ＭＳ 明朝" panose="02020609040205080304" pitchFamily="17" charset="-128"/>
                         <a:cs typeface="Segoe UI" panose="020B0502040204020203" pitchFamily="34" charset="0"/>
                       </a:endParaRPr>
@@ -30078,14 +30132,17 @@
                       <a:r>
                         <a:rPr lang="en-US" sz="1000" kern="0" dirty="0">
                           <a:effectLst/>
+                          <a:latin typeface="+mj-lt"/>
+                          <a:ea typeface="Segoe UI" panose="020B0502040204020203" pitchFamily="34" charset="0"/>
+                          <a:cs typeface="Segoe UI" panose="020B0502040204020203" pitchFamily="34" charset="0"/>
                         </a:rPr>
                         <a:t>ita_base</a:t>
                       </a:r>
                       <a:endParaRPr lang="ja-JP" sz="1000" kern="100" dirty="0">
                         <a:effectLst/>
-                        <a:latin typeface="Century" panose="02040604050505020304" pitchFamily="18" charset="0"/>
+                        <a:latin typeface="+mj-lt"/>
                         <a:ea typeface="ＭＳ 明朝" panose="02020609040205080304" pitchFamily="17" charset="-128"/>
-                        <a:cs typeface="Times New Roman" panose="02020603050405020304" pitchFamily="18" charset="0"/>
+                        <a:cs typeface="Segoe UI" panose="020B0502040204020203" pitchFamily="34" charset="0"/>
                       </a:endParaRPr>
                     </a:p>
                   </a:txBody>
@@ -30100,22 +30157,62 @@
                     <a:bodyPr/>
                     <a:lstStyle/>
                     <a:p>
+                      <a:pPr marL="0" marR="0" lvl="0" indent="0" algn="just" defTabSz="914400" rtl="0" eaLnBrk="1" fontAlgn="auto" latinLnBrk="0" hangingPunct="1">
+                        <a:lnSpc>
+                          <a:spcPct val="100000"/>
+                        </a:lnSpc>
+                        <a:spcBef>
+                          <a:spcPts val="0"/>
+                        </a:spcBef>
+                        <a:spcAft>
+                          <a:spcPts val="0"/>
+                        </a:spcAft>
+                        <a:buClrTx/>
+                        <a:buSzTx/>
+                        <a:buFontTx/>
+                        <a:buNone/>
+                        <a:tabLst/>
+                        <a:defRPr/>
+                      </a:pPr>
+                      <a:r>
+                        <a:rPr lang="en-US" sz="1050" kern="100" dirty="0" err="1" smtClean="0">
+                          <a:effectLst/>
+                          <a:latin typeface="+mj-lt"/>
+                          <a:ea typeface="Segoe UI" panose="020B0502040204020203" pitchFamily="34" charset="0"/>
+                          <a:cs typeface="Segoe UI" panose="020B0502040204020203" pitchFamily="34" charset="0"/>
+                        </a:rPr>
+                        <a:t>php</a:t>
+                      </a:r>
+                      <a:r>
+                        <a:rPr lang="en-US" altLang="ja-JP" sz="1050" kern="100" dirty="0" smtClean="0">
+                          <a:effectLst/>
+                        </a:rPr>
+                        <a:t>(*2)</a:t>
+                      </a:r>
+                      <a:r>
+                        <a:rPr lang="en-US" altLang="ja-JP" sz="1050" kern="100" baseline="0" dirty="0" smtClean="0">
+                          <a:effectLst/>
+                        </a:rPr>
+                        <a:t> </a:t>
+                      </a:r>
+                      <a:endParaRPr lang="ja-JP" altLang="ja-JP" sz="1050" kern="100" dirty="0" smtClean="0">
+                        <a:effectLst/>
+                        <a:latin typeface="Century" panose="02040604050505020304" pitchFamily="18" charset="0"/>
+                        <a:ea typeface="ＭＳ 明朝" panose="02020609040205080304" pitchFamily="17" charset="-128"/>
+                        <a:cs typeface="Times New Roman" panose="02020603050405020304" pitchFamily="18" charset="0"/>
+                      </a:endParaRPr>
+                    </a:p>
+                    <a:p>
                       <a:pPr algn="just">
                         <a:spcAft>
                           <a:spcPts val="0"/>
                         </a:spcAft>
                       </a:pPr>
-                      <a:r>
-                        <a:rPr lang="en-US" sz="1050" kern="100" dirty="0" err="1" smtClean="0">
-                          <a:effectLst/>
-                        </a:rPr>
-                        <a:t>Php</a:t>
-                      </a:r>
                       <a:endParaRPr lang="ja-JP" sz="1050" kern="100" dirty="0">
                         <a:effectLst/>
-                        <a:latin typeface="Century" panose="02040604050505020304" pitchFamily="18" charset="0"/>
+                        <a:latin typeface="+mj-lt"/>
                         <a:ea typeface="ＭＳ 明朝" panose="02020609040205080304" pitchFamily="17" charset="-128"/>
-                        <a:cs typeface="Times New Roman" panose="02020603050405020304" pitchFamily="18" charset="0"/>
+                        <a:cs typeface="Segoe UI" panose="020B0502040204020203" pitchFamily="34" charset="0"/>
                       </a:endParaRPr>
                     </a:p>
                   </a:txBody>
@@ -30148,7 +30245,7 @@
                         <a:defRPr/>
                       </a:pPr>
                       <a:r>
-                        <a:rPr lang="en-US" sz="1050" kern="100" dirty="0" smtClean="0">
+                        <a:rPr lang="en-US" altLang="ja-JP" sz="1050" kern="100" dirty="0" err="1" smtClean="0">
                           <a:effectLst/>
                           <a:latin typeface="Segoe UI" panose="020B0502040204020203" pitchFamily="34" charset="0"/>
                           <a:ea typeface="Segoe UI" panose="020B0502040204020203" pitchFamily="34" charset="0"/>
@@ -30166,7 +30263,7 @@
                         <a:t>, </a:t>
                       </a:r>
                       <a:r>
-                        <a:rPr lang="en-US" sz="1050" kern="100" dirty="0" smtClean="0">
+                        <a:rPr lang="en-US" altLang="ja-JP" sz="1050" kern="100" dirty="0" err="1" smtClean="0">
                           <a:effectLst/>
                           <a:latin typeface="Segoe UI" panose="020B0502040204020203" pitchFamily="34" charset="0"/>
                           <a:ea typeface="Segoe UI" panose="020B0502040204020203" pitchFamily="34" charset="0"/>
@@ -30184,13 +30281,13 @@
                         <a:t>, </a:t>
                       </a:r>
                       <a:r>
-                        <a:rPr lang="en-US" sz="1050" kern="100" dirty="0" smtClean="0">
+                        <a:rPr lang="en-US" altLang="ja-JP" sz="1050" kern="100" dirty="0" err="1" smtClean="0">
                           <a:effectLst/>
                           <a:latin typeface="Segoe UI" panose="020B0502040204020203" pitchFamily="34" charset="0"/>
                           <a:ea typeface="Segoe UI" panose="020B0502040204020203" pitchFamily="34" charset="0"/>
                           <a:cs typeface="Segoe UI" panose="020B0502040204020203" pitchFamily="34" charset="0"/>
                         </a:rPr>
-                        <a:t>php-cli</a:t>
+                        <a:t>php</a:t>
                       </a:r>
                       <a:r>
                         <a:rPr lang="en-US" altLang="ja-JP" sz="1050" kern="100" dirty="0" smtClean="0">
@@ -30199,10 +30296,10 @@
                           <a:ea typeface="Segoe UI" panose="020B0502040204020203" pitchFamily="34" charset="0"/>
                           <a:cs typeface="Segoe UI" panose="020B0502040204020203" pitchFamily="34" charset="0"/>
                         </a:rPr>
-                        <a:t>, </a:t>
-                      </a:r>
-                      <a:r>
-                        <a:rPr lang="en-US" sz="1050" kern="100" dirty="0" smtClean="0">
+                        <a:t>-cli, </a:t>
+                      </a:r>
+                      <a:r>
+                        <a:rPr lang="en-US" altLang="ja-JP" sz="1050" kern="100" dirty="0" err="1" smtClean="0">
                           <a:effectLst/>
                           <a:latin typeface="Segoe UI" panose="020B0502040204020203" pitchFamily="34" charset="0"/>
                           <a:ea typeface="Segoe UI" panose="020B0502040204020203" pitchFamily="34" charset="0"/>
@@ -30220,7 +30317,7 @@
                         <a:t>, </a:t>
                       </a:r>
                       <a:r>
-                        <a:rPr lang="en-US" sz="1050" kern="100" dirty="0" smtClean="0">
+                        <a:rPr lang="en-US" altLang="ja-JP" sz="1050" kern="100" dirty="0" err="1" smtClean="0">
                           <a:effectLst/>
                           <a:latin typeface="Segoe UI" panose="020B0502040204020203" pitchFamily="34" charset="0"/>
                           <a:ea typeface="Segoe UI" panose="020B0502040204020203" pitchFamily="34" charset="0"/>
@@ -30238,7 +30335,7 @@
                         <a:t>, </a:t>
                       </a:r>
                       <a:r>
-                        <a:rPr lang="en-US" sz="1050" kern="100" dirty="0" err="1" smtClean="0">
+                        <a:rPr lang="en-US" altLang="ja-JP" sz="1050" kern="100" dirty="0" err="1" smtClean="0">
                           <a:effectLst/>
                           <a:latin typeface="Segoe UI" panose="020B0502040204020203" pitchFamily="34" charset="0"/>
                           <a:ea typeface="Segoe UI" panose="020B0502040204020203" pitchFamily="34" charset="0"/>
@@ -30256,7 +30353,7 @@
                         <a:t>, </a:t>
                       </a:r>
                       <a:r>
-                        <a:rPr lang="en-US" sz="1050" kern="100" dirty="0" err="1" smtClean="0">
+                        <a:rPr lang="en-US" altLang="ja-JP" sz="1050" kern="100" dirty="0" err="1" smtClean="0">
                           <a:effectLst/>
                           <a:latin typeface="Segoe UI" panose="020B0502040204020203" pitchFamily="34" charset="0"/>
                           <a:ea typeface="Segoe UI" panose="020B0502040204020203" pitchFamily="34" charset="0"/>
@@ -30283,7 +30380,7 @@
                         <a:t> </a:t>
                       </a:r>
                       <a:r>
-                        <a:rPr lang="en-US" sz="1050" kern="100" dirty="0" err="1" smtClean="0">
+                        <a:rPr lang="en-US" altLang="ja-JP" sz="1050" kern="100" dirty="0" err="1" smtClean="0">
                           <a:effectLst/>
                           <a:latin typeface="Segoe UI" panose="020B0502040204020203" pitchFamily="34" charset="0"/>
                           <a:ea typeface="Segoe UI" panose="020B0502040204020203" pitchFamily="34" charset="0"/>
@@ -30292,58 +30389,58 @@
                         <a:t>php</a:t>
                       </a:r>
                       <a:r>
-                        <a:rPr lang="en-US" sz="1050" kern="100" dirty="0" smtClean="0">
+                        <a:rPr lang="en-US" altLang="ja-JP" sz="1050" kern="100" dirty="0" smtClean="0">
                           <a:effectLst/>
                           <a:latin typeface="Segoe UI" panose="020B0502040204020203" pitchFamily="34" charset="0"/>
                           <a:ea typeface="Segoe UI" panose="020B0502040204020203" pitchFamily="34" charset="0"/>
                           <a:cs typeface="Segoe UI" panose="020B0502040204020203" pitchFamily="34" charset="0"/>
                         </a:rPr>
-                        <a:t>-pear</a:t>
-                      </a:r>
-                      <a:r>
-                        <a:rPr lang="en-US" altLang="ja-JP" sz="1050" kern="100" dirty="0" smtClean="0">
+                        <a:t>-pear, </a:t>
+                      </a:r>
+                      <a:r>
+                        <a:rPr lang="en-US" altLang="ja-JP" sz="1050" kern="100" dirty="0" err="1" smtClean="0">
                           <a:effectLst/>
                           <a:latin typeface="Segoe UI" panose="020B0502040204020203" pitchFamily="34" charset="0"/>
                           <a:ea typeface="Segoe UI" panose="020B0502040204020203" pitchFamily="34" charset="0"/>
                           <a:cs typeface="Segoe UI" panose="020B0502040204020203" pitchFamily="34" charset="0"/>
                         </a:rPr>
-                        <a:t>, </a:t>
-                      </a:r>
-                      <a:r>
-                        <a:rPr lang="en-US" sz="1050" kern="100" dirty="0" err="1" smtClean="0">
+                        <a:t>php</a:t>
+                      </a:r>
+                      <a:r>
+                        <a:rPr lang="en-US" altLang="ja-JP" sz="1050" kern="100" dirty="0" smtClean="0">
                           <a:effectLst/>
                           <a:latin typeface="Segoe UI" panose="020B0502040204020203" pitchFamily="34" charset="0"/>
                           <a:ea typeface="Segoe UI" panose="020B0502040204020203" pitchFamily="34" charset="0"/>
                           <a:cs typeface="Segoe UI" panose="020B0502040204020203" pitchFamily="34" charset="0"/>
                         </a:rPr>
-                        <a:t>php</a:t>
-                      </a:r>
-                      <a:r>
-                        <a:rPr lang="en-US" sz="1050" kern="100" dirty="0" smtClean="0">
+                        <a:t>-</a:t>
+                      </a:r>
+                      <a:r>
+                        <a:rPr lang="en-US" altLang="ja-JP" sz="1050" kern="100" dirty="0" err="1" smtClean="0">
                           <a:effectLst/>
                           <a:latin typeface="Segoe UI" panose="020B0502040204020203" pitchFamily="34" charset="0"/>
                           <a:ea typeface="Segoe UI" panose="020B0502040204020203" pitchFamily="34" charset="0"/>
                           <a:cs typeface="Segoe UI" panose="020B0502040204020203" pitchFamily="34" charset="0"/>
                         </a:rPr>
-                        <a:t>-</a:t>
-                      </a:r>
-                      <a:r>
-                        <a:rPr lang="en-US" sz="1050" kern="100" dirty="0" err="1" smtClean="0">
+                        <a:t>pecl</a:t>
+                      </a:r>
+                      <a:r>
+                        <a:rPr lang="en-US" altLang="ja-JP" sz="1050" kern="100" dirty="0" smtClean="0">
                           <a:effectLst/>
                           <a:latin typeface="Segoe UI" panose="020B0502040204020203" pitchFamily="34" charset="0"/>
                           <a:ea typeface="Segoe UI" panose="020B0502040204020203" pitchFamily="34" charset="0"/>
                           <a:cs typeface="Segoe UI" panose="020B0502040204020203" pitchFamily="34" charset="0"/>
                         </a:rPr>
-                        <a:t>pecl</a:t>
-                      </a:r>
-                      <a:r>
-                        <a:rPr lang="en-US" sz="1050" kern="100" dirty="0" smtClean="0">
+                        <a:t>-zip, </a:t>
+                      </a:r>
+                      <a:r>
+                        <a:rPr lang="en-US" altLang="ja-JP" sz="1050" kern="100" dirty="0" err="1" smtClean="0">
                           <a:effectLst/>
                           <a:latin typeface="Segoe UI" panose="020B0502040204020203" pitchFamily="34" charset="0"/>
                           <a:ea typeface="Segoe UI" panose="020B0502040204020203" pitchFamily="34" charset="0"/>
                           <a:cs typeface="Segoe UI" panose="020B0502040204020203" pitchFamily="34" charset="0"/>
                         </a:rPr>
-                        <a:t>-zip</a:t>
+                        <a:t>php</a:t>
                       </a:r>
                       <a:r>
                         <a:rPr lang="en-US" altLang="ja-JP" sz="1050" kern="100" dirty="0" smtClean="0">
@@ -30352,16 +30449,16 @@
                           <a:ea typeface="Segoe UI" panose="020B0502040204020203" pitchFamily="34" charset="0"/>
                           <a:cs typeface="Segoe UI" panose="020B0502040204020203" pitchFamily="34" charset="0"/>
                         </a:rPr>
-                        <a:t>, </a:t>
-                      </a:r>
-                      <a:r>
-                        <a:rPr lang="en-US" sz="1050" kern="100" dirty="0" smtClean="0">
+                        <a:t>-process, </a:t>
+                      </a:r>
+                      <a:r>
+                        <a:rPr lang="en-US" altLang="ja-JP" sz="1050" kern="100" dirty="0" err="1" smtClean="0">
                           <a:effectLst/>
                           <a:latin typeface="Segoe UI" panose="020B0502040204020203" pitchFamily="34" charset="0"/>
                           <a:ea typeface="Segoe UI" panose="020B0502040204020203" pitchFamily="34" charset="0"/>
                           <a:cs typeface="Segoe UI" panose="020B0502040204020203" pitchFamily="34" charset="0"/>
                         </a:rPr>
-                        <a:t>php-process</a:t>
+                        <a:t>php-snmp</a:t>
                       </a:r>
                       <a:r>
                         <a:rPr lang="en-US" altLang="ja-JP" sz="1050" kern="100" dirty="0" smtClean="0">
@@ -30373,13 +30470,13 @@
                         <a:t>, </a:t>
                       </a:r>
                       <a:r>
-                        <a:rPr lang="en-US" sz="1050" kern="100" dirty="0" smtClean="0">
+                        <a:rPr lang="en-US" altLang="ja-JP" sz="1050" kern="100" dirty="0" err="1" smtClean="0">
                           <a:effectLst/>
                           <a:latin typeface="Segoe UI" panose="020B0502040204020203" pitchFamily="34" charset="0"/>
                           <a:ea typeface="Segoe UI" panose="020B0502040204020203" pitchFamily="34" charset="0"/>
                           <a:cs typeface="Segoe UI" panose="020B0502040204020203" pitchFamily="34" charset="0"/>
                         </a:rPr>
-                        <a:t>php-snmp</a:t>
+                        <a:t>php</a:t>
                       </a:r>
                       <a:r>
                         <a:rPr lang="en-US" altLang="ja-JP" sz="1050" kern="100" dirty="0" smtClean="0">
@@ -30388,28 +30485,10 @@
                           <a:ea typeface="Segoe UI" panose="020B0502040204020203" pitchFamily="34" charset="0"/>
                           <a:cs typeface="Segoe UI" panose="020B0502040204020203" pitchFamily="34" charset="0"/>
                         </a:rPr>
-                        <a:t>, </a:t>
-                      </a:r>
-                      <a:r>
-                        <a:rPr lang="en-US" sz="1050" kern="100" dirty="0" err="1" smtClean="0">
-                          <a:effectLst/>
-                          <a:latin typeface="Segoe UI" panose="020B0502040204020203" pitchFamily="34" charset="0"/>
-                          <a:ea typeface="Segoe UI" panose="020B0502040204020203" pitchFamily="34" charset="0"/>
-                          <a:cs typeface="Segoe UI" panose="020B0502040204020203" pitchFamily="34" charset="0"/>
-                        </a:rPr>
-                        <a:t>php</a:t>
-                      </a:r>
-                      <a:r>
-                        <a:rPr lang="en-US" sz="1050" kern="100" dirty="0" smtClean="0">
-                          <a:effectLst/>
-                          <a:latin typeface="Segoe UI" panose="020B0502040204020203" pitchFamily="34" charset="0"/>
-                          <a:ea typeface="Segoe UI" panose="020B0502040204020203" pitchFamily="34" charset="0"/>
-                          <a:cs typeface="Segoe UI" panose="020B0502040204020203" pitchFamily="34" charset="0"/>
-                        </a:rPr>
                         <a:t>-xml</a:t>
                       </a:r>
                       <a:r>
-                        <a:rPr lang="en-US" sz="1050" kern="100" dirty="0" smtClean="0">
+                        <a:rPr lang="en-US" altLang="ja-JP" sz="1050" kern="100" dirty="0" smtClean="0">
                           <a:effectLst/>
                           <a:latin typeface="Segoe UI" panose="020B0502040204020203" pitchFamily="34" charset="0"/>
                           <a:ea typeface="+mn-ea"/>
@@ -30418,7 +30497,7 @@
                         <a:t>,</a:t>
                       </a:r>
                       <a:r>
-                        <a:rPr lang="en-US" sz="1050" kern="100" baseline="0" dirty="0" smtClean="0">
+                        <a:rPr lang="en-US" altLang="ja-JP" sz="1050" kern="100" baseline="0" dirty="0" smtClean="0">
                           <a:effectLst/>
                           <a:latin typeface="Segoe UI" panose="020B0502040204020203" pitchFamily="34" charset="0"/>
                           <a:ea typeface="+mn-ea"/>
@@ -30564,14 +30643,193 @@
                       <a:r>
                         <a:rPr lang="en-US" sz="1000" kern="0" dirty="0">
                           <a:effectLst/>
+                          <a:latin typeface="+mj-lt"/>
+                          <a:ea typeface="Segoe UI" panose="020B0502040204020203" pitchFamily="34" charset="0"/>
+                          <a:cs typeface="Segoe UI" panose="020B0502040204020203" pitchFamily="34" charset="0"/>
                         </a:rPr>
                         <a:t>ita_base</a:t>
                       </a:r>
                       <a:endParaRPr lang="ja-JP" sz="1000" kern="100" dirty="0">
                         <a:effectLst/>
-                        <a:latin typeface="Century" panose="02040604050505020304" pitchFamily="18" charset="0"/>
+                        <a:latin typeface="+mj-lt"/>
                         <a:ea typeface="ＭＳ 明朝" panose="02020609040205080304" pitchFamily="17" charset="-128"/>
-                        <a:cs typeface="Times New Roman" panose="02020603050405020304" pitchFamily="18" charset="0"/>
+                        <a:cs typeface="Segoe UI" panose="020B0502040204020203" pitchFamily="34" charset="0"/>
+                      </a:endParaRPr>
+                    </a:p>
+                  </a:txBody>
+                  <a:tcPr marL="68580" marR="68580" marT="0" marB="0" anchor="ctr">
+                    <a:solidFill>
+                      <a:srgbClr val="002B62"/>
+                    </a:solidFill>
+                  </a:tcPr>
+                </a:tc>
+                <a:tc>
+                  <a:txBody>
+                    <a:bodyPr/>
+                    <a:lstStyle/>
+                    <a:p>
+                      <a:pPr algn="l">
+                        <a:spcAft>
+                          <a:spcPts val="0"/>
+                        </a:spcAft>
+                      </a:pPr>
+                      <a:r>
+                        <a:rPr lang="en-US" sz="1050" kern="100" dirty="0" smtClean="0">
+                          <a:effectLst/>
+                          <a:latin typeface="+mj-lt"/>
+                          <a:ea typeface="Segoe UI" panose="020B0502040204020203" pitchFamily="34" charset="0"/>
+                          <a:cs typeface="Segoe UI" panose="020B0502040204020203" pitchFamily="34" charset="0"/>
+                        </a:rPr>
+                        <a:t>php </a:t>
+                      </a:r>
+                      <a:r>
+                        <a:rPr lang="en-US" altLang="ja-JP" sz="1050" dirty="0" smtClean="0">
+                          <a:latin typeface="+mj-lt"/>
+                          <a:ea typeface="Segoe UI" panose="020B0502040204020203" pitchFamily="34" charset="0"/>
+                          <a:cs typeface="Segoe UI" panose="020B0502040204020203" pitchFamily="34" charset="0"/>
+                        </a:rPr>
+                        <a:t>plug-in</a:t>
+                      </a:r>
+                      <a:endParaRPr lang="ja-JP" sz="1050" kern="100" dirty="0">
+                        <a:effectLst/>
+                        <a:latin typeface="+mj-lt"/>
+                        <a:ea typeface="ＭＳ 明朝" panose="02020609040205080304" pitchFamily="17" charset="-128"/>
+                        <a:cs typeface="Segoe UI" panose="020B0502040204020203" pitchFamily="34" charset="0"/>
+                      </a:endParaRPr>
+                    </a:p>
+                  </a:txBody>
+                  <a:tcPr marL="68580" marR="68580" marT="0" marB="0" anchor="ctr">
+                    <a:solidFill>
+                      <a:srgbClr val="E7E8EA"/>
+                    </a:solidFill>
+                  </a:tcPr>
+                </a:tc>
+                <a:tc>
+                  <a:txBody>
+                    <a:bodyPr/>
+                    <a:lstStyle/>
+                    <a:p>
+                      <a:pPr marL="0" marR="0" lvl="0" indent="0" algn="l" defTabSz="914400" rtl="0" eaLnBrk="1" fontAlgn="auto" latinLnBrk="1" hangingPunct="1">
+                        <a:lnSpc>
+                          <a:spcPct val="100000"/>
+                        </a:lnSpc>
+                        <a:spcBef>
+                          <a:spcPts val="0"/>
+                        </a:spcBef>
+                        <a:spcAft>
+                          <a:spcPts val="0"/>
+                        </a:spcAft>
+                        <a:buClrTx/>
+                        <a:buSzTx/>
+                        <a:buFontTx/>
+                        <a:buNone/>
+                        <a:tabLst>
+                          <a:tab pos="1219835" algn="ctr"/>
+                        </a:tabLst>
+                        <a:defRPr/>
+                      </a:pPr>
+                      <a:r>
+                        <a:rPr lang="en-US" altLang="ja-JP" sz="1050" kern="100" dirty="0" err="1" smtClean="0">
+                          <a:effectLst/>
+                          <a:latin typeface="+mj-lt"/>
+                          <a:ea typeface="Segoe UI" panose="020B0502040204020203" pitchFamily="34" charset="0"/>
+                          <a:cs typeface="Segoe UI" panose="020B0502040204020203" pitchFamily="34" charset="0"/>
+                        </a:rPr>
+                        <a:t>p</a:t>
+                      </a:r>
+                      <a:r>
+                        <a:rPr lang="en-US" sz="1050" kern="100" dirty="0" err="1" smtClean="0">
+                          <a:effectLst/>
+                          <a:latin typeface="+mj-lt"/>
+                          <a:ea typeface="Segoe UI" panose="020B0502040204020203" pitchFamily="34" charset="0"/>
+                          <a:cs typeface="Segoe UI" panose="020B0502040204020203" pitchFamily="34" charset="0"/>
+                        </a:rPr>
+                        <a:t>hp-yaml</a:t>
+                      </a:r>
+                      <a:r>
+                        <a:rPr lang="en-US" sz="1050" kern="100" dirty="0" smtClean="0">
+                          <a:effectLst/>
+                          <a:latin typeface="+mj-lt"/>
+                          <a:ea typeface="Segoe UI" panose="020B0502040204020203" pitchFamily="34" charset="0"/>
+                          <a:cs typeface="Segoe UI" panose="020B0502040204020203" pitchFamily="34" charset="0"/>
+                        </a:rPr>
+                        <a:t>, HTML_AJAX-beta, </a:t>
+                      </a:r>
+                      <a:br>
+                        <a:rPr lang="en-US" sz="1050" kern="100" dirty="0" smtClean="0">
+                          <a:effectLst/>
+                          <a:latin typeface="+mj-lt"/>
+                          <a:ea typeface="Segoe UI" panose="020B0502040204020203" pitchFamily="34" charset="0"/>
+                          <a:cs typeface="Segoe UI" panose="020B0502040204020203" pitchFamily="34" charset="0"/>
+                        </a:rPr>
+                      </a:br>
+                      <a:r>
+                        <a:rPr lang="en-US" altLang="ja-JP" sz="1050" kern="100" dirty="0" err="1" smtClean="0">
+                          <a:effectLst/>
+                          <a:latin typeface="+mj-lt"/>
+                        </a:rPr>
+                        <a:t>PhpSpreadsheet</a:t>
+                      </a:r>
+                      <a:r>
+                        <a:rPr lang="en-US" altLang="ja-JP" sz="1050" kern="100" dirty="0" smtClean="0">
+                          <a:effectLst/>
+                          <a:latin typeface="+mj-lt"/>
+                        </a:rPr>
+                        <a:t>(</a:t>
+                      </a:r>
+                      <a:r>
+                        <a:rPr lang="en-US" altLang="ja-JP" sz="1050" kern="100" dirty="0" smtClean="0">
+                          <a:effectLst/>
+                          <a:latin typeface="Segoe UI" panose="020B0502040204020203" pitchFamily="34" charset="0"/>
+                          <a:cs typeface="Segoe UI" panose="020B0502040204020203" pitchFamily="34" charset="0"/>
+                        </a:rPr>
+                        <a:t>v1.18.0)</a:t>
+                      </a:r>
+                      <a:endParaRPr lang="ja-JP" altLang="ja-JP" sz="1050" kern="100" dirty="0" smtClean="0">
+                        <a:effectLst/>
+                        <a:latin typeface="Segoe UI" panose="020B0502040204020203" pitchFamily="34" charset="0"/>
+                        <a:ea typeface="ＭＳ 明朝" panose="02020609040205080304" pitchFamily="17" charset="-128"/>
+                        <a:cs typeface="Segoe UI" panose="020B0502040204020203" pitchFamily="34" charset="0"/>
+                      </a:endParaRPr>
+                    </a:p>
+                  </a:txBody>
+                  <a:tcPr marL="68580" marR="68580" marT="0" marB="0" anchor="ctr">
+                    <a:solidFill>
+                      <a:srgbClr val="E7E8EA"/>
+                    </a:solidFill>
+                  </a:tcPr>
+                </a:tc>
+                <a:extLst>
+                  <a:ext uri="{0D108BD9-81ED-4DB2-BD59-A6C34878D82A}">
+                    <a16:rowId xmlns:a16="http://schemas.microsoft.com/office/drawing/2014/main" val="10006"/>
+                  </a:ext>
+                </a:extLst>
+              </a:tr>
+              <a:tr h="515147">
+                <a:tc rowSpan="2">
+                  <a:txBody>
+                    <a:bodyPr/>
+                    <a:lstStyle/>
+                    <a:p>
+                      <a:pPr algn="just">
+                        <a:spcAft>
+                          <a:spcPts val="0"/>
+                        </a:spcAft>
+                      </a:pPr>
+                      <a:r>
+                        <a:rPr lang="en-US" sz="1000" kern="100" dirty="0">
+                          <a:effectLst/>
+                          <a:latin typeface="+mj-lt"/>
+                          <a:ea typeface="Segoe UI" panose="020B0502040204020203" pitchFamily="34" charset="0"/>
+                          <a:cs typeface="Segoe UI" panose="020B0502040204020203" pitchFamily="34" charset="0"/>
+                        </a:rPr>
+                        <a:t>ansible_driver</a:t>
+                      </a:r>
+                      <a:endParaRPr lang="ja-JP" sz="1000" kern="100" dirty="0">
+                        <a:effectLst/>
+                        <a:latin typeface="+mj-lt"/>
+                        <a:ea typeface="ＭＳ 明朝" panose="02020609040205080304" pitchFamily="17" charset="-128"/>
+                        <a:cs typeface="Segoe UI" panose="020B0502040204020203" pitchFamily="34" charset="0"/>
                       </a:endParaRPr>
                     </a:p>
                   </a:txBody>
@@ -30592,73 +30850,17 @@
                         </a:spcAft>
                       </a:pPr>
                       <a:r>
-                        <a:rPr lang="en-US" sz="1050" kern="100" dirty="0" err="1" smtClean="0">
-                          <a:effectLst/>
-                        </a:rPr>
-                        <a:t>Php</a:t>
-                      </a:r>
-                      <a:r>
                         <a:rPr lang="en-US" sz="1050" kern="100" dirty="0" smtClean="0">
                           <a:effectLst/>
-                        </a:rPr>
-                        <a:t> plugin</a:t>
+                          <a:latin typeface="+mj-lt"/>
+                          <a:ea typeface="Segoe UI" panose="020B0502040204020203" pitchFamily="34" charset="0"/>
+                          <a:cs typeface="Segoe UI" panose="020B0502040204020203" pitchFamily="34" charset="0"/>
+                        </a:rPr>
+                        <a:t>Ansible</a:t>
                       </a:r>
                       <a:endParaRPr lang="ja-JP" sz="1050" kern="100" dirty="0">
                         <a:effectLst/>
-                        <a:latin typeface="Century" panose="02040604050505020304" pitchFamily="18" charset="0"/>
-                        <a:ea typeface="ＭＳ 明朝" panose="02020609040205080304" pitchFamily="17" charset="-128"/>
-                        <a:cs typeface="Times New Roman" panose="02020603050405020304" pitchFamily="18" charset="0"/>
-                      </a:endParaRPr>
-                    </a:p>
-                  </a:txBody>
-                  <a:tcPr marL="68580" marR="68580" marT="0" marB="0" anchor="ctr">
-                    <a:solidFill>
-                      <a:srgbClr val="E7E8EA"/>
-                    </a:solidFill>
-                  </a:tcPr>
-                </a:tc>
-                <a:tc>
-                  <a:txBody>
-                    <a:bodyPr/>
-                    <a:lstStyle/>
-                    <a:p>
-                      <a:pPr algn="just" latinLnBrk="1">
-                        <a:spcAft>
-                          <a:spcPts val="0"/>
-                        </a:spcAft>
-                        <a:tabLst>
-                          <a:tab pos="1219835" algn="ctr"/>
-                        </a:tabLst>
-                      </a:pPr>
-                      <a:r>
-                        <a:rPr lang="en-US" sz="1050" kern="100" dirty="0" err="1" smtClean="0">
-                          <a:effectLst/>
-                          <a:latin typeface="Segoe UI" panose="020B0502040204020203" pitchFamily="34" charset="0"/>
-                          <a:ea typeface="Segoe UI" panose="020B0502040204020203" pitchFamily="34" charset="0"/>
-                          <a:cs typeface="Segoe UI" panose="020B0502040204020203" pitchFamily="34" charset="0"/>
-                        </a:rPr>
-                        <a:t>php-yaml</a:t>
-                      </a:r>
-                      <a:r>
-                        <a:rPr lang="en-US" sz="1050" kern="100" dirty="0" smtClean="0">
-                          <a:effectLst/>
-                          <a:latin typeface="Segoe UI" panose="020B0502040204020203" pitchFamily="34" charset="0"/>
-                          <a:ea typeface="Segoe UI" panose="020B0502040204020203" pitchFamily="34" charset="0"/>
-                          <a:cs typeface="Segoe UI" panose="020B0502040204020203" pitchFamily="34" charset="0"/>
-                        </a:rPr>
-                        <a:t>, HTML_AJAX-beta, </a:t>
-                      </a:r>
-                      <a:r>
-                        <a:rPr lang="en-US" altLang="ja-JP" sz="1050" kern="100" dirty="0" err="1" smtClean="0">
-                          <a:effectLst/>
-                          <a:latin typeface="Segoe UI" panose="020B0502040204020203" pitchFamily="34" charset="0"/>
-                          <a:cs typeface="Segoe UI" panose="020B0502040204020203" pitchFamily="34" charset="0"/>
-                        </a:rPr>
-                        <a:t>PhpSpreadsheet</a:t>
-                      </a:r>
-                      <a:endParaRPr lang="ja-JP" sz="1050" kern="100" dirty="0">
-                        <a:effectLst/>
-                        <a:latin typeface="Segoe UI" panose="020B0502040204020203" pitchFamily="34" charset="0"/>
+                        <a:latin typeface="+mj-lt"/>
                         <a:ea typeface="ＭＳ 明朝" panose="02020609040205080304" pitchFamily="17" charset="-128"/>
                         <a:cs typeface="Segoe UI" panose="020B0502040204020203" pitchFamily="34" charset="0"/>
                       </a:endParaRPr>
@@ -30667,73 +30869,6 @@
                   <a:tcPr marL="68580" marR="68580" marT="0" marB="0" anchor="ctr">
                     <a:solidFill>
                       <a:srgbClr val="E7E8EA"/>
-                    </a:solidFill>
-                  </a:tcPr>
-                </a:tc>
-                <a:extLst>
-                  <a:ext uri="{0D108BD9-81ED-4DB2-BD59-A6C34878D82A}">
-                    <a16:rowId xmlns:a16="http://schemas.microsoft.com/office/drawing/2014/main" val="10006"/>
-                  </a:ext>
-                </a:extLst>
-              </a:tr>
-              <a:tr h="493422">
-                <a:tc>
-                  <a:txBody>
-                    <a:bodyPr/>
-                    <a:lstStyle/>
-                    <a:p>
-                      <a:pPr algn="just">
-                        <a:spcAft>
-                          <a:spcPts val="0"/>
-                        </a:spcAft>
-                      </a:pPr>
-                      <a:r>
-                        <a:rPr lang="en-US" sz="1000" kern="100" dirty="0" err="1" smtClean="0">
-                          <a:effectLst/>
-                        </a:rPr>
-                        <a:t>ansible_driver</a:t>
-                      </a:r>
-                      <a:endParaRPr lang="ja-JP" sz="1000" kern="100" dirty="0">
-                        <a:effectLst/>
-                        <a:latin typeface="Century" panose="02040604050505020304" pitchFamily="18" charset="0"/>
-                        <a:ea typeface="ＭＳ 明朝" panose="02020609040205080304" pitchFamily="17" charset="-128"/>
-                        <a:cs typeface="Times New Roman" panose="02020603050405020304" pitchFamily="18" charset="0"/>
-                      </a:endParaRPr>
-                    </a:p>
-                  </a:txBody>
-                  <a:tcPr marL="68580" marR="68580" marT="0" marB="0" anchor="ctr">
-                    <a:solidFill>
-                      <a:srgbClr val="002B62"/>
-                    </a:solidFill>
-                  </a:tcPr>
-                </a:tc>
-                <a:tc>
-                  <a:txBody>
-                    <a:bodyPr/>
-                    <a:lstStyle/>
-                    <a:p>
-                      <a:pPr algn="just">
-                        <a:spcAft>
-                          <a:spcPts val="0"/>
-                        </a:spcAft>
-                      </a:pPr>
-                      <a:r>
-                        <a:rPr lang="en-US" sz="1050" kern="100" dirty="0" err="1" smtClean="0">
-                          <a:effectLst/>
-                        </a:rPr>
-                        <a:t>Ansible</a:t>
-                      </a:r>
-                      <a:endParaRPr lang="ja-JP" sz="1050" kern="100" dirty="0">
-                        <a:effectLst/>
-                        <a:latin typeface="Century" panose="02040604050505020304" pitchFamily="18" charset="0"/>
-                        <a:ea typeface="ＭＳ 明朝" panose="02020609040205080304" pitchFamily="17" charset="-128"/>
-                        <a:cs typeface="Times New Roman" panose="02020603050405020304" pitchFamily="18" charset="0"/>
-                      </a:endParaRPr>
-                    </a:p>
-                  </a:txBody>
-                  <a:tcPr marL="68580" marR="68580" marT="0" marB="0" anchor="ctr">
-                    <a:solidFill>
-                      <a:srgbClr val="CBCDD3"/>
                     </a:solidFill>
                   </a:tcPr>
                 </a:tc>
@@ -30760,9 +30895,9 @@
                         <a:defRPr/>
                       </a:pPr>
                       <a:r>
-                        <a:rPr lang="en-US" sz="1050" kern="100" dirty="0" err="1" smtClean="0">
-                          <a:effectLst/>
-                          <a:latin typeface="Segoe UI" panose="020B0502040204020203" pitchFamily="34" charset="0"/>
+                        <a:rPr lang="en-US" altLang="ja-JP" sz="1050" kern="100" dirty="0" err="1" smtClean="0">
+                          <a:effectLst/>
+                          <a:latin typeface="+mj-lt"/>
                           <a:ea typeface="Segoe UI" panose="020B0502040204020203" pitchFamily="34" charset="0"/>
                           <a:cs typeface="Segoe UI" panose="020B0502040204020203" pitchFamily="34" charset="0"/>
                         </a:rPr>
@@ -30771,7 +30906,7 @@
                       <a:r>
                         <a:rPr lang="en-US" altLang="ja-JP" sz="1050" kern="100" dirty="0" smtClean="0">
                           <a:effectLst/>
-                          <a:latin typeface="Segoe UI" panose="020B0502040204020203" pitchFamily="34" charset="0"/>
+                          <a:latin typeface="+mj-lt"/>
                           <a:ea typeface="Segoe UI" panose="020B0502040204020203" pitchFamily="34" charset="0"/>
                           <a:cs typeface="Segoe UI" panose="020B0502040204020203" pitchFamily="34" charset="0"/>
                         </a:rPr>
@@ -30780,7 +30915,7 @@
                       <a:r>
                         <a:rPr lang="en-US" altLang="ja-JP" sz="1050" kern="100" dirty="0" err="1" smtClean="0">
                           <a:effectLst/>
-                          <a:latin typeface="Segoe UI" panose="020B0502040204020203" pitchFamily="34" charset="0"/>
+                          <a:latin typeface="+mj-lt"/>
                           <a:ea typeface="Segoe UI" panose="020B0502040204020203" pitchFamily="34" charset="0"/>
                           <a:cs typeface="Segoe UI" panose="020B0502040204020203" pitchFamily="34" charset="0"/>
                         </a:rPr>
@@ -30789,7 +30924,7 @@
                       <a:r>
                         <a:rPr lang="en-US" altLang="ja-JP" sz="1050" kern="100" dirty="0" smtClean="0">
                           <a:effectLst/>
-                          <a:latin typeface="Segoe UI" panose="020B0502040204020203" pitchFamily="34" charset="0"/>
+                          <a:latin typeface="+mj-lt"/>
                           <a:ea typeface="Segoe UI" panose="020B0502040204020203" pitchFamily="34" charset="0"/>
                           <a:cs typeface="Segoe UI" panose="020B0502040204020203" pitchFamily="34" charset="0"/>
                         </a:rPr>
@@ -30798,7 +30933,7 @@
                       <a:r>
                         <a:rPr lang="en-US" altLang="ja-JP" sz="1050" kern="100" dirty="0" err="1" smtClean="0">
                           <a:effectLst/>
-                          <a:latin typeface="Segoe UI" panose="020B0502040204020203" pitchFamily="34" charset="0"/>
+                          <a:latin typeface="+mj-lt"/>
                           <a:cs typeface="Segoe UI" panose="020B0502040204020203" pitchFamily="34" charset="0"/>
                         </a:rPr>
                         <a:t>pexpect</a:t>
@@ -30806,7 +30941,7 @@
                       <a:r>
                         <a:rPr lang="en-US" altLang="ja-JP" sz="1050" kern="100" dirty="0" smtClean="0">
                           <a:effectLst/>
-                          <a:latin typeface="Segoe UI" panose="020B0502040204020203" pitchFamily="34" charset="0"/>
+                          <a:latin typeface="+mj-lt"/>
                           <a:ea typeface="Segoe UI" panose="020B0502040204020203" pitchFamily="34" charset="0"/>
                           <a:cs typeface="Segoe UI" panose="020B0502040204020203" pitchFamily="34" charset="0"/>
                         </a:rPr>
@@ -30815,7 +30950,7 @@
                       <a:r>
                         <a:rPr lang="en-US" altLang="ja-JP" sz="1050" kern="100" dirty="0" err="1" smtClean="0">
                           <a:effectLst/>
-                          <a:latin typeface="Segoe UI" panose="020B0502040204020203" pitchFamily="34" charset="0"/>
+                          <a:latin typeface="+mj-lt"/>
                           <a:cs typeface="Segoe UI" panose="020B0502040204020203" pitchFamily="34" charset="0"/>
                         </a:rPr>
                         <a:t>pywinrm</a:t>
@@ -30823,7 +30958,7 @@
                       <a:r>
                         <a:rPr lang="en-US" altLang="ja-JP" sz="1050" kern="100" dirty="0" smtClean="0">
                           <a:effectLst/>
-                          <a:latin typeface="Segoe UI" panose="020B0502040204020203" pitchFamily="34" charset="0"/>
+                          <a:latin typeface="+mj-lt"/>
                           <a:ea typeface="Segoe UI" panose="020B0502040204020203" pitchFamily="34" charset="0"/>
                           <a:cs typeface="Segoe UI" panose="020B0502040204020203" pitchFamily="34" charset="0"/>
                         </a:rPr>
@@ -30832,84 +30967,105 @@
                       <a:r>
                         <a:rPr lang="en-US" altLang="ja-JP" sz="1050" kern="100" dirty="0" smtClean="0">
                           <a:effectLst/>
-                          <a:latin typeface="Segoe UI" panose="020B0502040204020203" pitchFamily="34" charset="0"/>
+                          <a:latin typeface="+mj-lt"/>
                           <a:cs typeface="Segoe UI" panose="020B0502040204020203" pitchFamily="34" charset="0"/>
                         </a:rPr>
-                        <a:t>boto3,</a:t>
-                      </a:r>
-                      <a:r>
-                        <a:rPr lang="en-US" altLang="ja-JP" sz="1050" kern="100" dirty="0" smtClean="0">
-                          <a:effectLst/>
+                        <a:t>boto3, </a:t>
+                      </a:r>
+                      <a:r>
+                        <a:rPr lang="en-US" altLang="ja-JP" sz="1050" dirty="0" err="1" smtClean="0">
+                          <a:latin typeface="+mj-lt"/>
+                          <a:cs typeface="Segoe UI" panose="020B0502040204020203" pitchFamily="34" charset="0"/>
+                        </a:rPr>
+                        <a:t>nmap-ncat</a:t>
+                      </a:r>
+                      <a:r>
+                        <a:rPr lang="en-US" altLang="ja-JP" sz="1050" dirty="0" smtClean="0">
+                          <a:latin typeface="+mj-lt"/>
+                          <a:cs typeface="Segoe UI" panose="020B0502040204020203" pitchFamily="34" charset="0"/>
+                        </a:rPr>
+                        <a:t>,</a:t>
+                      </a:r>
+                      <a:r>
+                        <a:rPr lang="ja-JP" altLang="en-US" sz="1050" dirty="0" smtClean="0">
+                          <a:latin typeface="+mj-lt"/>
+                          <a:cs typeface="Segoe UI" panose="020B0502040204020203" pitchFamily="34" charset="0"/>
                         </a:rPr>
                         <a:t> </a:t>
                       </a:r>
                       <a:r>
                         <a:rPr lang="en-US" altLang="ja-JP" sz="1050" dirty="0" err="1" smtClean="0">
-                          <a:latin typeface="Segoe UI" panose="020B0502040204020203" pitchFamily="34" charset="0"/>
+                          <a:latin typeface="+mj-lt"/>
                           <a:cs typeface="Segoe UI" panose="020B0502040204020203" pitchFamily="34" charset="0"/>
                         </a:rPr>
-                        <a:t>nmap-ncat</a:t>
+                        <a:t>paramiko</a:t>
                       </a:r>
                       <a:r>
                         <a:rPr lang="en-US" altLang="ja-JP" sz="1050" dirty="0" smtClean="0">
-                          <a:latin typeface="Segoe UI" panose="020B0502040204020203" pitchFamily="34" charset="0"/>
+                          <a:latin typeface="+mj-lt"/>
                           <a:cs typeface="Segoe UI" panose="020B0502040204020203" pitchFamily="34" charset="0"/>
                         </a:rPr>
                         <a:t>,</a:t>
                       </a:r>
                       <a:r>
-                        <a:rPr lang="en-US" altLang="ja-JP" sz="1050" kern="100" dirty="0" smtClean="0">
-                          <a:effectLst/>
-                          <a:latin typeface="Segoe UI" panose="020B0502040204020203" pitchFamily="34" charset="0"/>
+                        <a:rPr lang="en-US" altLang="ja-JP" sz="1050" baseline="0" dirty="0" smtClean="0">
+                          <a:latin typeface="+mj-lt"/>
                           <a:cs typeface="Segoe UI" panose="020B0502040204020203" pitchFamily="34" charset="0"/>
                         </a:rPr>
                         <a:t> </a:t>
                       </a:r>
                       <a:r>
-                        <a:rPr lang="en-US" altLang="ja-JP" sz="1050" kern="100" dirty="0" err="1" smtClean="0">
-                          <a:effectLst/>
-                          <a:latin typeface="Segoe UI" panose="020B0502040204020203" pitchFamily="34" charset="0"/>
-                          <a:cs typeface="Segoe UI" panose="020B0502040204020203" pitchFamily="34" charset="0"/>
-                        </a:rPr>
-                        <a:t>paramiko</a:t>
-                      </a:r>
-                      <a:r>
-                        <a:rPr lang="en-US" altLang="ja-JP" sz="1050" kern="100" dirty="0" smtClean="0">
-                          <a:effectLst/>
-                          <a:latin typeface="Segoe UI" panose="020B0502040204020203" pitchFamily="34" charset="0"/>
-                          <a:cs typeface="Segoe UI" panose="020B0502040204020203" pitchFamily="34" charset="0"/>
-                        </a:rPr>
-                        <a:t>, </a:t>
-                      </a:r>
-                      <a:r>
-                        <a:rPr lang="en-US" altLang="ja-JP" sz="1050" kern="100" dirty="0" err="1" smtClean="0">
-                          <a:effectLst/>
-                          <a:latin typeface="Segoe UI" panose="020B0502040204020203" pitchFamily="34" charset="0"/>
+                        <a:rPr lang="en-US" altLang="ja-JP" sz="1050" baseline="0" dirty="0" err="1" smtClean="0">
+                          <a:latin typeface="+mj-lt"/>
                           <a:cs typeface="Segoe UI" panose="020B0502040204020203" pitchFamily="34" charset="0"/>
                         </a:rPr>
                         <a:t>boto</a:t>
                       </a:r>
                       <a:endParaRPr lang="ja-JP" altLang="ja-JP" sz="1050" kern="100" dirty="0" smtClean="0">
                         <a:effectLst/>
-                        <a:latin typeface="Century" panose="02040604050505020304" pitchFamily="18" charset="0"/>
+                        <a:latin typeface="+mj-lt"/>
                         <a:ea typeface="ＭＳ 明朝" panose="02020609040205080304" pitchFamily="17" charset="-128"/>
-                        <a:cs typeface="Times New Roman" panose="02020603050405020304" pitchFamily="18" charset="0"/>
+                        <a:cs typeface="Segoe UI" panose="020B0502040204020203" pitchFamily="34" charset="0"/>
                       </a:endParaRPr>
                     </a:p>
                   </a:txBody>
                   <a:tcPr marL="68580" marR="68580" marT="0" marB="0" anchor="ctr">
                     <a:solidFill>
-                      <a:srgbClr val="CBCDD3"/>
+                      <a:srgbClr val="E7E8EA"/>
                     </a:solidFill>
                   </a:tcPr>
                 </a:tc>
                 <a:extLst>
                   <a:ext uri="{0D108BD9-81ED-4DB2-BD59-A6C34878D82A}">
-                    <a16:rowId xmlns:a16="http://schemas.microsoft.com/office/drawing/2014/main" val="10007"/>
+                    <a16:rowId xmlns:a16="http://schemas.microsoft.com/office/drawing/2014/main" val="10008"/>
                   </a:ext>
                 </a:extLst>
               </a:tr>
-              <a:tr h="360050">
+              <a:tr h="335212">
+                <a:tc vMerge="1">
+                  <a:txBody>
+                    <a:bodyPr/>
+                    <a:lstStyle/>
+                    <a:p>
+                      <a:pPr algn="just">
+                        <a:spcAft>
+                          <a:spcPts val="0"/>
+                        </a:spcAft>
+                      </a:pPr>
+                      <a:endParaRPr lang="ja-JP" sz="1000" kern="100" dirty="0">
+                        <a:effectLst/>
+                        <a:latin typeface="+mj-lt"/>
+                        <a:ea typeface="ＭＳ 明朝" panose="02020609040205080304" pitchFamily="17" charset="-128"/>
+                        <a:cs typeface="Segoe UI" panose="020B0502040204020203" pitchFamily="34" charset="0"/>
+                      </a:endParaRPr>
+                    </a:p>
+                  </a:txBody>
+                  <a:tcPr marL="68580" marR="68580" marT="0" marB="0" anchor="ctr">
+                    <a:solidFill>
+                      <a:srgbClr val="002B62"/>
+                    </a:solidFill>
+                  </a:tcPr>
+                </a:tc>
                 <a:tc>
                   <a:txBody>
                     <a:bodyPr/>
@@ -30921,14 +31077,106 @@
                         </a:spcAft>
                       </a:pPr>
                       <a:r>
+                        <a:rPr lang="en-US" altLang="ja-JP" sz="1050" kern="100" dirty="0" err="1" smtClean="0">
+                          <a:effectLst/>
+                          <a:latin typeface="+mj-lt"/>
+                          <a:ea typeface="ＭＳ 明朝" panose="02020609040205080304" pitchFamily="17" charset="-128"/>
+                          <a:cs typeface="Segoe UI" panose="020B0502040204020203" pitchFamily="34" charset="0"/>
+                        </a:rPr>
+                        <a:t>git</a:t>
+                      </a:r>
+                      <a:endParaRPr lang="ja-JP" sz="1050" kern="100" dirty="0">
+                        <a:effectLst/>
+                        <a:latin typeface="+mj-lt"/>
+                        <a:ea typeface="ＭＳ 明朝" panose="02020609040205080304" pitchFamily="17" charset="-128"/>
+                        <a:cs typeface="Segoe UI" panose="020B0502040204020203" pitchFamily="34" charset="0"/>
+                      </a:endParaRPr>
+                    </a:p>
+                  </a:txBody>
+                  <a:tcPr marL="68580" marR="68580" marT="0" marB="0" anchor="ctr">
+                    <a:solidFill>
+                      <a:srgbClr val="E7E8EA"/>
+                    </a:solidFill>
+                  </a:tcPr>
+                </a:tc>
+                <a:tc>
+                  <a:txBody>
+                    <a:bodyPr/>
+                    <a:lstStyle/>
+                    <a:p>
+                      <a:pPr marL="0" marR="0" lvl="0" indent="0" algn="just" defTabSz="914400" rtl="0" eaLnBrk="1" fontAlgn="auto" latinLnBrk="0" hangingPunct="1">
+                        <a:lnSpc>
+                          <a:spcPct val="100000"/>
+                        </a:lnSpc>
+                        <a:spcBef>
+                          <a:spcPts val="0"/>
+                        </a:spcBef>
+                        <a:spcAft>
+                          <a:spcPts val="0"/>
+                        </a:spcAft>
+                        <a:buClrTx/>
+                        <a:buSzTx/>
+                        <a:buFontTx/>
+                        <a:buNone/>
+                        <a:tabLst/>
+                        <a:defRPr/>
+                      </a:pPr>
+                      <a:r>
+                        <a:rPr kumimoji="1" lang="en-US" altLang="ja-JP" sz="1050" kern="100" dirty="0" err="1" smtClean="0">
+                          <a:solidFill>
+                            <a:schemeClr val="dk1"/>
+                          </a:solidFill>
+                          <a:effectLst/>
+                          <a:latin typeface="+mn-lt"/>
+                          <a:ea typeface="ＭＳ 明朝" panose="02020609040205080304" pitchFamily="17" charset="-128"/>
+                          <a:cs typeface="Segoe UI" panose="020B0502040204020203" pitchFamily="34" charset="0"/>
+                        </a:rPr>
+                        <a:t>git</a:t>
+                      </a:r>
+                      <a:endParaRPr kumimoji="1" lang="ja-JP" altLang="ja-JP" sz="1050" kern="100" dirty="0" smtClean="0">
+                        <a:solidFill>
+                          <a:schemeClr val="dk1"/>
+                        </a:solidFill>
+                        <a:effectLst/>
+                        <a:latin typeface="+mn-lt"/>
+                        <a:ea typeface="ＭＳ 明朝" panose="02020609040205080304" pitchFamily="17" charset="-128"/>
+                        <a:cs typeface="Segoe UI" panose="020B0502040204020203" pitchFamily="34" charset="0"/>
+                      </a:endParaRPr>
+                    </a:p>
+                  </a:txBody>
+                  <a:tcPr marL="68580" marR="68580" marT="0" marB="0" anchor="ctr">
+                    <a:solidFill>
+                      <a:srgbClr val="E7E8EA"/>
+                    </a:solidFill>
+                  </a:tcPr>
+                </a:tc>
+                <a:extLst>
+                  <a:ext uri="{0D108BD9-81ED-4DB2-BD59-A6C34878D82A}">
+                    <a16:rowId xmlns:a16="http://schemas.microsoft.com/office/drawing/2014/main" val="1655756578"/>
+                  </a:ext>
+                </a:extLst>
+              </a:tr>
+              <a:tr h="266315">
+                <a:tc>
+                  <a:txBody>
+                    <a:bodyPr/>
+                    <a:lstStyle/>
+                    <a:p>
+                      <a:pPr algn="just">
+                        <a:spcAft>
+                          <a:spcPts val="0"/>
+                        </a:spcAft>
+                      </a:pPr>
+                      <a:r>
                         <a:rPr lang="en-US" altLang="ja-JP" sz="1000" kern="100" dirty="0" err="1" smtClean="0">
                           <a:effectLst/>
+                          <a:latin typeface="+mj-lt"/>
                         </a:rPr>
                         <a:t>cicd_for_iac</a:t>
                       </a:r>
                       <a:endParaRPr lang="ja-JP" altLang="ja-JP" sz="1000" kern="100" dirty="0">
                         <a:effectLst/>
-                        <a:latin typeface="Century" panose="02040604050505020304" pitchFamily="18" charset="0"/>
+                        <a:latin typeface="+mj-lt"/>
                         <a:ea typeface="ＭＳ 明朝" panose="02020609040205080304" pitchFamily="17" charset="-128"/>
                         <a:cs typeface="Times New Roman" panose="02020603050405020304" pitchFamily="18" charset="0"/>
                       </a:endParaRPr>
@@ -30953,12 +31201,13 @@
                       <a:r>
                         <a:rPr lang="en-US" sz="1050" kern="100" dirty="0">
                           <a:effectLst/>
+                          <a:latin typeface="+mj-lt"/>
                         </a:rPr>
                         <a:t>git</a:t>
                       </a:r>
                       <a:endParaRPr lang="ja-JP" sz="1050" kern="100" dirty="0">
                         <a:effectLst/>
-                        <a:latin typeface="Century" panose="02040604050505020304" pitchFamily="18" charset="0"/>
+                        <a:latin typeface="+mj-lt"/>
                         <a:ea typeface="ＭＳ 明朝" panose="02020609040205080304" pitchFamily="17" charset="-128"/>
                         <a:cs typeface="Times New Roman" panose="02020603050405020304" pitchFamily="18" charset="0"/>
                       </a:endParaRPr>
@@ -30983,13 +31232,152 @@
                       <a:r>
                         <a:rPr lang="en-US" sz="1050" kern="100" dirty="0" err="1" smtClean="0">
                           <a:effectLst/>
+                          <a:latin typeface="+mj-lt"/>
+                          <a:ea typeface="Segoe UI" panose="020B0502040204020203" pitchFamily="34" charset="0"/>
+                          <a:cs typeface="Segoe UI" panose="020B0502040204020203" pitchFamily="34" charset="0"/>
+                        </a:rPr>
+                        <a:t>git</a:t>
+                      </a:r>
+                      <a:endParaRPr lang="ja-JP" sz="1050" kern="100" dirty="0">
+                        <a:effectLst/>
+                        <a:latin typeface="+mj-lt"/>
+                        <a:ea typeface="ＭＳ 明朝" panose="02020609040205080304" pitchFamily="17" charset="-128"/>
+                        <a:cs typeface="Segoe UI" panose="020B0502040204020203" pitchFamily="34" charset="0"/>
+                      </a:endParaRPr>
+                    </a:p>
+                  </a:txBody>
+                  <a:tcPr marL="68580" marR="68580" marT="0" marB="0" anchor="ctr">
+                    <a:solidFill>
+                      <a:srgbClr val="E7E8EA"/>
+                    </a:solidFill>
+                  </a:tcPr>
+                </a:tc>
+                <a:extLst>
+                  <a:ext uri="{0D108BD9-81ED-4DB2-BD59-A6C34878D82A}">
+                    <a16:rowId xmlns:a16="http://schemas.microsoft.com/office/drawing/2014/main" val="3022587873"/>
+                  </a:ext>
+                </a:extLst>
+              </a:tr>
+              <a:tr h="266315">
+                <a:tc>
+                  <a:txBody>
+                    <a:bodyPr/>
+                    <a:lstStyle/>
+                    <a:p>
+                      <a:pPr algn="just">
+                        <a:spcAft>
+                          <a:spcPts val="0"/>
+                        </a:spcAft>
+                      </a:pPr>
+                      <a:r>
+                        <a:rPr lang="en-US" altLang="ja-JP" sz="1000" kern="100" dirty="0" err="1" smtClean="0">
+                          <a:effectLst/>
+                          <a:latin typeface="+mj-lt"/>
+                          <a:ea typeface="ＭＳ 明朝" panose="02020609040205080304" pitchFamily="17" charset="-128"/>
+                          <a:cs typeface="Times New Roman" panose="02020603050405020304" pitchFamily="18" charset="0"/>
+                        </a:rPr>
+                        <a:t>Terraform_driver</a:t>
+                      </a:r>
+                      <a:endParaRPr lang="ja-JP" altLang="ja-JP" sz="1000" kern="100" dirty="0">
+                        <a:effectLst/>
+                        <a:latin typeface="+mj-lt"/>
+                        <a:ea typeface="ＭＳ 明朝" panose="02020609040205080304" pitchFamily="17" charset="-128"/>
+                        <a:cs typeface="Times New Roman" panose="02020603050405020304" pitchFamily="18" charset="0"/>
+                      </a:endParaRPr>
+                    </a:p>
+                  </a:txBody>
+                  <a:tcPr marL="68580" marR="68580" marT="0" marB="0" anchor="ctr">
+                    <a:solidFill>
+                      <a:srgbClr val="002B62"/>
+                    </a:solidFill>
+                  </a:tcPr>
+                </a:tc>
+                <a:tc>
+                  <a:txBody>
+                    <a:bodyPr/>
+                    <a:lstStyle/>
+                    <a:p>
+                      <a:pPr marL="0" marR="0" lvl="0" indent="0" algn="just" defTabSz="914400" rtl="0" eaLnBrk="1" fontAlgn="auto" latinLnBrk="0" hangingPunct="1">
+                        <a:lnSpc>
+                          <a:spcPct val="100000"/>
+                        </a:lnSpc>
+                        <a:spcBef>
+                          <a:spcPts val="0"/>
+                        </a:spcBef>
+                        <a:spcAft>
+                          <a:spcPts val="0"/>
+                        </a:spcAft>
+                        <a:buClrTx/>
+                        <a:buSzTx/>
+                        <a:buFontTx/>
+                        <a:buNone/>
+                        <a:tabLst/>
+                        <a:defRPr/>
+                      </a:pPr>
+                      <a:r>
+                        <a:rPr lang="en-US" altLang="ja-JP" sz="1050" kern="100" dirty="0" err="1" smtClean="0">
+                          <a:effectLst/>
+                        </a:rPr>
+                        <a:t>Hcl</a:t>
+                      </a:r>
+                      <a:r>
+                        <a:rPr lang="ja-JP" altLang="en-US" sz="1050" kern="100" baseline="0" dirty="0" smtClean="0">
+                          <a:effectLst/>
+                        </a:rPr>
+                        <a:t> </a:t>
+                      </a:r>
+                      <a:r>
+                        <a:rPr lang="en-US" altLang="ja-JP" sz="1050" kern="100" baseline="0" dirty="0" err="1" smtClean="0">
+                          <a:effectLst/>
+                        </a:rPr>
+                        <a:t>analasys</a:t>
+                      </a:r>
+                      <a:endParaRPr lang="ja-JP" altLang="ja-JP" sz="1050" kern="100" dirty="0" smtClean="0">
+                        <a:effectLst/>
+                        <a:latin typeface="Century" panose="02040604050505020304" pitchFamily="18" charset="0"/>
+                        <a:ea typeface="ＭＳ 明朝" panose="02020609040205080304" pitchFamily="17" charset="-128"/>
+                        <a:cs typeface="Times New Roman" panose="02020603050405020304" pitchFamily="18" charset="0"/>
+                      </a:endParaRPr>
+                    </a:p>
+                  </a:txBody>
+                  <a:tcPr marL="68580" marR="68580" marT="0" marB="0" anchor="ctr">
+                    <a:solidFill>
+                      <a:srgbClr val="E7E8EA"/>
+                    </a:solidFill>
+                  </a:tcPr>
+                </a:tc>
+                <a:tc>
+                  <a:txBody>
+                    <a:bodyPr/>
+                    <a:lstStyle/>
+                    <a:p>
+                      <a:pPr marL="0" marR="0" lvl="0" indent="0" algn="just" defTabSz="914400" rtl="0" eaLnBrk="1" fontAlgn="auto" latinLnBrk="0" hangingPunct="1">
+                        <a:lnSpc>
+                          <a:spcPct val="100000"/>
+                        </a:lnSpc>
+                        <a:spcBef>
+                          <a:spcPts val="0"/>
+                        </a:spcBef>
+                        <a:spcAft>
+                          <a:spcPts val="0"/>
+                        </a:spcAft>
+                        <a:buClrTx/>
+                        <a:buSzTx/>
+                        <a:buFontTx/>
+                        <a:buNone/>
+                        <a:tabLst/>
+                        <a:defRPr/>
+                      </a:pPr>
+                      <a:r>
+                        <a:rPr lang="en-US" altLang="ja-JP" sz="1050" kern="100" dirty="0" smtClean="0">
+                          <a:effectLst/>
                           <a:latin typeface="Segoe UI" panose="020B0502040204020203" pitchFamily="34" charset="0"/>
                           <a:ea typeface="Segoe UI" panose="020B0502040204020203" pitchFamily="34" charset="0"/>
                           <a:cs typeface="Segoe UI" panose="020B0502040204020203" pitchFamily="34" charset="0"/>
                         </a:rPr>
-                        <a:t>git</a:t>
-                      </a:r>
-                      <a:endParaRPr lang="ja-JP" sz="1050" kern="100" dirty="0">
+                        <a:t>python-hcl2</a:t>
+                      </a:r>
+                      <a:endParaRPr lang="ja-JP" altLang="ja-JP" sz="1050" kern="100" dirty="0" smtClean="0">
                         <a:effectLst/>
                         <a:latin typeface="Segoe UI" panose="020B0502040204020203" pitchFamily="34" charset="0"/>
                         <a:ea typeface="ＭＳ 明朝" panose="02020609040205080304" pitchFamily="17" charset="-128"/>
@@ -31005,7 +31393,7 @@
                 </a:tc>
                 <a:extLst>
                   <a:ext uri="{0D108BD9-81ED-4DB2-BD59-A6C34878D82A}">
-                    <a16:rowId xmlns:a16="http://schemas.microsoft.com/office/drawing/2014/main" val="10008"/>
+                    <a16:rowId xmlns:a16="http://schemas.microsoft.com/office/drawing/2014/main" val="2152392371"/>
                   </a:ext>
                 </a:extLst>
               </a:tr>
@@ -31013,40 +31401,6 @@
           </a:graphicData>
         </a:graphic>
       </p:graphicFrame>
-      <p:sp>
-        <p:nvSpPr>
-          <p:cNvPr id="7" name="テキスト ボックス 6"/>
-          <p:cNvSpPr txBox="1"/>
-          <p:nvPr/>
-        </p:nvSpPr>
-        <p:spPr>
-          <a:xfrm>
-            <a:off x="7315367" y="5375031"/>
-            <a:ext cx="1835331" cy="246221"/>
-          </a:xfrm>
-          <a:prstGeom prst="rect">
-            <a:avLst/>
-          </a:prstGeom>
-          <a:noFill/>
-        </p:spPr>
-        <p:txBody>
-          <a:bodyPr wrap="square" rtlCol="0">
-            <a:spAutoFit/>
-          </a:bodyPr>
-          <a:lstStyle/>
-          <a:p>
-            <a:pPr algn="just">
-              <a:spcAft>
-                <a:spcPts val="0"/>
-              </a:spcAft>
-            </a:pPr>
-            <a:r>
-              <a:rPr lang="en-US" altLang="ja-JP" sz="1000" kern="100" dirty="0" smtClean="0"/>
-              <a:t>※ RHEL7,CentOS7</a:t>
-            </a:r>
-          </a:p>
-        </p:txBody>
-      </p:sp>
     </p:spTree>
     <p:extLst>
       <p:ext uri="{BB962C8B-B14F-4D97-AF65-F5344CB8AC3E}">
@@ -35368,14 +35722,14 @@
           <p:nvPr>
             <p:extLst>
               <p:ext uri="{D42A27DB-BD31-4B8C-83A1-F6EECF244321}">
-                <p14:modId xmlns:p14="http://schemas.microsoft.com/office/powerpoint/2010/main" val="1727389730"/>
+                <p14:modId xmlns:p14="http://schemas.microsoft.com/office/powerpoint/2010/main" val="3979083696"/>
               </p:ext>
             </p:extLst>
           </p:nvPr>
         </p:nvGraphicFramePr>
         <p:xfrm>
           <a:off x="107380" y="1586091"/>
-          <a:ext cx="8929240" cy="4909582"/>
+          <a:ext cx="8929240" cy="4885198"/>
         </p:xfrm>
         <a:graphic>
           <a:graphicData uri="http://schemas.openxmlformats.org/drawingml/2006/table">
@@ -35826,14 +36180,16 @@
                       <a:r>
                         <a:rPr lang="en-US" sz="1050" kern="100" dirty="0">
                           <a:effectLst/>
+                          <a:latin typeface="Segoe UI" panose="020B0502040204020203" pitchFamily="34" charset="0"/>
+                          <a:cs typeface="Segoe UI" panose="020B0502040204020203" pitchFamily="34" charset="0"/>
                         </a:rPr>
                         <a:t>-</a:t>
                       </a:r>
                       <a:endParaRPr lang="ja-JP" sz="1200" kern="100" dirty="0">
                         <a:effectLst/>
-                        <a:latin typeface="Century" panose="02040604050505020304" pitchFamily="18" charset="0"/>
+                        <a:latin typeface="Segoe UI" panose="020B0502040204020203" pitchFamily="34" charset="0"/>
                         <a:ea typeface="ＭＳ 明朝" panose="02020609040205080304" pitchFamily="17" charset="-128"/>
-                        <a:cs typeface="Times New Roman" panose="02020603050405020304" pitchFamily="18" charset="0"/>
+                        <a:cs typeface="Segoe UI" panose="020B0502040204020203" pitchFamily="34" charset="0"/>
                       </a:endParaRPr>
                     </a:p>
                   </a:txBody>
@@ -35855,17 +36211,17 @@
                       <a:r>
                         <a:rPr lang="ja-JP" altLang="en-US" sz="1050" kern="100" dirty="0" smtClean="0">
                           <a:effectLst/>
-                          <a:latin typeface="+mn-lt"/>
+                          <a:latin typeface="Segoe UI" panose="020B0502040204020203" pitchFamily="34" charset="0"/>
                           <a:ea typeface="+mn-ea"/>
-                          <a:cs typeface="+mn-cs"/>
+                          <a:cs typeface="Segoe UI" panose="020B0502040204020203" pitchFamily="34" charset="0"/>
                         </a:rPr>
                         <a:t>○</a:t>
                       </a:r>
                       <a:endParaRPr lang="ja-JP" sz="1050" kern="100" dirty="0">
                         <a:effectLst/>
-                        <a:latin typeface="Century" panose="02040604050505020304" pitchFamily="18" charset="0"/>
+                        <a:latin typeface="Segoe UI" panose="020B0502040204020203" pitchFamily="34" charset="0"/>
                         <a:ea typeface="ＭＳ 明朝" panose="02020609040205080304" pitchFamily="17" charset="-128"/>
-                        <a:cs typeface="Times New Roman" panose="02020603050405020304" pitchFamily="18" charset="0"/>
+                        <a:cs typeface="Segoe UI" panose="020B0502040204020203" pitchFamily="34" charset="0"/>
                       </a:endParaRPr>
                     </a:p>
                   </a:txBody>
@@ -36067,14 +36423,16 @@
                       <a:r>
                         <a:rPr lang="en-US" sz="1050" kern="100" dirty="0">
                           <a:effectLst/>
+                          <a:latin typeface="Segoe UI" panose="020B0502040204020203" pitchFamily="34" charset="0"/>
+                          <a:cs typeface="Segoe UI" panose="020B0502040204020203" pitchFamily="34" charset="0"/>
                         </a:rPr>
                         <a:t>-</a:t>
                       </a:r>
                       <a:endParaRPr lang="ja-JP" sz="1200" kern="100" dirty="0">
                         <a:effectLst/>
-                        <a:latin typeface="Century" panose="02040604050505020304" pitchFamily="18" charset="0"/>
+                        <a:latin typeface="Segoe UI" panose="020B0502040204020203" pitchFamily="34" charset="0"/>
                         <a:ea typeface="ＭＳ 明朝" panose="02020609040205080304" pitchFamily="17" charset="-128"/>
-                        <a:cs typeface="Times New Roman" panose="02020603050405020304" pitchFamily="18" charset="0"/>
+                        <a:cs typeface="Segoe UI" panose="020B0502040204020203" pitchFamily="34" charset="0"/>
                       </a:endParaRPr>
                     </a:p>
                   </a:txBody>
@@ -36105,17 +36463,17 @@
                       <a:r>
                         <a:rPr lang="ja-JP" altLang="en-US" sz="1050" kern="100" dirty="0" smtClean="0">
                           <a:effectLst/>
-                          <a:latin typeface="+mn-lt"/>
+                          <a:latin typeface="Segoe UI" panose="020B0502040204020203" pitchFamily="34" charset="0"/>
                           <a:ea typeface="+mn-ea"/>
-                          <a:cs typeface="+mn-cs"/>
+                          <a:cs typeface="Segoe UI" panose="020B0502040204020203" pitchFamily="34" charset="0"/>
                         </a:rPr>
                         <a:t>○</a:t>
                       </a:r>
                       <a:endParaRPr lang="ja-JP" altLang="ja-JP" sz="1050" kern="100" dirty="0" smtClean="0">
                         <a:effectLst/>
-                        <a:latin typeface="Century" panose="02040604050505020304" pitchFamily="18" charset="0"/>
+                        <a:latin typeface="Segoe UI" panose="020B0502040204020203" pitchFamily="34" charset="0"/>
                         <a:ea typeface="ＭＳ 明朝" panose="02020609040205080304" pitchFamily="17" charset="-128"/>
-                        <a:cs typeface="Times New Roman" panose="02020603050405020304" pitchFamily="18" charset="0"/>
+                        <a:cs typeface="Segoe UI" panose="020B0502040204020203" pitchFamily="34" charset="0"/>
                       </a:endParaRPr>
                     </a:p>
                   </a:txBody>
@@ -36415,14 +36773,16 @@
                       <a:r>
                         <a:rPr lang="en-US" sz="1050" kern="100" dirty="0">
                           <a:effectLst/>
+                          <a:latin typeface="Segoe UI" panose="020B0502040204020203" pitchFamily="34" charset="0"/>
+                          <a:cs typeface="Segoe UI" panose="020B0502040204020203" pitchFamily="34" charset="0"/>
                         </a:rPr>
                         <a:t>○</a:t>
                       </a:r>
                       <a:endParaRPr lang="ja-JP" sz="1200" kern="100" dirty="0">
                         <a:effectLst/>
-                        <a:latin typeface="Century" panose="02040604050505020304" pitchFamily="18" charset="0"/>
+                        <a:latin typeface="Segoe UI" panose="020B0502040204020203" pitchFamily="34" charset="0"/>
                         <a:ea typeface="ＭＳ 明朝" panose="02020609040205080304" pitchFamily="17" charset="-128"/>
-                        <a:cs typeface="Times New Roman" panose="02020603050405020304" pitchFamily="18" charset="0"/>
+                        <a:cs typeface="Segoe UI" panose="020B0502040204020203" pitchFamily="34" charset="0"/>
                       </a:endParaRPr>
                     </a:p>
                   </a:txBody>
@@ -36444,14 +36804,16 @@
                       <a:r>
                         <a:rPr lang="ja-JP" altLang="en-US" sz="1050" kern="100" dirty="0" smtClean="0">
                           <a:effectLst/>
+                          <a:latin typeface="Segoe UI" panose="020B0502040204020203" pitchFamily="34" charset="0"/>
+                          <a:cs typeface="Segoe UI" panose="020B0502040204020203" pitchFamily="34" charset="0"/>
                         </a:rPr>
                         <a:t>○</a:t>
                       </a:r>
                       <a:endParaRPr lang="ja-JP" sz="1050" kern="100" dirty="0">
                         <a:effectLst/>
-                        <a:latin typeface="+mn-ea"/>
+                        <a:latin typeface="Segoe UI" panose="020B0502040204020203" pitchFamily="34" charset="0"/>
                         <a:ea typeface="+mn-ea"/>
-                        <a:cs typeface="Times New Roman" panose="02020603050405020304" pitchFamily="18" charset="0"/>
+                        <a:cs typeface="Segoe UI" panose="020B0502040204020203" pitchFamily="34" charset="0"/>
                       </a:endParaRPr>
                     </a:p>
                   </a:txBody>
@@ -36641,6 +37003,8 @@
                             <a:schemeClr val="tx1"/>
                           </a:solidFill>
                           <a:effectLst/>
+                          <a:latin typeface="Segoe UI" panose="020B0502040204020203" pitchFamily="34" charset="0"/>
+                          <a:cs typeface="Segoe UI" panose="020B0502040204020203" pitchFamily="34" charset="0"/>
                         </a:rPr>
                         <a:t>×</a:t>
                       </a:r>
@@ -36649,9 +37013,9 @@
                           <a:schemeClr val="tx1"/>
                         </a:solidFill>
                         <a:effectLst/>
-                        <a:latin typeface="Century" panose="02040604050505020304" pitchFamily="18" charset="0"/>
+                        <a:latin typeface="Segoe UI" panose="020B0502040204020203" pitchFamily="34" charset="0"/>
                         <a:ea typeface="ＭＳ 明朝" panose="02020609040205080304" pitchFamily="17" charset="-128"/>
-                        <a:cs typeface="Times New Roman" panose="02020603050405020304" pitchFamily="18" charset="0"/>
+                        <a:cs typeface="Segoe UI" panose="020B0502040204020203" pitchFamily="34" charset="0"/>
                       </a:endParaRPr>
                     </a:p>
                   </a:txBody>
@@ -36917,14 +37281,16 @@
                       <a:r>
                         <a:rPr lang="en-US" altLang="ja-JP" sz="1200" kern="0" dirty="0" smtClean="0">
                           <a:effectLst/>
+                          <a:latin typeface="Segoe UI" panose="020B0502040204020203" pitchFamily="34" charset="0"/>
+                          <a:cs typeface="Segoe UI" panose="020B0502040204020203" pitchFamily="34" charset="0"/>
                         </a:rPr>
                         <a:t>×</a:t>
                       </a:r>
                       <a:endParaRPr lang="ja-JP" sz="1200" kern="100" dirty="0">
                         <a:effectLst/>
-                        <a:latin typeface="Century" panose="02040604050505020304" pitchFamily="18" charset="0"/>
+                        <a:latin typeface="Segoe UI" panose="020B0502040204020203" pitchFamily="34" charset="0"/>
                         <a:ea typeface="ＭＳ 明朝" panose="02020609040205080304" pitchFamily="17" charset="-128"/>
-                        <a:cs typeface="Times New Roman" panose="02020603050405020304" pitchFamily="18" charset="0"/>
+                        <a:cs typeface="Segoe UI" panose="020B0502040204020203" pitchFamily="34" charset="0"/>
                       </a:endParaRPr>
                     </a:p>
                   </a:txBody>
@@ -36946,14 +37312,16 @@
                       <a:r>
                         <a:rPr lang="en-US" altLang="ja-JP" sz="1050" kern="100" dirty="0" smtClean="0">
                           <a:effectLst/>
+                          <a:latin typeface="Segoe UI" panose="020B0502040204020203" pitchFamily="34" charset="0"/>
+                          <a:cs typeface="Segoe UI" panose="020B0502040204020203" pitchFamily="34" charset="0"/>
                         </a:rPr>
                         <a:t>×</a:t>
                       </a:r>
                       <a:endParaRPr lang="ja-JP" sz="1050" kern="100" dirty="0">
                         <a:effectLst/>
-                        <a:latin typeface="Century" panose="02040604050505020304" pitchFamily="18" charset="0"/>
+                        <a:latin typeface="Segoe UI" panose="020B0502040204020203" pitchFamily="34" charset="0"/>
                         <a:ea typeface="ＭＳ 明朝" panose="02020609040205080304" pitchFamily="17" charset="-128"/>
-                        <a:cs typeface="Times New Roman" panose="02020603050405020304" pitchFamily="18" charset="0"/>
+                        <a:cs typeface="Segoe UI" panose="020B0502040204020203" pitchFamily="34" charset="0"/>
                       </a:endParaRPr>
                     </a:p>
                   </a:txBody>
@@ -37199,14 +37567,16 @@
                       <a:r>
                         <a:rPr lang="en-US" altLang="ja-JP" sz="1050" kern="0" dirty="0" smtClean="0">
                           <a:effectLst/>
+                          <a:latin typeface="Segoe UI" panose="020B0502040204020203" pitchFamily="34" charset="0"/>
+                          <a:cs typeface="Segoe UI" panose="020B0502040204020203" pitchFamily="34" charset="0"/>
                         </a:rPr>
                         <a:t>×</a:t>
                       </a:r>
                       <a:endParaRPr lang="ja-JP" altLang="ja-JP" sz="1050" kern="100" dirty="0" smtClean="0">
                         <a:effectLst/>
-                        <a:latin typeface="Century" panose="02040604050505020304" pitchFamily="18" charset="0"/>
+                        <a:latin typeface="Segoe UI" panose="020B0502040204020203" pitchFamily="34" charset="0"/>
                         <a:ea typeface="ＭＳ 明朝" panose="02020609040205080304" pitchFamily="17" charset="-128"/>
-                        <a:cs typeface="Times New Roman" panose="02020603050405020304" pitchFamily="18" charset="0"/>
+                        <a:cs typeface="Segoe UI" panose="020B0502040204020203" pitchFamily="34" charset="0"/>
                       </a:endParaRPr>
                     </a:p>
                   </a:txBody>
@@ -37237,17 +37607,17 @@
                       <a:r>
                         <a:rPr lang="ja-JP" altLang="en-US" sz="1050" kern="0" dirty="0" smtClean="0">
                           <a:effectLst/>
-                          <a:latin typeface="+mn-lt"/>
+                          <a:latin typeface="Segoe UI" panose="020B0502040204020203" pitchFamily="34" charset="0"/>
                           <a:ea typeface="+mn-ea"/>
-                          <a:cs typeface="+mn-cs"/>
+                          <a:cs typeface="Segoe UI" panose="020B0502040204020203" pitchFamily="34" charset="0"/>
                         </a:rPr>
                         <a:t>〇</a:t>
                       </a:r>
                       <a:endParaRPr lang="ja-JP" altLang="ja-JP" sz="1050" kern="100" dirty="0" smtClean="0">
                         <a:effectLst/>
-                        <a:latin typeface="Century" panose="02040604050505020304" pitchFamily="18" charset="0"/>
+                        <a:latin typeface="Segoe UI" panose="020B0502040204020203" pitchFamily="34" charset="0"/>
                         <a:ea typeface="ＭＳ 明朝" panose="02020609040205080304" pitchFamily="17" charset="-128"/>
-                        <a:cs typeface="Times New Roman" panose="02020603050405020304" pitchFamily="18" charset="0"/>
+                        <a:cs typeface="Segoe UI" panose="020B0502040204020203" pitchFamily="34" charset="0"/>
                       </a:endParaRPr>
                     </a:p>
                   </a:txBody>
@@ -37273,53 +37643,53 @@
                       <a:r>
                         <a:rPr lang="en-US" altLang="ja-JP" sz="900" kern="100" dirty="0" smtClean="0">
                           <a:effectLst/>
-                          <a:latin typeface="+mn-ea"/>
+                          <a:latin typeface="Segoe UI" panose="020B0502040204020203" pitchFamily="34" charset="0"/>
                           <a:ea typeface="+mn-ea"/>
-                          <a:cs typeface="Times New Roman" panose="02020603050405020304" pitchFamily="18" charset="0"/>
+                          <a:cs typeface="Segoe UI" panose="020B0502040204020203" pitchFamily="34" charset="0"/>
                         </a:rPr>
                         <a:t>CI/CD</a:t>
                       </a:r>
                       <a:r>
                         <a:rPr lang="ja-JP" altLang="en-US" sz="900" kern="100" dirty="0" smtClean="0">
                           <a:effectLst/>
-                          <a:latin typeface="+mn-ea"/>
+                          <a:latin typeface="Segoe UI" panose="020B0502040204020203" pitchFamily="34" charset="0"/>
                           <a:ea typeface="+mn-ea"/>
-                          <a:cs typeface="Times New Roman" panose="02020603050405020304" pitchFamily="18" charset="0"/>
+                          <a:cs typeface="Segoe UI" panose="020B0502040204020203" pitchFamily="34" charset="0"/>
                         </a:rPr>
                         <a:t> </a:t>
                       </a:r>
                       <a:r>
                         <a:rPr lang="en-US" altLang="ja-JP" sz="900" kern="100" dirty="0" smtClean="0">
                           <a:effectLst/>
-                          <a:latin typeface="+mn-ea"/>
+                          <a:latin typeface="Segoe UI" panose="020B0502040204020203" pitchFamily="34" charset="0"/>
                           <a:ea typeface="+mn-ea"/>
-                          <a:cs typeface="Times New Roman" panose="02020603050405020304" pitchFamily="18" charset="0"/>
+                          <a:cs typeface="Segoe UI" panose="020B0502040204020203" pitchFamily="34" charset="0"/>
                         </a:rPr>
                         <a:t>for</a:t>
                       </a:r>
                       <a:r>
                         <a:rPr lang="ja-JP" altLang="en-US" sz="900" kern="100" dirty="0" smtClean="0">
                           <a:effectLst/>
-                          <a:latin typeface="+mn-ea"/>
+                          <a:latin typeface="Segoe UI" panose="020B0502040204020203" pitchFamily="34" charset="0"/>
                           <a:ea typeface="+mn-ea"/>
-                          <a:cs typeface="Times New Roman" panose="02020603050405020304" pitchFamily="18" charset="0"/>
+                          <a:cs typeface="Segoe UI" panose="020B0502040204020203" pitchFamily="34" charset="0"/>
                         </a:rPr>
                         <a:t> </a:t>
                       </a:r>
                       <a:r>
                         <a:rPr lang="en-US" altLang="ja-JP" sz="900" kern="100" dirty="0" err="1" smtClean="0">
                           <a:effectLst/>
-                          <a:latin typeface="+mn-ea"/>
+                          <a:latin typeface="Segoe UI" panose="020B0502040204020203" pitchFamily="34" charset="0"/>
                           <a:ea typeface="+mn-ea"/>
-                          <a:cs typeface="Times New Roman" panose="02020603050405020304" pitchFamily="18" charset="0"/>
+                          <a:cs typeface="Segoe UI" panose="020B0502040204020203" pitchFamily="34" charset="0"/>
                         </a:rPr>
                         <a:t>IaC</a:t>
                       </a:r>
                       <a:endParaRPr lang="en-US" altLang="ja-JP" sz="900" kern="100" dirty="0" smtClean="0">
                         <a:effectLst/>
-                        <a:latin typeface="+mn-ea"/>
+                        <a:latin typeface="Segoe UI" panose="020B0502040204020203" pitchFamily="34" charset="0"/>
                         <a:ea typeface="+mn-ea"/>
-                        <a:cs typeface="Times New Roman" panose="02020603050405020304" pitchFamily="18" charset="0"/>
+                        <a:cs typeface="Segoe UI" panose="020B0502040204020203" pitchFamily="34" charset="0"/>
                       </a:endParaRPr>
                     </a:p>
                   </a:txBody>
@@ -37350,14 +37720,16 @@
                       <a:r>
                         <a:rPr lang="en-US" altLang="ja-JP" sz="900" kern="100" dirty="0" err="1" smtClean="0">
                           <a:effectLst/>
+                          <a:latin typeface="Segoe UI" panose="020B0502040204020203" pitchFamily="34" charset="0"/>
+                          <a:cs typeface="Segoe UI" panose="020B0502040204020203" pitchFamily="34" charset="0"/>
                         </a:rPr>
                         <a:t>git</a:t>
                       </a:r>
                       <a:endParaRPr lang="ja-JP" altLang="ja-JP" sz="1050" kern="100" dirty="0" smtClean="0">
                         <a:effectLst/>
-                        <a:latin typeface="Century" panose="02040604050505020304" pitchFamily="18" charset="0"/>
+                        <a:latin typeface="Segoe UI" panose="020B0502040204020203" pitchFamily="34" charset="0"/>
                         <a:ea typeface="ＭＳ 明朝" panose="02020609040205080304" pitchFamily="17" charset="-128"/>
-                        <a:cs typeface="Times New Roman" panose="02020603050405020304" pitchFamily="18" charset="0"/>
+                        <a:cs typeface="Segoe UI" panose="020B0502040204020203" pitchFamily="34" charset="0"/>
                       </a:endParaRPr>
                     </a:p>
                   </a:txBody>
@@ -37388,62 +37760,62 @@
                       <a:r>
                         <a:rPr lang="en-US" altLang="ja-JP" sz="900" kern="100" dirty="0" smtClean="0">
                           <a:effectLst/>
-                          <a:latin typeface="+mn-ea"/>
+                          <a:latin typeface="Segoe UI" panose="020B0502040204020203" pitchFamily="34" charset="0"/>
                           <a:ea typeface="+mn-ea"/>
-                          <a:cs typeface="Times New Roman" panose="02020603050405020304" pitchFamily="18" charset="0"/>
+                          <a:cs typeface="Segoe UI" panose="020B0502040204020203" pitchFamily="34" charset="0"/>
                         </a:rPr>
                         <a:t>CI/CD</a:t>
                       </a:r>
                       <a:r>
                         <a:rPr lang="ja-JP" altLang="en-US" sz="900" kern="100" dirty="0" smtClean="0">
                           <a:effectLst/>
-                          <a:latin typeface="+mn-ea"/>
+                          <a:latin typeface="Segoe UI" panose="020B0502040204020203" pitchFamily="34" charset="0"/>
                           <a:ea typeface="+mn-ea"/>
-                          <a:cs typeface="Times New Roman" panose="02020603050405020304" pitchFamily="18" charset="0"/>
+                          <a:cs typeface="Segoe UI" panose="020B0502040204020203" pitchFamily="34" charset="0"/>
                         </a:rPr>
                         <a:t> </a:t>
                       </a:r>
                       <a:r>
                         <a:rPr lang="en-US" altLang="ja-JP" sz="900" kern="100" dirty="0" smtClean="0">
                           <a:effectLst/>
-                          <a:latin typeface="+mn-ea"/>
+                          <a:latin typeface="Segoe UI" panose="020B0502040204020203" pitchFamily="34" charset="0"/>
                           <a:ea typeface="+mn-ea"/>
-                          <a:cs typeface="Times New Roman" panose="02020603050405020304" pitchFamily="18" charset="0"/>
+                          <a:cs typeface="Segoe UI" panose="020B0502040204020203" pitchFamily="34" charset="0"/>
                         </a:rPr>
                         <a:t>for</a:t>
                       </a:r>
                       <a:r>
                         <a:rPr lang="ja-JP" altLang="en-US" sz="900" kern="100" dirty="0" smtClean="0">
                           <a:effectLst/>
-                          <a:latin typeface="+mn-ea"/>
+                          <a:latin typeface="Segoe UI" panose="020B0502040204020203" pitchFamily="34" charset="0"/>
                           <a:ea typeface="+mn-ea"/>
-                          <a:cs typeface="Times New Roman" panose="02020603050405020304" pitchFamily="18" charset="0"/>
+                          <a:cs typeface="Segoe UI" panose="020B0502040204020203" pitchFamily="34" charset="0"/>
                         </a:rPr>
                         <a:t> </a:t>
                       </a:r>
                       <a:r>
                         <a:rPr lang="en-US" altLang="ja-JP" sz="900" kern="100" dirty="0" err="1" smtClean="0">
                           <a:effectLst/>
-                          <a:latin typeface="+mn-ea"/>
+                          <a:latin typeface="Segoe UI" panose="020B0502040204020203" pitchFamily="34" charset="0"/>
                           <a:ea typeface="+mn-ea"/>
-                          <a:cs typeface="Times New Roman" panose="02020603050405020304" pitchFamily="18" charset="0"/>
+                          <a:cs typeface="Segoe UI" panose="020B0502040204020203" pitchFamily="34" charset="0"/>
                         </a:rPr>
                         <a:t>IaC</a:t>
                       </a:r>
                       <a:r>
                         <a:rPr lang="ja-JP" altLang="en-US" sz="900" kern="100" baseline="0" dirty="0" smtClean="0">
                           <a:effectLst/>
-                          <a:latin typeface="+mn-ea"/>
+                          <a:latin typeface="Segoe UI" panose="020B0502040204020203" pitchFamily="34" charset="0"/>
                           <a:ea typeface="+mn-ea"/>
-                          <a:cs typeface="Times New Roman" panose="02020603050405020304" pitchFamily="18" charset="0"/>
+                          <a:cs typeface="Segoe UI" panose="020B0502040204020203" pitchFamily="34" charset="0"/>
                         </a:rPr>
                         <a:t> </a:t>
                       </a:r>
                       <a:endParaRPr lang="en-US" altLang="ja-JP" sz="900" kern="100" dirty="0" smtClean="0">
                         <a:effectLst/>
-                        <a:latin typeface="+mn-ea"/>
+                        <a:latin typeface="Segoe UI" panose="020B0502040204020203" pitchFamily="34" charset="0"/>
                         <a:ea typeface="+mn-ea"/>
-                        <a:cs typeface="Times New Roman" panose="02020603050405020304" pitchFamily="18" charset="0"/>
+                        <a:cs typeface="Segoe UI" panose="020B0502040204020203" pitchFamily="34" charset="0"/>
                       </a:endParaRPr>
                     </a:p>
                   </a:txBody>
@@ -37454,7 +37826,7 @@
                     <a:bodyPr/>
                     <a:lstStyle/>
                     <a:p>
-                      <a:pPr algn="just">
+                      <a:pPr algn="l">
                         <a:lnSpc>
                           <a:spcPts val="1200"/>
                         </a:lnSpc>
@@ -37463,59 +37835,59 @@
                         </a:spcAft>
                       </a:pPr>
                       <a:r>
-                        <a:rPr lang="ja-JP" altLang="en-US" sz="800" kern="100" dirty="0" smtClean="0">
-                          <a:effectLst/>
-                          <a:latin typeface="+mn-ea"/>
+                        <a:rPr lang="ja-JP" altLang="en-US" sz="900" kern="100" dirty="0" smtClean="0">
+                          <a:effectLst/>
+                          <a:latin typeface="Segoe UI" panose="020B0502040204020203" pitchFamily="34" charset="0"/>
                           <a:ea typeface="+mn-ea"/>
-                          <a:cs typeface="Times New Roman" panose="02020603050405020304" pitchFamily="18" charset="0"/>
+                          <a:cs typeface="Segoe UI" panose="020B0502040204020203" pitchFamily="34" charset="0"/>
                         </a:rPr>
                         <a:t>・</a:t>
                       </a:r>
                       <a:r>
-                        <a:rPr lang="en-US" altLang="ja-JP" sz="800" kern="100" dirty="0" smtClean="0">
-                          <a:effectLst/>
-                          <a:latin typeface="+mn-ea"/>
+                        <a:rPr lang="en-US" altLang="ja-JP" sz="900" kern="100" dirty="0" smtClean="0">
+                          <a:effectLst/>
+                          <a:latin typeface="Segoe UI" panose="020B0502040204020203" pitchFamily="34" charset="0"/>
                           <a:ea typeface="+mn-ea"/>
-                          <a:cs typeface="Times New Roman" panose="02020603050405020304" pitchFamily="18" charset="0"/>
+                          <a:cs typeface="Segoe UI" panose="020B0502040204020203" pitchFamily="34" charset="0"/>
                         </a:rPr>
                         <a:t>Creates</a:t>
                       </a:r>
                       <a:r>
-                        <a:rPr lang="en-US" altLang="ja-JP" sz="800" kern="100" baseline="0" dirty="0" smtClean="0">
-                          <a:effectLst/>
-                          <a:latin typeface="+mn-ea"/>
+                        <a:rPr lang="en-US" altLang="ja-JP" sz="900" kern="100" baseline="0" dirty="0" smtClean="0">
+                          <a:effectLst/>
+                          <a:latin typeface="Segoe UI" panose="020B0502040204020203" pitchFamily="34" charset="0"/>
                           <a:ea typeface="+mn-ea"/>
-                          <a:cs typeface="Times New Roman" panose="02020603050405020304" pitchFamily="18" charset="0"/>
+                          <a:cs typeface="Segoe UI" panose="020B0502040204020203" pitchFamily="34" charset="0"/>
                         </a:rPr>
                         <a:t> a clone of the </a:t>
                       </a:r>
                       <a:r>
-                        <a:rPr lang="en-US" altLang="ja-JP" sz="800" kern="100" baseline="0" dirty="0" err="1" smtClean="0">
-                          <a:effectLst/>
-                          <a:latin typeface="+mn-ea"/>
+                        <a:rPr lang="en-US" altLang="ja-JP" sz="900" kern="100" baseline="0" dirty="0" err="1" smtClean="0">
+                          <a:effectLst/>
+                          <a:latin typeface="Segoe UI" panose="020B0502040204020203" pitchFamily="34" charset="0"/>
                           <a:ea typeface="+mn-ea"/>
-                          <a:cs typeface="Times New Roman" panose="02020603050405020304" pitchFamily="18" charset="0"/>
+                          <a:cs typeface="Segoe UI" panose="020B0502040204020203" pitchFamily="34" charset="0"/>
                         </a:rPr>
                         <a:t>Git</a:t>
                       </a:r>
                       <a:r>
-                        <a:rPr lang="en-US" altLang="ja-JP" sz="800" kern="100" baseline="0" dirty="0" smtClean="0">
-                          <a:effectLst/>
-                          <a:latin typeface="+mn-ea"/>
+                        <a:rPr lang="en-US" altLang="ja-JP" sz="900" kern="100" baseline="0" dirty="0" smtClean="0">
+                          <a:effectLst/>
+                          <a:latin typeface="Segoe UI" panose="020B0502040204020203" pitchFamily="34" charset="0"/>
                           <a:ea typeface="+mn-ea"/>
-                          <a:cs typeface="Times New Roman" panose="02020603050405020304" pitchFamily="18" charset="0"/>
+                          <a:cs typeface="Segoe UI" panose="020B0502040204020203" pitchFamily="34" charset="0"/>
                         </a:rPr>
                         <a:t> repository in ITA.</a:t>
                       </a:r>
-                      <a:endParaRPr lang="ja-JP" altLang="en-US" sz="800" kern="100" dirty="0" smtClean="0">
+                      <a:endParaRPr lang="ja-JP" altLang="en-US" sz="900" kern="100" dirty="0" smtClean="0">
                         <a:effectLst/>
-                        <a:latin typeface="+mn-ea"/>
+                        <a:latin typeface="Segoe UI" panose="020B0502040204020203" pitchFamily="34" charset="0"/>
                         <a:ea typeface="+mn-ea"/>
-                        <a:cs typeface="Times New Roman" panose="02020603050405020304" pitchFamily="18" charset="0"/>
+                        <a:cs typeface="Segoe UI" panose="020B0502040204020203" pitchFamily="34" charset="0"/>
                       </a:endParaRPr>
                     </a:p>
                     <a:p>
-                      <a:pPr algn="just">
+                      <a:pPr algn="l">
                         <a:lnSpc>
                           <a:spcPts val="1200"/>
                         </a:lnSpc>
@@ -37524,59 +37896,59 @@
                         </a:spcAft>
                       </a:pPr>
                       <a:r>
-                        <a:rPr lang="ja-JP" altLang="en-US" sz="800" kern="100" dirty="0" smtClean="0">
-                          <a:effectLst/>
-                          <a:latin typeface="+mn-ea"/>
+                        <a:rPr lang="ja-JP" altLang="en-US" sz="900" kern="100" dirty="0" smtClean="0">
+                          <a:effectLst/>
+                          <a:latin typeface="Segoe UI" panose="020B0502040204020203" pitchFamily="34" charset="0"/>
                           <a:ea typeface="+mn-ea"/>
-                          <a:cs typeface="Times New Roman" panose="02020603050405020304" pitchFamily="18" charset="0"/>
+                          <a:cs typeface="Segoe UI" panose="020B0502040204020203" pitchFamily="34" charset="0"/>
                         </a:rPr>
                         <a:t>・</a:t>
                       </a:r>
                       <a:r>
-                        <a:rPr lang="en-US" altLang="ja-JP" sz="800" kern="100" dirty="0" smtClean="0">
-                          <a:effectLst/>
-                          <a:latin typeface="+mn-ea"/>
+                        <a:rPr lang="en-US" altLang="ja-JP" sz="900" kern="100" dirty="0" smtClean="0">
+                          <a:effectLst/>
+                          <a:latin typeface="Segoe UI" panose="020B0502040204020203" pitchFamily="34" charset="0"/>
                           <a:ea typeface="+mn-ea"/>
-                          <a:cs typeface="Times New Roman" panose="02020603050405020304" pitchFamily="18" charset="0"/>
+                          <a:cs typeface="Segoe UI" panose="020B0502040204020203" pitchFamily="34" charset="0"/>
                         </a:rPr>
                         <a:t>Uses the clone to detect</a:t>
                       </a:r>
                       <a:r>
-                        <a:rPr lang="en-US" altLang="ja-JP" sz="800" kern="100" baseline="0" dirty="0" smtClean="0">
-                          <a:effectLst/>
-                          <a:latin typeface="+mn-ea"/>
+                        <a:rPr lang="en-US" altLang="ja-JP" sz="900" kern="100" baseline="0" dirty="0" smtClean="0">
+                          <a:effectLst/>
+                          <a:latin typeface="Segoe UI" panose="020B0502040204020203" pitchFamily="34" charset="0"/>
                           <a:ea typeface="+mn-ea"/>
-                          <a:cs typeface="Times New Roman" panose="02020603050405020304" pitchFamily="18" charset="0"/>
+                          <a:cs typeface="Segoe UI" panose="020B0502040204020203" pitchFamily="34" charset="0"/>
                         </a:rPr>
                         <a:t> any updates to the </a:t>
                       </a:r>
                       <a:r>
-                        <a:rPr lang="en-US" altLang="ja-JP" sz="800" kern="100" baseline="0" dirty="0" err="1" smtClean="0">
-                          <a:effectLst/>
-                          <a:latin typeface="+mn-ea"/>
+                        <a:rPr lang="en-US" altLang="ja-JP" sz="900" kern="100" baseline="0" dirty="0" err="1" smtClean="0">
+                          <a:effectLst/>
+                          <a:latin typeface="Segoe UI" panose="020B0502040204020203" pitchFamily="34" charset="0"/>
                           <a:ea typeface="+mn-ea"/>
-                          <a:cs typeface="Times New Roman" panose="02020603050405020304" pitchFamily="18" charset="0"/>
+                          <a:cs typeface="Segoe UI" panose="020B0502040204020203" pitchFamily="34" charset="0"/>
                         </a:rPr>
                         <a:t>Git</a:t>
                       </a:r>
                       <a:r>
-                        <a:rPr lang="en-US" altLang="ja-JP" sz="800" kern="100" baseline="0" dirty="0" smtClean="0">
-                          <a:effectLst/>
-                          <a:latin typeface="+mn-ea"/>
+                        <a:rPr lang="en-US" altLang="ja-JP" sz="900" kern="100" baseline="0" dirty="0" smtClean="0">
+                          <a:effectLst/>
+                          <a:latin typeface="Segoe UI" panose="020B0502040204020203" pitchFamily="34" charset="0"/>
                           <a:ea typeface="+mn-ea"/>
-                          <a:cs typeface="Times New Roman" panose="02020603050405020304" pitchFamily="18" charset="0"/>
+                          <a:cs typeface="Segoe UI" panose="020B0502040204020203" pitchFamily="34" charset="0"/>
                         </a:rPr>
                         <a:t> repository files.</a:t>
                       </a:r>
-                      <a:endParaRPr lang="ja-JP" altLang="en-US" sz="800" kern="100" dirty="0" smtClean="0">
+                      <a:endParaRPr lang="ja-JP" altLang="en-US" sz="900" kern="100" dirty="0" smtClean="0">
                         <a:effectLst/>
-                        <a:latin typeface="+mn-ea"/>
+                        <a:latin typeface="Segoe UI" panose="020B0502040204020203" pitchFamily="34" charset="0"/>
                         <a:ea typeface="+mn-ea"/>
-                        <a:cs typeface="Times New Roman" panose="02020603050405020304" pitchFamily="18" charset="0"/>
+                        <a:cs typeface="Segoe UI" panose="020B0502040204020203" pitchFamily="34" charset="0"/>
                       </a:endParaRPr>
                     </a:p>
                     <a:p>
-                      <a:pPr algn="just">
+                      <a:pPr algn="l">
                         <a:lnSpc>
                           <a:spcPts val="1200"/>
                         </a:lnSpc>
@@ -37585,55 +37957,55 @@
                         </a:spcAft>
                       </a:pPr>
                       <a:r>
-                        <a:rPr lang="ja-JP" altLang="en-US" sz="800" kern="100" dirty="0" smtClean="0">
-                          <a:effectLst/>
-                          <a:latin typeface="+mn-ea"/>
+                        <a:rPr lang="ja-JP" altLang="en-US" sz="900" kern="100" dirty="0" smtClean="0">
+                          <a:effectLst/>
+                          <a:latin typeface="Segoe UI" panose="020B0502040204020203" pitchFamily="34" charset="0"/>
                           <a:ea typeface="+mn-ea"/>
-                          <a:cs typeface="Times New Roman" panose="02020603050405020304" pitchFamily="18" charset="0"/>
+                          <a:cs typeface="Segoe UI" panose="020B0502040204020203" pitchFamily="34" charset="0"/>
                         </a:rPr>
                         <a:t>・</a:t>
                       </a:r>
                       <a:r>
-                        <a:rPr lang="en-US" altLang="ja-JP" sz="800" kern="100" dirty="0" smtClean="0">
-                          <a:effectLst/>
-                          <a:latin typeface="+mn-ea"/>
+                        <a:rPr lang="en-US" altLang="ja-JP" sz="900" kern="100" dirty="0" smtClean="0">
+                          <a:effectLst/>
+                          <a:latin typeface="Segoe UI" panose="020B0502040204020203" pitchFamily="34" charset="0"/>
                           <a:ea typeface="+mn-ea"/>
-                          <a:cs typeface="Times New Roman" panose="02020603050405020304" pitchFamily="18" charset="0"/>
+                          <a:cs typeface="Segoe UI" panose="020B0502040204020203" pitchFamily="34" charset="0"/>
                         </a:rPr>
                         <a:t>Configures</a:t>
                       </a:r>
                       <a:r>
-                        <a:rPr lang="en-US" altLang="ja-JP" sz="800" kern="100" baseline="0" dirty="0" smtClean="0">
-                          <a:effectLst/>
-                          <a:latin typeface="+mn-ea"/>
+                        <a:rPr lang="en-US" altLang="ja-JP" sz="900" kern="100" baseline="0" dirty="0" smtClean="0">
+                          <a:effectLst/>
+                          <a:latin typeface="Segoe UI" panose="020B0502040204020203" pitchFamily="34" charset="0"/>
                           <a:ea typeface="+mn-ea"/>
-                          <a:cs typeface="Times New Roman" panose="02020603050405020304" pitchFamily="18" charset="0"/>
+                          <a:cs typeface="Segoe UI" panose="020B0502040204020203" pitchFamily="34" charset="0"/>
                         </a:rPr>
                         <a:t> the link between the </a:t>
                       </a:r>
                       <a:r>
-                        <a:rPr lang="en-US" altLang="ja-JP" sz="800" kern="100" baseline="0" dirty="0" err="1" smtClean="0">
-                          <a:effectLst/>
-                          <a:latin typeface="+mn-ea"/>
+                        <a:rPr lang="en-US" altLang="ja-JP" sz="900" kern="100" baseline="0" dirty="0" err="1" smtClean="0">
+                          <a:effectLst/>
+                          <a:latin typeface="Segoe UI" panose="020B0502040204020203" pitchFamily="34" charset="0"/>
                           <a:ea typeface="+mn-ea"/>
-                          <a:cs typeface="Times New Roman" panose="02020603050405020304" pitchFamily="18" charset="0"/>
+                          <a:cs typeface="Segoe UI" panose="020B0502040204020203" pitchFamily="34" charset="0"/>
                         </a:rPr>
                         <a:t>Git</a:t>
                       </a:r>
                       <a:r>
-                        <a:rPr lang="en-US" altLang="ja-JP" sz="800" kern="100" baseline="0" dirty="0" smtClean="0">
-                          <a:effectLst/>
-                          <a:latin typeface="+mn-ea"/>
+                        <a:rPr lang="en-US" altLang="ja-JP" sz="900" kern="100" baseline="0" dirty="0" smtClean="0">
+                          <a:effectLst/>
+                          <a:latin typeface="Segoe UI" panose="020B0502040204020203" pitchFamily="34" charset="0"/>
                           <a:ea typeface="+mn-ea"/>
-                          <a:cs typeface="Times New Roman" panose="02020603050405020304" pitchFamily="18" charset="0"/>
+                          <a:cs typeface="Segoe UI" panose="020B0502040204020203" pitchFamily="34" charset="0"/>
                         </a:rPr>
                         <a:t> repository files and the files managed by the link software  (Ansible-Driver or Terraform-Driver) .</a:t>
                       </a:r>
-                      <a:endParaRPr lang="ja-JP" sz="800" kern="100" dirty="0">
+                      <a:endParaRPr lang="ja-JP" sz="900" kern="100" dirty="0">
                         <a:effectLst/>
-                        <a:latin typeface="+mn-ea"/>
+                        <a:latin typeface="Segoe UI" panose="020B0502040204020203" pitchFamily="34" charset="0"/>
                         <a:ea typeface="+mn-ea"/>
-                        <a:cs typeface="Times New Roman" panose="02020603050405020304" pitchFamily="18" charset="0"/>
+                        <a:cs typeface="Segoe UI" panose="020B0502040204020203" pitchFamily="34" charset="0"/>
                       </a:endParaRPr>
                     </a:p>
                   </a:txBody>
@@ -37655,14 +38027,16 @@
                       <a:r>
                         <a:rPr lang="en-US" sz="1050" kern="0" dirty="0">
                           <a:effectLst/>
+                          <a:latin typeface="Segoe UI" panose="020B0502040204020203" pitchFamily="34" charset="0"/>
+                          <a:cs typeface="Segoe UI" panose="020B0502040204020203" pitchFamily="34" charset="0"/>
                         </a:rPr>
                         <a:t>○</a:t>
                       </a:r>
                       <a:endParaRPr lang="ja-JP" sz="1200" kern="100" dirty="0">
                         <a:effectLst/>
-                        <a:latin typeface="Century" panose="02040604050505020304" pitchFamily="18" charset="0"/>
+                        <a:latin typeface="Segoe UI" panose="020B0502040204020203" pitchFamily="34" charset="0"/>
                         <a:ea typeface="ＭＳ 明朝" panose="02020609040205080304" pitchFamily="17" charset="-128"/>
-                        <a:cs typeface="Times New Roman" panose="02020603050405020304" pitchFamily="18" charset="0"/>
+                        <a:cs typeface="Segoe UI" panose="020B0502040204020203" pitchFamily="34" charset="0"/>
                       </a:endParaRPr>
                     </a:p>
                   </a:txBody>
@@ -37684,14 +38058,16 @@
                       <a:r>
                         <a:rPr lang="en-US" altLang="ja-JP" sz="1050" kern="100" dirty="0" smtClean="0">
                           <a:effectLst/>
+                          <a:latin typeface="Segoe UI" panose="020B0502040204020203" pitchFamily="34" charset="0"/>
+                          <a:cs typeface="Segoe UI" panose="020B0502040204020203" pitchFamily="34" charset="0"/>
                         </a:rPr>
                         <a:t>×</a:t>
                       </a:r>
                       <a:endParaRPr lang="ja-JP" sz="1050" kern="100" dirty="0">
                         <a:effectLst/>
-                        <a:latin typeface="+mn-lt"/>
+                        <a:latin typeface="Segoe UI" panose="020B0502040204020203" pitchFamily="34" charset="0"/>
                         <a:ea typeface="ＭＳ 明朝" panose="02020609040205080304" pitchFamily="17" charset="-128"/>
-                        <a:cs typeface="Times New Roman" panose="02020603050405020304" pitchFamily="18" charset="0"/>
+                        <a:cs typeface="Segoe UI" panose="020B0502040204020203" pitchFamily="34" charset="0"/>
                       </a:endParaRPr>
                     </a:p>
                   </a:txBody>

--- a/asset/Learn/ITA-offline-install.pptx
+++ b/asset/Learn/ITA-offline-install.pptx
@@ -350,7 +350,7 @@
               <a:rPr kumimoji="1" lang="ja-JP" altLang="en-US" smtClean="0">
                 <a:ea typeface="メイリオ" panose="020B0604030504040204" pitchFamily="50" charset="-128"/>
               </a:rPr>
-              <a:t>2022/7/26</a:t>
+              <a:t>2022/7/27</a:t>
             </a:fld>
             <a:endParaRPr kumimoji="1" lang="ja-JP" altLang="en-US" dirty="0">
               <a:ea typeface="メイリオ" panose="020B0604030504040204" pitchFamily="50" charset="-128"/>
@@ -496,7 +496,7 @@
             <a:fld id="{4B26993D-C081-44EB-B0F5-A9F467792B62}" type="datetimeFigureOut">
               <a:rPr lang="ja-JP" altLang="en-US" smtClean="0"/>
               <a:pPr/>
-              <a:t>2022/7/26</a:t>
+              <a:t>2022/7/27</a:t>
             </a:fld>
             <a:endParaRPr lang="ja-JP" altLang="en-US" dirty="0"/>
           </a:p>
@@ -1100,7 +1100,7 @@
           <a:p>
             <a:fld id="{56F9016B-CCA6-43BE-8BEE-59565A35F4F7}" type="datetimeFigureOut">
               <a:rPr kumimoji="1" lang="ja-JP" altLang="en-US" smtClean="0"/>
-              <a:t>2022/7/26</a:t>
+              <a:t>2022/7/27</a:t>
             </a:fld>
             <a:endParaRPr kumimoji="1" lang="ja-JP" altLang="en-US"/>
           </a:p>
@@ -1300,7 +1300,7 @@
           <a:p>
             <a:fld id="{56F9016B-CCA6-43BE-8BEE-59565A35F4F7}" type="datetimeFigureOut">
               <a:rPr kumimoji="1" lang="ja-JP" altLang="en-US" smtClean="0"/>
-              <a:t>2022/7/26</a:t>
+              <a:t>2022/7/27</a:t>
             </a:fld>
             <a:endParaRPr kumimoji="1" lang="ja-JP" altLang="en-US"/>
           </a:p>
@@ -1545,7 +1545,7 @@
           <a:p>
             <a:fld id="{56F9016B-CCA6-43BE-8BEE-59565A35F4F7}" type="datetimeFigureOut">
               <a:rPr kumimoji="1" lang="ja-JP" altLang="en-US" smtClean="0"/>
-              <a:t>2022/7/26</a:t>
+              <a:t>2022/7/27</a:t>
             </a:fld>
             <a:endParaRPr kumimoji="1" lang="ja-JP" altLang="en-US"/>
           </a:p>
@@ -1838,7 +1838,7 @@
           <a:p>
             <a:fld id="{56F9016B-CCA6-43BE-8BEE-59565A35F4F7}" type="datetimeFigureOut">
               <a:rPr kumimoji="1" lang="ja-JP" altLang="en-US" smtClean="0"/>
-              <a:t>2022/7/26</a:t>
+              <a:t>2022/7/27</a:t>
             </a:fld>
             <a:endParaRPr kumimoji="1" lang="ja-JP" altLang="en-US"/>
           </a:p>
@@ -2266,7 +2266,7 @@
           <a:p>
             <a:fld id="{56F9016B-CCA6-43BE-8BEE-59565A35F4F7}" type="datetimeFigureOut">
               <a:rPr kumimoji="1" lang="ja-JP" altLang="en-US" smtClean="0"/>
-              <a:t>2022/7/26</a:t>
+              <a:t>2022/7/27</a:t>
             </a:fld>
             <a:endParaRPr kumimoji="1" lang="ja-JP" altLang="en-US"/>
           </a:p>
@@ -2383,7 +2383,7 @@
           <a:p>
             <a:fld id="{56F9016B-CCA6-43BE-8BEE-59565A35F4F7}" type="datetimeFigureOut">
               <a:rPr kumimoji="1" lang="ja-JP" altLang="en-US" smtClean="0"/>
-              <a:t>2022/7/26</a:t>
+              <a:t>2022/7/27</a:t>
             </a:fld>
             <a:endParaRPr kumimoji="1" lang="ja-JP" altLang="en-US"/>
           </a:p>
@@ -2478,7 +2478,7 @@
           <a:p>
             <a:fld id="{56F9016B-CCA6-43BE-8BEE-59565A35F4F7}" type="datetimeFigureOut">
               <a:rPr kumimoji="1" lang="ja-JP" altLang="en-US" smtClean="0"/>
-              <a:t>2022/7/26</a:t>
+              <a:t>2022/7/27</a:t>
             </a:fld>
             <a:endParaRPr kumimoji="1" lang="ja-JP" altLang="en-US"/>
           </a:p>
@@ -2785,7 +2785,7 @@
           <a:p>
             <a:fld id="{56F9016B-CCA6-43BE-8BEE-59565A35F4F7}" type="datetimeFigureOut">
               <a:rPr kumimoji="1" lang="ja-JP" altLang="en-US" smtClean="0"/>
-              <a:t>2022/7/26</a:t>
+              <a:t>2022/7/27</a:t>
             </a:fld>
             <a:endParaRPr kumimoji="1" lang="ja-JP" altLang="en-US"/>
           </a:p>
@@ -3037,7 +3037,7 @@
           <a:p>
             <a:fld id="{56F9016B-CCA6-43BE-8BEE-59565A35F4F7}" type="datetimeFigureOut">
               <a:rPr kumimoji="1" lang="ja-JP" altLang="en-US" smtClean="0"/>
-              <a:t>2022/7/26</a:t>
+              <a:t>2022/7/27</a:t>
             </a:fld>
             <a:endParaRPr kumimoji="1" lang="ja-JP" altLang="en-US"/>
           </a:p>
@@ -3304,7 +3304,7 @@
           <a:p>
             <a:fld id="{56F9016B-CCA6-43BE-8BEE-59565A35F4F7}" type="datetimeFigureOut">
               <a:rPr kumimoji="1" lang="ja-JP" altLang="en-US" smtClean="0"/>
-              <a:t>2022/7/26</a:t>
+              <a:t>2022/7/27</a:t>
             </a:fld>
             <a:endParaRPr kumimoji="1" lang="ja-JP" altLang="en-US"/>
           </a:p>
@@ -3514,7 +3514,7 @@
           <a:p>
             <a:fld id="{56F9016B-CCA6-43BE-8BEE-59565A35F4F7}" type="datetimeFigureOut">
               <a:rPr kumimoji="1" lang="ja-JP" altLang="en-US" smtClean="0"/>
-              <a:t>2022/7/26</a:t>
+              <a:t>2022/7/27</a:t>
             </a:fld>
             <a:endParaRPr kumimoji="1" lang="ja-JP" altLang="en-US"/>
           </a:p>
@@ -6502,7 +6502,7 @@
           <a:p>
             <a:fld id="{56F9016B-CCA6-43BE-8BEE-59565A35F4F7}" type="datetimeFigureOut">
               <a:rPr kumimoji="1" lang="ja-JP" altLang="en-US" smtClean="0"/>
-              <a:t>2022/7/26</a:t>
+              <a:t>2022/7/27</a:t>
             </a:fld>
             <a:endParaRPr kumimoji="1" lang="ja-JP" altLang="en-US"/>
           </a:p>
@@ -14860,7 +14860,7 @@
           <p:nvPr>
             <p:extLst>
               <p:ext uri="{D42A27DB-BD31-4B8C-83A1-F6EECF244321}">
-                <p14:modId xmlns:p14="http://schemas.microsoft.com/office/powerpoint/2010/main" val="2592376945"/>
+                <p14:modId xmlns:p14="http://schemas.microsoft.com/office/powerpoint/2010/main" val="900682947"/>
               </p:ext>
             </p:extLst>
           </p:nvPr>
@@ -16549,7 +16549,57 @@
                           <a:ea typeface="+mn-ea"/>
                           <a:cs typeface="Times New Roman" panose="02020603050405020304" pitchFamily="18" charset="0"/>
                         </a:rPr>
-                        <a:t>Install from the </a:t>
+                        <a:t>Install from the MariaDB official depository  (</a:t>
+                      </a:r>
+                      <a:r>
+                        <a:rPr lang="en-US" altLang="ja-JP" sz="900" kern="100" dirty="0">
+                          <a:solidFill>
+                            <a:schemeClr val="tx1"/>
+                          </a:solidFill>
+                          <a:effectLst/>
+                          <a:latin typeface="+mn-ea"/>
+                          <a:ea typeface="+mn-ea"/>
+                          <a:cs typeface="Times New Roman" panose="02020603050405020304" pitchFamily="18" charset="0"/>
+                          <a:hlinkClick r:id="rId2"/>
+                        </a:rPr>
+                        <a:t>https://</a:t>
+                      </a:r>
+                      <a:r>
+                        <a:rPr lang="en-US" altLang="ja-JP" sz="900" kern="100">
+                          <a:solidFill>
+                            <a:schemeClr val="tx1"/>
+                          </a:solidFill>
+                          <a:effectLst/>
+                          <a:latin typeface="+mn-ea"/>
+                          <a:ea typeface="+mn-ea"/>
+                          <a:cs typeface="Times New Roman" panose="02020603050405020304" pitchFamily="18" charset="0"/>
+                          <a:hlinkClick r:id="rId2"/>
+                        </a:rPr>
+                        <a:t>mariadb.com/</a:t>
+                      </a:r>
+                      <a:r>
+                        <a:rPr lang="en-US" altLang="ja-JP" sz="900" kern="100">
+                          <a:solidFill>
+                            <a:schemeClr val="tx1"/>
+                          </a:solidFill>
+                          <a:effectLst/>
+                          <a:latin typeface="+mn-ea"/>
+                          <a:ea typeface="+mn-ea"/>
+                          <a:cs typeface="Times New Roman" panose="02020603050405020304" pitchFamily="18" charset="0"/>
+                        </a:rPr>
+                        <a:t>)  </a:t>
+                      </a:r>
+                      <a:r>
+                        <a:rPr lang="en-US" altLang="ja-JP" sz="900" kern="100" dirty="0">
+                          <a:solidFill>
+                            <a:schemeClr val="tx1"/>
+                          </a:solidFill>
+                          <a:effectLst/>
+                          <a:latin typeface="+mn-ea"/>
+                          <a:ea typeface="+mn-ea"/>
+                          <a:cs typeface="Times New Roman" panose="02020603050405020304" pitchFamily="18" charset="0"/>
+                        </a:rPr>
+                        <a:t>※If the </a:t>
                       </a:r>
                       <a:r>
                         <a:rPr lang="en-US" altLang="ja-JP" sz="900" kern="100" dirty="0" err="1">
@@ -16561,7 +16611,7 @@
                           <a:ea typeface="+mn-ea"/>
                           <a:cs typeface="Times New Roman" panose="02020603050405020304" pitchFamily="18" charset="0"/>
                         </a:rPr>
-                        <a:t>MariaDB</a:t>
+                        <a:t>linux_os</a:t>
                       </a:r>
                       <a:r>
                         <a:rPr lang="en-US" altLang="ja-JP" sz="900" kern="100" dirty="0">
@@ -16573,7 +16623,7 @@
                           <a:ea typeface="+mn-ea"/>
                           <a:cs typeface="Times New Roman" panose="02020603050405020304" pitchFamily="18" charset="0"/>
                         </a:rPr>
-                        <a:t> official depository  (</a:t>
+                        <a:t> is CentOS7 or RHEL7, MariaDB will be installed using the MariaDB official repository (</a:t>
                       </a:r>
                       <a:r>
                         <a:rPr lang="en-US" altLang="ja-JP" sz="900" kern="100" dirty="0">
@@ -16586,104 +16636,7 @@
                           <a:cs typeface="Times New Roman" panose="02020603050405020304" pitchFamily="18" charset="0"/>
                           <a:hlinkClick r:id="rId2"/>
                         </a:rPr>
-                        <a:t>https://mariadb.org/</a:t>
-                      </a:r>
-                      <a:r>
-                        <a:rPr lang="en-US" altLang="ja-JP" sz="900" kern="100" dirty="0">
-                          <a:solidFill>
-                            <a:schemeClr val="tx1"/>
-                          </a:solidFill>
-                          <a:effectLst/>
-                          <a:latin typeface="+mn-ea"/>
-                          <a:ea typeface="+mn-ea"/>
-                          <a:cs typeface="Times New Roman" panose="02020603050405020304" pitchFamily="18" charset="0"/>
-                        </a:rPr>
-                        <a:t>)  ※If the </a:t>
-                      </a:r>
-                      <a:r>
-                        <a:rPr lang="en-US" altLang="ja-JP" sz="900" kern="100" dirty="0" err="1">
-                          <a:solidFill>
-                            <a:schemeClr val="tx1"/>
-                          </a:solidFill>
-                          <a:effectLst/>
-                          <a:latin typeface="+mn-ea"/>
-                          <a:ea typeface="+mn-ea"/>
-                          <a:cs typeface="Times New Roman" panose="02020603050405020304" pitchFamily="18" charset="0"/>
-                        </a:rPr>
-                        <a:t>linux_os</a:t>
-                      </a:r>
-                      <a:r>
-                        <a:rPr lang="en-US" altLang="ja-JP" sz="900" kern="100" dirty="0">
-                          <a:solidFill>
-                            <a:schemeClr val="tx1"/>
-                          </a:solidFill>
-                          <a:effectLst/>
-                          <a:latin typeface="+mn-ea"/>
-                          <a:ea typeface="+mn-ea"/>
-                          <a:cs typeface="Times New Roman" panose="02020603050405020304" pitchFamily="18" charset="0"/>
-                        </a:rPr>
-                        <a:t> is CentOS7 or RHEL7, </a:t>
-                      </a:r>
-                      <a:r>
-                        <a:rPr lang="en-US" altLang="ja-JP" sz="900" kern="100" dirty="0" err="1">
-                          <a:solidFill>
-                            <a:schemeClr val="tx1"/>
-                          </a:solidFill>
-                          <a:effectLst/>
-                          <a:latin typeface="+mn-ea"/>
-                          <a:ea typeface="+mn-ea"/>
-                          <a:cs typeface="Times New Roman" panose="02020603050405020304" pitchFamily="18" charset="0"/>
-                        </a:rPr>
-                        <a:t>MariaDB</a:t>
-                      </a:r>
-                      <a:r>
-                        <a:rPr lang="en-US" altLang="ja-JP" sz="900" kern="100" dirty="0">
-                          <a:solidFill>
-                            <a:schemeClr val="tx1"/>
-                          </a:solidFill>
-                          <a:effectLst/>
-                          <a:latin typeface="+mn-ea"/>
-                          <a:ea typeface="+mn-ea"/>
-                          <a:cs typeface="Times New Roman" panose="02020603050405020304" pitchFamily="18" charset="0"/>
-                        </a:rPr>
-                        <a:t> will be installed using the </a:t>
-                      </a:r>
-                      <a:r>
-                        <a:rPr lang="en-US" altLang="ja-JP" sz="900" kern="100" dirty="0" err="1">
-                          <a:solidFill>
-                            <a:schemeClr val="tx1"/>
-                          </a:solidFill>
-                          <a:effectLst/>
-                          <a:latin typeface="+mn-ea"/>
-                          <a:ea typeface="+mn-ea"/>
-                          <a:cs typeface="Times New Roman" panose="02020603050405020304" pitchFamily="18" charset="0"/>
-                        </a:rPr>
-                        <a:t>MariaDB</a:t>
-                      </a:r>
-                      <a:r>
-                        <a:rPr lang="en-US" altLang="ja-JP" sz="900" kern="100" dirty="0">
-                          <a:solidFill>
-                            <a:schemeClr val="tx1"/>
-                          </a:solidFill>
-                          <a:effectLst/>
-                          <a:latin typeface="+mn-ea"/>
-                          <a:ea typeface="+mn-ea"/>
-                          <a:cs typeface="Times New Roman" panose="02020603050405020304" pitchFamily="18" charset="0"/>
-                        </a:rPr>
-                        <a:t> official repository (</a:t>
-                      </a:r>
-                      <a:r>
-                        <a:rPr lang="en-US" altLang="ja-JP" sz="900" kern="100" dirty="0">
-                          <a:solidFill>
-                            <a:schemeClr val="tx1"/>
-                          </a:solidFill>
-                          <a:effectLst/>
-                          <a:latin typeface="+mn-ea"/>
-                          <a:ea typeface="+mn-ea"/>
-                          <a:cs typeface="Times New Roman" panose="02020603050405020304" pitchFamily="18" charset="0"/>
-                          <a:hlinkClick r:id="rId2"/>
-                        </a:rPr>
-                        <a:t>https://mariadb.org/</a:t>
+                        <a:t>https://mariadb.com/</a:t>
                       </a:r>
                       <a:r>
                         <a:rPr lang="en-US" altLang="ja-JP" sz="900" kern="100" dirty="0">

--- a/asset/Learn/ITA-offline-install.pptx
+++ b/asset/Learn/ITA-offline-install.pptx
@@ -350,7 +350,7 @@
               <a:rPr kumimoji="1" lang="ja-JP" altLang="en-US" smtClean="0">
                 <a:ea typeface="メイリオ" panose="020B0604030504040204" pitchFamily="50" charset="-128"/>
               </a:rPr>
-              <a:t>2022/7/27</a:t>
+              <a:t>2022/7/28</a:t>
             </a:fld>
             <a:endParaRPr kumimoji="1" lang="ja-JP" altLang="en-US" dirty="0">
               <a:ea typeface="メイリオ" panose="020B0604030504040204" pitchFamily="50" charset="-128"/>
@@ -496,7 +496,7 @@
             <a:fld id="{4B26993D-C081-44EB-B0F5-A9F467792B62}" type="datetimeFigureOut">
               <a:rPr lang="ja-JP" altLang="en-US" smtClean="0"/>
               <a:pPr/>
-              <a:t>2022/7/27</a:t>
+              <a:t>2022/7/28</a:t>
             </a:fld>
             <a:endParaRPr lang="ja-JP" altLang="en-US" dirty="0"/>
           </a:p>
@@ -1100,7 +1100,7 @@
           <a:p>
             <a:fld id="{56F9016B-CCA6-43BE-8BEE-59565A35F4F7}" type="datetimeFigureOut">
               <a:rPr kumimoji="1" lang="ja-JP" altLang="en-US" smtClean="0"/>
-              <a:t>2022/7/27</a:t>
+              <a:t>2022/7/28</a:t>
             </a:fld>
             <a:endParaRPr kumimoji="1" lang="ja-JP" altLang="en-US"/>
           </a:p>
@@ -1300,7 +1300,7 @@
           <a:p>
             <a:fld id="{56F9016B-CCA6-43BE-8BEE-59565A35F4F7}" type="datetimeFigureOut">
               <a:rPr kumimoji="1" lang="ja-JP" altLang="en-US" smtClean="0"/>
-              <a:t>2022/7/27</a:t>
+              <a:t>2022/7/28</a:t>
             </a:fld>
             <a:endParaRPr kumimoji="1" lang="ja-JP" altLang="en-US"/>
           </a:p>
@@ -1545,7 +1545,7 @@
           <a:p>
             <a:fld id="{56F9016B-CCA6-43BE-8BEE-59565A35F4F7}" type="datetimeFigureOut">
               <a:rPr kumimoji="1" lang="ja-JP" altLang="en-US" smtClean="0"/>
-              <a:t>2022/7/27</a:t>
+              <a:t>2022/7/28</a:t>
             </a:fld>
             <a:endParaRPr kumimoji="1" lang="ja-JP" altLang="en-US"/>
           </a:p>
@@ -1838,7 +1838,7 @@
           <a:p>
             <a:fld id="{56F9016B-CCA6-43BE-8BEE-59565A35F4F7}" type="datetimeFigureOut">
               <a:rPr kumimoji="1" lang="ja-JP" altLang="en-US" smtClean="0"/>
-              <a:t>2022/7/27</a:t>
+              <a:t>2022/7/28</a:t>
             </a:fld>
             <a:endParaRPr kumimoji="1" lang="ja-JP" altLang="en-US"/>
           </a:p>
@@ -2266,7 +2266,7 @@
           <a:p>
             <a:fld id="{56F9016B-CCA6-43BE-8BEE-59565A35F4F7}" type="datetimeFigureOut">
               <a:rPr kumimoji="1" lang="ja-JP" altLang="en-US" smtClean="0"/>
-              <a:t>2022/7/27</a:t>
+              <a:t>2022/7/28</a:t>
             </a:fld>
             <a:endParaRPr kumimoji="1" lang="ja-JP" altLang="en-US"/>
           </a:p>
@@ -2383,7 +2383,7 @@
           <a:p>
             <a:fld id="{56F9016B-CCA6-43BE-8BEE-59565A35F4F7}" type="datetimeFigureOut">
               <a:rPr kumimoji="1" lang="ja-JP" altLang="en-US" smtClean="0"/>
-              <a:t>2022/7/27</a:t>
+              <a:t>2022/7/28</a:t>
             </a:fld>
             <a:endParaRPr kumimoji="1" lang="ja-JP" altLang="en-US"/>
           </a:p>
@@ -2478,7 +2478,7 @@
           <a:p>
             <a:fld id="{56F9016B-CCA6-43BE-8BEE-59565A35F4F7}" type="datetimeFigureOut">
               <a:rPr kumimoji="1" lang="ja-JP" altLang="en-US" smtClean="0"/>
-              <a:t>2022/7/27</a:t>
+              <a:t>2022/7/28</a:t>
             </a:fld>
             <a:endParaRPr kumimoji="1" lang="ja-JP" altLang="en-US"/>
           </a:p>
@@ -2785,7 +2785,7 @@
           <a:p>
             <a:fld id="{56F9016B-CCA6-43BE-8BEE-59565A35F4F7}" type="datetimeFigureOut">
               <a:rPr kumimoji="1" lang="ja-JP" altLang="en-US" smtClean="0"/>
-              <a:t>2022/7/27</a:t>
+              <a:t>2022/7/28</a:t>
             </a:fld>
             <a:endParaRPr kumimoji="1" lang="ja-JP" altLang="en-US"/>
           </a:p>
@@ -3037,7 +3037,7 @@
           <a:p>
             <a:fld id="{56F9016B-CCA6-43BE-8BEE-59565A35F4F7}" type="datetimeFigureOut">
               <a:rPr kumimoji="1" lang="ja-JP" altLang="en-US" smtClean="0"/>
-              <a:t>2022/7/27</a:t>
+              <a:t>2022/7/28</a:t>
             </a:fld>
             <a:endParaRPr kumimoji="1" lang="ja-JP" altLang="en-US"/>
           </a:p>
@@ -3304,7 +3304,7 @@
           <a:p>
             <a:fld id="{56F9016B-CCA6-43BE-8BEE-59565A35F4F7}" type="datetimeFigureOut">
               <a:rPr kumimoji="1" lang="ja-JP" altLang="en-US" smtClean="0"/>
-              <a:t>2022/7/27</a:t>
+              <a:t>2022/7/28</a:t>
             </a:fld>
             <a:endParaRPr kumimoji="1" lang="ja-JP" altLang="en-US"/>
           </a:p>
@@ -3514,7 +3514,7 @@
           <a:p>
             <a:fld id="{56F9016B-CCA6-43BE-8BEE-59565A35F4F7}" type="datetimeFigureOut">
               <a:rPr kumimoji="1" lang="ja-JP" altLang="en-US" smtClean="0"/>
-              <a:t>2022/7/27</a:t>
+              <a:t>2022/7/28</a:t>
             </a:fld>
             <a:endParaRPr kumimoji="1" lang="ja-JP" altLang="en-US"/>
           </a:p>
@@ -6502,7 +6502,7 @@
           <a:p>
             <a:fld id="{56F9016B-CCA6-43BE-8BEE-59565A35F4F7}" type="datetimeFigureOut">
               <a:rPr kumimoji="1" lang="ja-JP" altLang="en-US" smtClean="0"/>
-              <a:t>2022/7/27</a:t>
+              <a:t>2022/7/28</a:t>
             </a:fld>
             <a:endParaRPr kumimoji="1" lang="ja-JP" altLang="en-US"/>
           </a:p>
@@ -14217,7 +14217,7 @@
         </p:spPr>
         <p:txBody>
           <a:bodyPr>
-            <a:normAutofit fontScale="92500" lnSpcReduction="20000"/>
+            <a:normAutofit fontScale="85000" lnSpcReduction="20000"/>
           </a:bodyPr>
           <a:lstStyle/>
           <a:p>
@@ -14696,6 +14696,75 @@
             </a:r>
             <a:r>
               <a:rPr lang="en-US" altLang="ja-JP" sz="1400" dirty="0" err="1"/>
+              <a:t>install_scripts</a:t>
+            </a:r>
+            <a:endParaRPr lang="en-US" altLang="ja-JP" sz="1400" dirty="0"/>
+          </a:p>
+          <a:p>
+            <a:pPr marL="180000" lvl="1" indent="0">
+              <a:buNone/>
+            </a:pPr>
+            <a:endParaRPr lang="en-US" altLang="ja-JP" sz="1400" dirty="0"/>
+          </a:p>
+          <a:p>
+            <a:pPr marL="288000" lvl="2" indent="0">
+              <a:buNone/>
+            </a:pPr>
+            <a:r>
+              <a:rPr lang="en-US" altLang="ja-JP" dirty="0"/>
+              <a:t>※ Since v1.10.1, the command is as follows.</a:t>
+            </a:r>
+          </a:p>
+          <a:p>
+            <a:pPr marL="288000" lvl="2" indent="0">
+              <a:buNone/>
+            </a:pPr>
+            <a:r>
+              <a:rPr lang="en-US" altLang="ja-JP" dirty="0"/>
+              <a:t># cd it-automation-</a:t>
+            </a:r>
+            <a:r>
+              <a:rPr lang="en-US" altLang="ja-JP" dirty="0" err="1">
+                <a:solidFill>
+                  <a:srgbClr val="FF0000"/>
+                </a:solidFill>
+              </a:rPr>
+              <a:t>x.x.</a:t>
+            </a:r>
+            <a:r>
+              <a:rPr lang="en-US" altLang="ja-JP" err="1">
+                <a:solidFill>
+                  <a:srgbClr val="FF0000"/>
+                </a:solidFill>
+              </a:rPr>
+              <a:t>x</a:t>
+            </a:r>
+            <a:r>
+              <a:rPr lang="en-US" altLang="ja-JP">
+                <a:solidFill>
+                  <a:srgbClr val="FF0000"/>
+                </a:solidFill>
+              </a:rPr>
+              <a:t>_tag</a:t>
+            </a:r>
+            <a:r>
+              <a:rPr lang="en-US" altLang="ja-JP"/>
+              <a:t>/</a:t>
+            </a:r>
+            <a:r>
+              <a:rPr lang="en-US" altLang="ja-JP" kern="100" dirty="0" err="1"/>
+              <a:t>ita</a:t>
+            </a:r>
+            <a:r>
+              <a:rPr lang="en-US" altLang="ja-JP" dirty="0" err="1"/>
+              <a:t>_install_package</a:t>
+            </a:r>
+            <a:r>
+              <a:rPr lang="en-US" altLang="ja-JP" dirty="0"/>
+              <a:t>/</a:t>
+            </a:r>
+            <a:r>
+              <a:rPr lang="en-US" altLang="ja-JP" dirty="0" err="1"/>
               <a:t>install_scripts</a:t>
             </a:r>
             <a:endParaRPr lang="en-US" altLang="ja-JP" dirty="0"/>
@@ -19281,7 +19350,7 @@
         </p:nvGraphicFramePr>
         <p:xfrm>
           <a:off x="251400" y="2060810"/>
-          <a:ext cx="8424074" cy="4483621"/>
+          <a:ext cx="8424074" cy="4464571"/>
         </p:xfrm>
         <a:graphic>
           <a:graphicData uri="http://schemas.openxmlformats.org/drawingml/2006/table">

--- a/asset/Learn/ITA-offline-install.pptx
+++ b/asset/Learn/ITA-offline-install.pptx
@@ -6,10 +6,10 @@
     <p:sldMasterId id="2147483703" r:id="rId2"/>
   </p:sldMasterIdLst>
   <p:notesMasterIdLst>
-    <p:notesMasterId r:id="rId39"/>
+    <p:notesMasterId r:id="rId41"/>
   </p:notesMasterIdLst>
   <p:handoutMasterIdLst>
-    <p:handoutMasterId r:id="rId40"/>
+    <p:handoutMasterId r:id="rId42"/>
   </p:handoutMasterIdLst>
   <p:sldIdLst>
     <p:sldId id="262" r:id="rId3"/>
@@ -39,15 +39,17 @@
     <p:sldId id="551" r:id="rId27"/>
     <p:sldId id="523" r:id="rId28"/>
     <p:sldId id="555" r:id="rId29"/>
-    <p:sldId id="524" r:id="rId30"/>
-    <p:sldId id="533" r:id="rId31"/>
-    <p:sldId id="534" r:id="rId32"/>
-    <p:sldId id="535" r:id="rId33"/>
-    <p:sldId id="552" r:id="rId34"/>
-    <p:sldId id="553" r:id="rId35"/>
-    <p:sldId id="539" r:id="rId36"/>
-    <p:sldId id="554" r:id="rId37"/>
-    <p:sldId id="318" r:id="rId38"/>
+    <p:sldId id="557" r:id="rId30"/>
+    <p:sldId id="558" r:id="rId31"/>
+    <p:sldId id="524" r:id="rId32"/>
+    <p:sldId id="533" r:id="rId33"/>
+    <p:sldId id="534" r:id="rId34"/>
+    <p:sldId id="535" r:id="rId35"/>
+    <p:sldId id="552" r:id="rId36"/>
+    <p:sldId id="553" r:id="rId37"/>
+    <p:sldId id="539" r:id="rId38"/>
+    <p:sldId id="554" r:id="rId39"/>
+    <p:sldId id="318" r:id="rId40"/>
   </p:sldIdLst>
   <p:sldSz cx="9144000" cy="6858000" type="screen4x3"/>
   <p:notesSz cx="6735763" cy="9866313"/>
@@ -191,6 +193,8 @@
             <p14:sldId id="551"/>
             <p14:sldId id="523"/>
             <p14:sldId id="555"/>
+            <p14:sldId id="557"/>
+            <p14:sldId id="558"/>
           </p14:sldIdLst>
         </p14:section>
         <p14:section name="4.　ITA operation check" id="{D446366E-9E78-45E3-8F73-A5F6CC724FCE}">
@@ -352,7 +356,7 @@
               <a:rPr kumimoji="1" lang="ja-JP" altLang="en-US" smtClean="0">
                 <a:ea typeface="メイリオ" panose="020B0604030504040204" pitchFamily="50" charset="-128"/>
               </a:rPr>
-              <a:t>2023/1/13</a:t>
+              <a:t>2023/7/21</a:t>
             </a:fld>
             <a:endParaRPr kumimoji="1" lang="ja-JP" altLang="en-US" dirty="0">
               <a:ea typeface="メイリオ" panose="020B0604030504040204" pitchFamily="50" charset="-128"/>
@@ -498,7 +502,7 @@
             <a:fld id="{4B26993D-C081-44EB-B0F5-A9F467792B62}" type="datetimeFigureOut">
               <a:rPr lang="ja-JP" altLang="en-US" smtClean="0"/>
               <a:pPr/>
-              <a:t>2023/1/13</a:t>
+              <a:t>2023/7/21</a:t>
             </a:fld>
             <a:endParaRPr lang="ja-JP" altLang="en-US" dirty="0"/>
           </a:p>
@@ -1102,7 +1106,7 @@
           <a:p>
             <a:fld id="{56F9016B-CCA6-43BE-8BEE-59565A35F4F7}" type="datetimeFigureOut">
               <a:rPr kumimoji="1" lang="ja-JP" altLang="en-US" smtClean="0"/>
-              <a:t>2023/1/13</a:t>
+              <a:t>2023/7/21</a:t>
             </a:fld>
             <a:endParaRPr kumimoji="1" lang="ja-JP" altLang="en-US"/>
           </a:p>
@@ -1302,7 +1306,7 @@
           <a:p>
             <a:fld id="{56F9016B-CCA6-43BE-8BEE-59565A35F4F7}" type="datetimeFigureOut">
               <a:rPr kumimoji="1" lang="ja-JP" altLang="en-US" smtClean="0"/>
-              <a:t>2023/1/13</a:t>
+              <a:t>2023/7/21</a:t>
             </a:fld>
             <a:endParaRPr kumimoji="1" lang="ja-JP" altLang="en-US"/>
           </a:p>
@@ -1547,7 +1551,7 @@
           <a:p>
             <a:fld id="{56F9016B-CCA6-43BE-8BEE-59565A35F4F7}" type="datetimeFigureOut">
               <a:rPr kumimoji="1" lang="ja-JP" altLang="en-US" smtClean="0"/>
-              <a:t>2023/1/13</a:t>
+              <a:t>2023/7/21</a:t>
             </a:fld>
             <a:endParaRPr kumimoji="1" lang="ja-JP" altLang="en-US"/>
           </a:p>
@@ -1840,7 +1844,7 @@
           <a:p>
             <a:fld id="{56F9016B-CCA6-43BE-8BEE-59565A35F4F7}" type="datetimeFigureOut">
               <a:rPr kumimoji="1" lang="ja-JP" altLang="en-US" smtClean="0"/>
-              <a:t>2023/1/13</a:t>
+              <a:t>2023/7/21</a:t>
             </a:fld>
             <a:endParaRPr kumimoji="1" lang="ja-JP" altLang="en-US"/>
           </a:p>
@@ -2268,7 +2272,7 @@
           <a:p>
             <a:fld id="{56F9016B-CCA6-43BE-8BEE-59565A35F4F7}" type="datetimeFigureOut">
               <a:rPr kumimoji="1" lang="ja-JP" altLang="en-US" smtClean="0"/>
-              <a:t>2023/1/13</a:t>
+              <a:t>2023/7/21</a:t>
             </a:fld>
             <a:endParaRPr kumimoji="1" lang="ja-JP" altLang="en-US"/>
           </a:p>
@@ -2385,7 +2389,7 @@
           <a:p>
             <a:fld id="{56F9016B-CCA6-43BE-8BEE-59565A35F4F7}" type="datetimeFigureOut">
               <a:rPr kumimoji="1" lang="ja-JP" altLang="en-US" smtClean="0"/>
-              <a:t>2023/1/13</a:t>
+              <a:t>2023/7/21</a:t>
             </a:fld>
             <a:endParaRPr kumimoji="1" lang="ja-JP" altLang="en-US"/>
           </a:p>
@@ -2480,7 +2484,7 @@
           <a:p>
             <a:fld id="{56F9016B-CCA6-43BE-8BEE-59565A35F4F7}" type="datetimeFigureOut">
               <a:rPr kumimoji="1" lang="ja-JP" altLang="en-US" smtClean="0"/>
-              <a:t>2023/1/13</a:t>
+              <a:t>2023/7/21</a:t>
             </a:fld>
             <a:endParaRPr kumimoji="1" lang="ja-JP" altLang="en-US"/>
           </a:p>
@@ -2787,7 +2791,7 @@
           <a:p>
             <a:fld id="{56F9016B-CCA6-43BE-8BEE-59565A35F4F7}" type="datetimeFigureOut">
               <a:rPr kumimoji="1" lang="ja-JP" altLang="en-US" smtClean="0"/>
-              <a:t>2023/1/13</a:t>
+              <a:t>2023/7/21</a:t>
             </a:fld>
             <a:endParaRPr kumimoji="1" lang="ja-JP" altLang="en-US"/>
           </a:p>
@@ -3039,7 +3043,7 @@
           <a:p>
             <a:fld id="{56F9016B-CCA6-43BE-8BEE-59565A35F4F7}" type="datetimeFigureOut">
               <a:rPr kumimoji="1" lang="ja-JP" altLang="en-US" smtClean="0"/>
-              <a:t>2023/1/13</a:t>
+              <a:t>2023/7/21</a:t>
             </a:fld>
             <a:endParaRPr kumimoji="1" lang="ja-JP" altLang="en-US"/>
           </a:p>
@@ -3306,7 +3310,7 @@
           <a:p>
             <a:fld id="{56F9016B-CCA6-43BE-8BEE-59565A35F4F7}" type="datetimeFigureOut">
               <a:rPr kumimoji="1" lang="ja-JP" altLang="en-US" smtClean="0"/>
-              <a:t>2023/1/13</a:t>
+              <a:t>2023/7/21</a:t>
             </a:fld>
             <a:endParaRPr kumimoji="1" lang="ja-JP" altLang="en-US"/>
           </a:p>
@@ -3516,7 +3520,7 @@
           <a:p>
             <a:fld id="{56F9016B-CCA6-43BE-8BEE-59565A35F4F7}" type="datetimeFigureOut">
               <a:rPr kumimoji="1" lang="ja-JP" altLang="en-US" smtClean="0"/>
-              <a:t>2023/1/13</a:t>
+              <a:t>2023/7/21</a:t>
             </a:fld>
             <a:endParaRPr kumimoji="1" lang="ja-JP" altLang="en-US"/>
           </a:p>
@@ -6504,7 +6508,7 @@
           <a:p>
             <a:fld id="{56F9016B-CCA6-43BE-8BEE-59565A35F4F7}" type="datetimeFigureOut">
               <a:rPr kumimoji="1" lang="ja-JP" altLang="en-US" smtClean="0"/>
-              <a:t>2023/1/13</a:t>
+              <a:t>2023/7/21</a:t>
             </a:fld>
             <a:endParaRPr kumimoji="1" lang="ja-JP" altLang="en-US"/>
           </a:p>
@@ -7441,7 +7445,7 @@
           <a:p>
             <a:r>
               <a:rPr lang="en-US" altLang="ja-JP" dirty="0"/>
-              <a:t>2.4	System r</a:t>
+              <a:t>2.2	System r</a:t>
             </a:r>
             <a:r>
               <a:rPr lang="en-US" altLang="zh-TW" dirty="0"/>
@@ -8708,7 +8712,7 @@
           <a:p>
             <a:r>
               <a:rPr lang="en-US" altLang="ja-JP" dirty="0"/>
-              <a:t>2.5	System r</a:t>
+              <a:t>2.2	System r</a:t>
             </a:r>
             <a:r>
               <a:rPr lang="en-US" altLang="zh-TW" dirty="0"/>
@@ -15861,7 +15865,7 @@
             </a:r>
             <a:r>
               <a:rPr lang="en-US" altLang="ja-JP" dirty="0"/>
-              <a:t>(1/12) </a:t>
+              <a:t>(1/14) </a:t>
             </a:r>
             <a:endParaRPr kumimoji="1" lang="ja-JP" altLang="en-US" dirty="0"/>
           </a:p>
@@ -16486,7 +16490,7 @@
           <a:p>
             <a:r>
               <a:rPr lang="en-US" altLang="ja-JP" dirty="0"/>
-              <a:t>3.5</a:t>
+              <a:t>3.4</a:t>
             </a:r>
             <a:r>
               <a:rPr lang="ja-JP" altLang="en-US" dirty="0"/>
@@ -16502,7 +16506,7 @@
             </a:r>
             <a:r>
               <a:rPr lang="en-US" altLang="ja-JP" dirty="0"/>
-              <a:t>(2/12) </a:t>
+              <a:t>(2/14) </a:t>
             </a:r>
             <a:endParaRPr kumimoji="1" lang="ja-JP" altLang="en-US" dirty="0"/>
           </a:p>
@@ -18461,7 +18465,7 @@
           <a:p>
             <a:r>
               <a:rPr lang="en-US" altLang="ja-JP" dirty="0"/>
-              <a:t>3.6</a:t>
+              <a:t>3.4</a:t>
             </a:r>
             <a:r>
               <a:rPr lang="ja-JP" altLang="en-US" dirty="0"/>
@@ -18477,7 +18481,7 @@
             </a:r>
             <a:r>
               <a:rPr lang="en-US" altLang="ja-JP" dirty="0"/>
-              <a:t>(3/12) </a:t>
+              <a:t>(3/14) </a:t>
             </a:r>
             <a:endParaRPr kumimoji="1" lang="ja-JP" altLang="en-US" dirty="0"/>
           </a:p>
@@ -20717,7 +20721,7 @@
           <a:p>
             <a:r>
               <a:rPr lang="en-US" altLang="ja-JP" dirty="0"/>
-              <a:t>3.7</a:t>
+              <a:t>3.4</a:t>
             </a:r>
             <a:r>
               <a:rPr lang="ja-JP" altLang="en-US" dirty="0"/>
@@ -20733,7 +20737,7 @@
             </a:r>
             <a:r>
               <a:rPr lang="en-US" altLang="ja-JP" dirty="0"/>
-              <a:t>(4/12) </a:t>
+              <a:t>(4/14) </a:t>
             </a:r>
             <a:endParaRPr kumimoji="1" lang="ja-JP" altLang="en-US" dirty="0"/>
           </a:p>
@@ -20996,10 +21000,8 @@
               <a:t>　 </a:t>
             </a:r>
             <a:r>
-              <a:rPr lang="en-US" altLang="ja-JP" sz="1400" dirty="0">
-                <a:latin typeface="+mn-ea"/>
-              </a:rPr>
-              <a:t>Environment construction</a:t>
+              <a:rPr lang="en-US" altLang="zh-TW" sz="1400" dirty="0"/>
+              <a:t>Associated execution function</a:t>
             </a:r>
             <a:endParaRPr lang="en-US" altLang="zh-TW" sz="1400" dirty="0">
               <a:latin typeface="+mn-ea"/>
@@ -21028,88 +21030,7 @@
               <a:rPr lang="en-US" altLang="ja-JP" sz="1400" dirty="0">
                 <a:latin typeface="+mn-ea"/>
               </a:rPr>
-              <a:t>System requirements    (1/4) </a:t>
-            </a:r>
-          </a:p>
-          <a:p>
-            <a:r>
-              <a:rPr lang="ja-JP" altLang="en-US" sz="1400" dirty="0">
-                <a:latin typeface="+mn-ea"/>
-              </a:rPr>
-              <a:t>　 </a:t>
-            </a:r>
-            <a:r>
-              <a:rPr lang="en-US" altLang="ja-JP" sz="1400" dirty="0">
-                <a:latin typeface="+mn-ea"/>
-              </a:rPr>
-              <a:t>2.3</a:t>
-            </a:r>
-            <a:r>
-              <a:rPr lang="ja-JP" altLang="en-US" sz="1400" dirty="0">
-                <a:latin typeface="+mn-ea"/>
-              </a:rPr>
-              <a:t>　 </a:t>
-            </a:r>
-            <a:r>
-              <a:rPr lang="en-US" altLang="ja-JP" sz="1400" dirty="0">
-                <a:latin typeface="+mn-ea"/>
-              </a:rPr>
-              <a:t>System requirements    (2/4) </a:t>
-            </a:r>
-          </a:p>
-          <a:p>
-            <a:r>
-              <a:rPr lang="ja-JP" altLang="en-US" sz="1400" dirty="0">
-                <a:latin typeface="+mn-ea"/>
-              </a:rPr>
-              <a:t>　 </a:t>
-            </a:r>
-            <a:r>
-              <a:rPr lang="en-US" altLang="ja-JP" sz="1400" dirty="0">
-                <a:latin typeface="+mn-ea"/>
-              </a:rPr>
-              <a:t>2.4</a:t>
-            </a:r>
-            <a:r>
-              <a:rPr lang="ja-JP" altLang="en-US" sz="1400" dirty="0">
-                <a:latin typeface="+mn-ea"/>
-              </a:rPr>
-              <a:t>　 </a:t>
-            </a:r>
-            <a:r>
-              <a:rPr lang="en-US" altLang="ja-JP" sz="1400" dirty="0">
-                <a:latin typeface="+mn-ea"/>
-              </a:rPr>
-              <a:t>System requirements </a:t>
-            </a:r>
-            <a:r>
-              <a:rPr lang="ja-JP" altLang="en-US" sz="1400" dirty="0">
-                <a:latin typeface="+mn-ea"/>
-              </a:rPr>
-              <a:t>  </a:t>
-            </a:r>
-            <a:r>
-              <a:rPr lang="en-US" altLang="ja-JP" sz="1400" dirty="0">
-                <a:latin typeface="+mn-ea"/>
-              </a:rPr>
-              <a:t> (3/4) </a:t>
-            </a:r>
-            <a:br>
-              <a:rPr lang="en-US" altLang="ja-JP" sz="1400" dirty="0">
-                <a:latin typeface="+mn-ea"/>
-              </a:rPr>
-            </a:br>
-            <a:r>
-              <a:rPr lang="ja-JP" altLang="en-US" sz="1400" dirty="0">
-                <a:latin typeface="+mn-ea"/>
-              </a:rPr>
-              <a:t>    </a:t>
-            </a:r>
-            <a:r>
-              <a:rPr lang="en-US" altLang="ja-JP" sz="1400" dirty="0">
-                <a:latin typeface="+mn-ea"/>
-              </a:rPr>
-              <a:t>2.5    System requirements    (4/4) </a:t>
+              <a:t>System</a:t>
             </a:r>
           </a:p>
           <a:p>
@@ -21245,335 +21166,7 @@
               <a:rPr lang="en-US" altLang="ja-JP" sz="1400" dirty="0">
                 <a:latin typeface="+mn-ea"/>
               </a:rPr>
-              <a:t>Construction </a:t>
-            </a:r>
-            <a:r>
-              <a:rPr lang="ja-JP" altLang="en-US" sz="1400" dirty="0">
-                <a:latin typeface="+mn-ea"/>
-              </a:rPr>
-              <a:t> </a:t>
-            </a:r>
-            <a:r>
-              <a:rPr lang="en-US" altLang="ja-JP" sz="1400" dirty="0">
-                <a:latin typeface="+mn-ea"/>
-              </a:rPr>
-              <a:t>(1/12) </a:t>
-            </a:r>
-            <a:endParaRPr lang="ja-JP" altLang="en-US" sz="1400" dirty="0">
-              <a:latin typeface="+mn-ea"/>
-            </a:endParaRPr>
-          </a:p>
-          <a:p>
-            <a:r>
-              <a:rPr lang="en-US" altLang="ja-JP" sz="1400" dirty="0">
-                <a:latin typeface="+mn-ea"/>
-              </a:rPr>
-              <a:t>    3.5</a:t>
-            </a:r>
-            <a:r>
-              <a:rPr lang="ja-JP" altLang="en-US" sz="1400" dirty="0">
-                <a:latin typeface="+mn-ea"/>
-              </a:rPr>
-              <a:t>　 </a:t>
-            </a:r>
-            <a:r>
-              <a:rPr lang="en-US" altLang="ja-JP" sz="1400" dirty="0">
-                <a:latin typeface="+mn-ea"/>
-              </a:rPr>
-              <a:t>Construction </a:t>
-            </a:r>
-            <a:r>
-              <a:rPr lang="ja-JP" altLang="en-US" sz="1400" dirty="0">
-                <a:latin typeface="+mn-ea"/>
-              </a:rPr>
-              <a:t> </a:t>
-            </a:r>
-            <a:r>
-              <a:rPr lang="en-US" altLang="ja-JP" sz="1400" dirty="0">
-                <a:latin typeface="+mn-ea"/>
-              </a:rPr>
-              <a:t>(2/12) </a:t>
-            </a:r>
-            <a:endParaRPr lang="ja-JP" altLang="en-US" sz="1400" dirty="0">
-              <a:latin typeface="+mn-ea"/>
-            </a:endParaRPr>
-          </a:p>
-          <a:p>
-            <a:r>
-              <a:rPr lang="en-US" altLang="ja-JP" sz="1400" dirty="0">
-                <a:latin typeface="+mn-ea"/>
-              </a:rPr>
-              <a:t>    3.6</a:t>
-            </a:r>
-            <a:r>
-              <a:rPr lang="ja-JP" altLang="en-US" sz="1400" dirty="0">
-                <a:latin typeface="+mn-ea"/>
-              </a:rPr>
-              <a:t>　 </a:t>
-            </a:r>
-            <a:r>
-              <a:rPr lang="en-US" altLang="ja-JP" sz="1400" dirty="0">
-                <a:latin typeface="+mn-ea"/>
-              </a:rPr>
-              <a:t>Construction </a:t>
-            </a:r>
-            <a:r>
-              <a:rPr lang="ja-JP" altLang="en-US" sz="1400" dirty="0">
-                <a:latin typeface="+mn-ea"/>
-              </a:rPr>
-              <a:t> </a:t>
-            </a:r>
-            <a:r>
-              <a:rPr lang="en-US" altLang="ja-JP" sz="1400" dirty="0">
-                <a:latin typeface="+mn-ea"/>
-              </a:rPr>
-              <a:t>(3/12) </a:t>
-            </a:r>
-            <a:endParaRPr lang="ja-JP" altLang="en-US" sz="1400" dirty="0">
-              <a:latin typeface="+mn-ea"/>
-            </a:endParaRPr>
-          </a:p>
-          <a:p>
-            <a:r>
-              <a:rPr lang="en-US" altLang="ja-JP" sz="1400" dirty="0">
-                <a:latin typeface="+mn-ea"/>
-              </a:rPr>
-              <a:t>    3.7</a:t>
-            </a:r>
-            <a:r>
-              <a:rPr lang="ja-JP" altLang="en-US" sz="1400" dirty="0">
-                <a:latin typeface="+mn-ea"/>
-              </a:rPr>
-              <a:t>　 </a:t>
-            </a:r>
-            <a:r>
-              <a:rPr lang="en-US" altLang="ja-JP" sz="1400" dirty="0">
-                <a:latin typeface="+mn-ea"/>
-              </a:rPr>
-              <a:t>Construction </a:t>
-            </a:r>
-            <a:r>
-              <a:rPr lang="ja-JP" altLang="en-US" sz="1400" dirty="0">
-                <a:latin typeface="+mn-ea"/>
-              </a:rPr>
-              <a:t> </a:t>
-            </a:r>
-            <a:r>
-              <a:rPr lang="en-US" altLang="ja-JP" sz="1400" dirty="0">
-                <a:latin typeface="+mn-ea"/>
-              </a:rPr>
-              <a:t>(4/12) </a:t>
-            </a:r>
-            <a:endParaRPr lang="ja-JP" altLang="en-US" sz="1400" dirty="0">
-              <a:latin typeface="+mn-ea"/>
-            </a:endParaRPr>
-          </a:p>
-          <a:p>
-            <a:r>
-              <a:rPr lang="en-US" altLang="ja-JP" sz="1400" dirty="0">
-                <a:latin typeface="+mn-ea"/>
-              </a:rPr>
-              <a:t>    3.8</a:t>
-            </a:r>
-            <a:r>
-              <a:rPr lang="ja-JP" altLang="en-US" sz="1400" dirty="0">
-                <a:latin typeface="+mn-ea"/>
-              </a:rPr>
-              <a:t>　 </a:t>
-            </a:r>
-            <a:r>
-              <a:rPr lang="en-US" altLang="ja-JP" sz="1400" dirty="0">
-                <a:latin typeface="+mn-ea"/>
-              </a:rPr>
-              <a:t>Construction </a:t>
-            </a:r>
-            <a:r>
-              <a:rPr lang="ja-JP" altLang="en-US" sz="1400" dirty="0">
-                <a:latin typeface="+mn-ea"/>
-              </a:rPr>
-              <a:t> </a:t>
-            </a:r>
-            <a:r>
-              <a:rPr lang="en-US" altLang="ja-JP" sz="1400" dirty="0">
-                <a:latin typeface="+mn-ea"/>
-              </a:rPr>
-              <a:t>(5/12) </a:t>
-            </a:r>
-            <a:endParaRPr lang="ja-JP" altLang="en-US" sz="1400" dirty="0">
-              <a:latin typeface="+mn-ea"/>
-            </a:endParaRPr>
-          </a:p>
-          <a:p>
-            <a:r>
-              <a:rPr lang="en-US" altLang="ja-JP" sz="1400" dirty="0">
-                <a:latin typeface="+mn-ea"/>
-              </a:rPr>
-              <a:t>    3.9    Construction </a:t>
-            </a:r>
-            <a:r>
-              <a:rPr lang="ja-JP" altLang="en-US" sz="1400" dirty="0">
-                <a:latin typeface="+mn-ea"/>
-              </a:rPr>
-              <a:t> </a:t>
-            </a:r>
-            <a:r>
-              <a:rPr lang="en-US" altLang="ja-JP" sz="1400" dirty="0">
-                <a:latin typeface="+mn-ea"/>
-              </a:rPr>
-              <a:t>(6/12) </a:t>
-            </a:r>
-            <a:endParaRPr lang="ja-JP" altLang="en-US" sz="1400" dirty="0">
-              <a:latin typeface="+mn-ea"/>
-            </a:endParaRPr>
-          </a:p>
-          <a:p>
-            <a:r>
-              <a:rPr lang="en-US" altLang="ja-JP" sz="1400" dirty="0">
-                <a:latin typeface="+mn-ea"/>
-              </a:rPr>
-              <a:t>    3.10  Construction </a:t>
-            </a:r>
-            <a:r>
-              <a:rPr lang="ja-JP" altLang="en-US" sz="1400" dirty="0">
-                <a:latin typeface="+mn-ea"/>
-              </a:rPr>
-              <a:t> </a:t>
-            </a:r>
-            <a:r>
-              <a:rPr lang="en-US" altLang="ja-JP" sz="1400" dirty="0">
-                <a:latin typeface="+mn-ea"/>
-              </a:rPr>
-              <a:t>(7/12) </a:t>
-            </a:r>
-          </a:p>
-          <a:p>
-            <a:r>
-              <a:rPr lang="en-US" altLang="ja-JP" sz="1400" dirty="0">
-                <a:latin typeface="+mn-ea"/>
-              </a:rPr>
-              <a:t> </a:t>
-            </a:r>
-            <a:r>
-              <a:rPr lang="ja-JP" altLang="en-US" sz="1400" dirty="0">
-                <a:latin typeface="+mn-ea"/>
-              </a:rPr>
-              <a:t>　</a:t>
-            </a:r>
-            <a:r>
-              <a:rPr lang="en-US" altLang="ja-JP" sz="1400" dirty="0">
-                <a:latin typeface="+mn-ea"/>
-              </a:rPr>
-              <a:t>3.11  Construction </a:t>
-            </a:r>
-            <a:r>
-              <a:rPr lang="ja-JP" altLang="en-US" sz="1400" dirty="0">
-                <a:latin typeface="+mn-ea"/>
-              </a:rPr>
-              <a:t> </a:t>
-            </a:r>
-            <a:r>
-              <a:rPr lang="en-US" altLang="ja-JP" sz="1400" dirty="0">
-                <a:latin typeface="+mn-ea"/>
-              </a:rPr>
-              <a:t>(8/12) </a:t>
-            </a:r>
-            <a:br>
-              <a:rPr lang="en-US" altLang="ja-JP" sz="1400" dirty="0">
-                <a:latin typeface="+mn-ea"/>
-              </a:rPr>
-            </a:br>
-            <a:r>
-              <a:rPr lang="en-US" altLang="ja-JP" sz="1400" dirty="0">
-                <a:latin typeface="+mn-ea"/>
-              </a:rPr>
-              <a:t>    3.12  Construction </a:t>
-            </a:r>
-            <a:r>
-              <a:rPr lang="ja-JP" altLang="en-US" sz="1400" dirty="0">
-                <a:latin typeface="+mn-ea"/>
-              </a:rPr>
-              <a:t> </a:t>
-            </a:r>
-            <a:r>
-              <a:rPr lang="en-US" altLang="ja-JP" sz="1400" dirty="0">
-                <a:latin typeface="+mn-ea"/>
-              </a:rPr>
-              <a:t>(9/12) </a:t>
-            </a:r>
-            <a:endParaRPr lang="ja-JP" altLang="en-US" sz="1400" dirty="0">
-              <a:latin typeface="+mn-ea"/>
-            </a:endParaRPr>
-          </a:p>
-          <a:p>
-            <a:r>
-              <a:rPr lang="en-US" altLang="ja-JP" sz="1400" dirty="0">
-                <a:latin typeface="+mn-ea"/>
-              </a:rPr>
-              <a:t>    3.13  Construction </a:t>
-            </a:r>
-            <a:r>
-              <a:rPr lang="ja-JP" altLang="en-US" sz="1400" dirty="0">
-                <a:latin typeface="+mn-ea"/>
-              </a:rPr>
-              <a:t> </a:t>
-            </a:r>
-            <a:r>
-              <a:rPr lang="en-US" altLang="ja-JP" sz="1400" dirty="0">
-                <a:latin typeface="+mn-ea"/>
-              </a:rPr>
-              <a:t>(10/12) </a:t>
-            </a:r>
-          </a:p>
-          <a:p>
-            <a:r>
-              <a:rPr lang="en-US" altLang="ja-JP" sz="1400" dirty="0">
-                <a:latin typeface="+mn-ea"/>
-              </a:rPr>
-              <a:t> </a:t>
-            </a:r>
-            <a:r>
-              <a:rPr lang="ja-JP" altLang="en-US" sz="1400" dirty="0">
-                <a:latin typeface="+mn-ea"/>
-              </a:rPr>
-              <a:t>　</a:t>
-            </a:r>
-            <a:r>
-              <a:rPr lang="en-US" altLang="ja-JP" sz="1400" dirty="0">
-                <a:latin typeface="+mn-ea"/>
-              </a:rPr>
-              <a:t>3.14  Construction </a:t>
-            </a:r>
-            <a:r>
-              <a:rPr lang="ja-JP" altLang="en-US" sz="1400" dirty="0">
-                <a:latin typeface="+mn-ea"/>
-              </a:rPr>
-              <a:t> </a:t>
-            </a:r>
-            <a:r>
-              <a:rPr lang="en-US" altLang="ja-JP" sz="1400" dirty="0">
-                <a:latin typeface="+mn-ea"/>
-              </a:rPr>
-              <a:t>(11/12) </a:t>
-            </a:r>
-          </a:p>
-          <a:p>
-            <a:r>
-              <a:rPr lang="en-US" altLang="ja-JP" sz="1400" dirty="0">
-                <a:latin typeface="+mn-ea"/>
-              </a:rPr>
-              <a:t>    3.15  Construction </a:t>
-            </a:r>
-            <a:r>
-              <a:rPr lang="ja-JP" altLang="en-US" sz="1400" dirty="0">
-                <a:latin typeface="+mn-ea"/>
-              </a:rPr>
-              <a:t> </a:t>
-            </a:r>
-            <a:r>
-              <a:rPr lang="en-US" altLang="ja-JP" sz="1400" dirty="0">
-                <a:latin typeface="+mn-ea"/>
-              </a:rPr>
-              <a:t>(11/12) </a:t>
+              <a:t>Construction</a:t>
             </a:r>
           </a:p>
           <a:p>
@@ -21581,36 +21174,6 @@
               <a:latin typeface="+mn-ea"/>
             </a:endParaRPr>
           </a:p>
-        </p:txBody>
-      </p:sp>
-      <p:sp>
-        <p:nvSpPr>
-          <p:cNvPr id="5" name="正方形/長方形 4"/>
-          <p:cNvSpPr/>
-          <p:nvPr/>
-        </p:nvSpPr>
-        <p:spPr bwMode="auto">
-          <a:xfrm>
-            <a:off x="5291631" y="522116"/>
-            <a:ext cx="3312460" cy="6335884"/>
-          </a:xfrm>
-          <a:prstGeom prst="rect">
-            <a:avLst/>
-          </a:prstGeom>
-          <a:noFill/>
-          <a:ln w="12700">
-            <a:noFill/>
-          </a:ln>
-          <a:effectLst/>
-        </p:spPr>
-        <p:txBody>
-          <a:bodyPr rot="0" spcFirstLastPara="0" vertOverflow="overflow" horzOverflow="overflow" vert="horz" wrap="none" lIns="72000" tIns="72000" rIns="72000" bIns="72000" numCol="1" spcCol="0" rtlCol="0" fromWordArt="0" anchor="t" anchorCtr="0" forceAA="0" compatLnSpc="1">
-            <a:prstTxWarp prst="textNoShape">
-              <a:avLst/>
-            </a:prstTxWarp>
-            <a:noAutofit/>
-          </a:bodyPr>
-          <a:lstStyle/>
           <a:p>
             <a:pPr marL="342900" indent="-342900">
               <a:buFont typeface="+mj-lt"/>
@@ -21652,211 +21215,18 @@
               <a:rPr lang="en-US" altLang="ja-JP" sz="1400" dirty="0">
                 <a:latin typeface="+mn-ea"/>
               </a:rPr>
-              <a:t>Operation check </a:t>
-            </a:r>
-            <a:r>
-              <a:rPr lang="zh-TW" altLang="en-US" sz="1400" dirty="0">
-                <a:latin typeface="+mn-ea"/>
-              </a:rPr>
-              <a:t> </a:t>
-            </a:r>
-            <a:r>
-              <a:rPr lang="en-US" altLang="zh-TW" sz="1400" dirty="0">
-                <a:latin typeface="+mn-ea"/>
-              </a:rPr>
-              <a:t>(1/6) </a:t>
-            </a:r>
-            <a:endParaRPr lang="zh-TW" altLang="en-US" sz="1400" dirty="0">
-              <a:latin typeface="+mn-ea"/>
-            </a:endParaRPr>
-          </a:p>
-          <a:p>
-            <a:r>
-              <a:rPr lang="en-US" altLang="zh-TW" sz="1400" dirty="0">
-                <a:latin typeface="+mn-ea"/>
-              </a:rPr>
-              <a:t>    4.2</a:t>
-            </a:r>
-            <a:r>
-              <a:rPr lang="zh-TW" altLang="en-US" sz="1400" dirty="0">
-                <a:latin typeface="+mn-ea"/>
-              </a:rPr>
-              <a:t>　 </a:t>
-            </a:r>
-            <a:r>
-              <a:rPr lang="en-US" altLang="ja-JP" sz="1400" dirty="0">
-                <a:latin typeface="+mn-ea"/>
-              </a:rPr>
-              <a:t>Operation check </a:t>
-            </a:r>
-            <a:r>
-              <a:rPr lang="zh-TW" altLang="en-US" sz="1400" dirty="0">
-                <a:latin typeface="+mn-ea"/>
-              </a:rPr>
-              <a:t> </a:t>
-            </a:r>
-            <a:r>
-              <a:rPr lang="en-US" altLang="zh-TW" sz="1400" dirty="0">
-                <a:latin typeface="+mn-ea"/>
-              </a:rPr>
-              <a:t>(2/6) </a:t>
-            </a:r>
-            <a:endParaRPr lang="zh-TW" altLang="en-US" sz="1400" dirty="0">
-              <a:latin typeface="+mn-ea"/>
-            </a:endParaRPr>
-          </a:p>
-          <a:p>
-            <a:r>
-              <a:rPr lang="en-US" altLang="zh-TW" sz="1400" dirty="0">
-                <a:latin typeface="+mn-ea"/>
-              </a:rPr>
-              <a:t>    4.3</a:t>
-            </a:r>
-            <a:r>
-              <a:rPr lang="zh-TW" altLang="en-US" sz="1400" dirty="0">
-                <a:latin typeface="+mn-ea"/>
-              </a:rPr>
-              <a:t>　 </a:t>
-            </a:r>
-            <a:r>
-              <a:rPr lang="en-US" altLang="ja-JP" sz="1400" dirty="0">
-                <a:latin typeface="+mn-ea"/>
-              </a:rPr>
-              <a:t>Operation check </a:t>
-            </a:r>
-            <a:r>
-              <a:rPr lang="zh-TW" altLang="en-US" sz="1400" dirty="0">
-                <a:latin typeface="+mn-ea"/>
-              </a:rPr>
-              <a:t> </a:t>
-            </a:r>
-            <a:r>
-              <a:rPr lang="en-US" altLang="zh-TW" sz="1400" dirty="0">
-                <a:latin typeface="+mn-ea"/>
-              </a:rPr>
-              <a:t>(3/6) </a:t>
-            </a:r>
-            <a:endParaRPr lang="zh-TW" altLang="en-US" sz="1400" dirty="0">
-              <a:latin typeface="+mn-ea"/>
-            </a:endParaRPr>
-          </a:p>
-          <a:p>
-            <a:r>
-              <a:rPr lang="en-US" altLang="zh-TW" sz="1400" dirty="0">
-                <a:latin typeface="+mn-ea"/>
-              </a:rPr>
-              <a:t>    4.4</a:t>
-            </a:r>
-            <a:r>
-              <a:rPr lang="zh-TW" altLang="en-US" sz="1400" dirty="0">
-                <a:latin typeface="+mn-ea"/>
-              </a:rPr>
-              <a:t>　 </a:t>
-            </a:r>
-            <a:r>
-              <a:rPr lang="en-US" altLang="ja-JP" sz="1400" dirty="0">
-                <a:latin typeface="+mn-ea"/>
-              </a:rPr>
-              <a:t>Operation check </a:t>
-            </a:r>
-            <a:r>
-              <a:rPr lang="zh-TW" altLang="en-US" sz="1400" dirty="0">
-                <a:latin typeface="+mn-ea"/>
-              </a:rPr>
-              <a:t> </a:t>
-            </a:r>
-            <a:r>
-              <a:rPr lang="en-US" altLang="zh-TW" sz="1400" dirty="0">
-                <a:latin typeface="+mn-ea"/>
-              </a:rPr>
-              <a:t>(4/6) </a:t>
-            </a:r>
-            <a:endParaRPr lang="zh-TW" altLang="en-US" sz="1400" dirty="0">
-              <a:latin typeface="+mn-ea"/>
-            </a:endParaRPr>
-          </a:p>
-          <a:p>
-            <a:r>
-              <a:rPr lang="en-US" altLang="zh-TW" sz="1400" dirty="0">
-                <a:latin typeface="+mn-ea"/>
-              </a:rPr>
-              <a:t>    4.5</a:t>
-            </a:r>
-            <a:r>
-              <a:rPr lang="zh-TW" altLang="en-US" sz="1400" dirty="0">
-                <a:latin typeface="+mn-ea"/>
-              </a:rPr>
-              <a:t>　 </a:t>
-            </a:r>
-            <a:r>
-              <a:rPr lang="en-US" altLang="ja-JP" sz="1400" dirty="0">
-                <a:latin typeface="+mn-ea"/>
-              </a:rPr>
-              <a:t>Operation check </a:t>
-            </a:r>
-            <a:r>
-              <a:rPr lang="zh-TW" altLang="en-US" sz="1400" dirty="0">
-                <a:latin typeface="+mn-ea"/>
-              </a:rPr>
-              <a:t> </a:t>
-            </a:r>
-            <a:r>
-              <a:rPr lang="en-US" altLang="zh-TW" sz="1400" dirty="0">
-                <a:latin typeface="+mn-ea"/>
-              </a:rPr>
-              <a:t>(5/6) </a:t>
-            </a:r>
-          </a:p>
-          <a:p>
-            <a:r>
-              <a:rPr lang="en-US" altLang="zh-TW" sz="1400" dirty="0">
-                <a:latin typeface="+mn-ea"/>
-              </a:rPr>
-              <a:t>  </a:t>
-            </a:r>
-            <a:r>
-              <a:rPr lang="ja-JP" altLang="en-US" sz="1400" dirty="0">
-                <a:latin typeface="+mn-ea"/>
-              </a:rPr>
-              <a:t>  </a:t>
-            </a:r>
-            <a:r>
-              <a:rPr lang="en-US" altLang="zh-TW" sz="1400" dirty="0">
-                <a:latin typeface="+mn-ea"/>
-              </a:rPr>
-              <a:t>4.6</a:t>
-            </a:r>
-            <a:r>
-              <a:rPr lang="zh-TW" altLang="en-US" sz="1400" dirty="0">
-                <a:latin typeface="+mn-ea"/>
-              </a:rPr>
-              <a:t>　 </a:t>
-            </a:r>
-            <a:r>
-              <a:rPr lang="en-US" altLang="ja-JP" sz="1400" dirty="0">
-                <a:latin typeface="+mn-ea"/>
-              </a:rPr>
-              <a:t>Operation check </a:t>
-            </a:r>
-            <a:r>
-              <a:rPr lang="zh-TW" altLang="en-US" sz="1400" dirty="0">
-                <a:latin typeface="+mn-ea"/>
-              </a:rPr>
-              <a:t> </a:t>
-            </a:r>
-            <a:r>
-              <a:rPr lang="en-US" altLang="zh-TW" sz="1400" dirty="0">
-                <a:latin typeface="+mn-ea"/>
-              </a:rPr>
-              <a:t>(6/6) </a:t>
-            </a:r>
-          </a:p>
-          <a:p>
+              <a:t>Operation check</a:t>
+            </a:r>
             <a:endParaRPr lang="en-US" altLang="zh-TW" sz="1400" dirty="0">
               <a:latin typeface="+mn-ea"/>
             </a:endParaRPr>
           </a:p>
           <a:p>
+            <a:endParaRPr lang="en-US" altLang="zh-TW" sz="1400" dirty="0">
+              <a:latin typeface="+mn-ea"/>
+            </a:endParaRPr>
+          </a:p>
+          <a:p>
             <a:r>
               <a:rPr lang="en-US" altLang="zh-TW" sz="1400" dirty="0">
                 <a:latin typeface="+mn-ea"/>
@@ -21872,19 +21242,13 @@
               <a:rPr lang="en-US" altLang="zh-TW" sz="1400" dirty="0">
                 <a:latin typeface="+mn-ea"/>
               </a:rPr>
-              <a:t>   5.1   Reference  (1/2) </a:t>
-            </a:r>
-            <a:br>
-              <a:rPr lang="en-US" altLang="zh-TW" sz="1400" dirty="0">
-                <a:latin typeface="+mn-ea"/>
-              </a:rPr>
-            </a:br>
-            <a:r>
-              <a:rPr lang="en-US" altLang="zh-TW" sz="1400" dirty="0">
-                <a:latin typeface="+mn-ea"/>
-              </a:rPr>
-              <a:t>   5.2   Reference  (2/2) </a:t>
-            </a:r>
+              <a:t>   5.1   Reference</a:t>
+            </a:r>
+          </a:p>
+          <a:p>
+            <a:endParaRPr lang="en-US" altLang="ja-JP" sz="1400" dirty="0">
+              <a:latin typeface="+mn-ea"/>
+            </a:endParaRPr>
           </a:p>
         </p:txBody>
       </p:sp>
@@ -21935,7 +21299,7 @@
           <a:p>
             <a:r>
               <a:rPr lang="en-US" altLang="ja-JP" dirty="0"/>
-              <a:t>3.8</a:t>
+              <a:t>3.4</a:t>
             </a:r>
             <a:r>
               <a:rPr lang="ja-JP" altLang="en-US" dirty="0"/>
@@ -21951,7 +21315,7 @@
             </a:r>
             <a:r>
               <a:rPr lang="en-US" altLang="ja-JP" dirty="0"/>
-              <a:t>(5/12) </a:t>
+              <a:t>(5/14) </a:t>
             </a:r>
             <a:endParaRPr kumimoji="1" lang="ja-JP" altLang="en-US" dirty="0"/>
           </a:p>
@@ -24521,34 +23885,6 @@
       </p:grpSpPr>
       <p:sp>
         <p:nvSpPr>
-          <p:cNvPr id="2" name="タイトル 1"/>
-          <p:cNvSpPr>
-            <a:spLocks noGrp="1"/>
-          </p:cNvSpPr>
-          <p:nvPr>
-            <p:ph type="title"/>
-          </p:nvPr>
-        </p:nvSpPr>
-        <p:spPr/>
-        <p:txBody>
-          <a:bodyPr/>
-          <a:lstStyle/>
-          <a:p>
-            <a:r>
-              <a:rPr lang="en-US" altLang="ja-JP" dirty="0">
-                <a:ea typeface="Segoe UI" panose="020B0502040204020203" pitchFamily="34" charset="0"/>
-                <a:cs typeface="Segoe UI" panose="020B0502040204020203" pitchFamily="34" charset="0"/>
-              </a:rPr>
-              <a:t>3.9	 Construction  (6/12) </a:t>
-            </a:r>
-            <a:endParaRPr kumimoji="1" lang="ja-JP" altLang="en-US" dirty="0">
-              <a:cs typeface="Segoe UI" panose="020B0502040204020203" pitchFamily="34" charset="0"/>
-            </a:endParaRPr>
-          </a:p>
-        </p:txBody>
-      </p:sp>
-      <p:sp>
-        <p:nvSpPr>
           <p:cNvPr id="3" name="コンテンツ プレースホルダー 2"/>
           <p:cNvSpPr>
             <a:spLocks noGrp="1"/>
@@ -24673,6 +24009,56 @@
               <a:rPr lang="en-US" altLang="ja-JP" dirty="0"/>
               <a:t>(※The "ita_domain" is used as the common name when creating the self-certificate. It is also the file name for the self-certificate and the private key. ) </a:t>
             </a:r>
+          </a:p>
+        </p:txBody>
+      </p:sp>
+      <p:sp>
+        <p:nvSpPr>
+          <p:cNvPr id="6" name="タイトル 1">
+            <a:extLst>
+              <a:ext uri="{FF2B5EF4-FFF2-40B4-BE49-F238E27FC236}">
+                <a16:creationId xmlns:a16="http://schemas.microsoft.com/office/drawing/2014/main" id="{7DD58E3B-77AE-DA63-2FC4-9E64F6EF2785}"/>
+              </a:ext>
+            </a:extLst>
+          </p:cNvPr>
+          <p:cNvSpPr>
+            <a:spLocks noGrp="1"/>
+          </p:cNvSpPr>
+          <p:nvPr>
+            <p:ph type="title"/>
+          </p:nvPr>
+        </p:nvSpPr>
+        <p:spPr>
+          <a:xfrm>
+            <a:off x="179513" y="115200"/>
+            <a:ext cx="8784000" cy="468000"/>
+          </a:xfrm>
+        </p:spPr>
+        <p:txBody>
+          <a:bodyPr/>
+          <a:lstStyle/>
+          <a:p>
+            <a:r>
+              <a:rPr lang="en-US" altLang="ja-JP" dirty="0"/>
+              <a:t>3.4</a:t>
+            </a:r>
+            <a:r>
+              <a:rPr lang="ja-JP" altLang="en-US" dirty="0"/>
+              <a:t>　</a:t>
+            </a:r>
+            <a:r>
+              <a:rPr lang="en-US" altLang="ja-JP" dirty="0"/>
+              <a:t>Construction</a:t>
+            </a:r>
+            <a:r>
+              <a:rPr lang="ja-JP" altLang="en-US" dirty="0"/>
+              <a:t> </a:t>
+            </a:r>
+            <a:r>
+              <a:rPr lang="en-US" altLang="ja-JP" dirty="0"/>
+              <a:t>(6/14) </a:t>
+            </a:r>
+            <a:endParaRPr kumimoji="1" lang="ja-JP" altLang="en-US" dirty="0"/>
           </a:p>
         </p:txBody>
       </p:sp>
@@ -24708,34 +24094,6 @@
       </p:grpSpPr>
       <p:sp>
         <p:nvSpPr>
-          <p:cNvPr id="2" name="タイトル 1"/>
-          <p:cNvSpPr>
-            <a:spLocks noGrp="1"/>
-          </p:cNvSpPr>
-          <p:nvPr>
-            <p:ph type="title"/>
-          </p:nvPr>
-        </p:nvSpPr>
-        <p:spPr/>
-        <p:txBody>
-          <a:bodyPr/>
-          <a:lstStyle/>
-          <a:p>
-            <a:r>
-              <a:rPr lang="en-US" altLang="ja-JP" dirty="0">
-                <a:ea typeface="Segoe UI" panose="020B0502040204020203" pitchFamily="34" charset="0"/>
-                <a:cs typeface="Segoe UI" panose="020B0502040204020203" pitchFamily="34" charset="0"/>
-              </a:rPr>
-              <a:t>3.10	 Construction  (7/12) </a:t>
-            </a:r>
-            <a:endParaRPr kumimoji="1" lang="ja-JP" altLang="en-US" dirty="0">
-              <a:cs typeface="Segoe UI" panose="020B0502040204020203" pitchFamily="34" charset="0"/>
-            </a:endParaRPr>
-          </a:p>
-        </p:txBody>
-      </p:sp>
-      <p:sp>
-        <p:nvSpPr>
           <p:cNvPr id="3" name="コンテンツ プレースホルダー 2"/>
           <p:cNvSpPr>
             <a:spLocks noGrp="1"/>
@@ -24813,6 +24171,56 @@
             <a:endParaRPr lang="en-US" altLang="ja-JP" dirty="0">
               <a:latin typeface="+mn-ea"/>
             </a:endParaRPr>
+          </a:p>
+        </p:txBody>
+      </p:sp>
+      <p:sp>
+        <p:nvSpPr>
+          <p:cNvPr id="6" name="タイトル 1">
+            <a:extLst>
+              <a:ext uri="{FF2B5EF4-FFF2-40B4-BE49-F238E27FC236}">
+                <a16:creationId xmlns:a16="http://schemas.microsoft.com/office/drawing/2014/main" id="{6E94484C-E530-F404-FC9E-2AE9C5E12DF7}"/>
+              </a:ext>
+            </a:extLst>
+          </p:cNvPr>
+          <p:cNvSpPr>
+            <a:spLocks noGrp="1"/>
+          </p:cNvSpPr>
+          <p:nvPr>
+            <p:ph type="title"/>
+          </p:nvPr>
+        </p:nvSpPr>
+        <p:spPr>
+          <a:xfrm>
+            <a:off x="179513" y="115200"/>
+            <a:ext cx="8784000" cy="468000"/>
+          </a:xfrm>
+        </p:spPr>
+        <p:txBody>
+          <a:bodyPr/>
+          <a:lstStyle/>
+          <a:p>
+            <a:r>
+              <a:rPr lang="en-US" altLang="ja-JP" dirty="0"/>
+              <a:t>3.4</a:t>
+            </a:r>
+            <a:r>
+              <a:rPr lang="ja-JP" altLang="en-US" dirty="0"/>
+              <a:t>　</a:t>
+            </a:r>
+            <a:r>
+              <a:rPr lang="en-US" altLang="ja-JP" dirty="0"/>
+              <a:t>Construction</a:t>
+            </a:r>
+            <a:r>
+              <a:rPr lang="ja-JP" altLang="en-US" dirty="0"/>
+              <a:t> </a:t>
+            </a:r>
+            <a:r>
+              <a:rPr lang="en-US" altLang="ja-JP" dirty="0"/>
+              <a:t>(7/14) </a:t>
+            </a:r>
+            <a:endParaRPr kumimoji="1" lang="ja-JP" altLang="en-US" dirty="0"/>
           </a:p>
         </p:txBody>
       </p:sp>
@@ -24846,45 +24254,6 @@
           <a:chExt cx="0" cy="0"/>
         </a:xfrm>
       </p:grpSpPr>
-      <p:sp>
-        <p:nvSpPr>
-          <p:cNvPr id="2" name="タイトル 1"/>
-          <p:cNvSpPr>
-            <a:spLocks noGrp="1"/>
-          </p:cNvSpPr>
-          <p:nvPr>
-            <p:ph type="title"/>
-          </p:nvPr>
-        </p:nvSpPr>
-        <p:spPr/>
-        <p:txBody>
-          <a:bodyPr/>
-          <a:lstStyle/>
-          <a:p>
-            <a:r>
-              <a:rPr lang="en-US" altLang="ja-JP" dirty="0"/>
-              <a:t>3.11</a:t>
-            </a:r>
-            <a:r>
-              <a:rPr lang="ja-JP" altLang="en-US" dirty="0"/>
-              <a:t>　</a:t>
-            </a:r>
-            <a:r>
-              <a:rPr lang="en-US" altLang="ja-JP" dirty="0"/>
-              <a:t>Construction</a:t>
-            </a:r>
-            <a:r>
-              <a:rPr lang="ja-JP" altLang="en-US" dirty="0"/>
-              <a:t> </a:t>
-            </a:r>
-            <a:r>
-              <a:rPr lang="en-US" altLang="ja-JP" dirty="0"/>
-              <a:t>(8/12) </a:t>
-            </a:r>
-            <a:endParaRPr kumimoji="1" lang="ja-JP" altLang="en-US" dirty="0"/>
-          </a:p>
-        </p:txBody>
-      </p:sp>
       <p:sp>
         <p:nvSpPr>
           <p:cNvPr id="3" name="コンテンツ プレースホルダー 2"/>
@@ -26839,6 +26208,56 @@
           </p:txBody>
         </p:sp>
       </p:grpSp>
+      <p:sp>
+        <p:nvSpPr>
+          <p:cNvPr id="7" name="タイトル 1">
+            <a:extLst>
+              <a:ext uri="{FF2B5EF4-FFF2-40B4-BE49-F238E27FC236}">
+                <a16:creationId xmlns:a16="http://schemas.microsoft.com/office/drawing/2014/main" id="{4EBDCC4F-18AD-5A62-104E-09F9BB734E5B}"/>
+              </a:ext>
+            </a:extLst>
+          </p:cNvPr>
+          <p:cNvSpPr>
+            <a:spLocks noGrp="1"/>
+          </p:cNvSpPr>
+          <p:nvPr>
+            <p:ph type="title"/>
+          </p:nvPr>
+        </p:nvSpPr>
+        <p:spPr>
+          <a:xfrm>
+            <a:off x="179513" y="115200"/>
+            <a:ext cx="8784000" cy="468000"/>
+          </a:xfrm>
+        </p:spPr>
+        <p:txBody>
+          <a:bodyPr/>
+          <a:lstStyle/>
+          <a:p>
+            <a:r>
+              <a:rPr lang="en-US" altLang="ja-JP" dirty="0"/>
+              <a:t>3.4</a:t>
+            </a:r>
+            <a:r>
+              <a:rPr lang="ja-JP" altLang="en-US" dirty="0"/>
+              <a:t>　</a:t>
+            </a:r>
+            <a:r>
+              <a:rPr lang="en-US" altLang="ja-JP" dirty="0"/>
+              <a:t>Construction</a:t>
+            </a:r>
+            <a:r>
+              <a:rPr lang="ja-JP" altLang="en-US" dirty="0"/>
+              <a:t> </a:t>
+            </a:r>
+            <a:r>
+              <a:rPr lang="en-US" altLang="ja-JP" dirty="0"/>
+              <a:t>(8/14) </a:t>
+            </a:r>
+            <a:endParaRPr kumimoji="1" lang="ja-JP" altLang="en-US" dirty="0"/>
+          </a:p>
+        </p:txBody>
+      </p:sp>
     </p:spTree>
     <p:extLst>
       <p:ext uri="{BB962C8B-B14F-4D97-AF65-F5344CB8AC3E}">
@@ -26869,45 +26288,6 @@
           <a:chExt cx="0" cy="0"/>
         </a:xfrm>
       </p:grpSpPr>
-      <p:sp>
-        <p:nvSpPr>
-          <p:cNvPr id="2" name="タイトル 1"/>
-          <p:cNvSpPr>
-            <a:spLocks noGrp="1"/>
-          </p:cNvSpPr>
-          <p:nvPr>
-            <p:ph type="title"/>
-          </p:nvPr>
-        </p:nvSpPr>
-        <p:spPr/>
-        <p:txBody>
-          <a:bodyPr/>
-          <a:lstStyle/>
-          <a:p>
-            <a:r>
-              <a:rPr lang="en-US" altLang="ja-JP" dirty="0"/>
-              <a:t>3.12</a:t>
-            </a:r>
-            <a:r>
-              <a:rPr lang="ja-JP" altLang="en-US" dirty="0"/>
-              <a:t>　</a:t>
-            </a:r>
-            <a:r>
-              <a:rPr lang="en-US" altLang="ja-JP" dirty="0"/>
-              <a:t>Construction</a:t>
-            </a:r>
-            <a:r>
-              <a:rPr lang="ja-JP" altLang="en-US" dirty="0"/>
-              <a:t> </a:t>
-            </a:r>
-            <a:r>
-              <a:rPr lang="en-US" altLang="ja-JP" dirty="0"/>
-              <a:t>(9/12) </a:t>
-            </a:r>
-            <a:endParaRPr kumimoji="1" lang="ja-JP" altLang="en-US" dirty="0"/>
-          </a:p>
-        </p:txBody>
-      </p:sp>
       <p:sp>
         <p:nvSpPr>
           <p:cNvPr id="3" name="コンテンツ プレースホルダー 2"/>
@@ -29881,6 +29261,56 @@
           </p:txBody>
         </p:sp>
       </p:grpSp>
+      <p:sp>
+        <p:nvSpPr>
+          <p:cNvPr id="19" name="タイトル 1">
+            <a:extLst>
+              <a:ext uri="{FF2B5EF4-FFF2-40B4-BE49-F238E27FC236}">
+                <a16:creationId xmlns:a16="http://schemas.microsoft.com/office/drawing/2014/main" id="{BF6B0170-B615-2A76-4C91-A9197C6447BF}"/>
+              </a:ext>
+            </a:extLst>
+          </p:cNvPr>
+          <p:cNvSpPr>
+            <a:spLocks noGrp="1"/>
+          </p:cNvSpPr>
+          <p:nvPr>
+            <p:ph type="title"/>
+          </p:nvPr>
+        </p:nvSpPr>
+        <p:spPr>
+          <a:xfrm>
+            <a:off x="179513" y="115200"/>
+            <a:ext cx="8784000" cy="468000"/>
+          </a:xfrm>
+        </p:spPr>
+        <p:txBody>
+          <a:bodyPr/>
+          <a:lstStyle/>
+          <a:p>
+            <a:r>
+              <a:rPr lang="en-US" altLang="ja-JP" dirty="0"/>
+              <a:t>3.4</a:t>
+            </a:r>
+            <a:r>
+              <a:rPr lang="ja-JP" altLang="en-US" dirty="0"/>
+              <a:t>　</a:t>
+            </a:r>
+            <a:r>
+              <a:rPr lang="en-US" altLang="ja-JP" dirty="0"/>
+              <a:t>Construction</a:t>
+            </a:r>
+            <a:r>
+              <a:rPr lang="ja-JP" altLang="en-US" dirty="0"/>
+              <a:t> </a:t>
+            </a:r>
+            <a:r>
+              <a:rPr lang="en-US" altLang="ja-JP" dirty="0"/>
+              <a:t>(9/14) </a:t>
+            </a:r>
+            <a:endParaRPr kumimoji="1" lang="ja-JP" altLang="en-US" dirty="0"/>
+          </a:p>
+        </p:txBody>
+      </p:sp>
     </p:spTree>
     <p:extLst>
       <p:ext uri="{BB962C8B-B14F-4D97-AF65-F5344CB8AC3E}">
@@ -29913,29 +29343,6 @@
       </p:grpSpPr>
       <p:sp>
         <p:nvSpPr>
-          <p:cNvPr id="2" name="タイトル 1"/>
-          <p:cNvSpPr>
-            <a:spLocks noGrp="1"/>
-          </p:cNvSpPr>
-          <p:nvPr>
-            <p:ph type="title"/>
-          </p:nvPr>
-        </p:nvSpPr>
-        <p:spPr/>
-        <p:txBody>
-          <a:bodyPr/>
-          <a:lstStyle/>
-          <a:p>
-            <a:r>
-              <a:rPr lang="en-US" altLang="ja-JP" dirty="0"/>
-              <a:t>3.13	Construction  (10/12) </a:t>
-            </a:r>
-            <a:endParaRPr kumimoji="1" lang="ja-JP" altLang="en-US" dirty="0"/>
-          </a:p>
-        </p:txBody>
-      </p:sp>
-      <p:sp>
-        <p:nvSpPr>
           <p:cNvPr id="3" name="コンテンツ プレースホルダー 2"/>
           <p:cNvSpPr>
             <a:spLocks noGrp="1"/>
@@ -30156,6 +29563,56 @@
               <a:buNone/>
             </a:pPr>
             <a:endParaRPr lang="en-US" altLang="ja-JP" dirty="0"/>
+          </a:p>
+        </p:txBody>
+      </p:sp>
+      <p:sp>
+        <p:nvSpPr>
+          <p:cNvPr id="6" name="タイトル 1">
+            <a:extLst>
+              <a:ext uri="{FF2B5EF4-FFF2-40B4-BE49-F238E27FC236}">
+                <a16:creationId xmlns:a16="http://schemas.microsoft.com/office/drawing/2014/main" id="{C1B9798A-4A6F-AEA6-27F3-701DA296E959}"/>
+              </a:ext>
+            </a:extLst>
+          </p:cNvPr>
+          <p:cNvSpPr>
+            <a:spLocks noGrp="1"/>
+          </p:cNvSpPr>
+          <p:nvPr>
+            <p:ph type="title"/>
+          </p:nvPr>
+        </p:nvSpPr>
+        <p:spPr>
+          <a:xfrm>
+            <a:off x="179513" y="115200"/>
+            <a:ext cx="8784000" cy="468000"/>
+          </a:xfrm>
+        </p:spPr>
+        <p:txBody>
+          <a:bodyPr/>
+          <a:lstStyle/>
+          <a:p>
+            <a:r>
+              <a:rPr lang="en-US" altLang="ja-JP" dirty="0"/>
+              <a:t>3.4</a:t>
+            </a:r>
+            <a:r>
+              <a:rPr lang="ja-JP" altLang="en-US" dirty="0"/>
+              <a:t>　</a:t>
+            </a:r>
+            <a:r>
+              <a:rPr lang="en-US" altLang="ja-JP" dirty="0"/>
+              <a:t>Construction</a:t>
+            </a:r>
+            <a:r>
+              <a:rPr lang="ja-JP" altLang="en-US" dirty="0"/>
+              <a:t> </a:t>
+            </a:r>
+            <a:r>
+              <a:rPr lang="en-US" altLang="ja-JP" dirty="0"/>
+              <a:t>(10/14) </a:t>
+            </a:r>
+            <a:endParaRPr kumimoji="1" lang="ja-JP" altLang="en-US" dirty="0"/>
           </a:p>
         </p:txBody>
       </p:sp>
@@ -30189,45 +29646,6 @@
           <a:chExt cx="0" cy="0"/>
         </a:xfrm>
       </p:grpSpPr>
-      <p:sp>
-        <p:nvSpPr>
-          <p:cNvPr id="2" name="タイトル 1"/>
-          <p:cNvSpPr>
-            <a:spLocks noGrp="1"/>
-          </p:cNvSpPr>
-          <p:nvPr>
-            <p:ph type="title"/>
-          </p:nvPr>
-        </p:nvSpPr>
-        <p:spPr/>
-        <p:txBody>
-          <a:bodyPr/>
-          <a:lstStyle/>
-          <a:p>
-            <a:r>
-              <a:rPr lang="en-US" altLang="ja-JP" dirty="0"/>
-              <a:t>3.14</a:t>
-            </a:r>
-            <a:r>
-              <a:rPr lang="ja-JP" altLang="en-US" dirty="0"/>
-              <a:t>　</a:t>
-            </a:r>
-            <a:r>
-              <a:rPr lang="en-US" altLang="ja-JP" dirty="0"/>
-              <a:t>Construction</a:t>
-            </a:r>
-            <a:r>
-              <a:rPr lang="ja-JP" altLang="en-US" dirty="0"/>
-              <a:t> </a:t>
-            </a:r>
-            <a:r>
-              <a:rPr lang="en-US" altLang="ja-JP" dirty="0"/>
-              <a:t>(11/12) </a:t>
-            </a:r>
-            <a:endParaRPr kumimoji="1" lang="ja-JP" altLang="en-US" dirty="0"/>
-          </a:p>
-        </p:txBody>
-      </p:sp>
       <p:sp>
         <p:nvSpPr>
           <p:cNvPr id="3" name="コンテンツ プレースホルダー 2"/>
@@ -32465,6 +31883,56 @@
           </a:graphicData>
         </a:graphic>
       </p:graphicFrame>
+      <p:sp>
+        <p:nvSpPr>
+          <p:cNvPr id="8" name="タイトル 1">
+            <a:extLst>
+              <a:ext uri="{FF2B5EF4-FFF2-40B4-BE49-F238E27FC236}">
+                <a16:creationId xmlns:a16="http://schemas.microsoft.com/office/drawing/2014/main" id="{DAEA48BC-E6DF-70E4-9DC9-89505E80BC39}"/>
+              </a:ext>
+            </a:extLst>
+          </p:cNvPr>
+          <p:cNvSpPr>
+            <a:spLocks noGrp="1"/>
+          </p:cNvSpPr>
+          <p:nvPr>
+            <p:ph type="title"/>
+          </p:nvPr>
+        </p:nvSpPr>
+        <p:spPr>
+          <a:xfrm>
+            <a:off x="179513" y="115200"/>
+            <a:ext cx="8784000" cy="468000"/>
+          </a:xfrm>
+        </p:spPr>
+        <p:txBody>
+          <a:bodyPr/>
+          <a:lstStyle/>
+          <a:p>
+            <a:r>
+              <a:rPr lang="en-US" altLang="ja-JP" dirty="0"/>
+              <a:t>3.4</a:t>
+            </a:r>
+            <a:r>
+              <a:rPr lang="ja-JP" altLang="en-US" dirty="0"/>
+              <a:t>　</a:t>
+            </a:r>
+            <a:r>
+              <a:rPr lang="en-US" altLang="ja-JP" dirty="0"/>
+              <a:t>Construction</a:t>
+            </a:r>
+            <a:r>
+              <a:rPr lang="ja-JP" altLang="en-US" dirty="0"/>
+              <a:t> </a:t>
+            </a:r>
+            <a:r>
+              <a:rPr lang="en-US" altLang="ja-JP" dirty="0"/>
+              <a:t>(11/14) </a:t>
+            </a:r>
+            <a:endParaRPr kumimoji="1" lang="ja-JP" altLang="en-US" dirty="0"/>
+          </a:p>
+        </p:txBody>
+      </p:sp>
     </p:spTree>
     <p:extLst>
       <p:ext uri="{BB962C8B-B14F-4D97-AF65-F5344CB8AC3E}">
@@ -32497,49 +31965,6 @@
       </p:grpSpPr>
       <p:sp>
         <p:nvSpPr>
-          <p:cNvPr id="2" name="タイトル 1"/>
-          <p:cNvSpPr>
-            <a:spLocks noGrp="1"/>
-          </p:cNvSpPr>
-          <p:nvPr>
-            <p:ph type="title"/>
-          </p:nvPr>
-        </p:nvSpPr>
-        <p:spPr/>
-        <p:txBody>
-          <a:bodyPr/>
-          <a:lstStyle/>
-          <a:p>
-            <a:r>
-              <a:rPr lang="en-US" altLang="ja-JP" dirty="0"/>
-              <a:t>3.15</a:t>
-            </a:r>
-            <a:r>
-              <a:rPr lang="ja-JP" altLang="en-US" dirty="0"/>
-              <a:t>　</a:t>
-            </a:r>
-            <a:r>
-              <a:rPr lang="en-US" altLang="ja-JP" dirty="0"/>
-              <a:t>Construction</a:t>
-            </a:r>
-            <a:r>
-              <a:rPr lang="ja-JP" altLang="en-US" dirty="0"/>
-              <a:t>（</a:t>
-            </a:r>
-            <a:r>
-              <a:rPr lang="en-US" altLang="ja-JP" dirty="0"/>
-              <a:t>12/12</a:t>
-            </a:r>
-            <a:r>
-              <a:rPr lang="ja-JP" altLang="en-US" dirty="0"/>
-              <a:t>）</a:t>
-            </a:r>
-            <a:endParaRPr kumimoji="1" lang="ja-JP" altLang="en-US" dirty="0"/>
-          </a:p>
-        </p:txBody>
-      </p:sp>
-      <p:sp>
-        <p:nvSpPr>
           <p:cNvPr id="3" name="コンテンツ プレースホルダー 2"/>
           <p:cNvSpPr>
             <a:spLocks noGrp="1"/>
@@ -32692,6 +32117,56 @@
               <a:rPr lang="en-US" altLang="ja-JP" dirty="0"/>
             </a:br>
             <a:endParaRPr lang="en-US" altLang="ja-JP" dirty="0"/>
+          </a:p>
+        </p:txBody>
+      </p:sp>
+      <p:sp>
+        <p:nvSpPr>
+          <p:cNvPr id="6" name="タイトル 1">
+            <a:extLst>
+              <a:ext uri="{FF2B5EF4-FFF2-40B4-BE49-F238E27FC236}">
+                <a16:creationId xmlns:a16="http://schemas.microsoft.com/office/drawing/2014/main" id="{A6D30672-A7D9-B421-0675-58A82EF87660}"/>
+              </a:ext>
+            </a:extLst>
+          </p:cNvPr>
+          <p:cNvSpPr>
+            <a:spLocks noGrp="1"/>
+          </p:cNvSpPr>
+          <p:nvPr>
+            <p:ph type="title"/>
+          </p:nvPr>
+        </p:nvSpPr>
+        <p:spPr>
+          <a:xfrm>
+            <a:off x="179513" y="115200"/>
+            <a:ext cx="8784000" cy="468000"/>
+          </a:xfrm>
+        </p:spPr>
+        <p:txBody>
+          <a:bodyPr/>
+          <a:lstStyle/>
+          <a:p>
+            <a:r>
+              <a:rPr lang="en-US" altLang="ja-JP" dirty="0"/>
+              <a:t>3.4</a:t>
+            </a:r>
+            <a:r>
+              <a:rPr lang="ja-JP" altLang="en-US" dirty="0"/>
+              <a:t>　</a:t>
+            </a:r>
+            <a:r>
+              <a:rPr lang="en-US" altLang="ja-JP" dirty="0"/>
+              <a:t>Construction</a:t>
+            </a:r>
+            <a:r>
+              <a:rPr lang="ja-JP" altLang="en-US" dirty="0"/>
+              <a:t> </a:t>
+            </a:r>
+            <a:r>
+              <a:rPr lang="en-US" altLang="ja-JP" dirty="0"/>
+              <a:t>(12/14) </a:t>
+            </a:r>
+            <a:endParaRPr kumimoji="1" lang="ja-JP" altLang="en-US" dirty="0"/>
           </a:p>
         </p:txBody>
       </p:sp>
@@ -32727,7 +32202,234 @@
       </p:grpSpPr>
       <p:sp>
         <p:nvSpPr>
-          <p:cNvPr id="2" name="タイトル 1"/>
+          <p:cNvPr id="3" name="コンテンツ プレースホルダー 2"/>
+          <p:cNvSpPr>
+            <a:spLocks noGrp="1"/>
+          </p:cNvSpPr>
+          <p:nvPr>
+            <p:ph sz="quarter" idx="10"/>
+          </p:nvPr>
+        </p:nvSpPr>
+        <p:spPr>
+          <a:xfrm>
+            <a:off x="179512" y="836712"/>
+            <a:ext cx="8964487" cy="5616476"/>
+          </a:xfrm>
+        </p:spPr>
+        <p:txBody>
+          <a:bodyPr rIns="0">
+            <a:normAutofit/>
+          </a:bodyPr>
+          <a:lstStyle/>
+          <a:p>
+            <a:r>
+              <a:rPr lang="en-US" altLang="ja-JP" sz="2200" dirty="0">
+                <a:latin typeface="+mn-ea"/>
+              </a:rPr>
+              <a:t>Specification change of MariaDB 11.0.2</a:t>
+            </a:r>
+          </a:p>
+          <a:p>
+            <a:pPr marL="0" indent="0">
+              <a:buNone/>
+            </a:pPr>
+            <a:endParaRPr lang="en-US" altLang="ja-JP" dirty="0">
+              <a:latin typeface="+mn-ea"/>
+            </a:endParaRPr>
+          </a:p>
+          <a:p>
+            <a:pPr marL="0" indent="0">
+              <a:buNone/>
+            </a:pPr>
+            <a:r>
+              <a:rPr lang="en-US" altLang="ja-JP" sz="1600" dirty="0">
+                <a:latin typeface="+mn-ea"/>
+              </a:rPr>
+              <a:t>The "</a:t>
+            </a:r>
+            <a:r>
+              <a:rPr lang="en-US" altLang="ja-JP" sz="1600" dirty="0" err="1">
+                <a:latin typeface="+mn-ea"/>
+              </a:rPr>
+              <a:t>mysql</a:t>
+            </a:r>
+            <a:r>
+              <a:rPr lang="en-US" altLang="ja-JP" sz="1600" dirty="0">
+                <a:latin typeface="+mn-ea"/>
+              </a:rPr>
+              <a:t>*" command was deprecated in </a:t>
+            </a:r>
+            <a:r>
+              <a:rPr lang="en-US" altLang="ja-JP" sz="1600" dirty="0" err="1">
+                <a:latin typeface="+mn-ea"/>
+              </a:rPr>
+              <a:t>mariaDB</a:t>
+            </a:r>
+            <a:r>
+              <a:rPr lang="en-US" altLang="ja-JP" sz="1600" dirty="0">
+                <a:latin typeface="+mn-ea"/>
+              </a:rPr>
+              <a:t> 11.0.2 released on June 23, 2023, and the specification was changed so that the following warning is output when the "</a:t>
+            </a:r>
+            <a:r>
+              <a:rPr lang="en-US" altLang="ja-JP" sz="1600" dirty="0" err="1">
+                <a:latin typeface="+mn-ea"/>
+              </a:rPr>
+              <a:t>mysql</a:t>
+            </a:r>
+            <a:r>
+              <a:rPr lang="en-US" altLang="ja-JP" sz="1600" dirty="0">
+                <a:latin typeface="+mn-ea"/>
+              </a:rPr>
+              <a:t>*" command is executed.</a:t>
+            </a:r>
+          </a:p>
+          <a:p>
+            <a:pPr marL="0" indent="0">
+              <a:buNone/>
+            </a:pPr>
+            <a:r>
+              <a:rPr lang="en-US" altLang="ja-JP" sz="1200" i="1" dirty="0" err="1">
+                <a:solidFill>
+                  <a:srgbClr val="FF0000"/>
+                </a:solidFill>
+                <a:latin typeface="+mn-ea"/>
+              </a:rPr>
+              <a:t>mysql</a:t>
+            </a:r>
+            <a:r>
+              <a:rPr lang="en-US" altLang="ja-JP" sz="1200" i="1" dirty="0">
+                <a:solidFill>
+                  <a:srgbClr val="FF0000"/>
+                </a:solidFill>
+                <a:latin typeface="+mn-ea"/>
+              </a:rPr>
+              <a:t>: Deprecated program name. It will be removed in a future release, use '/</a:t>
+            </a:r>
+            <a:r>
+              <a:rPr lang="en-US" altLang="ja-JP" sz="1200" i="1" dirty="0" err="1">
+                <a:solidFill>
+                  <a:srgbClr val="FF0000"/>
+                </a:solidFill>
+                <a:latin typeface="+mn-ea"/>
+              </a:rPr>
+              <a:t>usr</a:t>
+            </a:r>
+            <a:r>
+              <a:rPr lang="en-US" altLang="ja-JP" sz="1200" i="1" dirty="0">
+                <a:solidFill>
+                  <a:srgbClr val="FF0000"/>
+                </a:solidFill>
+                <a:latin typeface="+mn-ea"/>
+              </a:rPr>
+              <a:t>/bin/</a:t>
+            </a:r>
+            <a:r>
+              <a:rPr lang="en-US" altLang="ja-JP" sz="1200" i="1" dirty="0" err="1">
+                <a:solidFill>
+                  <a:srgbClr val="FF0000"/>
+                </a:solidFill>
+                <a:latin typeface="+mn-ea"/>
+              </a:rPr>
+              <a:t>mariadb</a:t>
+            </a:r>
+            <a:r>
+              <a:rPr lang="en-US" altLang="ja-JP" sz="1200" i="1" dirty="0">
+                <a:solidFill>
+                  <a:srgbClr val="FF0000"/>
+                </a:solidFill>
+                <a:latin typeface="+mn-ea"/>
+              </a:rPr>
+              <a:t>' instead</a:t>
+            </a:r>
+          </a:p>
+          <a:p>
+            <a:pPr marL="0" indent="0">
+              <a:buNone/>
+            </a:pPr>
+            <a:endParaRPr lang="en-US" altLang="ja-JP" sz="2000" dirty="0">
+              <a:latin typeface="+mn-ea"/>
+            </a:endParaRPr>
+          </a:p>
+          <a:p>
+            <a:pPr marL="0" indent="0">
+              <a:buNone/>
+            </a:pPr>
+            <a:r>
+              <a:rPr kumimoji="1" lang="en-US" altLang="ja-JP" sz="1600" dirty="0"/>
+              <a:t>Installers up to ITA1.11.0 use the "</a:t>
+            </a:r>
+            <a:r>
+              <a:rPr kumimoji="1" lang="en-US" altLang="ja-JP" sz="1600" dirty="0" err="1"/>
+              <a:t>mysql</a:t>
+            </a:r>
+            <a:r>
+              <a:rPr kumimoji="1" lang="en-US" altLang="ja-JP" sz="1600" dirty="0"/>
+              <a:t>*" command, so WARNING may be output during installation as shown on the next </a:t>
+            </a:r>
+            <a:r>
+              <a:rPr kumimoji="1" lang="en-US" altLang="ja-JP" sz="1600" dirty="0" err="1"/>
+              <a:t>page.Check</a:t>
+            </a:r>
+            <a:r>
+              <a:rPr kumimoji="1" lang="en-US" altLang="ja-JP" sz="1600" dirty="0"/>
+              <a:t> the contents of ./log/mysql_ita_model-a.log etc. described in WARNING, and if there is only the above warning, it is installed normally, so there is no problem.</a:t>
+            </a:r>
+          </a:p>
+          <a:p>
+            <a:pPr marL="0" indent="0">
+              <a:buNone/>
+            </a:pPr>
+            <a:endParaRPr lang="en-US" altLang="ja-JP" sz="1600" dirty="0">
+              <a:latin typeface="+mn-ea"/>
+            </a:endParaRPr>
+          </a:p>
+          <a:p>
+            <a:pPr marL="0" indent="0">
+              <a:buNone/>
+            </a:pPr>
+            <a:r>
+              <a:rPr lang="en-US" altLang="ja-JP" sz="1600" dirty="0">
+                <a:latin typeface="+mn-ea"/>
+              </a:rPr>
+              <a:t>Since ITA1.11.1 has been fixed, WARNING will not be output.</a:t>
+            </a:r>
+          </a:p>
+          <a:p>
+            <a:pPr marL="0" indent="0">
+              <a:buNone/>
+            </a:pPr>
+            <a:endParaRPr lang="en-US" altLang="ja-JP" sz="1600" dirty="0">
+              <a:latin typeface="+mn-ea"/>
+            </a:endParaRPr>
+          </a:p>
+          <a:p>
+            <a:pPr marL="0" indent="0">
+              <a:buNone/>
+            </a:pPr>
+            <a:endParaRPr lang="en-US" altLang="ja-JP" sz="1600" dirty="0">
+              <a:latin typeface="+mn-ea"/>
+            </a:endParaRPr>
+          </a:p>
+          <a:p>
+            <a:pPr marL="180000" lvl="1" indent="0">
+              <a:buNone/>
+            </a:pPr>
+            <a:endParaRPr lang="en-US" altLang="ja-JP" sz="1700" dirty="0">
+              <a:latin typeface="+mn-ea"/>
+            </a:endParaRPr>
+          </a:p>
+        </p:txBody>
+      </p:sp>
+      <p:sp>
+        <p:nvSpPr>
+          <p:cNvPr id="5" name="タイトル 1">
+            <a:extLst>
+              <a:ext uri="{FF2B5EF4-FFF2-40B4-BE49-F238E27FC236}">
+                <a16:creationId xmlns:a16="http://schemas.microsoft.com/office/drawing/2014/main" id="{89C41262-DB48-74D4-D30E-7F4B14507A44}"/>
+              </a:ext>
+            </a:extLst>
+          </p:cNvPr>
           <p:cNvSpPr>
             <a:spLocks noGrp="1"/>
           </p:cNvSpPr>
@@ -32737,8 +32439,8 @@
         </p:nvSpPr>
         <p:spPr>
           <a:xfrm>
-            <a:off x="179388" y="3045072"/>
-            <a:ext cx="8784000" cy="467239"/>
+            <a:off x="179513" y="115200"/>
+            <a:ext cx="8784000" cy="468000"/>
           </a:xfrm>
         </p:spPr>
         <p:txBody>
@@ -32747,7 +32449,7 @@
           <a:p>
             <a:r>
               <a:rPr lang="en-US" altLang="ja-JP" dirty="0"/>
-              <a:t>4.</a:t>
+              <a:t>3.4</a:t>
             </a:r>
             <a:r>
               <a:rPr lang="ja-JP" altLang="en-US" dirty="0"/>
@@ -32755,7 +32457,7 @@
             </a:r>
             <a:r>
               <a:rPr lang="en-US" altLang="ja-JP" dirty="0"/>
-              <a:t>ITA</a:t>
+              <a:t>Construction</a:t>
             </a:r>
             <a:r>
               <a:rPr lang="ja-JP" altLang="en-US" dirty="0"/>
@@ -32763,7 +32465,7 @@
             </a:r>
             <a:r>
               <a:rPr lang="en-US" altLang="ja-JP" dirty="0"/>
-              <a:t>operation check</a:t>
+              <a:t>(13/14) </a:t>
             </a:r>
             <a:endParaRPr kumimoji="1" lang="ja-JP" altLang="en-US" dirty="0"/>
           </a:p>
@@ -32772,7 +32474,7 @@
     </p:spTree>
     <p:extLst>
       <p:ext uri="{BB962C8B-B14F-4D97-AF65-F5344CB8AC3E}">
-        <p14:creationId xmlns:p14="http://schemas.microsoft.com/office/powerpoint/2010/main" val="2737544797"/>
+        <p14:creationId xmlns:p14="http://schemas.microsoft.com/office/powerpoint/2010/main" val="2841284417"/>
       </p:ext>
     </p:extLst>
   </p:cSld>
@@ -32801,45 +32503,6 @@
       </p:grpSpPr>
       <p:sp>
         <p:nvSpPr>
-          <p:cNvPr id="2" name="タイトル 1"/>
-          <p:cNvSpPr>
-            <a:spLocks noGrp="1"/>
-          </p:cNvSpPr>
-          <p:nvPr>
-            <p:ph type="title"/>
-          </p:nvPr>
-        </p:nvSpPr>
-        <p:spPr/>
-        <p:txBody>
-          <a:bodyPr/>
-          <a:lstStyle/>
-          <a:p>
-            <a:r>
-              <a:rPr lang="en-US" altLang="ja-JP" dirty="0"/>
-              <a:t>4.1</a:t>
-            </a:r>
-            <a:r>
-              <a:rPr lang="ja-JP" altLang="en-US" dirty="0"/>
-              <a:t>　</a:t>
-            </a:r>
-            <a:r>
-              <a:rPr lang="en-US" altLang="ja-JP" dirty="0"/>
-              <a:t>Operation check</a:t>
-            </a:r>
-            <a:r>
-              <a:rPr lang="ja-JP" altLang="en-US" dirty="0"/>
-              <a:t> </a:t>
-            </a:r>
-            <a:r>
-              <a:rPr lang="en-US" altLang="ja-JP" dirty="0"/>
-              <a:t>(1/4) </a:t>
-            </a:r>
-            <a:endParaRPr kumimoji="1" lang="ja-JP" altLang="en-US" dirty="0"/>
-          </a:p>
-        </p:txBody>
-      </p:sp>
-      <p:sp>
-        <p:nvSpPr>
           <p:cNvPr id="3" name="コンテンツ プレースホルダー 2"/>
           <p:cNvSpPr>
             <a:spLocks noGrp="1"/>
@@ -32848,203 +32511,728 @@
             <p:ph sz="quarter" idx="10"/>
           </p:nvPr>
         </p:nvSpPr>
-        <p:spPr/>
+        <p:spPr>
+          <a:xfrm>
+            <a:off x="179512" y="836712"/>
+            <a:ext cx="8964487" cy="5616476"/>
+          </a:xfrm>
+        </p:spPr>
         <p:txBody>
-          <a:bodyPr>
-            <a:normAutofit fontScale="92500" lnSpcReduction="20000"/>
+          <a:bodyPr rIns="0">
+            <a:normAutofit/>
           </a:bodyPr>
           <a:lstStyle/>
           <a:p>
-            <a:r>
-              <a:rPr lang="en-US" altLang="ja-JP" dirty="0">
-                <a:latin typeface="Segoe UI" panose="020B0502040204020203" pitchFamily="34" charset="0"/>
-                <a:ea typeface="Segoe UI" panose="020B0502040204020203" pitchFamily="34" charset="0"/>
-                <a:cs typeface="Segoe UI" panose="020B0502040204020203" pitchFamily="34" charset="0"/>
-              </a:rPr>
-              <a:t>Checking the main menu</a:t>
-            </a:r>
-            <a:endParaRPr lang="ja-JP" altLang="en-US" dirty="0">
-              <a:latin typeface="Segoe UI" panose="020B0502040204020203" pitchFamily="34" charset="0"/>
-              <a:cs typeface="Segoe UI" panose="020B0502040204020203" pitchFamily="34" charset="0"/>
+            <a:pPr lvl="1"/>
+            <a:r>
+              <a:rPr lang="en-US" altLang="ja-JP" sz="1200" dirty="0"/>
+              <a:t>Example of WARNING output during installation</a:t>
+            </a:r>
+            <a:endParaRPr lang="en-US" altLang="ja-JP" sz="1600" dirty="0">
+              <a:latin typeface="+mn-ea"/>
             </a:endParaRPr>
           </a:p>
           <a:p>
-            <a:pPr lvl="1"/>
-            <a:r>
-              <a:rPr lang="en-US" altLang="ja-JP" dirty="0">
-                <a:latin typeface="Segoe UI" panose="020B0502040204020203" pitchFamily="34" charset="0"/>
-                <a:ea typeface="Segoe UI" panose="020B0502040204020203" pitchFamily="34" charset="0"/>
-                <a:cs typeface="Segoe UI" panose="020B0502040204020203" pitchFamily="34" charset="0"/>
-              </a:rPr>
-              <a:t>After completing the installation, take the following steps with a Windows PC client to access the main menu of IT Automation and to check that the IT Automation and all the drivers are shown properly.</a:t>
-            </a:r>
-            <a:endParaRPr lang="ja-JP" altLang="en-US" dirty="0">
-              <a:latin typeface="Segoe UI" panose="020B0502040204020203" pitchFamily="34" charset="0"/>
-              <a:cs typeface="Segoe UI" panose="020B0502040204020203" pitchFamily="34" charset="0"/>
+            <a:pPr marL="180000" lvl="1" indent="0">
+              <a:buNone/>
+            </a:pPr>
+            <a:endParaRPr lang="en-US" altLang="ja-JP" sz="1700" dirty="0">
+              <a:latin typeface="+mn-ea"/>
             </a:endParaRPr>
           </a:p>
-          <a:p>
-            <a:pPr lvl="0"/>
-            <a:endParaRPr lang="en-US" altLang="ja-JP" dirty="0"/>
-          </a:p>
-          <a:p>
-            <a:pPr lvl="0"/>
-            <a:r>
-              <a:rPr lang="en-US" altLang="ja-JP" dirty="0"/>
-              <a:t>Access URL</a:t>
-            </a:r>
-          </a:p>
-          <a:p>
-            <a:pPr lvl="1"/>
-            <a:r>
-              <a:rPr lang="en-US" altLang="ja-JP" dirty="0"/>
-              <a:t>Please access the login screen via the following URL.</a:t>
-            </a:r>
-          </a:p>
-          <a:p>
-            <a:pPr lvl="1"/>
-            <a:r>
-              <a:rPr lang="en-US" altLang="ja-JP" dirty="0"/>
-              <a:t>URL</a:t>
-            </a:r>
-            <a:r>
-              <a:rPr lang="ja-JP" altLang="ja-JP" dirty="0"/>
-              <a:t>：</a:t>
-            </a:r>
-            <a:r>
-              <a:rPr lang="en-US" altLang="ja-JP" sz="1200" dirty="0">
+        </p:txBody>
+      </p:sp>
+      <p:sp>
+        <p:nvSpPr>
+          <p:cNvPr id="4" name="テキスト ボックス 3">
+            <a:extLst>
+              <a:ext uri="{FF2B5EF4-FFF2-40B4-BE49-F238E27FC236}">
+                <a16:creationId xmlns:a16="http://schemas.microsoft.com/office/drawing/2014/main" id="{BB2B9B1A-58C6-8E46-17A9-C31C93FA52A9}"/>
+              </a:ext>
+            </a:extLst>
+          </p:cNvPr>
+          <p:cNvSpPr txBox="1"/>
+          <p:nvPr/>
+        </p:nvSpPr>
+        <p:spPr>
+          <a:xfrm>
+            <a:off x="320899" y="1268700"/>
+            <a:ext cx="8427681" cy="5170646"/>
+          </a:xfrm>
+          <a:prstGeom prst="rect">
+            <a:avLst/>
+          </a:prstGeom>
+          <a:noFill/>
+          <a:ln>
+            <a:solidFill>
+              <a:schemeClr val="tx1"/>
+            </a:solidFill>
+          </a:ln>
+        </p:spPr>
+        <p:txBody>
+          <a:bodyPr wrap="square" rtlCol="0">
+            <a:spAutoFit/>
+          </a:bodyPr>
+          <a:lstStyle/>
+          <a:p>
+            <a:r>
+              <a:rPr kumimoji="1" lang="ja-JP" altLang="en-US" sz="1000" dirty="0"/>
+              <a:t>～～～～～～～～（</a:t>
+            </a:r>
+            <a:r>
+              <a:rPr kumimoji="1" lang="en-US" altLang="ja-JP" sz="1000" dirty="0"/>
+              <a:t> abbreviation </a:t>
+            </a:r>
+            <a:r>
+              <a:rPr kumimoji="1" lang="ja-JP" altLang="en-US" sz="1000" dirty="0"/>
+              <a:t>） ～～～～～～～～</a:t>
+            </a:r>
+            <a:endParaRPr kumimoji="1" lang="en-US" altLang="ja-JP" sz="1000" dirty="0"/>
+          </a:p>
+          <a:p>
+            <a:r>
+              <a:rPr kumimoji="1" lang="en-US" altLang="ja-JP" sz="1000" dirty="0"/>
+              <a:t>[YYYY-MM-DD </a:t>
+            </a:r>
+            <a:r>
+              <a:rPr kumimoji="1" lang="en-US" altLang="ja-JP" sz="1000" dirty="0" err="1"/>
+              <a:t>hh:mm:ss</a:t>
+            </a:r>
+            <a:r>
+              <a:rPr kumimoji="1" lang="en-US" altLang="ja-JP" sz="1000" dirty="0"/>
+              <a:t>] INFO : 01/38 Set Language.</a:t>
+            </a:r>
+          </a:p>
+          <a:p>
+            <a:r>
+              <a:rPr kumimoji="1" lang="en-US" altLang="ja-JP" sz="1000" dirty="0"/>
+              <a:t>[YYYY-MM-DD </a:t>
+            </a:r>
+            <a:r>
+              <a:rPr kumimoji="1" lang="en-US" altLang="ja-JP" sz="1000" dirty="0" err="1"/>
+              <a:t>hh:mm:ss</a:t>
+            </a:r>
+            <a:r>
+              <a:rPr kumimoji="1" lang="en-US" altLang="ja-JP" sz="1000" dirty="0"/>
+              <a:t>] INFO : 02/38 Create database and user for ITA.</a:t>
+            </a:r>
+          </a:p>
+          <a:p>
+            <a:r>
+              <a:rPr kumimoji="1" lang="en-US" altLang="ja-JP" sz="1000" dirty="0"/>
+              <a:t>[YYYY-MM-DD </a:t>
+            </a:r>
+            <a:r>
+              <a:rPr kumimoji="1" lang="en-US" altLang="ja-JP" sz="1000" dirty="0" err="1"/>
+              <a:t>hh:mm:ss</a:t>
+            </a:r>
+            <a:r>
+              <a:rPr kumimoji="1" lang="en-US" altLang="ja-JP" sz="1000" dirty="0"/>
+              <a:t>] INFO : 03/38 Create tables for </a:t>
+            </a:r>
+            <a:r>
+              <a:rPr kumimoji="1" lang="en-US" altLang="ja-JP" sz="1000" dirty="0" err="1"/>
+              <a:t>ita_base</a:t>
+            </a:r>
+            <a:r>
+              <a:rPr kumimoji="1" lang="en-US" altLang="ja-JP" sz="1000" dirty="0"/>
+              <a:t>.</a:t>
+            </a:r>
+          </a:p>
+          <a:p>
+            <a:r>
+              <a:rPr kumimoji="1" lang="en-US" altLang="ja-JP" sz="1000" dirty="0">
                 <a:solidFill>
                   <a:srgbClr val="FF0000"/>
                 </a:solidFill>
-                <a:ea typeface="Segoe UI" panose="020B0502040204020203" pitchFamily="34" charset="0"/>
-                <a:cs typeface="Segoe UI" panose="020B0502040204020203" pitchFamily="34" charset="0"/>
-              </a:rPr>
-              <a:t> </a:t>
-            </a:r>
-            <a:r>
-              <a:rPr lang="en-US" altLang="ja-JP" sz="1700" b="1" u="sng" dirty="0">
+              </a:rPr>
+              <a:t>[YYYY-MM-DD </a:t>
+            </a:r>
+            <a:r>
+              <a:rPr kumimoji="1" lang="en-US" altLang="ja-JP" sz="1000" dirty="0" err="1">
                 <a:solidFill>
                   <a:srgbClr val="FF0000"/>
                 </a:solidFill>
-                <a:ea typeface="Segoe UI" panose="020B0502040204020203" pitchFamily="34" charset="0"/>
-                <a:cs typeface="Segoe UI" panose="020B0502040204020203" pitchFamily="34" charset="0"/>
-              </a:rPr>
-              <a:t>http:// (server IP address) </a:t>
-            </a:r>
-            <a:endParaRPr kumimoji="1" lang="en-US" altLang="ja-JP" sz="2200" b="1" u="sng" dirty="0"/>
-          </a:p>
-          <a:p>
-            <a:pPr marL="180000" lvl="1" indent="0">
-              <a:buNone/>
-            </a:pPr>
-            <a:r>
-              <a:rPr kumimoji="1" lang="en-US" altLang="ja-JP" dirty="0">
+              </a:rPr>
+              <a:t>hh:mm:ss</a:t>
+            </a:r>
+            <a:r>
+              <a:rPr kumimoji="1" lang="en-US" altLang="ja-JP" sz="1000" dirty="0">
                 <a:solidFill>
                   <a:srgbClr val="FF0000"/>
                 </a:solidFill>
               </a:rPr>
-              <a:t>※</a:t>
-            </a:r>
-            <a:r>
-              <a:rPr lang="en-US" altLang="ja-JP" dirty="0">
+              <a:t>] WARNING : The size of ./log/mysql_ita_model-a.log is incorrect.</a:t>
+            </a:r>
+          </a:p>
+          <a:p>
+            <a:r>
+              <a:rPr kumimoji="1" lang="en-US" altLang="ja-JP" sz="1000" dirty="0"/>
+              <a:t>[YYYY-MM-DD </a:t>
+            </a:r>
+            <a:r>
+              <a:rPr kumimoji="1" lang="en-US" altLang="ja-JP" sz="1000" dirty="0" err="1"/>
+              <a:t>hh:mm:ss</a:t>
+            </a:r>
+            <a:r>
+              <a:rPr kumimoji="1" lang="en-US" altLang="ja-JP" sz="1000" dirty="0"/>
+              <a:t>] INFO : 04/38 Write </a:t>
+            </a:r>
+            <a:r>
+              <a:rPr kumimoji="1" lang="en-US" altLang="ja-JP" sz="1000" dirty="0" err="1"/>
+              <a:t>exastro</a:t>
+            </a:r>
+            <a:r>
+              <a:rPr kumimoji="1" lang="en-US" altLang="ja-JP" sz="1000" dirty="0"/>
+              <a:t>-it-automation in /</a:t>
+            </a:r>
+            <a:r>
+              <a:rPr kumimoji="1" lang="en-US" altLang="ja-JP" sz="1000" dirty="0" err="1"/>
+              <a:t>etc</a:t>
+            </a:r>
+            <a:r>
+              <a:rPr kumimoji="1" lang="en-US" altLang="ja-JP" sz="1000" dirty="0"/>
+              <a:t>/hosts.</a:t>
+            </a:r>
+          </a:p>
+          <a:p>
+            <a:r>
+              <a:rPr kumimoji="1" lang="en-US" altLang="ja-JP" sz="1000" dirty="0"/>
+              <a:t>[YYYY-MM-DD </a:t>
+            </a:r>
+            <a:r>
+              <a:rPr kumimoji="1" lang="en-US" altLang="ja-JP" sz="1000" dirty="0" err="1"/>
+              <a:t>hh:mm:ss</a:t>
+            </a:r>
+            <a:r>
+              <a:rPr kumimoji="1" lang="en-US" altLang="ja-JP" sz="1000" dirty="0"/>
+              <a:t>] INFO : 05/38 Place the certificate and private-key for https access.</a:t>
+            </a:r>
+          </a:p>
+          <a:p>
+            <a:r>
+              <a:rPr kumimoji="1" lang="en-US" altLang="ja-JP" sz="1000" dirty="0"/>
+              <a:t>[YYYY-MM-DD </a:t>
+            </a:r>
+            <a:r>
+              <a:rPr kumimoji="1" lang="en-US" altLang="ja-JP" sz="1000" dirty="0" err="1"/>
+              <a:t>hh:mm:ss</a:t>
+            </a:r>
+            <a:r>
+              <a:rPr kumimoji="1" lang="en-US" altLang="ja-JP" sz="1000" dirty="0"/>
+              <a:t>] INFO : 06/38 Place PHP configuration file.</a:t>
+            </a:r>
+          </a:p>
+          <a:p>
+            <a:r>
+              <a:rPr kumimoji="1" lang="en-US" altLang="ja-JP" sz="1000" dirty="0"/>
+              <a:t>[YYYY-MM-DD </a:t>
+            </a:r>
+            <a:r>
+              <a:rPr kumimoji="1" lang="en-US" altLang="ja-JP" sz="1000" dirty="0" err="1"/>
+              <a:t>hh:mm:ss</a:t>
+            </a:r>
+            <a:r>
+              <a:rPr kumimoji="1" lang="en-US" altLang="ja-JP" sz="1000" dirty="0"/>
+              <a:t>] INFO : 07/38 Place Apache(httpd) configuration file.</a:t>
+            </a:r>
+          </a:p>
+          <a:p>
+            <a:r>
+              <a:rPr kumimoji="1" lang="en-US" altLang="ja-JP" sz="1000" dirty="0"/>
+              <a:t>[YYYY-MM-DD </a:t>
+            </a:r>
+            <a:r>
+              <a:rPr kumimoji="1" lang="en-US" altLang="ja-JP" sz="1000" dirty="0" err="1"/>
+              <a:t>hh:mm:ss</a:t>
+            </a:r>
+            <a:r>
+              <a:rPr kumimoji="1" lang="en-US" altLang="ja-JP" sz="1000" dirty="0"/>
+              <a:t>] INFO : 08/38 Create directory to place ITA.</a:t>
+            </a:r>
+          </a:p>
+          <a:p>
+            <a:r>
+              <a:rPr kumimoji="1" lang="en-US" altLang="ja-JP" sz="1000" dirty="0"/>
+              <a:t>[YYYY-MM-DD </a:t>
+            </a:r>
+            <a:r>
+              <a:rPr kumimoji="1" lang="en-US" altLang="ja-JP" sz="1000" dirty="0" err="1"/>
+              <a:t>hh:mm:ss</a:t>
+            </a:r>
+            <a:r>
+              <a:rPr kumimoji="1" lang="en-US" altLang="ja-JP" sz="1000" dirty="0"/>
+              <a:t>] INFO : 09/38 Check the execute permission of the parent directory of ITA.</a:t>
+            </a:r>
+          </a:p>
+          <a:p>
+            <a:r>
+              <a:rPr kumimoji="1" lang="en-US" altLang="ja-JP" sz="1000" dirty="0"/>
+              <a:t>[YYYY-MM-DD </a:t>
+            </a:r>
+            <a:r>
+              <a:rPr kumimoji="1" lang="en-US" altLang="ja-JP" sz="1000" dirty="0" err="1"/>
+              <a:t>hh:mm:ss</a:t>
+            </a:r>
+            <a:r>
+              <a:rPr kumimoji="1" lang="en-US" altLang="ja-JP" sz="1000" dirty="0"/>
+              <a:t>] INFO : 10/38 Create directory to store session files.</a:t>
+            </a:r>
+          </a:p>
+          <a:p>
+            <a:r>
+              <a:rPr kumimoji="1" lang="en-US" altLang="ja-JP" sz="1000" dirty="0"/>
+              <a:t>[YYYY-MM-DD </a:t>
+            </a:r>
+            <a:r>
+              <a:rPr kumimoji="1" lang="en-US" altLang="ja-JP" sz="1000" dirty="0" err="1"/>
+              <a:t>hh:mm:ss</a:t>
+            </a:r>
+            <a:r>
+              <a:rPr kumimoji="1" lang="en-US" altLang="ja-JP" sz="1000" dirty="0"/>
+              <a:t>] INFO : 11/38 Create data relay storage for symphony.</a:t>
+            </a:r>
+          </a:p>
+          <a:p>
+            <a:r>
+              <a:rPr kumimoji="1" lang="en-US" altLang="ja-JP" sz="1000" dirty="0"/>
+              <a:t>[YYYY-MM-DD </a:t>
+            </a:r>
+            <a:r>
+              <a:rPr kumimoji="1" lang="en-US" altLang="ja-JP" sz="1000" dirty="0" err="1"/>
+              <a:t>hh:mm:ss</a:t>
+            </a:r>
+            <a:r>
+              <a:rPr kumimoji="1" lang="en-US" altLang="ja-JP" sz="1000" dirty="0"/>
+              <a:t>] INFO : 12/38 Create data relay storage for conductor.</a:t>
+            </a:r>
+          </a:p>
+          <a:p>
+            <a:r>
+              <a:rPr kumimoji="1" lang="en-US" altLang="ja-JP" sz="1000" dirty="0"/>
+              <a:t>[YYYY-MM-DD </a:t>
+            </a:r>
+            <a:r>
+              <a:rPr kumimoji="1" lang="en-US" altLang="ja-JP" sz="1000" dirty="0" err="1"/>
+              <a:t>hh:mm:ss</a:t>
+            </a:r>
+            <a:r>
+              <a:rPr kumimoji="1" lang="en-US" altLang="ja-JP" sz="1000" dirty="0"/>
+              <a:t>] INFO : 13/38 Place ITA full functions.</a:t>
+            </a:r>
+          </a:p>
+          <a:p>
+            <a:r>
+              <a:rPr kumimoji="1" lang="en-US" altLang="ja-JP" sz="1000" dirty="0"/>
+              <a:t>[YYYY-MM-DD </a:t>
+            </a:r>
+            <a:r>
+              <a:rPr kumimoji="1" lang="en-US" altLang="ja-JP" sz="1000" dirty="0" err="1"/>
+              <a:t>hh:mm:ss</a:t>
+            </a:r>
+            <a:r>
+              <a:rPr kumimoji="1" lang="en-US" altLang="ja-JP" sz="1000" dirty="0"/>
+              <a:t>] INFO : 14/38 Place release file for </a:t>
+            </a:r>
+            <a:r>
+              <a:rPr kumimoji="1" lang="en-US" altLang="ja-JP" sz="1000" dirty="0" err="1"/>
+              <a:t>ita_base</a:t>
+            </a:r>
+            <a:r>
+              <a:rPr kumimoji="1" lang="en-US" altLang="ja-JP" sz="1000" dirty="0"/>
+              <a:t>.</a:t>
+            </a:r>
+          </a:p>
+          <a:p>
+            <a:r>
+              <a:rPr kumimoji="1" lang="en-US" altLang="ja-JP" sz="1000" dirty="0"/>
+              <a:t>[YYYY-MM-DD </a:t>
+            </a:r>
+            <a:r>
+              <a:rPr kumimoji="1" lang="en-US" altLang="ja-JP" sz="1000" dirty="0" err="1"/>
+              <a:t>hh:mm:ss</a:t>
+            </a:r>
+            <a:r>
+              <a:rPr kumimoji="1" lang="en-US" altLang="ja-JP" sz="1000" dirty="0"/>
+              <a:t>] INFO : 15/38 Place config files for </a:t>
+            </a:r>
+            <a:r>
+              <a:rPr kumimoji="1" lang="en-US" altLang="ja-JP" sz="1000" dirty="0" err="1"/>
+              <a:t>ita_base</a:t>
+            </a:r>
+            <a:r>
+              <a:rPr kumimoji="1" lang="en-US" altLang="ja-JP" sz="1000" dirty="0"/>
+              <a:t>.</a:t>
+            </a:r>
+          </a:p>
+          <a:p>
+            <a:r>
+              <a:rPr kumimoji="1" lang="en-US" altLang="ja-JP" sz="1000" dirty="0"/>
+              <a:t>[YYYY-MM-DD </a:t>
+            </a:r>
+            <a:r>
+              <a:rPr kumimoji="1" lang="en-US" altLang="ja-JP" sz="1000" dirty="0" err="1"/>
+              <a:t>hh:mm:ss</a:t>
+            </a:r>
+            <a:r>
+              <a:rPr kumimoji="1" lang="en-US" altLang="ja-JP" sz="1000" dirty="0"/>
+              <a:t>] INFO : 16/38 Create symbolic link of ITA environment file.</a:t>
+            </a:r>
+          </a:p>
+          <a:p>
+            <a:r>
+              <a:rPr kumimoji="1" lang="en-US" altLang="ja-JP" sz="1000" dirty="0"/>
+              <a:t>[YYYY-MM-DD </a:t>
+            </a:r>
+            <a:r>
+              <a:rPr kumimoji="1" lang="en-US" altLang="ja-JP" sz="1000" dirty="0" err="1"/>
+              <a:t>hh:mm:ss</a:t>
+            </a:r>
+            <a:r>
+              <a:rPr kumimoji="1" lang="en-US" altLang="ja-JP" sz="1000" dirty="0"/>
+              <a:t>] INFO : 17/38 Create data relay storage for Ansible driver.</a:t>
+            </a:r>
+          </a:p>
+          <a:p>
+            <a:r>
+              <a:rPr kumimoji="1" lang="en-US" altLang="ja-JP" sz="1000" dirty="0"/>
+              <a:t>[YYYY-MM-DD </a:t>
+            </a:r>
+            <a:r>
+              <a:rPr kumimoji="1" lang="en-US" altLang="ja-JP" sz="1000" dirty="0" err="1"/>
+              <a:t>hh:mm:ss</a:t>
+            </a:r>
+            <a:r>
+              <a:rPr kumimoji="1" lang="en-US" altLang="ja-JP" sz="1000" dirty="0"/>
+              <a:t>] INFO : 18/38 Create tables for Ansible driver.</a:t>
+            </a:r>
+          </a:p>
+          <a:p>
+            <a:r>
+              <a:rPr kumimoji="1" lang="en-US" altLang="ja-JP" sz="1000" dirty="0">
                 <a:solidFill>
                   <a:srgbClr val="FF0000"/>
                 </a:solidFill>
               </a:rPr>
-              <a:t>After installation, access from both HTTP and HTTPS are possible.</a:t>
-            </a:r>
-          </a:p>
-          <a:p>
-            <a:pPr marL="180000" lvl="1" indent="0">
-              <a:buNone/>
-            </a:pPr>
-            <a:r>
-              <a:rPr lang="en-US" altLang="ja-JP" dirty="0">
+              <a:t>[YYYY-MM-DD </a:t>
+            </a:r>
+            <a:r>
+              <a:rPr kumimoji="1" lang="en-US" altLang="ja-JP" sz="1000" dirty="0" err="1">
                 <a:solidFill>
                   <a:srgbClr val="FF0000"/>
                 </a:solidFill>
               </a:rPr>
-              <a:t>    Since HTTP is insecure, accessing from HTTPS is recommended.</a:t>
-            </a:r>
-          </a:p>
-          <a:p>
-            <a:pPr marL="180000" lvl="1" indent="0">
-              <a:buNone/>
-            </a:pPr>
-            <a:r>
-              <a:rPr lang="en-US" altLang="ja-JP" dirty="0">
+              <a:t>hh:mm:ss</a:t>
+            </a:r>
+            <a:r>
+              <a:rPr kumimoji="1" lang="en-US" altLang="ja-JP" sz="1000" dirty="0">
                 <a:solidFill>
                   <a:srgbClr val="FF0000"/>
                 </a:solidFill>
               </a:rPr>
-              <a:t>    For the accessing with HTTPS, please refer to operation check  (4/4) .</a:t>
-            </a:r>
-          </a:p>
-          <a:p>
-            <a:pPr lvl="1"/>
-            <a:endParaRPr lang="en-US" altLang="ja-JP" dirty="0"/>
-          </a:p>
-          <a:p>
-            <a:pPr lvl="0"/>
+              <a:t>] WARNING : The size of ./log/mysql_ita_model-c.log is incorrect.</a:t>
+            </a:r>
+          </a:p>
+          <a:p>
+            <a:r>
+              <a:rPr kumimoji="1" lang="en-US" altLang="ja-JP" sz="1000" dirty="0"/>
+              <a:t>[YYYY-MM-DD </a:t>
+            </a:r>
+            <a:r>
+              <a:rPr kumimoji="1" lang="en-US" altLang="ja-JP" sz="1000" dirty="0" err="1"/>
+              <a:t>hh:mm:ss</a:t>
+            </a:r>
+            <a:r>
+              <a:rPr kumimoji="1" lang="en-US" altLang="ja-JP" sz="1000" dirty="0"/>
+              <a:t>] INFO : 19/38 Create tables for Terraform driver.</a:t>
+            </a:r>
+          </a:p>
+          <a:p>
+            <a:r>
+              <a:rPr kumimoji="1" lang="en-US" altLang="ja-JP" sz="1000" dirty="0">
+                <a:solidFill>
+                  <a:srgbClr val="FF0000"/>
+                </a:solidFill>
+              </a:rPr>
+              <a:t>[YYYY-MM-DD </a:t>
+            </a:r>
+            <a:r>
+              <a:rPr kumimoji="1" lang="en-US" altLang="ja-JP" sz="1000" dirty="0" err="1">
+                <a:solidFill>
+                  <a:srgbClr val="FF0000"/>
+                </a:solidFill>
+              </a:rPr>
+              <a:t>hh:mm:ss</a:t>
+            </a:r>
+            <a:r>
+              <a:rPr kumimoji="1" lang="en-US" altLang="ja-JP" sz="1000" dirty="0">
+                <a:solidFill>
+                  <a:srgbClr val="FF0000"/>
+                </a:solidFill>
+              </a:rPr>
+              <a:t>] WARNING : The size of ./log/mysql_ita_model-o.log is incorrect.</a:t>
+            </a:r>
+          </a:p>
+          <a:p>
+            <a:r>
+              <a:rPr kumimoji="1" lang="en-US" altLang="ja-JP" sz="1000" dirty="0"/>
+              <a:t>[YYYY-MM-DD </a:t>
+            </a:r>
+            <a:r>
+              <a:rPr kumimoji="1" lang="en-US" altLang="ja-JP" sz="1000" dirty="0" err="1"/>
+              <a:t>hh:mm:ss</a:t>
+            </a:r>
+            <a:r>
+              <a:rPr kumimoji="1" lang="en-US" altLang="ja-JP" sz="1000" dirty="0"/>
+              <a:t>] INFO : 20/38 Create tables for </a:t>
+            </a:r>
+            <a:r>
+              <a:rPr kumimoji="1" lang="en-US" altLang="ja-JP" sz="1000" dirty="0" err="1"/>
+              <a:t>Createparam</a:t>
+            </a:r>
+            <a:r>
+              <a:rPr kumimoji="1" lang="en-US" altLang="ja-JP" sz="1000" dirty="0"/>
+              <a:t>.</a:t>
+            </a:r>
+          </a:p>
+          <a:p>
+            <a:r>
+              <a:rPr kumimoji="1" lang="en-US" altLang="ja-JP" sz="1000" dirty="0">
+                <a:solidFill>
+                  <a:srgbClr val="FF0000"/>
+                </a:solidFill>
+              </a:rPr>
+              <a:t>[YYYY-MM-DD </a:t>
+            </a:r>
+            <a:r>
+              <a:rPr kumimoji="1" lang="en-US" altLang="ja-JP" sz="1000" dirty="0" err="1">
+                <a:solidFill>
+                  <a:srgbClr val="FF0000"/>
+                </a:solidFill>
+              </a:rPr>
+              <a:t>hh:mm:ss</a:t>
+            </a:r>
+            <a:r>
+              <a:rPr kumimoji="1" lang="en-US" altLang="ja-JP" sz="1000" dirty="0">
+                <a:solidFill>
+                  <a:srgbClr val="FF0000"/>
+                </a:solidFill>
+              </a:rPr>
+              <a:t>] WARNING : The size of ./log/mysql_ita_model-m.log is incorrect.</a:t>
+            </a:r>
+          </a:p>
+          <a:p>
+            <a:r>
+              <a:rPr kumimoji="1" lang="en-US" altLang="ja-JP" sz="1000" dirty="0"/>
+              <a:t>[YYYY-MM-DD </a:t>
+            </a:r>
+            <a:r>
+              <a:rPr kumimoji="1" lang="en-US" altLang="ja-JP" sz="1000" dirty="0" err="1"/>
+              <a:t>hh:mm:ss</a:t>
+            </a:r>
+            <a:r>
+              <a:rPr kumimoji="1" lang="en-US" altLang="ja-JP" sz="1000" dirty="0"/>
+              <a:t>] INFO : 21/38 Create tables for Createparam2.</a:t>
+            </a:r>
+          </a:p>
+          <a:p>
+            <a:r>
+              <a:rPr kumimoji="1" lang="en-US" altLang="ja-JP" sz="1000" dirty="0">
+                <a:solidFill>
+                  <a:srgbClr val="FF0000"/>
+                </a:solidFill>
+              </a:rPr>
+              <a:t>[YYYY-MM-DD </a:t>
+            </a:r>
+            <a:r>
+              <a:rPr kumimoji="1" lang="en-US" altLang="ja-JP" sz="1000" dirty="0" err="1">
+                <a:solidFill>
+                  <a:srgbClr val="FF0000"/>
+                </a:solidFill>
+              </a:rPr>
+              <a:t>hh:mm:ss</a:t>
+            </a:r>
+            <a:r>
+              <a:rPr kumimoji="1" lang="en-US" altLang="ja-JP" sz="1000" dirty="0">
+                <a:solidFill>
+                  <a:srgbClr val="FF0000"/>
+                </a:solidFill>
+              </a:rPr>
+              <a:t>] WARNING : The size of ./log/mysql_ita_model-m2.log is incorrect.</a:t>
+            </a:r>
+          </a:p>
+          <a:p>
+            <a:r>
+              <a:rPr kumimoji="1" lang="en-US" altLang="ja-JP" sz="1000" dirty="0"/>
+              <a:t>[YYYY-MM-DD </a:t>
+            </a:r>
+            <a:r>
+              <a:rPr kumimoji="1" lang="en-US" altLang="ja-JP" sz="1000" dirty="0" err="1"/>
+              <a:t>hh:mm:ss</a:t>
+            </a:r>
+            <a:r>
+              <a:rPr kumimoji="1" lang="en-US" altLang="ja-JP" sz="1000" dirty="0"/>
+              <a:t>] INFO : 22/38 Create tables for Createparam3.</a:t>
+            </a:r>
+          </a:p>
+          <a:p>
+            <a:r>
+              <a:rPr kumimoji="1" lang="en-US" altLang="ja-JP" sz="1000" dirty="0">
+                <a:solidFill>
+                  <a:srgbClr val="FF0000"/>
+                </a:solidFill>
+              </a:rPr>
+              <a:t>[YYYY-MM-DD </a:t>
+            </a:r>
+            <a:r>
+              <a:rPr kumimoji="1" lang="en-US" altLang="ja-JP" sz="1000" dirty="0" err="1">
+                <a:solidFill>
+                  <a:srgbClr val="FF0000"/>
+                </a:solidFill>
+              </a:rPr>
+              <a:t>hh:mm:ss</a:t>
+            </a:r>
+            <a:r>
+              <a:rPr kumimoji="1" lang="en-US" altLang="ja-JP" sz="1000" dirty="0">
+                <a:solidFill>
+                  <a:srgbClr val="FF0000"/>
+                </a:solidFill>
+              </a:rPr>
+              <a:t>] WARNING : The size of ./log/mysql_ita_model-m3.log is incorrect.</a:t>
+            </a:r>
+          </a:p>
+          <a:p>
+            <a:r>
+              <a:rPr kumimoji="1" lang="en-US" altLang="ja-JP" sz="1000" dirty="0"/>
+              <a:t>[YYYY-MM-DD </a:t>
+            </a:r>
+            <a:r>
+              <a:rPr kumimoji="1" lang="en-US" altLang="ja-JP" sz="1000" dirty="0" err="1"/>
+              <a:t>hh:mm:ss</a:t>
+            </a:r>
+            <a:r>
+              <a:rPr kumimoji="1" lang="en-US" altLang="ja-JP" sz="1000" dirty="0"/>
+              <a:t>] INFO : 23/38 Create tables for </a:t>
+            </a:r>
+            <a:r>
+              <a:rPr kumimoji="1" lang="en-US" altLang="ja-JP" sz="1000" dirty="0" err="1"/>
+              <a:t>Hostgroup</a:t>
+            </a:r>
+            <a:r>
+              <a:rPr kumimoji="1" lang="en-US" altLang="ja-JP" sz="1000" dirty="0"/>
+              <a:t>.</a:t>
+            </a:r>
+          </a:p>
+          <a:p>
+            <a:r>
+              <a:rPr kumimoji="1" lang="en-US" altLang="ja-JP" sz="1000" dirty="0">
+                <a:solidFill>
+                  <a:srgbClr val="FF0000"/>
+                </a:solidFill>
+              </a:rPr>
+              <a:t>[YYYY-MM-DD </a:t>
+            </a:r>
+            <a:r>
+              <a:rPr kumimoji="1" lang="en-US" altLang="ja-JP" sz="1000" dirty="0" err="1">
+                <a:solidFill>
+                  <a:srgbClr val="FF0000"/>
+                </a:solidFill>
+              </a:rPr>
+              <a:t>hh:mm:ss</a:t>
+            </a:r>
+            <a:r>
+              <a:rPr kumimoji="1" lang="en-US" altLang="ja-JP" sz="1000" dirty="0">
+                <a:solidFill>
+                  <a:srgbClr val="FF0000"/>
+                </a:solidFill>
+              </a:rPr>
+              <a:t>] WARNING : The size of ./log/mysql_ita_model-n.log is incorrect.</a:t>
+            </a:r>
+          </a:p>
+          <a:p>
+            <a:r>
+              <a:rPr kumimoji="1" lang="en-US" altLang="ja-JP" sz="1000" dirty="0"/>
+              <a:t>[YYYY-MM-DD </a:t>
+            </a:r>
+            <a:r>
+              <a:rPr kumimoji="1" lang="en-US" altLang="ja-JP" sz="1000" dirty="0" err="1"/>
+              <a:t>hh:mm:ss</a:t>
+            </a:r>
+            <a:r>
+              <a:rPr kumimoji="1" lang="en-US" altLang="ja-JP" sz="1000" dirty="0"/>
+              <a:t>] INFO : 24/38 Create </a:t>
+            </a:r>
+            <a:r>
+              <a:rPr kumimoji="1" lang="en-US" altLang="ja-JP" sz="1000" dirty="0" err="1"/>
+              <a:t>awx</a:t>
+            </a:r>
+            <a:r>
+              <a:rPr kumimoji="1" lang="en-US" altLang="ja-JP" sz="1000" dirty="0"/>
+              <a:t> user and </a:t>
+            </a:r>
+            <a:r>
+              <a:rPr kumimoji="1" lang="en-US" altLang="ja-JP" sz="1000" dirty="0" err="1"/>
+              <a:t>ssh</a:t>
+            </a:r>
+            <a:r>
+              <a:rPr kumimoji="1" lang="en-US" altLang="ja-JP" sz="1000" dirty="0"/>
+              <a:t> key for Ansible driver.</a:t>
+            </a:r>
+          </a:p>
+          <a:p>
+            <a:r>
+              <a:rPr kumimoji="1" lang="ja-JP" altLang="en-US" sz="1000" dirty="0"/>
+              <a:t>～～～～～～～～（</a:t>
+            </a:r>
+            <a:r>
+              <a:rPr kumimoji="1" lang="en-US" altLang="ja-JP" sz="1000" dirty="0"/>
+              <a:t> abbreviation </a:t>
+            </a:r>
+            <a:r>
+              <a:rPr kumimoji="1" lang="ja-JP" altLang="en-US" sz="1000" dirty="0"/>
+              <a:t>） ～～～～～～～～</a:t>
+            </a:r>
+            <a:endParaRPr kumimoji="1" lang="en-US" altLang="ja-JP" sz="1000" dirty="0"/>
+          </a:p>
+        </p:txBody>
+      </p:sp>
+      <p:sp>
+        <p:nvSpPr>
+          <p:cNvPr id="6" name="タイトル 1">
+            <a:extLst>
+              <a:ext uri="{FF2B5EF4-FFF2-40B4-BE49-F238E27FC236}">
+                <a16:creationId xmlns:a16="http://schemas.microsoft.com/office/drawing/2014/main" id="{38AD7B67-029A-43D4-2208-55713EB9619D}"/>
+              </a:ext>
+            </a:extLst>
+          </p:cNvPr>
+          <p:cNvSpPr>
+            <a:spLocks noGrp="1"/>
+          </p:cNvSpPr>
+          <p:nvPr>
+            <p:ph type="title"/>
+          </p:nvPr>
+        </p:nvSpPr>
+        <p:spPr>
+          <a:xfrm>
+            <a:off x="179513" y="115200"/>
+            <a:ext cx="8784000" cy="468000"/>
+          </a:xfrm>
+        </p:spPr>
+        <p:txBody>
+          <a:bodyPr/>
+          <a:lstStyle/>
+          <a:p>
             <a:r>
               <a:rPr lang="en-US" altLang="ja-JP" dirty="0"/>
-              <a:t>Login</a:t>
-            </a:r>
-          </a:p>
-          <a:p>
-            <a:pPr lvl="1"/>
-            <a:r>
-              <a:rPr lang="en-US" altLang="ja-JP" dirty="0">
-                <a:latin typeface="Segoe UI" panose="020B0502040204020203" pitchFamily="34" charset="0"/>
-                <a:ea typeface="Segoe UI" panose="020B0502040204020203" pitchFamily="34" charset="0"/>
-                <a:cs typeface="Segoe UI" panose="020B0502040204020203" pitchFamily="34" charset="0"/>
-              </a:rPr>
-              <a:t>When the IT Automation login screen is displayed, enter the given login ID and initial password and then click the </a:t>
-            </a:r>
-            <a:r>
-              <a:rPr lang="en-US" altLang="ja-JP" b="1" dirty="0">
-                <a:latin typeface="Segoe UI" panose="020B0502040204020203" pitchFamily="34" charset="0"/>
-                <a:ea typeface="Segoe UI" panose="020B0502040204020203" pitchFamily="34" charset="0"/>
-                <a:cs typeface="Segoe UI" panose="020B0502040204020203" pitchFamily="34" charset="0"/>
-              </a:rPr>
-              <a:t>Login</a:t>
-            </a:r>
-            <a:r>
-              <a:rPr lang="en-US" altLang="ja-JP" dirty="0">
-                <a:latin typeface="Segoe UI" panose="020B0502040204020203" pitchFamily="34" charset="0"/>
-                <a:ea typeface="Segoe UI" panose="020B0502040204020203" pitchFamily="34" charset="0"/>
-                <a:cs typeface="Segoe UI" panose="020B0502040204020203" pitchFamily="34" charset="0"/>
-              </a:rPr>
-              <a:t> button.</a:t>
-            </a:r>
-            <a:endParaRPr lang="ja-JP" altLang="ja-JP" dirty="0">
-              <a:latin typeface="Segoe UI" panose="020B0502040204020203" pitchFamily="34" charset="0"/>
-              <a:cs typeface="Segoe UI" panose="020B0502040204020203" pitchFamily="34" charset="0"/>
-            </a:endParaRPr>
-          </a:p>
-          <a:p>
-            <a:pPr marL="180000" lvl="1" indent="0">
-              <a:buNone/>
-            </a:pPr>
-            <a:r>
-              <a:rPr lang="ja-JP" altLang="ja-JP" dirty="0"/>
-              <a:t>　　・</a:t>
+              <a:t>3.4</a:t>
+            </a:r>
+            <a:r>
+              <a:rPr lang="ja-JP" altLang="en-US" dirty="0"/>
+              <a:t>　</a:t>
             </a:r>
             <a:r>
               <a:rPr lang="en-US" altLang="ja-JP" dirty="0"/>
-              <a:t>Login ID</a:t>
-            </a:r>
-            <a:r>
-              <a:rPr lang="ja-JP" altLang="ja-JP" dirty="0"/>
-              <a:t>　　</a:t>
-            </a:r>
-            <a:r>
-              <a:rPr lang="en-US" altLang="ja-JP" dirty="0"/>
-              <a:t>      </a:t>
-            </a:r>
-            <a:r>
-              <a:rPr lang="ja-JP" altLang="ja-JP" dirty="0"/>
-              <a:t>：</a:t>
+              <a:t>Construction</a:t>
             </a:r>
             <a:r>
               <a:rPr lang="ja-JP" altLang="en-US" dirty="0"/>
@@ -33052,85 +33240,16 @@
             </a:r>
             <a:r>
               <a:rPr lang="en-US" altLang="ja-JP" dirty="0"/>
-              <a:t>administrator</a:t>
-            </a:r>
-            <a:endParaRPr lang="ja-JP" altLang="ja-JP" dirty="0"/>
-          </a:p>
-          <a:p>
-            <a:pPr marL="180000" lvl="1" indent="0">
-              <a:buNone/>
-            </a:pPr>
-            <a:r>
-              <a:rPr lang="ja-JP" altLang="ja-JP" dirty="0"/>
-              <a:t>　　・</a:t>
-            </a:r>
-            <a:r>
-              <a:rPr lang="en-US" altLang="ja-JP" dirty="0"/>
-              <a:t>Initial password</a:t>
-            </a:r>
-            <a:r>
-              <a:rPr lang="ja-JP" altLang="ja-JP" dirty="0"/>
-              <a:t> ： </a:t>
-            </a:r>
-            <a:r>
-              <a:rPr lang="en-US" altLang="ja-JP" dirty="0"/>
-              <a:t>password</a:t>
-            </a:r>
-          </a:p>
-          <a:p>
-            <a:pPr marL="180000" lvl="1" indent="0">
-              <a:buNone/>
-            </a:pPr>
-            <a:endParaRPr lang="ja-JP" altLang="ja-JP" dirty="0"/>
-          </a:p>
-          <a:p>
-            <a:pPr lvl="1"/>
-            <a:r>
-              <a:rPr lang="en-US" altLang="ja-JP" dirty="0">
-                <a:latin typeface="Segoe UI" panose="020B0502040204020203" pitchFamily="34" charset="0"/>
-                <a:ea typeface="Segoe UI" panose="020B0502040204020203" pitchFamily="34" charset="0"/>
-                <a:cs typeface="Segoe UI" panose="020B0502040204020203" pitchFamily="34" charset="0"/>
-              </a:rPr>
-              <a:t>If you have logged in for the first time after the installation, you will be prompted to change the password.</a:t>
-            </a:r>
-            <a:r>
-              <a:rPr lang="en-US" altLang="ja-JP" dirty="0"/>
-              <a:t> </a:t>
-            </a:r>
-          </a:p>
-          <a:p>
-            <a:pPr lvl="1"/>
-            <a:r>
-              <a:rPr lang="en-US" altLang="ja-JP" dirty="0">
-                <a:cs typeface="Segoe UI" panose="020B0502040204020203" pitchFamily="34" charset="0"/>
-              </a:rPr>
-              <a:t>Please c</a:t>
-            </a:r>
-            <a:r>
-              <a:rPr lang="en-US" altLang="ja-JP" dirty="0">
-                <a:latin typeface="Segoe UI" panose="020B0502040204020203" pitchFamily="34" charset="0"/>
-                <a:ea typeface="Segoe UI" panose="020B0502040204020203" pitchFamily="34" charset="0"/>
-                <a:cs typeface="Segoe UI" panose="020B0502040204020203" pitchFamily="34" charset="0"/>
-              </a:rPr>
-              <a:t>hange the initial password.</a:t>
-            </a:r>
-            <a:endParaRPr lang="ja-JP" altLang="ja-JP" dirty="0">
-              <a:latin typeface="Segoe UI" panose="020B0502040204020203" pitchFamily="34" charset="0"/>
-              <a:cs typeface="Segoe UI" panose="020B0502040204020203" pitchFamily="34" charset="0"/>
-            </a:endParaRPr>
-          </a:p>
-          <a:p>
-            <a:pPr marL="180000" lvl="1" indent="0">
-              <a:buNone/>
-            </a:pPr>
-            <a:endParaRPr kumimoji="1" lang="en-US" altLang="ja-JP" dirty="0"/>
+              <a:t>(14/14) </a:t>
+            </a:r>
+            <a:endParaRPr kumimoji="1" lang="ja-JP" altLang="en-US" dirty="0"/>
           </a:p>
         </p:txBody>
       </p:sp>
     </p:spTree>
     <p:extLst>
       <p:ext uri="{BB962C8B-B14F-4D97-AF65-F5344CB8AC3E}">
-        <p14:creationId xmlns:p14="http://schemas.microsoft.com/office/powerpoint/2010/main" val="1507867604"/>
+        <p14:creationId xmlns:p14="http://schemas.microsoft.com/office/powerpoint/2010/main" val="722182644"/>
       </p:ext>
     </p:extLst>
   </p:cSld>
@@ -33207,6 +33326,438 @@
 </file>
 
 <file path=ppt/slides/slide30.xml><?xml version="1.0" encoding="utf-8"?>
+<p:sld xmlns:a="http://schemas.openxmlformats.org/drawingml/2006/main" xmlns:r="http://schemas.openxmlformats.org/officeDocument/2006/relationships" xmlns:p="http://schemas.openxmlformats.org/presentationml/2006/main">
+  <p:cSld>
+    <p:spTree>
+      <p:nvGrpSpPr>
+        <p:cNvPr id="1" name=""/>
+        <p:cNvGrpSpPr/>
+        <p:nvPr/>
+      </p:nvGrpSpPr>
+      <p:grpSpPr>
+        <a:xfrm>
+          <a:off x="0" y="0"/>
+          <a:ext cx="0" cy="0"/>
+          <a:chOff x="0" y="0"/>
+          <a:chExt cx="0" cy="0"/>
+        </a:xfrm>
+      </p:grpSpPr>
+      <p:sp>
+        <p:nvSpPr>
+          <p:cNvPr id="2" name="タイトル 1"/>
+          <p:cNvSpPr>
+            <a:spLocks noGrp="1"/>
+          </p:cNvSpPr>
+          <p:nvPr>
+            <p:ph type="title"/>
+          </p:nvPr>
+        </p:nvSpPr>
+        <p:spPr>
+          <a:xfrm>
+            <a:off x="179388" y="3045072"/>
+            <a:ext cx="8784000" cy="467239"/>
+          </a:xfrm>
+        </p:spPr>
+        <p:txBody>
+          <a:bodyPr/>
+          <a:lstStyle/>
+          <a:p>
+            <a:r>
+              <a:rPr lang="en-US" altLang="ja-JP" dirty="0"/>
+              <a:t>4.</a:t>
+            </a:r>
+            <a:r>
+              <a:rPr lang="ja-JP" altLang="en-US" dirty="0"/>
+              <a:t>　</a:t>
+            </a:r>
+            <a:r>
+              <a:rPr lang="en-US" altLang="ja-JP" dirty="0"/>
+              <a:t>ITA</a:t>
+            </a:r>
+            <a:r>
+              <a:rPr lang="ja-JP" altLang="en-US" dirty="0"/>
+              <a:t> </a:t>
+            </a:r>
+            <a:r>
+              <a:rPr lang="en-US" altLang="ja-JP" dirty="0"/>
+              <a:t>operation check</a:t>
+            </a:r>
+            <a:endParaRPr kumimoji="1" lang="ja-JP" altLang="en-US" dirty="0"/>
+          </a:p>
+        </p:txBody>
+      </p:sp>
+    </p:spTree>
+    <p:extLst>
+      <p:ext uri="{BB962C8B-B14F-4D97-AF65-F5344CB8AC3E}">
+        <p14:creationId xmlns:p14="http://schemas.microsoft.com/office/powerpoint/2010/main" val="2737544797"/>
+      </p:ext>
+    </p:extLst>
+  </p:cSld>
+  <p:clrMapOvr>
+    <a:masterClrMapping/>
+  </p:clrMapOvr>
+</p:sld>
+</file>
+
+<file path=ppt/slides/slide31.xml><?xml version="1.0" encoding="utf-8"?>
+<p:sld xmlns:a="http://schemas.openxmlformats.org/drawingml/2006/main" xmlns:r="http://schemas.openxmlformats.org/officeDocument/2006/relationships" xmlns:p="http://schemas.openxmlformats.org/presentationml/2006/main">
+  <p:cSld>
+    <p:spTree>
+      <p:nvGrpSpPr>
+        <p:cNvPr id="1" name=""/>
+        <p:cNvGrpSpPr/>
+        <p:nvPr/>
+      </p:nvGrpSpPr>
+      <p:grpSpPr>
+        <a:xfrm>
+          <a:off x="0" y="0"/>
+          <a:ext cx="0" cy="0"/>
+          <a:chOff x="0" y="0"/>
+          <a:chExt cx="0" cy="0"/>
+        </a:xfrm>
+      </p:grpSpPr>
+      <p:sp>
+        <p:nvSpPr>
+          <p:cNvPr id="2" name="タイトル 1"/>
+          <p:cNvSpPr>
+            <a:spLocks noGrp="1"/>
+          </p:cNvSpPr>
+          <p:nvPr>
+            <p:ph type="title"/>
+          </p:nvPr>
+        </p:nvSpPr>
+        <p:spPr/>
+        <p:txBody>
+          <a:bodyPr/>
+          <a:lstStyle/>
+          <a:p>
+            <a:r>
+              <a:rPr lang="en-US" altLang="ja-JP" dirty="0"/>
+              <a:t>4.1</a:t>
+            </a:r>
+            <a:r>
+              <a:rPr lang="ja-JP" altLang="en-US" dirty="0"/>
+              <a:t>　</a:t>
+            </a:r>
+            <a:r>
+              <a:rPr lang="en-US" altLang="ja-JP" dirty="0"/>
+              <a:t>Operation check</a:t>
+            </a:r>
+            <a:r>
+              <a:rPr lang="ja-JP" altLang="en-US" dirty="0"/>
+              <a:t> </a:t>
+            </a:r>
+            <a:r>
+              <a:rPr lang="en-US" altLang="ja-JP" dirty="0"/>
+              <a:t>(1/4) </a:t>
+            </a:r>
+            <a:endParaRPr kumimoji="1" lang="ja-JP" altLang="en-US" dirty="0"/>
+          </a:p>
+        </p:txBody>
+      </p:sp>
+      <p:sp>
+        <p:nvSpPr>
+          <p:cNvPr id="3" name="コンテンツ プレースホルダー 2"/>
+          <p:cNvSpPr>
+            <a:spLocks noGrp="1"/>
+          </p:cNvSpPr>
+          <p:nvPr>
+            <p:ph sz="quarter" idx="10"/>
+          </p:nvPr>
+        </p:nvSpPr>
+        <p:spPr/>
+        <p:txBody>
+          <a:bodyPr>
+            <a:normAutofit fontScale="92500" lnSpcReduction="20000"/>
+          </a:bodyPr>
+          <a:lstStyle/>
+          <a:p>
+            <a:r>
+              <a:rPr lang="en-US" altLang="ja-JP" dirty="0">
+                <a:latin typeface="Segoe UI" panose="020B0502040204020203" pitchFamily="34" charset="0"/>
+                <a:ea typeface="Segoe UI" panose="020B0502040204020203" pitchFamily="34" charset="0"/>
+                <a:cs typeface="Segoe UI" panose="020B0502040204020203" pitchFamily="34" charset="0"/>
+              </a:rPr>
+              <a:t>Checking the main menu</a:t>
+            </a:r>
+            <a:endParaRPr lang="ja-JP" altLang="en-US" dirty="0">
+              <a:latin typeface="Segoe UI" panose="020B0502040204020203" pitchFamily="34" charset="0"/>
+              <a:cs typeface="Segoe UI" panose="020B0502040204020203" pitchFamily="34" charset="0"/>
+            </a:endParaRPr>
+          </a:p>
+          <a:p>
+            <a:pPr lvl="1"/>
+            <a:r>
+              <a:rPr lang="en-US" altLang="ja-JP" dirty="0">
+                <a:latin typeface="Segoe UI" panose="020B0502040204020203" pitchFamily="34" charset="0"/>
+                <a:ea typeface="Segoe UI" panose="020B0502040204020203" pitchFamily="34" charset="0"/>
+                <a:cs typeface="Segoe UI" panose="020B0502040204020203" pitchFamily="34" charset="0"/>
+              </a:rPr>
+              <a:t>After completing the installation, take the following steps with a Windows PC client to access the main menu of IT Automation and to check that the IT Automation and all the drivers are shown properly.</a:t>
+            </a:r>
+            <a:endParaRPr lang="ja-JP" altLang="en-US" dirty="0">
+              <a:latin typeface="Segoe UI" panose="020B0502040204020203" pitchFamily="34" charset="0"/>
+              <a:cs typeface="Segoe UI" panose="020B0502040204020203" pitchFamily="34" charset="0"/>
+            </a:endParaRPr>
+          </a:p>
+          <a:p>
+            <a:pPr lvl="0"/>
+            <a:endParaRPr lang="en-US" altLang="ja-JP" dirty="0"/>
+          </a:p>
+          <a:p>
+            <a:pPr lvl="0"/>
+            <a:r>
+              <a:rPr lang="en-US" altLang="ja-JP" dirty="0"/>
+              <a:t>Access URL</a:t>
+            </a:r>
+          </a:p>
+          <a:p>
+            <a:pPr lvl="1"/>
+            <a:r>
+              <a:rPr lang="en-US" altLang="ja-JP" dirty="0"/>
+              <a:t>Please access the login screen via the following URL.</a:t>
+            </a:r>
+          </a:p>
+          <a:p>
+            <a:pPr lvl="1"/>
+            <a:r>
+              <a:rPr lang="en-US" altLang="ja-JP" dirty="0"/>
+              <a:t>URL</a:t>
+            </a:r>
+            <a:r>
+              <a:rPr lang="ja-JP" altLang="ja-JP" dirty="0"/>
+              <a:t>：</a:t>
+            </a:r>
+            <a:r>
+              <a:rPr lang="en-US" altLang="ja-JP" sz="1200" dirty="0">
+                <a:solidFill>
+                  <a:srgbClr val="FF0000"/>
+                </a:solidFill>
+                <a:ea typeface="Segoe UI" panose="020B0502040204020203" pitchFamily="34" charset="0"/>
+                <a:cs typeface="Segoe UI" panose="020B0502040204020203" pitchFamily="34" charset="0"/>
+              </a:rPr>
+              <a:t> </a:t>
+            </a:r>
+            <a:r>
+              <a:rPr lang="en-US" altLang="ja-JP" sz="1700" b="1" u="sng" dirty="0">
+                <a:solidFill>
+                  <a:srgbClr val="FF0000"/>
+                </a:solidFill>
+                <a:ea typeface="Segoe UI" panose="020B0502040204020203" pitchFamily="34" charset="0"/>
+                <a:cs typeface="Segoe UI" panose="020B0502040204020203" pitchFamily="34" charset="0"/>
+              </a:rPr>
+              <a:t>http:// (server IP address) </a:t>
+            </a:r>
+            <a:endParaRPr kumimoji="1" lang="en-US" altLang="ja-JP" sz="2200" b="1" u="sng" dirty="0"/>
+          </a:p>
+          <a:p>
+            <a:pPr marL="180000" lvl="1" indent="0">
+              <a:buNone/>
+            </a:pPr>
+            <a:r>
+              <a:rPr kumimoji="1" lang="en-US" altLang="ja-JP" dirty="0">
+                <a:solidFill>
+                  <a:srgbClr val="FF0000"/>
+                </a:solidFill>
+              </a:rPr>
+              <a:t>※</a:t>
+            </a:r>
+            <a:r>
+              <a:rPr lang="en-US" altLang="ja-JP" dirty="0">
+                <a:solidFill>
+                  <a:srgbClr val="FF0000"/>
+                </a:solidFill>
+              </a:rPr>
+              <a:t>After installation, access from both HTTP and HTTPS are possible.</a:t>
+            </a:r>
+          </a:p>
+          <a:p>
+            <a:pPr marL="180000" lvl="1" indent="0">
+              <a:buNone/>
+            </a:pPr>
+            <a:r>
+              <a:rPr lang="en-US" altLang="ja-JP" dirty="0">
+                <a:solidFill>
+                  <a:srgbClr val="FF0000"/>
+                </a:solidFill>
+              </a:rPr>
+              <a:t>    Since HTTP is insecure, accessing from HTTPS is recommended.</a:t>
+            </a:r>
+          </a:p>
+          <a:p>
+            <a:pPr marL="180000" lvl="1" indent="0">
+              <a:buNone/>
+            </a:pPr>
+            <a:r>
+              <a:rPr lang="en-US" altLang="ja-JP" dirty="0">
+                <a:solidFill>
+                  <a:srgbClr val="FF0000"/>
+                </a:solidFill>
+              </a:rPr>
+              <a:t>    For the accessing with HTTPS, please refer to operation check  (4/4) .</a:t>
+            </a:r>
+          </a:p>
+          <a:p>
+            <a:pPr lvl="1"/>
+            <a:endParaRPr lang="en-US" altLang="ja-JP" dirty="0"/>
+          </a:p>
+          <a:p>
+            <a:pPr lvl="0"/>
+            <a:r>
+              <a:rPr lang="en-US" altLang="ja-JP" dirty="0"/>
+              <a:t>Login</a:t>
+            </a:r>
+          </a:p>
+          <a:p>
+            <a:pPr lvl="1"/>
+            <a:r>
+              <a:rPr lang="en-US" altLang="ja-JP" dirty="0">
+                <a:latin typeface="Segoe UI" panose="020B0502040204020203" pitchFamily="34" charset="0"/>
+                <a:ea typeface="Segoe UI" panose="020B0502040204020203" pitchFamily="34" charset="0"/>
+                <a:cs typeface="Segoe UI" panose="020B0502040204020203" pitchFamily="34" charset="0"/>
+              </a:rPr>
+              <a:t>When the IT Automation login screen is displayed, enter the given login ID and initial password and then click the </a:t>
+            </a:r>
+            <a:r>
+              <a:rPr lang="en-US" altLang="ja-JP" b="1" dirty="0">
+                <a:latin typeface="Segoe UI" panose="020B0502040204020203" pitchFamily="34" charset="0"/>
+                <a:ea typeface="Segoe UI" panose="020B0502040204020203" pitchFamily="34" charset="0"/>
+                <a:cs typeface="Segoe UI" panose="020B0502040204020203" pitchFamily="34" charset="0"/>
+              </a:rPr>
+              <a:t>Login</a:t>
+            </a:r>
+            <a:r>
+              <a:rPr lang="en-US" altLang="ja-JP" dirty="0">
+                <a:latin typeface="Segoe UI" panose="020B0502040204020203" pitchFamily="34" charset="0"/>
+                <a:ea typeface="Segoe UI" panose="020B0502040204020203" pitchFamily="34" charset="0"/>
+                <a:cs typeface="Segoe UI" panose="020B0502040204020203" pitchFamily="34" charset="0"/>
+              </a:rPr>
+              <a:t> button.</a:t>
+            </a:r>
+            <a:endParaRPr lang="ja-JP" altLang="ja-JP" dirty="0">
+              <a:latin typeface="Segoe UI" panose="020B0502040204020203" pitchFamily="34" charset="0"/>
+              <a:cs typeface="Segoe UI" panose="020B0502040204020203" pitchFamily="34" charset="0"/>
+            </a:endParaRPr>
+          </a:p>
+          <a:p>
+            <a:pPr marL="180000" lvl="1" indent="0">
+              <a:buNone/>
+            </a:pPr>
+            <a:r>
+              <a:rPr lang="ja-JP" altLang="ja-JP" dirty="0"/>
+              <a:t>　　・</a:t>
+            </a:r>
+            <a:r>
+              <a:rPr lang="en-US" altLang="ja-JP" dirty="0"/>
+              <a:t>Login ID</a:t>
+            </a:r>
+            <a:r>
+              <a:rPr lang="ja-JP" altLang="ja-JP" dirty="0"/>
+              <a:t>　　</a:t>
+            </a:r>
+            <a:r>
+              <a:rPr lang="en-US" altLang="ja-JP" dirty="0"/>
+              <a:t>      </a:t>
+            </a:r>
+            <a:r>
+              <a:rPr lang="ja-JP" altLang="ja-JP" dirty="0"/>
+              <a:t>：</a:t>
+            </a:r>
+            <a:r>
+              <a:rPr lang="ja-JP" altLang="en-US" dirty="0"/>
+              <a:t> </a:t>
+            </a:r>
+            <a:r>
+              <a:rPr lang="en-US" altLang="ja-JP" dirty="0"/>
+              <a:t>administrator</a:t>
+            </a:r>
+            <a:endParaRPr lang="ja-JP" altLang="ja-JP" dirty="0"/>
+          </a:p>
+          <a:p>
+            <a:pPr marL="180000" lvl="1" indent="0">
+              <a:buNone/>
+            </a:pPr>
+            <a:r>
+              <a:rPr lang="ja-JP" altLang="ja-JP" dirty="0"/>
+              <a:t>　　・</a:t>
+            </a:r>
+            <a:r>
+              <a:rPr lang="en-US" altLang="ja-JP" dirty="0"/>
+              <a:t>Initial password</a:t>
+            </a:r>
+            <a:r>
+              <a:rPr lang="ja-JP" altLang="ja-JP" dirty="0"/>
+              <a:t> ： </a:t>
+            </a:r>
+            <a:r>
+              <a:rPr lang="en-US" altLang="ja-JP" dirty="0"/>
+              <a:t>password</a:t>
+            </a:r>
+          </a:p>
+          <a:p>
+            <a:pPr marL="180000" lvl="1" indent="0">
+              <a:buNone/>
+            </a:pPr>
+            <a:endParaRPr lang="ja-JP" altLang="ja-JP" dirty="0"/>
+          </a:p>
+          <a:p>
+            <a:pPr lvl="1"/>
+            <a:r>
+              <a:rPr lang="en-US" altLang="ja-JP" dirty="0">
+                <a:latin typeface="Segoe UI" panose="020B0502040204020203" pitchFamily="34" charset="0"/>
+                <a:ea typeface="Segoe UI" panose="020B0502040204020203" pitchFamily="34" charset="0"/>
+                <a:cs typeface="Segoe UI" panose="020B0502040204020203" pitchFamily="34" charset="0"/>
+              </a:rPr>
+              <a:t>If you have logged in for the first time after the installation, you will be prompted to change the password.</a:t>
+            </a:r>
+            <a:r>
+              <a:rPr lang="en-US" altLang="ja-JP" dirty="0"/>
+              <a:t> </a:t>
+            </a:r>
+          </a:p>
+          <a:p>
+            <a:pPr lvl="1"/>
+            <a:r>
+              <a:rPr lang="en-US" altLang="ja-JP" dirty="0">
+                <a:cs typeface="Segoe UI" panose="020B0502040204020203" pitchFamily="34" charset="0"/>
+              </a:rPr>
+              <a:t>Please c</a:t>
+            </a:r>
+            <a:r>
+              <a:rPr lang="en-US" altLang="ja-JP" dirty="0">
+                <a:latin typeface="Segoe UI" panose="020B0502040204020203" pitchFamily="34" charset="0"/>
+                <a:ea typeface="Segoe UI" panose="020B0502040204020203" pitchFamily="34" charset="0"/>
+                <a:cs typeface="Segoe UI" panose="020B0502040204020203" pitchFamily="34" charset="0"/>
+              </a:rPr>
+              <a:t>hange the initial password.</a:t>
+            </a:r>
+            <a:endParaRPr lang="ja-JP" altLang="ja-JP" dirty="0">
+              <a:latin typeface="Segoe UI" panose="020B0502040204020203" pitchFamily="34" charset="0"/>
+              <a:cs typeface="Segoe UI" panose="020B0502040204020203" pitchFamily="34" charset="0"/>
+            </a:endParaRPr>
+          </a:p>
+          <a:p>
+            <a:pPr marL="180000" lvl="1" indent="0">
+              <a:buNone/>
+            </a:pPr>
+            <a:endParaRPr kumimoji="1" lang="en-US" altLang="ja-JP" dirty="0"/>
+          </a:p>
+        </p:txBody>
+      </p:sp>
+    </p:spTree>
+    <p:extLst>
+      <p:ext uri="{BB962C8B-B14F-4D97-AF65-F5344CB8AC3E}">
+        <p14:creationId xmlns:p14="http://schemas.microsoft.com/office/powerpoint/2010/main" val="1507867604"/>
+      </p:ext>
+    </p:extLst>
+  </p:cSld>
+  <p:clrMapOvr>
+    <a:masterClrMapping/>
+  </p:clrMapOvr>
+</p:sld>
+</file>
+
+<file path=ppt/slides/slide32.xml><?xml version="1.0" encoding="utf-8"?>
 <p:sld xmlns:a="http://schemas.openxmlformats.org/drawingml/2006/main" xmlns:r="http://schemas.openxmlformats.org/officeDocument/2006/relationships" xmlns:p="http://schemas.openxmlformats.org/presentationml/2006/main">
   <p:cSld>
     <p:spTree>
@@ -33297,7 +33848,7 @@
           <a:p>
             <a:r>
               <a:rPr lang="en-US" altLang="ja-JP" dirty="0"/>
-              <a:t>4.2</a:t>
+              <a:t>4.1</a:t>
             </a:r>
             <a:r>
               <a:rPr lang="ja-JP" altLang="en-US" dirty="0"/>
@@ -33689,7 +34240,7 @@
 </p:sld>
 </file>
 
-<file path=ppt/slides/slide31.xml><?xml version="1.0" encoding="utf-8"?>
+<file path=ppt/slides/slide33.xml><?xml version="1.0" encoding="utf-8"?>
 <p:sld xmlns:a="http://schemas.openxmlformats.org/drawingml/2006/main" xmlns:r="http://schemas.openxmlformats.org/officeDocument/2006/relationships" xmlns:p="http://schemas.openxmlformats.org/presentationml/2006/main">
   <p:cSld>
     <p:spTree>
@@ -33723,7 +34274,7 @@
           <a:p>
             <a:r>
               <a:rPr lang="en-US" altLang="ja-JP" dirty="0"/>
-              <a:t>4.3</a:t>
+              <a:t>4.1</a:t>
             </a:r>
             <a:r>
               <a:rPr lang="ja-JP" altLang="en-US" dirty="0"/>
@@ -34892,7 +35443,7 @@
 </p:sld>
 </file>
 
-<file path=ppt/slides/slide32.xml><?xml version="1.0" encoding="utf-8"?>
+<file path=ppt/slides/slide34.xml><?xml version="1.0" encoding="utf-8"?>
 <p:sld xmlns:a="http://schemas.openxmlformats.org/drawingml/2006/main" xmlns:r="http://schemas.openxmlformats.org/officeDocument/2006/relationships" xmlns:p="http://schemas.openxmlformats.org/presentationml/2006/main">
   <p:cSld>
     <p:spTree>
@@ -34926,7 +35477,7 @@
           <a:p>
             <a:r>
               <a:rPr lang="en-US" altLang="ja-JP" dirty="0"/>
-              <a:t>4.4</a:t>
+              <a:t>4.1</a:t>
             </a:r>
             <a:r>
               <a:rPr lang="ja-JP" altLang="en-US" dirty="0"/>
@@ -35583,7 +36134,7 @@
 </p:sld>
 </file>
 
-<file path=ppt/slides/slide33.xml><?xml version="1.0" encoding="utf-8"?>
+<file path=ppt/slides/slide35.xml><?xml version="1.0" encoding="utf-8"?>
 <p:sld xmlns:a="http://schemas.openxmlformats.org/drawingml/2006/main" xmlns:r="http://schemas.openxmlformats.org/officeDocument/2006/relationships" xmlns:p="http://schemas.openxmlformats.org/presentationml/2006/main">
   <p:cSld>
     <p:spTree>
@@ -35649,7 +36200,7 @@
 </p:sld>
 </file>
 
-<file path=ppt/slides/slide34.xml><?xml version="1.0" encoding="utf-8"?>
+<file path=ppt/slides/slide36.xml><?xml version="1.0" encoding="utf-8"?>
 <p:sld xmlns:a="http://schemas.openxmlformats.org/drawingml/2006/main" xmlns:r="http://schemas.openxmlformats.org/officeDocument/2006/relationships" xmlns:p="http://schemas.openxmlformats.org/presentationml/2006/main">
   <p:cSld>
     <p:spTree>
@@ -35926,7 +36477,7 @@
 </p:sld>
 </file>
 
-<file path=ppt/slides/slide35.xml><?xml version="1.0" encoding="utf-8"?>
+<file path=ppt/slides/slide37.xml><?xml version="1.0" encoding="utf-8"?>
 <p:sld xmlns:a="http://schemas.openxmlformats.org/drawingml/2006/main" xmlns:r="http://schemas.openxmlformats.org/officeDocument/2006/relationships" xmlns:p="http://schemas.openxmlformats.org/presentationml/2006/main">
   <p:cSld>
     <p:spTree>
@@ -35960,7 +36511,7 @@
           <a:p>
             <a:r>
               <a:rPr lang="en-US" altLang="ja-JP" dirty="0"/>
-              <a:t>5.2</a:t>
+              <a:t>5.1</a:t>
             </a:r>
             <a:r>
               <a:rPr lang="ja-JP" altLang="en-US" dirty="0"/>
@@ -36170,7 +36721,7 @@
 </p:sld>
 </file>
 
-<file path=ppt/slides/slide36.xml><?xml version="1.0" encoding="utf-8"?>
+<file path=ppt/slides/slide38.xml><?xml version="1.0" encoding="utf-8"?>
 <p:sld xmlns:a="http://schemas.openxmlformats.org/drawingml/2006/main" xmlns:r="http://schemas.openxmlformats.org/officeDocument/2006/relationships" xmlns:p="http://schemas.openxmlformats.org/presentationml/2006/main">
   <p:cSld>
     <p:spTree>
@@ -39632,7 +40183,7 @@
           <a:p>
             <a:r>
               <a:rPr lang="en-US" altLang="ja-JP" dirty="0"/>
-              <a:t>2.3	</a:t>
+              <a:t>2.2	</a:t>
             </a:r>
             <a:r>
               <a:rPr lang="en-US" altLang="zh-TW" dirty="0"/>
